--- a/powerpoint/Consumer-Driven Contract Tests using PACT.pptx
+++ b/powerpoint/Consumer-Driven Contract Tests using PACT.pptx
@@ -4114,12 +4114,12 @@
         </a:fontRef>
       </dsp:style>
       <dsp:txBody>
-        <a:bodyPr spcFirstLastPara="0" vert="horz" wrap="square" lIns="20320" tIns="20320" rIns="20320" bIns="20320" numCol="1" spcCol="1270" anchor="ctr" anchorCtr="0">
+        <a:bodyPr spcFirstLastPara="0" vert="horz" wrap="square" lIns="21590" tIns="21590" rIns="21590" bIns="21590" numCol="1" spcCol="1270" anchor="ctr" anchorCtr="0">
           <a:noAutofit/>
         </a:bodyPr>
         <a:lstStyle/>
         <a:p>
-          <a:pPr marL="0" lvl="0" indent="0" algn="ctr" defTabSz="711200">
+          <a:pPr marL="0" lvl="0" indent="0" algn="ctr" defTabSz="755650">
             <a:lnSpc>
               <a:spcPct val="90000"/>
             </a:lnSpc>
@@ -4132,14 +4132,14 @@
             <a:buNone/>
           </a:pPr>
           <a:br>
-            <a:rPr lang="de-DE" sz="1600" kern="1200" dirty="0">
+            <a:rPr lang="de-DE" sz="1700" kern="1200" dirty="0">
               <a:solidFill>
                 <a:schemeClr val="bg1"/>
               </a:solidFill>
             </a:rPr>
           </a:br>
           <a:r>
-            <a:rPr lang="de-DE" sz="1600" kern="1200" dirty="0">
+            <a:rPr lang="de-DE" sz="1700" kern="1200" dirty="0">
               <a:solidFill>
                 <a:schemeClr val="bg1"/>
               </a:solidFill>
@@ -4147,14 +4147,14 @@
             <a:t>UI </a:t>
           </a:r>
           <a:br>
-            <a:rPr lang="de-DE" sz="1600" kern="1200" dirty="0">
+            <a:rPr lang="de-DE" sz="1700" kern="1200" dirty="0">
               <a:solidFill>
                 <a:schemeClr val="bg1"/>
               </a:solidFill>
             </a:rPr>
           </a:br>
           <a:r>
-            <a:rPr lang="de-DE" sz="1600" kern="1200" dirty="0">
+            <a:rPr lang="de-DE" sz="1700" kern="1200" dirty="0">
               <a:solidFill>
                 <a:schemeClr val="bg1"/>
               </a:solidFill>
@@ -4226,12 +4226,12 @@
         </a:fontRef>
       </dsp:style>
       <dsp:txBody>
-        <a:bodyPr spcFirstLastPara="0" vert="horz" wrap="square" lIns="20320" tIns="20320" rIns="20320" bIns="20320" numCol="1" spcCol="1270" anchor="ctr" anchorCtr="0">
+        <a:bodyPr spcFirstLastPara="0" vert="horz" wrap="square" lIns="21590" tIns="21590" rIns="21590" bIns="21590" numCol="1" spcCol="1270" anchor="ctr" anchorCtr="0">
           <a:noAutofit/>
         </a:bodyPr>
         <a:lstStyle/>
         <a:p>
-          <a:pPr marL="0" lvl="0" indent="0" algn="ctr" defTabSz="711200">
+          <a:pPr marL="0" lvl="0" indent="0" algn="ctr" defTabSz="755650">
             <a:lnSpc>
               <a:spcPct val="90000"/>
             </a:lnSpc>
@@ -4244,7 +4244,7 @@
             <a:buNone/>
           </a:pPr>
           <a:r>
-            <a:rPr lang="de-DE" sz="1600" kern="1200" dirty="0">
+            <a:rPr lang="de-DE" sz="1700" kern="1200" dirty="0">
               <a:solidFill>
                 <a:schemeClr val="bg1"/>
               </a:solidFill>
@@ -4316,12 +4316,12 @@
         </a:fontRef>
       </dsp:style>
       <dsp:txBody>
-        <a:bodyPr spcFirstLastPara="0" vert="horz" wrap="square" lIns="20320" tIns="20320" rIns="20320" bIns="20320" numCol="1" spcCol="1270" anchor="ctr" anchorCtr="0">
+        <a:bodyPr spcFirstLastPara="0" vert="horz" wrap="square" lIns="21590" tIns="21590" rIns="21590" bIns="21590" numCol="1" spcCol="1270" anchor="ctr" anchorCtr="0">
           <a:noAutofit/>
         </a:bodyPr>
         <a:lstStyle/>
         <a:p>
-          <a:pPr marL="0" lvl="0" indent="0" algn="ctr" defTabSz="711200">
+          <a:pPr marL="0" lvl="0" indent="0" algn="ctr" defTabSz="755650">
             <a:lnSpc>
               <a:spcPct val="90000"/>
             </a:lnSpc>
@@ -4334,7 +4334,7 @@
             <a:buNone/>
           </a:pPr>
           <a:r>
-            <a:rPr lang="de-DE" sz="1600" kern="1200" dirty="0">
+            <a:rPr lang="de-DE" sz="1700" kern="1200" dirty="0">
               <a:solidFill>
                 <a:schemeClr val="bg1"/>
               </a:solidFill>
@@ -4406,12 +4406,12 @@
         </a:fontRef>
       </dsp:style>
       <dsp:txBody>
-        <a:bodyPr spcFirstLastPara="0" vert="horz" wrap="square" lIns="20320" tIns="20320" rIns="20320" bIns="20320" numCol="1" spcCol="1270" anchor="ctr" anchorCtr="0">
+        <a:bodyPr spcFirstLastPara="0" vert="horz" wrap="square" lIns="21590" tIns="21590" rIns="21590" bIns="21590" numCol="1" spcCol="1270" anchor="ctr" anchorCtr="0">
           <a:noAutofit/>
         </a:bodyPr>
         <a:lstStyle/>
         <a:p>
-          <a:pPr marL="0" lvl="0" indent="0" algn="ctr" defTabSz="711200">
+          <a:pPr marL="0" lvl="0" indent="0" algn="ctr" defTabSz="755650">
             <a:lnSpc>
               <a:spcPct val="90000"/>
             </a:lnSpc>
@@ -4424,7 +4424,7 @@
             <a:buNone/>
           </a:pPr>
           <a:r>
-            <a:rPr lang="de-DE" sz="1600" kern="1200" dirty="0" err="1">
+            <a:rPr lang="de-DE" sz="1700" kern="1200" dirty="0" err="1">
               <a:solidFill>
                 <a:schemeClr val="bg1"/>
               </a:solidFill>
@@ -4432,7 +4432,7 @@
             <a:t>Component</a:t>
           </a:r>
           <a:r>
-            <a:rPr lang="de-DE" sz="1600" kern="1200" dirty="0">
+            <a:rPr lang="de-DE" sz="1700" kern="1200" dirty="0">
               <a:solidFill>
                 <a:schemeClr val="bg1"/>
               </a:solidFill>
@@ -4504,12 +4504,12 @@
         </a:fontRef>
       </dsp:style>
       <dsp:txBody>
-        <a:bodyPr spcFirstLastPara="0" vert="horz" wrap="square" lIns="20320" tIns="20320" rIns="20320" bIns="20320" numCol="1" spcCol="1270" anchor="ctr" anchorCtr="0">
+        <a:bodyPr spcFirstLastPara="0" vert="horz" wrap="square" lIns="21590" tIns="21590" rIns="21590" bIns="21590" numCol="1" spcCol="1270" anchor="ctr" anchorCtr="0">
           <a:noAutofit/>
         </a:bodyPr>
         <a:lstStyle/>
         <a:p>
-          <a:pPr marL="0" lvl="0" indent="0" algn="ctr" defTabSz="711200">
+          <a:pPr marL="0" lvl="0" indent="0" algn="ctr" defTabSz="755650">
             <a:lnSpc>
               <a:spcPct val="90000"/>
             </a:lnSpc>
@@ -4522,7 +4522,7 @@
             <a:buNone/>
           </a:pPr>
           <a:r>
-            <a:rPr lang="de-DE" sz="1600" kern="1200" dirty="0">
+            <a:rPr lang="de-DE" sz="1700" kern="1200" dirty="0">
               <a:solidFill>
                 <a:schemeClr val="bg1"/>
               </a:solidFill>
@@ -4836,12 +4836,12 @@
         </a:fontRef>
       </dsp:style>
       <dsp:txBody>
-        <a:bodyPr spcFirstLastPara="0" vert="horz" wrap="square" lIns="24130" tIns="24130" rIns="24130" bIns="24130" numCol="1" spcCol="1270" anchor="ctr" anchorCtr="0">
+        <a:bodyPr spcFirstLastPara="0" vert="horz" wrap="square" lIns="22225" tIns="22225" rIns="22225" bIns="22225" numCol="1" spcCol="1270" anchor="ctr" anchorCtr="0">
           <a:noAutofit/>
         </a:bodyPr>
         <a:lstStyle/>
         <a:p>
-          <a:pPr marL="0" lvl="0" indent="0" algn="ctr" defTabSz="1689100">
+          <a:pPr marL="0" lvl="0" indent="0" algn="ctr" defTabSz="1555750">
             <a:lnSpc>
               <a:spcPct val="90000"/>
             </a:lnSpc>
@@ -4854,7 +4854,7 @@
             <a:buNone/>
           </a:pPr>
           <a:r>
-            <a:rPr lang="de-DE" sz="3800" kern="1200" dirty="0"/>
+            <a:rPr lang="de-DE" sz="3500" kern="1200" dirty="0"/>
             <a:t>Consumer</a:t>
           </a:r>
         </a:p>
@@ -4914,12 +4914,12 @@
         </a:fontRef>
       </dsp:style>
       <dsp:txBody>
-        <a:bodyPr spcFirstLastPara="0" vert="horz" wrap="square" lIns="24130" tIns="24130" rIns="24130" bIns="24130" numCol="1" spcCol="1270" anchor="ctr" anchorCtr="0">
+        <a:bodyPr spcFirstLastPara="0" vert="horz" wrap="square" lIns="22225" tIns="22225" rIns="22225" bIns="22225" numCol="1" spcCol="1270" anchor="ctr" anchorCtr="0">
           <a:noAutofit/>
         </a:bodyPr>
         <a:lstStyle/>
         <a:p>
-          <a:pPr marL="0" lvl="0" indent="0" algn="ctr" defTabSz="1689100">
+          <a:pPr marL="0" lvl="0" indent="0" algn="ctr" defTabSz="1555750">
             <a:lnSpc>
               <a:spcPct val="90000"/>
             </a:lnSpc>
@@ -4932,7 +4932,7 @@
             <a:buNone/>
           </a:pPr>
           <a:r>
-            <a:rPr lang="de-DE" sz="3800" kern="1200" dirty="0"/>
+            <a:rPr lang="de-DE" sz="3500" kern="1200" dirty="0"/>
             <a:t>Service 1</a:t>
           </a:r>
         </a:p>
@@ -4992,12 +4992,12 @@
         </a:fontRef>
       </dsp:style>
       <dsp:txBody>
-        <a:bodyPr spcFirstLastPara="0" vert="horz" wrap="square" lIns="24130" tIns="24130" rIns="24130" bIns="24130" numCol="1" spcCol="1270" anchor="ctr" anchorCtr="0">
+        <a:bodyPr spcFirstLastPara="0" vert="horz" wrap="square" lIns="22225" tIns="22225" rIns="22225" bIns="22225" numCol="1" spcCol="1270" anchor="ctr" anchorCtr="0">
           <a:noAutofit/>
         </a:bodyPr>
         <a:lstStyle/>
         <a:p>
-          <a:pPr marL="0" lvl="0" indent="0" algn="ctr" defTabSz="1689100">
+          <a:pPr marL="0" lvl="0" indent="0" algn="ctr" defTabSz="1555750">
             <a:lnSpc>
               <a:spcPct val="90000"/>
             </a:lnSpc>
@@ -5010,7 +5010,7 @@
             <a:buNone/>
           </a:pPr>
           <a:r>
-            <a:rPr lang="de-DE" sz="3800" kern="1200" dirty="0"/>
+            <a:rPr lang="de-DE" sz="3500" kern="1200" dirty="0"/>
             <a:t>Data 1</a:t>
           </a:r>
         </a:p>
@@ -5070,12 +5070,12 @@
         </a:fontRef>
       </dsp:style>
       <dsp:txBody>
-        <a:bodyPr spcFirstLastPara="0" vert="horz" wrap="square" lIns="24130" tIns="24130" rIns="24130" bIns="24130" numCol="1" spcCol="1270" anchor="ctr" anchorCtr="0">
+        <a:bodyPr spcFirstLastPara="0" vert="horz" wrap="square" lIns="22225" tIns="22225" rIns="22225" bIns="22225" numCol="1" spcCol="1270" anchor="ctr" anchorCtr="0">
           <a:noAutofit/>
         </a:bodyPr>
         <a:lstStyle/>
         <a:p>
-          <a:pPr marL="0" lvl="0" indent="0" algn="ctr" defTabSz="1689100">
+          <a:pPr marL="0" lvl="0" indent="0" algn="ctr" defTabSz="1555750">
             <a:lnSpc>
               <a:spcPct val="90000"/>
             </a:lnSpc>
@@ -5088,7 +5088,7 @@
             <a:buNone/>
           </a:pPr>
           <a:r>
-            <a:rPr lang="de-DE" sz="3800" kern="1200" dirty="0"/>
+            <a:rPr lang="de-DE" sz="3500" kern="1200" dirty="0"/>
             <a:t>Service 2</a:t>
           </a:r>
         </a:p>
@@ -5148,12 +5148,12 @@
         </a:fontRef>
       </dsp:style>
       <dsp:txBody>
-        <a:bodyPr spcFirstLastPara="0" vert="horz" wrap="square" lIns="24130" tIns="24130" rIns="24130" bIns="24130" numCol="1" spcCol="1270" anchor="ctr" anchorCtr="0">
+        <a:bodyPr spcFirstLastPara="0" vert="horz" wrap="square" lIns="22225" tIns="22225" rIns="22225" bIns="22225" numCol="1" spcCol="1270" anchor="ctr" anchorCtr="0">
           <a:noAutofit/>
         </a:bodyPr>
         <a:lstStyle/>
         <a:p>
-          <a:pPr marL="0" lvl="0" indent="0" algn="ctr" defTabSz="1689100">
+          <a:pPr marL="0" lvl="0" indent="0" algn="ctr" defTabSz="1555750">
             <a:lnSpc>
               <a:spcPct val="90000"/>
             </a:lnSpc>
@@ -5166,7 +5166,7 @@
             <a:buNone/>
           </a:pPr>
           <a:r>
-            <a:rPr lang="de-DE" sz="3800" kern="1200" dirty="0"/>
+            <a:rPr lang="de-DE" sz="3500" kern="1200" dirty="0"/>
             <a:t>Data 2</a:t>
           </a:r>
         </a:p>
@@ -11490,12 +11490,15 @@
           <a:bodyPr anchor="b"/>
           <a:lstStyle>
             <a:lvl1pPr algn="ctr">
-              <a:defRPr sz="6000"/>
+              <a:defRPr sz="6000">
+                <a:latin typeface="+mj-lt"/>
+                <a:ea typeface="Roboto" panose="02000000000000000000" pitchFamily="2" charset="0"/>
+              </a:defRPr>
             </a:lvl1pPr>
           </a:lstStyle>
           <a:p>
             <a:r>
-              <a:rPr lang="de-DE"/>
+              <a:rPr lang="de-DE" dirty="0"/>
               <a:t>Mastertitelformat bearbeiten</a:t>
             </a:r>
           </a:p>
@@ -11528,7 +11531,10 @@
           <a:lstStyle>
             <a:lvl1pPr marL="0" indent="0" algn="ctr">
               <a:buNone/>
-              <a:defRPr sz="2400"/>
+              <a:defRPr sz="2400">
+                <a:latin typeface="+mn-lt"/>
+                <a:ea typeface="Roboto" panose="02000000000000000000" pitchFamily="2" charset="0"/>
+              </a:defRPr>
             </a:lvl1pPr>
             <a:lvl2pPr marL="457200" indent="0" algn="ctr">
               <a:buNone/>
@@ -11565,7 +11571,7 @@
           </a:lstStyle>
           <a:p>
             <a:r>
-              <a:rPr lang="de-DE"/>
+              <a:rPr lang="de-DE" dirty="0"/>
               <a:t>Master-Untertitelformat bearbeiten</a:t>
             </a:r>
           </a:p>
@@ -11590,13 +11596,21 @@
         <p:spPr/>
         <p:txBody>
           <a:bodyPr/>
-          <a:lstStyle/>
+          <a:lstStyle>
+            <a:lvl1pPr>
+              <a:defRPr>
+                <a:latin typeface="+mn-lt"/>
+                <a:ea typeface="Roboto" panose="02000000000000000000" pitchFamily="2" charset="0"/>
+              </a:defRPr>
+            </a:lvl1pPr>
+          </a:lstStyle>
           <a:p>
             <a:fld id="{4DCA6C4A-C3BE-4614-8178-1E634F454DE2}" type="datetimeFigureOut">
               <a:rPr lang="de-DE" smtClean="0"/>
-              <a:t>27.04.2019</a:t>
+              <a:pPr/>
+              <a:t>15.05.2019</a:t>
             </a:fld>
-            <a:endParaRPr lang="de-DE"/>
+            <a:endParaRPr lang="de-DE" dirty="0"/>
           </a:p>
         </p:txBody>
       </p:sp>
@@ -11619,9 +11633,16 @@
         <p:spPr/>
         <p:txBody>
           <a:bodyPr/>
-          <a:lstStyle/>
+          <a:lstStyle>
+            <a:lvl1pPr>
+              <a:defRPr>
+                <a:latin typeface="+mn-lt"/>
+                <a:ea typeface="Roboto" panose="02000000000000000000" pitchFamily="2" charset="0"/>
+              </a:defRPr>
+            </a:lvl1pPr>
+          </a:lstStyle>
           <a:p>
-            <a:endParaRPr lang="de-DE"/>
+            <a:endParaRPr lang="de-DE" dirty="0"/>
           </a:p>
         </p:txBody>
       </p:sp>
@@ -11650,7 +11671,7 @@
               <a:rPr lang="de-DE" smtClean="0"/>
               <a:t>‹Nr.›</a:t>
             </a:fld>
-            <a:endParaRPr lang="de-DE"/>
+            <a:endParaRPr lang="de-DE" dirty="0"/>
           </a:p>
         </p:txBody>
       </p:sp>
@@ -11792,7 +11813,7 @@
           <a:p>
             <a:fld id="{4DCA6C4A-C3BE-4614-8178-1E634F454DE2}" type="datetimeFigureOut">
               <a:rPr lang="de-DE" smtClean="0"/>
-              <a:t>27.04.2019</a:t>
+              <a:t>15.05.2019</a:t>
             </a:fld>
             <a:endParaRPr lang="de-DE"/>
           </a:p>
@@ -12000,7 +12021,7 @@
           <a:p>
             <a:fld id="{4DCA6C4A-C3BE-4614-8178-1E634F454DE2}" type="datetimeFigureOut">
               <a:rPr lang="de-DE" smtClean="0"/>
-              <a:t>27.04.2019</a:t>
+              <a:t>15.05.2019</a:t>
             </a:fld>
             <a:endParaRPr lang="de-DE"/>
           </a:p>
@@ -12112,7 +12133,7 @@
           <a:lstStyle/>
           <a:p>
             <a:r>
-              <a:rPr lang="de-DE"/>
+              <a:rPr lang="de-DE" dirty="0"/>
               <a:t>Mastertitelformat bearbeiten</a:t>
             </a:r>
           </a:p>
@@ -12198,7 +12219,7 @@
           <a:p>
             <a:fld id="{4DCA6C4A-C3BE-4614-8178-1E634F454DE2}" type="datetimeFigureOut">
               <a:rPr lang="de-DE" smtClean="0"/>
-              <a:t>27.04.2019</a:t>
+              <a:t>15.05.2019</a:t>
             </a:fld>
             <a:endParaRPr lang="de-DE"/>
           </a:p>
@@ -12319,7 +12340,7 @@
           </a:lstStyle>
           <a:p>
             <a:r>
-              <a:rPr lang="de-DE"/>
+              <a:rPr lang="de-DE" dirty="0"/>
               <a:t>Mastertitelformat bearbeiten</a:t>
             </a:r>
           </a:p>
@@ -12444,7 +12465,7 @@
           <a:p>
             <a:pPr lvl="0"/>
             <a:r>
-              <a:rPr lang="de-DE"/>
+              <a:rPr lang="de-DE" dirty="0"/>
               <a:t>Mastertextformat bearbeiten</a:t>
             </a:r>
           </a:p>
@@ -12473,9 +12494,9 @@
           <a:p>
             <a:fld id="{4DCA6C4A-C3BE-4614-8178-1E634F454DE2}" type="datetimeFigureOut">
               <a:rPr lang="de-DE" smtClean="0"/>
-              <a:t>27.04.2019</a:t>
+              <a:t>15.05.2019</a:t>
             </a:fld>
-            <a:endParaRPr lang="de-DE"/>
+            <a:endParaRPr lang="de-DE" dirty="0"/>
           </a:p>
         </p:txBody>
       </p:sp>
@@ -12738,7 +12759,7 @@
           <a:p>
             <a:fld id="{4DCA6C4A-C3BE-4614-8178-1E634F454DE2}" type="datetimeFigureOut">
               <a:rPr lang="de-DE" smtClean="0"/>
-              <a:t>27.04.2019</a:t>
+              <a:t>15.05.2019</a:t>
             </a:fld>
             <a:endParaRPr lang="de-DE"/>
           </a:p>
@@ -12926,7 +12947,7 @@
           <a:p>
             <a:pPr lvl="0"/>
             <a:r>
-              <a:rPr lang="de-DE"/>
+              <a:rPr lang="de-DE" dirty="0"/>
               <a:t>Mastertextformat bearbeiten</a:t>
             </a:r>
           </a:p>
@@ -13150,7 +13171,7 @@
           <a:p>
             <a:fld id="{4DCA6C4A-C3BE-4614-8178-1E634F454DE2}" type="datetimeFigureOut">
               <a:rPr lang="de-DE" smtClean="0"/>
-              <a:t>27.04.2019</a:t>
+              <a:t>15.05.2019</a:t>
             </a:fld>
             <a:endParaRPr lang="de-DE"/>
           </a:p>
@@ -13291,7 +13312,7 @@
           <a:p>
             <a:fld id="{4DCA6C4A-C3BE-4614-8178-1E634F454DE2}" type="datetimeFigureOut">
               <a:rPr lang="de-DE" smtClean="0"/>
-              <a:t>27.04.2019</a:t>
+              <a:t>15.05.2019</a:t>
             </a:fld>
             <a:endParaRPr lang="de-DE"/>
           </a:p>
@@ -13404,9 +13425,9 @@
           <a:p>
             <a:fld id="{4DCA6C4A-C3BE-4614-8178-1E634F454DE2}" type="datetimeFigureOut">
               <a:rPr lang="de-DE" smtClean="0"/>
-              <a:t>27.04.2019</a:t>
+              <a:t>15.05.2019</a:t>
             </a:fld>
-            <a:endParaRPr lang="de-DE"/>
+            <a:endParaRPr lang="de-DE" dirty="0"/>
           </a:p>
         </p:txBody>
       </p:sp>
@@ -13715,7 +13736,7 @@
           <a:p>
             <a:fld id="{4DCA6C4A-C3BE-4614-8178-1E634F454DE2}" type="datetimeFigureOut">
               <a:rPr lang="de-DE" smtClean="0"/>
-              <a:t>27.04.2019</a:t>
+              <a:t>15.05.2019</a:t>
             </a:fld>
             <a:endParaRPr lang="de-DE"/>
           </a:p>
@@ -14003,7 +14024,7 @@
           <a:p>
             <a:fld id="{4DCA6C4A-C3BE-4614-8178-1E634F454DE2}" type="datetimeFigureOut">
               <a:rPr lang="de-DE" smtClean="0"/>
-              <a:t>27.04.2019</a:t>
+              <a:t>15.05.2019</a:t>
             </a:fld>
             <a:endParaRPr lang="de-DE"/>
           </a:p>
@@ -14080,9 +14101,12 @@
 <p:sldMaster xmlns:a="http://schemas.openxmlformats.org/drawingml/2006/main" xmlns:r="http://schemas.openxmlformats.org/officeDocument/2006/relationships" xmlns:p="http://schemas.openxmlformats.org/presentationml/2006/main">
   <p:cSld>
     <p:bg>
-      <p:bgRef idx="1001">
-        <a:schemeClr val="bg1"/>
-      </p:bgRef>
+      <p:bgPr>
+        <a:solidFill>
+          <a:schemeClr val="bg1"/>
+        </a:solidFill>
+        <a:effectLst/>
+      </p:bgPr>
     </p:bg>
     <p:spTree>
       <p:nvGrpSpPr>
@@ -14130,7 +14154,7 @@
           <a:lstStyle/>
           <a:p>
             <a:r>
-              <a:rPr lang="de-DE"/>
+              <a:rPr lang="de-DE" dirty="0"/>
               <a:t>Mastertitelformat bearbeiten</a:t>
             </a:r>
           </a:p>
@@ -14169,35 +14193,35 @@
           <a:p>
             <a:pPr lvl="0"/>
             <a:r>
-              <a:rPr lang="de-DE"/>
+              <a:rPr lang="de-DE" dirty="0"/>
               <a:t>Mastertextformat bearbeiten</a:t>
             </a:r>
           </a:p>
           <a:p>
             <a:pPr lvl="1"/>
             <a:r>
-              <a:rPr lang="de-DE"/>
+              <a:rPr lang="de-DE" dirty="0"/>
               <a:t>Zweite Ebene</a:t>
             </a:r>
           </a:p>
           <a:p>
             <a:pPr lvl="2"/>
             <a:r>
-              <a:rPr lang="de-DE"/>
+              <a:rPr lang="de-DE" dirty="0"/>
               <a:t>Dritte Ebene</a:t>
             </a:r>
           </a:p>
           <a:p>
             <a:pPr lvl="3"/>
             <a:r>
-              <a:rPr lang="de-DE"/>
+              <a:rPr lang="de-DE" dirty="0"/>
               <a:t>Vierte Ebene</a:t>
             </a:r>
           </a:p>
           <a:p>
             <a:pPr lvl="4"/>
             <a:r>
-              <a:rPr lang="de-DE"/>
+              <a:rPr lang="de-DE" dirty="0"/>
               <a:t>Fünfte Ebene</a:t>
             </a:r>
           </a:p>
@@ -14238,15 +14262,18 @@
                     <a:tint val="75000"/>
                   </a:schemeClr>
                 </a:solidFill>
+                <a:latin typeface="+mn-lt"/>
+                <a:ea typeface="Roboto" panose="02000000000000000000" pitchFamily="2" charset="0"/>
               </a:defRPr>
             </a:lvl1pPr>
           </a:lstStyle>
           <a:p>
             <a:fld id="{4DCA6C4A-C3BE-4614-8178-1E634F454DE2}" type="datetimeFigureOut">
               <a:rPr lang="de-DE" smtClean="0"/>
-              <a:t>27.04.2019</a:t>
+              <a:pPr/>
+              <a:t>15.05.2019</a:t>
             </a:fld>
-            <a:endParaRPr lang="de-DE"/>
+            <a:endParaRPr lang="de-DE" dirty="0"/>
           </a:p>
         </p:txBody>
       </p:sp>
@@ -14285,11 +14312,13 @@
                     <a:tint val="75000"/>
                   </a:schemeClr>
                 </a:solidFill>
+                <a:latin typeface="+mn-lt"/>
+                <a:ea typeface="Roboto" panose="02000000000000000000" pitchFamily="2" charset="0"/>
               </a:defRPr>
             </a:lvl1pPr>
           </a:lstStyle>
           <a:p>
-            <a:endParaRPr lang="de-DE"/>
+            <a:endParaRPr lang="de-DE" dirty="0"/>
           </a:p>
         </p:txBody>
       </p:sp>
@@ -14328,15 +14357,18 @@
                     <a:tint val="75000"/>
                   </a:schemeClr>
                 </a:solidFill>
+                <a:latin typeface="+mn-lt"/>
+                <a:ea typeface="Roboto" panose="02000000000000000000" pitchFamily="2" charset="0"/>
               </a:defRPr>
             </a:lvl1pPr>
           </a:lstStyle>
           <a:p>
             <a:fld id="{AA3BF397-6195-4832-AA9D-24E55560F78B}" type="slidenum">
               <a:rPr lang="de-DE" smtClean="0"/>
+              <a:pPr/>
               <a:t>‹Nr.›</a:t>
             </a:fld>
-            <a:endParaRPr lang="de-DE"/>
+            <a:endParaRPr lang="de-DE" dirty="0"/>
           </a:p>
         </p:txBody>
       </p:sp>
@@ -14376,7 +14408,7 @@
             <a:schemeClr val="tx1"/>
           </a:solidFill>
           <a:latin typeface="+mj-lt"/>
-          <a:ea typeface="+mj-ea"/>
+          <a:ea typeface="Roboto" panose="02000000000000000000" pitchFamily="2" charset="0"/>
           <a:cs typeface="+mj-cs"/>
         </a:defRPr>
       </a:lvl1pPr>
@@ -14396,7 +14428,7 @@
             <a:schemeClr val="tx1"/>
           </a:solidFill>
           <a:latin typeface="+mn-lt"/>
-          <a:ea typeface="+mn-ea"/>
+          <a:ea typeface="Roboto" panose="02000000000000000000" pitchFamily="2" charset="0"/>
           <a:cs typeface="+mn-cs"/>
         </a:defRPr>
       </a:lvl1pPr>
@@ -14414,7 +14446,7 @@
             <a:schemeClr val="tx1"/>
           </a:solidFill>
           <a:latin typeface="+mn-lt"/>
-          <a:ea typeface="+mn-ea"/>
+          <a:ea typeface="Roboto" panose="02000000000000000000" pitchFamily="2" charset="0"/>
           <a:cs typeface="+mn-cs"/>
         </a:defRPr>
       </a:lvl2pPr>
@@ -14431,8 +14463,8 @@
           <a:solidFill>
             <a:schemeClr val="tx1"/>
           </a:solidFill>
-          <a:latin typeface="+mn-lt"/>
-          <a:ea typeface="+mn-ea"/>
+          <a:latin typeface="Roboto" panose="02000000000000000000" pitchFamily="2" charset="0"/>
+          <a:ea typeface="Roboto" panose="02000000000000000000" pitchFamily="2" charset="0"/>
           <a:cs typeface="+mn-cs"/>
         </a:defRPr>
       </a:lvl3pPr>
@@ -14450,7 +14482,7 @@
             <a:schemeClr val="tx1"/>
           </a:solidFill>
           <a:latin typeface="+mn-lt"/>
-          <a:ea typeface="+mn-ea"/>
+          <a:ea typeface="Roboto" panose="02000000000000000000" pitchFamily="2" charset="0"/>
           <a:cs typeface="+mn-cs"/>
         </a:defRPr>
       </a:lvl4pPr>
@@ -14468,7 +14500,7 @@
             <a:schemeClr val="tx1"/>
           </a:solidFill>
           <a:latin typeface="+mn-lt"/>
-          <a:ea typeface="+mn-ea"/>
+          <a:ea typeface="Roboto" panose="02000000000000000000" pitchFamily="2" charset="0"/>
           <a:cs typeface="+mn-cs"/>
         </a:defRPr>
       </a:lvl5pPr>
@@ -15601,8 +15633,8 @@
         </p:nvSpPr>
         <p:spPr>
           <a:xfrm>
-            <a:off x="8738979" y="6492875"/>
-            <a:ext cx="3344737" cy="230832"/>
+            <a:off x="8410223" y="6492875"/>
+            <a:ext cx="3673494" cy="230832"/>
           </a:xfrm>
           <a:prstGeom prst="rect">
             <a:avLst/>
@@ -15616,26 +15648,26 @@
           <a:lstStyle/>
           <a:p>
             <a:r>
-              <a:rPr lang="de-DE" sz="900"/>
+              <a:rPr lang="de-DE" sz="900" dirty="0"/>
               <a:t>"</a:t>
             </a:r>
             <a:r>
-              <a:rPr lang="de-DE" sz="900">
+              <a:rPr lang="de-DE" sz="900" dirty="0">
                 <a:hlinkClick r:id="rId3" tooltip="http://commons.wikimedia.org/wiki/File:User_icon_2.svg"/>
               </a:rPr>
               <a:t>Dieses Foto</a:t>
             </a:r>
             <a:r>
-              <a:rPr lang="de-DE" sz="900"/>
+              <a:rPr lang="de-DE" sz="900" dirty="0"/>
               <a:t>" von Unbekannter Autor ist lizenziert gemäß </a:t>
             </a:r>
             <a:r>
-              <a:rPr lang="de-DE" sz="900">
+              <a:rPr lang="de-DE" sz="900" dirty="0">
                 <a:hlinkClick r:id="rId4" tooltip="https://creativecommons.org/licenses/by-sa/3.0/"/>
               </a:rPr>
               <a:t>CC BY-SA</a:t>
             </a:r>
-            <a:endParaRPr lang="de-DE" sz="900"/>
+            <a:endParaRPr lang="de-DE" sz="900" dirty="0"/>
           </a:p>
         </p:txBody>
       </p:sp>
@@ -17372,110 +17404,16 @@
         <a:srgbClr val="954F72"/>
       </a:folHlink>
     </a:clrScheme>
-    <a:fontScheme name="Office">
+    <a:fontScheme name="Roboto">
       <a:majorFont>
-        <a:latin typeface="Calibri Light" panose="020F0302020204030204"/>
+        <a:latin typeface="Roboto Light"/>
         <a:ea typeface=""/>
         <a:cs typeface=""/>
-        <a:font script="Jpan" typeface="游ゴシック Light"/>
-        <a:font script="Hang" typeface="맑은 고딕"/>
-        <a:font script="Hans" typeface="等线 Light"/>
-        <a:font script="Hant" typeface="新細明體"/>
-        <a:font script="Arab" typeface="Times New Roman"/>
-        <a:font script="Hebr" typeface="Times New Roman"/>
-        <a:font script="Thai" typeface="Angsana New"/>
-        <a:font script="Ethi" typeface="Nyala"/>
-        <a:font script="Beng" typeface="Vrinda"/>
-        <a:font script="Gujr" typeface="Shruti"/>
-        <a:font script="Khmr" typeface="MoolBoran"/>
-        <a:font script="Knda" typeface="Tunga"/>
-        <a:font script="Guru" typeface="Raavi"/>
-        <a:font script="Cans" typeface="Euphemia"/>
-        <a:font script="Cher" typeface="Plantagenet Cherokee"/>
-        <a:font script="Yiii" typeface="Microsoft Yi Baiti"/>
-        <a:font script="Tibt" typeface="Microsoft Himalaya"/>
-        <a:font script="Thaa" typeface="MV Boli"/>
-        <a:font script="Deva" typeface="Mangal"/>
-        <a:font script="Telu" typeface="Gautami"/>
-        <a:font script="Taml" typeface="Latha"/>
-        <a:font script="Syrc" typeface="Estrangelo Edessa"/>
-        <a:font script="Orya" typeface="Kalinga"/>
-        <a:font script="Mlym" typeface="Kartika"/>
-        <a:font script="Laoo" typeface="DokChampa"/>
-        <a:font script="Sinh" typeface="Iskoola Pota"/>
-        <a:font script="Mong" typeface="Mongolian Baiti"/>
-        <a:font script="Viet" typeface="Times New Roman"/>
-        <a:font script="Uigh" typeface="Microsoft Uighur"/>
-        <a:font script="Geor" typeface="Sylfaen"/>
-        <a:font script="Armn" typeface="Arial"/>
-        <a:font script="Bugi" typeface="Leelawadee UI"/>
-        <a:font script="Bopo" typeface="Microsoft JhengHei"/>
-        <a:font script="Java" typeface="Javanese Text"/>
-        <a:font script="Lisu" typeface="Segoe UI"/>
-        <a:font script="Mymr" typeface="Myanmar Text"/>
-        <a:font script="Nkoo" typeface="Ebrima"/>
-        <a:font script="Olck" typeface="Nirmala UI"/>
-        <a:font script="Osma" typeface="Ebrima"/>
-        <a:font script="Phag" typeface="Phagspa"/>
-        <a:font script="Syrn" typeface="Estrangelo Edessa"/>
-        <a:font script="Syrj" typeface="Estrangelo Edessa"/>
-        <a:font script="Syre" typeface="Estrangelo Edessa"/>
-        <a:font script="Sora" typeface="Nirmala UI"/>
-        <a:font script="Tale" typeface="Microsoft Tai Le"/>
-        <a:font script="Talu" typeface="Microsoft New Tai Lue"/>
-        <a:font script="Tfng" typeface="Ebrima"/>
       </a:majorFont>
       <a:minorFont>
-        <a:latin typeface="Calibri" panose="020F0502020204030204"/>
+        <a:latin typeface="Roboto"/>
         <a:ea typeface=""/>
         <a:cs typeface=""/>
-        <a:font script="Jpan" typeface="游ゴシック"/>
-        <a:font script="Hang" typeface="맑은 고딕"/>
-        <a:font script="Hans" typeface="等线"/>
-        <a:font script="Hant" typeface="新細明體"/>
-        <a:font script="Arab" typeface="Arial"/>
-        <a:font script="Hebr" typeface="Arial"/>
-        <a:font script="Thai" typeface="Cordia New"/>
-        <a:font script="Ethi" typeface="Nyala"/>
-        <a:font script="Beng" typeface="Vrinda"/>
-        <a:font script="Gujr" typeface="Shruti"/>
-        <a:font script="Khmr" typeface="DaunPenh"/>
-        <a:font script="Knda" typeface="Tunga"/>
-        <a:font script="Guru" typeface="Raavi"/>
-        <a:font script="Cans" typeface="Euphemia"/>
-        <a:font script="Cher" typeface="Plantagenet Cherokee"/>
-        <a:font script="Yiii" typeface="Microsoft Yi Baiti"/>
-        <a:font script="Tibt" typeface="Microsoft Himalaya"/>
-        <a:font script="Thaa" typeface="MV Boli"/>
-        <a:font script="Deva" typeface="Mangal"/>
-        <a:font script="Telu" typeface="Gautami"/>
-        <a:font script="Taml" typeface="Latha"/>
-        <a:font script="Syrc" typeface="Estrangelo Edessa"/>
-        <a:font script="Orya" typeface="Kalinga"/>
-        <a:font script="Mlym" typeface="Kartika"/>
-        <a:font script="Laoo" typeface="DokChampa"/>
-        <a:font script="Sinh" typeface="Iskoola Pota"/>
-        <a:font script="Mong" typeface="Mongolian Baiti"/>
-        <a:font script="Viet" typeface="Arial"/>
-        <a:font script="Uigh" typeface="Microsoft Uighur"/>
-        <a:font script="Geor" typeface="Sylfaen"/>
-        <a:font script="Armn" typeface="Arial"/>
-        <a:font script="Bugi" typeface="Leelawadee UI"/>
-        <a:font script="Bopo" typeface="Microsoft JhengHei"/>
-        <a:font script="Java" typeface="Javanese Text"/>
-        <a:font script="Lisu" typeface="Segoe UI"/>
-        <a:font script="Mymr" typeface="Myanmar Text"/>
-        <a:font script="Nkoo" typeface="Ebrima"/>
-        <a:font script="Olck" typeface="Nirmala UI"/>
-        <a:font script="Osma" typeface="Ebrima"/>
-        <a:font script="Phag" typeface="Phagspa"/>
-        <a:font script="Syrn" typeface="Estrangelo Edessa"/>
-        <a:font script="Syrj" typeface="Estrangelo Edessa"/>
-        <a:font script="Syre" typeface="Estrangelo Edessa"/>
-        <a:font script="Sora" typeface="Nirmala UI"/>
-        <a:font script="Tale" typeface="Microsoft Tai Le"/>
-        <a:font script="Talu" typeface="Microsoft New Tai Lue"/>
-        <a:font script="Tfng" typeface="Ebrima"/>
       </a:minorFont>
     </a:fontScheme>
     <a:fmtScheme name="Office">

--- a/powerpoint/Consumer-Driven Contract Tests using PACT.pptx
+++ b/powerpoint/Consumer-Driven Contract Tests using PACT.pptx
@@ -4,17 +4,25 @@
   <p:sldMasterIdLst>
     <p:sldMasterId id="2147483648" r:id="rId1"/>
   </p:sldMasterIdLst>
+  <p:notesMasterIdLst>
+    <p:notesMasterId r:id="rId17"/>
+  </p:notesMasterIdLst>
   <p:sldIdLst>
     <p:sldId id="256" r:id="rId2"/>
-    <p:sldId id="260" r:id="rId3"/>
-    <p:sldId id="259" r:id="rId4"/>
-    <p:sldId id="264" r:id="rId5"/>
-    <p:sldId id="265" r:id="rId6"/>
-    <p:sldId id="261" r:id="rId7"/>
-    <p:sldId id="258" r:id="rId8"/>
-    <p:sldId id="257" r:id="rId9"/>
-    <p:sldId id="263" r:id="rId10"/>
-    <p:sldId id="262" r:id="rId11"/>
+    <p:sldId id="270" r:id="rId3"/>
+    <p:sldId id="269" r:id="rId4"/>
+    <p:sldId id="266" r:id="rId5"/>
+    <p:sldId id="260" r:id="rId6"/>
+    <p:sldId id="259" r:id="rId7"/>
+    <p:sldId id="271" r:id="rId8"/>
+    <p:sldId id="264" r:id="rId9"/>
+    <p:sldId id="265" r:id="rId10"/>
+    <p:sldId id="261" r:id="rId11"/>
+    <p:sldId id="257" r:id="rId12"/>
+    <p:sldId id="263" r:id="rId13"/>
+    <p:sldId id="272" r:id="rId14"/>
+    <p:sldId id="262" r:id="rId15"/>
+    <p:sldId id="268" r:id="rId16"/>
   </p:sldIdLst>
   <p:sldSz cx="12192000" cy="6858000"/>
   <p:notesSz cx="6858000" cy="9144000"/>
@@ -3141,7 +3149,7 @@
   <dgm:whole/>
   <dgm:extLst>
     <a:ext uri="http://schemas.microsoft.com/office/drawing/2008/diagram">
-      <dsp:dataModelExt xmlns:dsp="http://schemas.microsoft.com/office/drawing/2008/diagram" relId="rId6" minVer="http://schemas.openxmlformats.org/drawingml/2006/diagram"/>
+      <dsp:dataModelExt xmlns:dsp="http://schemas.microsoft.com/office/drawing/2008/diagram" relId="rId7" minVer="http://schemas.openxmlformats.org/drawingml/2006/diagram"/>
     </a:ext>
   </dgm:extLst>
 </dgm:dataModel>
@@ -3162,14 +3170,14 @@
       </dgm:t>
     </dgm:pt>
     <dgm:pt modelId="{2A923512-C38D-4B2D-A03E-CDBA4217DC0C}">
-      <dgm:prSet phldrT="[Text]"/>
+      <dgm:prSet phldrT="[Text]" custT="1"/>
       <dgm:spPr/>
       <dgm:t>
         <a:bodyPr/>
         <a:lstStyle/>
         <a:p>
           <a:r>
-            <a:rPr lang="de-DE" dirty="0"/>
+            <a:rPr lang="de-DE" sz="2000" dirty="0"/>
             <a:t>Consumer</a:t>
           </a:r>
         </a:p>
@@ -3341,6 +3349,84 @@
         </a:p>
       </dgm:t>
     </dgm:pt>
+    <dgm:pt modelId="{88F42772-2DA0-4483-9232-7496D478F792}">
+      <dgm:prSet phldrT="[Text]"/>
+      <dgm:spPr/>
+      <dgm:t>
+        <a:bodyPr/>
+        <a:lstStyle/>
+        <a:p>
+          <a:r>
+            <a:rPr lang="de-DE"/>
+            <a:t>Other data</a:t>
+          </a:r>
+          <a:endParaRPr lang="de-DE" dirty="0"/>
+        </a:p>
+      </dgm:t>
+    </dgm:pt>
+    <dgm:pt modelId="{199E1AB9-F1A0-44BC-AFB0-DB7DB43A5EC8}" type="parTrans" cxnId="{28604F64-B4C5-4BB5-A763-F12CA04309E3}">
+      <dgm:prSet/>
+      <dgm:spPr/>
+      <dgm:t>
+        <a:bodyPr/>
+        <a:lstStyle/>
+        <a:p>
+          <a:endParaRPr lang="de-DE"/>
+        </a:p>
+      </dgm:t>
+    </dgm:pt>
+    <dgm:pt modelId="{F85B75BF-CB74-4340-8876-CA93546A99A9}" type="sibTrans" cxnId="{28604F64-B4C5-4BB5-A763-F12CA04309E3}">
+      <dgm:prSet/>
+      <dgm:spPr/>
+      <dgm:t>
+        <a:bodyPr/>
+        <a:lstStyle/>
+        <a:p>
+          <a:endParaRPr lang="de-DE"/>
+        </a:p>
+      </dgm:t>
+    </dgm:pt>
+    <dgm:pt modelId="{7D5AF09D-6502-4A0C-8223-4EF654B96263}">
+      <dgm:prSet phldrT="[Text]"/>
+      <dgm:spPr/>
+      <dgm:t>
+        <a:bodyPr/>
+        <a:lstStyle/>
+        <a:p>
+          <a:r>
+            <a:rPr lang="de-DE" dirty="0"/>
+            <a:t>More </a:t>
+          </a:r>
+          <a:r>
+            <a:rPr lang="de-DE" dirty="0" err="1"/>
+            <a:t>data</a:t>
+          </a:r>
+          <a:endParaRPr lang="de-DE" dirty="0"/>
+        </a:p>
+      </dgm:t>
+    </dgm:pt>
+    <dgm:pt modelId="{348DA1F7-8E51-40FC-89F8-B6BB17B40E25}" type="parTrans" cxnId="{57926AEA-FB92-4724-BDB6-1C18B9BB089E}">
+      <dgm:prSet/>
+      <dgm:spPr/>
+      <dgm:t>
+        <a:bodyPr/>
+        <a:lstStyle/>
+        <a:p>
+          <a:endParaRPr lang="de-DE"/>
+        </a:p>
+      </dgm:t>
+    </dgm:pt>
+    <dgm:pt modelId="{FA8E783E-F8AC-4F50-A992-3F7960DB3165}" type="sibTrans" cxnId="{57926AEA-FB92-4724-BDB6-1C18B9BB089E}">
+      <dgm:prSet/>
+      <dgm:spPr/>
+      <dgm:t>
+        <a:bodyPr/>
+        <a:lstStyle/>
+        <a:p>
+          <a:endParaRPr lang="de-DE"/>
+        </a:p>
+      </dgm:t>
+    </dgm:pt>
     <dgm:pt modelId="{991769D8-8BEC-4515-88A1-57839AC36DE7}" type="pres">
       <dgm:prSet presAssocID="{1AA59294-7CA1-4DBF-90CE-6AC996746AED}" presName="hierChild1" presStyleCnt="0">
         <dgm:presLayoutVars>
@@ -3415,7 +3501,7 @@
       <dgm:spPr/>
     </dgm:pt>
     <dgm:pt modelId="{51FE42C1-FD15-4E15-8A56-10B022ACB938}" type="pres">
-      <dgm:prSet presAssocID="{F94BD3FA-E8B6-4EC3-9E17-8C8E76EC97A0}" presName="Name37" presStyleLbl="parChTrans1D3" presStyleIdx="0" presStyleCnt="2"/>
+      <dgm:prSet presAssocID="{F94BD3FA-E8B6-4EC3-9E17-8C8E76EC97A0}" presName="Name37" presStyleLbl="parChTrans1D3" presStyleIdx="0" presStyleCnt="4"/>
       <dgm:spPr/>
     </dgm:pt>
     <dgm:pt modelId="{530CB096-A852-400E-9B19-79A964CEC934}" type="pres">
@@ -3431,7 +3517,7 @@
       <dgm:spPr/>
     </dgm:pt>
     <dgm:pt modelId="{FBA85D6D-C356-4239-9C15-5A539154530B}" type="pres">
-      <dgm:prSet presAssocID="{0CB358E7-0C19-41D9-860B-D4B4756A342D}" presName="rootText" presStyleLbl="node3" presStyleIdx="0" presStyleCnt="2">
+      <dgm:prSet presAssocID="{0CB358E7-0C19-41D9-860B-D4B4756A342D}" presName="rootText" presStyleLbl="node3" presStyleIdx="0" presStyleCnt="4">
         <dgm:presLayoutVars>
           <dgm:chPref val="3"/>
         </dgm:presLayoutVars>
@@ -3439,7 +3525,7 @@
       <dgm:spPr/>
     </dgm:pt>
     <dgm:pt modelId="{33222B47-4BA6-42BC-8CE8-621370481829}" type="pres">
-      <dgm:prSet presAssocID="{0CB358E7-0C19-41D9-860B-D4B4756A342D}" presName="rootConnector" presStyleLbl="node3" presStyleIdx="0" presStyleCnt="2"/>
+      <dgm:prSet presAssocID="{0CB358E7-0C19-41D9-860B-D4B4756A342D}" presName="rootConnector" presStyleLbl="node3" presStyleIdx="0" presStyleCnt="4"/>
       <dgm:spPr/>
     </dgm:pt>
     <dgm:pt modelId="{73DC5062-7C48-45D1-9FC1-E657FFACE46F}" type="pres">
@@ -3448,6 +3534,78 @@
     </dgm:pt>
     <dgm:pt modelId="{BEFD4733-6738-4774-9736-795BD12A644D}" type="pres">
       <dgm:prSet presAssocID="{0CB358E7-0C19-41D9-860B-D4B4756A342D}" presName="hierChild5" presStyleCnt="0"/>
+      <dgm:spPr/>
+    </dgm:pt>
+    <dgm:pt modelId="{C648C27B-5608-484C-8C27-1DBB0575028D}" type="pres">
+      <dgm:prSet presAssocID="{199E1AB9-F1A0-44BC-AFB0-DB7DB43A5EC8}" presName="Name37" presStyleLbl="parChTrans1D3" presStyleIdx="1" presStyleCnt="4"/>
+      <dgm:spPr/>
+    </dgm:pt>
+    <dgm:pt modelId="{59E5BD51-F581-4AB6-AC8B-2609D8000198}" type="pres">
+      <dgm:prSet presAssocID="{88F42772-2DA0-4483-9232-7496D478F792}" presName="hierRoot2" presStyleCnt="0">
+        <dgm:presLayoutVars>
+          <dgm:hierBranch val="init"/>
+        </dgm:presLayoutVars>
+      </dgm:prSet>
+      <dgm:spPr/>
+    </dgm:pt>
+    <dgm:pt modelId="{60BFFAF7-69B4-492A-ACB0-A77B8F13DFFE}" type="pres">
+      <dgm:prSet presAssocID="{88F42772-2DA0-4483-9232-7496D478F792}" presName="rootComposite" presStyleCnt="0"/>
+      <dgm:spPr/>
+    </dgm:pt>
+    <dgm:pt modelId="{6E0451BC-C3F7-4051-A770-5ACAEE67A407}" type="pres">
+      <dgm:prSet presAssocID="{88F42772-2DA0-4483-9232-7496D478F792}" presName="rootText" presStyleLbl="node3" presStyleIdx="1" presStyleCnt="4">
+        <dgm:presLayoutVars>
+          <dgm:chPref val="3"/>
+        </dgm:presLayoutVars>
+      </dgm:prSet>
+      <dgm:spPr/>
+    </dgm:pt>
+    <dgm:pt modelId="{02075C37-C4FB-402E-803A-0E878E8BAABF}" type="pres">
+      <dgm:prSet presAssocID="{88F42772-2DA0-4483-9232-7496D478F792}" presName="rootConnector" presStyleLbl="node3" presStyleIdx="1" presStyleCnt="4"/>
+      <dgm:spPr/>
+    </dgm:pt>
+    <dgm:pt modelId="{B4CFA9A5-C24C-41FF-BA64-08E90AEE1A24}" type="pres">
+      <dgm:prSet presAssocID="{88F42772-2DA0-4483-9232-7496D478F792}" presName="hierChild4" presStyleCnt="0"/>
+      <dgm:spPr/>
+    </dgm:pt>
+    <dgm:pt modelId="{4B9F560B-6815-40F8-8B6E-EDABFEDEC0E4}" type="pres">
+      <dgm:prSet presAssocID="{88F42772-2DA0-4483-9232-7496D478F792}" presName="hierChild5" presStyleCnt="0"/>
+      <dgm:spPr/>
+    </dgm:pt>
+    <dgm:pt modelId="{282C1BF8-A736-43CB-B72F-F7D0EB26C5D5}" type="pres">
+      <dgm:prSet presAssocID="{348DA1F7-8E51-40FC-89F8-B6BB17B40E25}" presName="Name37" presStyleLbl="parChTrans1D3" presStyleIdx="2" presStyleCnt="4"/>
+      <dgm:spPr/>
+    </dgm:pt>
+    <dgm:pt modelId="{9D08C152-04CB-432B-9BFF-391EDCF891A4}" type="pres">
+      <dgm:prSet presAssocID="{7D5AF09D-6502-4A0C-8223-4EF654B96263}" presName="hierRoot2" presStyleCnt="0">
+        <dgm:presLayoutVars>
+          <dgm:hierBranch val="init"/>
+        </dgm:presLayoutVars>
+      </dgm:prSet>
+      <dgm:spPr/>
+    </dgm:pt>
+    <dgm:pt modelId="{99978921-4F4C-46AF-A351-F89F82B6FDB4}" type="pres">
+      <dgm:prSet presAssocID="{7D5AF09D-6502-4A0C-8223-4EF654B96263}" presName="rootComposite" presStyleCnt="0"/>
+      <dgm:spPr/>
+    </dgm:pt>
+    <dgm:pt modelId="{98029E32-CA64-4A29-A580-6485C390AB3D}" type="pres">
+      <dgm:prSet presAssocID="{7D5AF09D-6502-4A0C-8223-4EF654B96263}" presName="rootText" presStyleLbl="node3" presStyleIdx="2" presStyleCnt="4">
+        <dgm:presLayoutVars>
+          <dgm:chPref val="3"/>
+        </dgm:presLayoutVars>
+      </dgm:prSet>
+      <dgm:spPr/>
+    </dgm:pt>
+    <dgm:pt modelId="{53F2933F-8FCC-4DB9-8C02-82BFF3E0D977}" type="pres">
+      <dgm:prSet presAssocID="{7D5AF09D-6502-4A0C-8223-4EF654B96263}" presName="rootConnector" presStyleLbl="node3" presStyleIdx="2" presStyleCnt="4"/>
+      <dgm:spPr/>
+    </dgm:pt>
+    <dgm:pt modelId="{EA87A030-C759-4DE9-AF2F-B5158B51D3C1}" type="pres">
+      <dgm:prSet presAssocID="{7D5AF09D-6502-4A0C-8223-4EF654B96263}" presName="hierChild4" presStyleCnt="0"/>
+      <dgm:spPr/>
+    </dgm:pt>
+    <dgm:pt modelId="{EC266B71-F9B5-4891-B7CA-AAC535AA5CCF}" type="pres">
+      <dgm:prSet presAssocID="{7D5AF09D-6502-4A0C-8223-4EF654B96263}" presName="hierChild5" presStyleCnt="0"/>
       <dgm:spPr/>
     </dgm:pt>
     <dgm:pt modelId="{3B5C93B1-1FF7-4744-8E4D-A0E1E21EC67A}" type="pres">
@@ -3487,7 +3645,7 @@
       <dgm:spPr/>
     </dgm:pt>
     <dgm:pt modelId="{3C02CBA7-94A9-45E6-9373-3190A1D89D5A}" type="pres">
-      <dgm:prSet presAssocID="{884F0B4D-1EE3-466A-8D5F-5258351EC141}" presName="Name37" presStyleLbl="parChTrans1D3" presStyleIdx="1" presStyleCnt="2"/>
+      <dgm:prSet presAssocID="{884F0B4D-1EE3-466A-8D5F-5258351EC141}" presName="Name37" presStyleLbl="parChTrans1D3" presStyleIdx="3" presStyleCnt="4"/>
       <dgm:spPr/>
     </dgm:pt>
     <dgm:pt modelId="{5C59968D-DAC2-4AAE-9344-6D52AB358396}" type="pres">
@@ -3503,7 +3661,7 @@
       <dgm:spPr/>
     </dgm:pt>
     <dgm:pt modelId="{14557F6B-B986-4ECE-8FB0-60CA92028931}" type="pres">
-      <dgm:prSet presAssocID="{AEC42FAF-7DFD-49AF-8CF1-1FC8F0B9B4FA}" presName="rootText" presStyleLbl="node3" presStyleIdx="1" presStyleCnt="2">
+      <dgm:prSet presAssocID="{AEC42FAF-7DFD-49AF-8CF1-1FC8F0B9B4FA}" presName="rootText" presStyleLbl="node3" presStyleIdx="3" presStyleCnt="4">
         <dgm:presLayoutVars>
           <dgm:chPref val="3"/>
         </dgm:presLayoutVars>
@@ -3511,7 +3669,7 @@
       <dgm:spPr/>
     </dgm:pt>
     <dgm:pt modelId="{63810071-5BDB-4790-9544-9709FB87BEA1}" type="pres">
-      <dgm:prSet presAssocID="{AEC42FAF-7DFD-49AF-8CF1-1FC8F0B9B4FA}" presName="rootConnector" presStyleLbl="node3" presStyleIdx="1" presStyleCnt="2"/>
+      <dgm:prSet presAssocID="{AEC42FAF-7DFD-49AF-8CF1-1FC8F0B9B4FA}" presName="rootConnector" presStyleLbl="node3" presStyleIdx="3" presStyleCnt="4"/>
       <dgm:spPr/>
     </dgm:pt>
     <dgm:pt modelId="{D2421719-1CDB-45BC-B0E2-5C19D487E0D7}" type="pres">
@@ -3533,6 +3691,9 @@
   </dgm:ptLst>
   <dgm:cxnLst>
     <dgm:cxn modelId="{1A44505B-00F2-48F7-91DF-EBD1A620493D}" srcId="{2A923512-C38D-4B2D-A03E-CDBA4217DC0C}" destId="{501766C6-3A04-4A6A-8959-505B1D6159CC}" srcOrd="0" destOrd="0" parTransId="{0F5FA806-8574-4E09-9541-B26F9DE9858D}" sibTransId="{38152EB1-53FA-4483-AD90-034D5F803A4E}"/>
+    <dgm:cxn modelId="{14FE3444-0625-4409-8878-0B47DD94F937}" type="presOf" srcId="{88F42772-2DA0-4483-9232-7496D478F792}" destId="{02075C37-C4FB-402E-803A-0E878E8BAABF}" srcOrd="1" destOrd="0" presId="urn:microsoft.com/office/officeart/2005/8/layout/orgChart1"/>
+    <dgm:cxn modelId="{28604F64-B4C5-4BB5-A763-F12CA04309E3}" srcId="{501766C6-3A04-4A6A-8959-505B1D6159CC}" destId="{88F42772-2DA0-4483-9232-7496D478F792}" srcOrd="1" destOrd="0" parTransId="{199E1AB9-F1A0-44BC-AFB0-DB7DB43A5EC8}" sibTransId="{F85B75BF-CB74-4340-8876-CA93546A99A9}"/>
+    <dgm:cxn modelId="{4FA3AD66-28C4-4ED1-98BE-0A6E6EF3A631}" type="presOf" srcId="{7D5AF09D-6502-4A0C-8223-4EF654B96263}" destId="{98029E32-CA64-4A29-A580-6485C390AB3D}" srcOrd="0" destOrd="0" presId="urn:microsoft.com/office/officeart/2005/8/layout/orgChart1"/>
     <dgm:cxn modelId="{E89AB367-5BED-4C23-ABD2-1B2768B09480}" type="presOf" srcId="{0CB358E7-0C19-41D9-860B-D4B4756A342D}" destId="{33222B47-4BA6-42BC-8CE8-621370481829}" srcOrd="1" destOrd="0" presId="urn:microsoft.com/office/officeart/2005/8/layout/orgChart1"/>
     <dgm:cxn modelId="{A976144C-184A-47C4-97C6-C95877D5505B}" type="presOf" srcId="{AEC42FAF-7DFD-49AF-8CF1-1FC8F0B9B4FA}" destId="{63810071-5BDB-4790-9544-9709FB87BEA1}" srcOrd="1" destOrd="0" presId="urn:microsoft.com/office/officeart/2005/8/layout/orgChart1"/>
     <dgm:cxn modelId="{4E5E964C-1DC0-4244-9742-5EA4FEB46599}" type="presOf" srcId="{0F5FA806-8574-4E09-9541-B26F9DE9858D}" destId="{6375DD51-E9F0-44A4-8952-FE6CB4A8E6E9}" srcOrd="0" destOrd="0" presId="urn:microsoft.com/office/officeart/2005/8/layout/orgChart1"/>
@@ -3540,18 +3701,23 @@
     <dgm:cxn modelId="{FB34257E-C764-4751-9A70-2C2C31E05666}" type="presOf" srcId="{AEC42FAF-7DFD-49AF-8CF1-1FC8F0B9B4FA}" destId="{14557F6B-B986-4ECE-8FB0-60CA92028931}" srcOrd="0" destOrd="0" presId="urn:microsoft.com/office/officeart/2005/8/layout/orgChart1"/>
     <dgm:cxn modelId="{8335167F-9F6E-494A-A7E2-D683B0B6385B}" type="presOf" srcId="{4DA04239-6F08-4783-AAC6-4049AF79F5A4}" destId="{AAC26C78-88F6-44EF-B3DE-5A59BCAE8C0E}" srcOrd="0" destOrd="0" presId="urn:microsoft.com/office/officeart/2005/8/layout/orgChart1"/>
     <dgm:cxn modelId="{1CD9D985-2993-4E99-8451-60765D48FB04}" type="presOf" srcId="{9163BE4F-0DF2-41E9-A546-E879C607DB3B}" destId="{89ED3D6A-206D-41AB-88C4-3CEDD50CD4E2}" srcOrd="1" destOrd="0" presId="urn:microsoft.com/office/officeart/2005/8/layout/orgChart1"/>
+    <dgm:cxn modelId="{8D6ACB8A-1543-4AA0-BFA4-436AE379565B}" type="presOf" srcId="{348DA1F7-8E51-40FC-89F8-B6BB17B40E25}" destId="{282C1BF8-A736-43CB-B72F-F7D0EB26C5D5}" srcOrd="0" destOrd="0" presId="urn:microsoft.com/office/officeart/2005/8/layout/orgChart1"/>
     <dgm:cxn modelId="{CF4D2D94-061C-406E-8753-9B0AFEB063AD}" srcId="{9163BE4F-0DF2-41E9-A546-E879C607DB3B}" destId="{AEC42FAF-7DFD-49AF-8CF1-1FC8F0B9B4FA}" srcOrd="0" destOrd="0" parTransId="{884F0B4D-1EE3-466A-8D5F-5258351EC141}" sibTransId="{25A6F7D6-CBD3-4419-83DB-3ECF4C828511}"/>
+    <dgm:cxn modelId="{95D56C97-D6E3-4202-8FAF-F3E15CC0240C}" type="presOf" srcId="{199E1AB9-F1A0-44BC-AFB0-DB7DB43A5EC8}" destId="{C648C27B-5608-484C-8C27-1DBB0575028D}" srcOrd="0" destOrd="0" presId="urn:microsoft.com/office/officeart/2005/8/layout/orgChart1"/>
     <dgm:cxn modelId="{44B26199-7B7A-4ABD-8B87-F3F09189263B}" type="presOf" srcId="{501766C6-3A04-4A6A-8959-505B1D6159CC}" destId="{920860B2-3977-4DA7-881E-874ED4B5390D}" srcOrd="0" destOrd="0" presId="urn:microsoft.com/office/officeart/2005/8/layout/orgChart1"/>
     <dgm:cxn modelId="{80DAA69F-C5C2-457E-8B96-C930D9E3AB3D}" type="presOf" srcId="{501766C6-3A04-4A6A-8959-505B1D6159CC}" destId="{7DD88C25-3AB0-40DE-82D0-A43FC6786023}" srcOrd="1" destOrd="0" presId="urn:microsoft.com/office/officeart/2005/8/layout/orgChart1"/>
     <dgm:cxn modelId="{554667A1-A6F9-4B62-8514-B0069C1D7BA4}" type="presOf" srcId="{F94BD3FA-E8B6-4EC3-9E17-8C8E76EC97A0}" destId="{51FE42C1-FD15-4E15-8A56-10B022ACB938}" srcOrd="0" destOrd="0" presId="urn:microsoft.com/office/officeart/2005/8/layout/orgChart1"/>
+    <dgm:cxn modelId="{5B5814A3-D3E1-4386-A1F8-878D02F84258}" type="presOf" srcId="{88F42772-2DA0-4483-9232-7496D478F792}" destId="{6E0451BC-C3F7-4051-A770-5ACAEE67A407}" srcOrd="0" destOrd="0" presId="urn:microsoft.com/office/officeart/2005/8/layout/orgChart1"/>
     <dgm:cxn modelId="{434DC3B6-F629-4958-AEAB-7C22F722CCEF}" type="presOf" srcId="{2A923512-C38D-4B2D-A03E-CDBA4217DC0C}" destId="{9E6B718A-99F7-42F2-B1C0-E0E285219618}" srcOrd="1" destOrd="0" presId="urn:microsoft.com/office/officeart/2005/8/layout/orgChart1"/>
     <dgm:cxn modelId="{515260BB-EE46-4A6F-9B6C-DE060F9CD6B5}" type="presOf" srcId="{2A923512-C38D-4B2D-A03E-CDBA4217DC0C}" destId="{D329BE6B-ECE8-4E1A-AB2E-B30CABD01F72}" srcOrd="0" destOrd="0" presId="urn:microsoft.com/office/officeart/2005/8/layout/orgChart1"/>
+    <dgm:cxn modelId="{57926AEA-FB92-4724-BDB6-1C18B9BB089E}" srcId="{501766C6-3A04-4A6A-8959-505B1D6159CC}" destId="{7D5AF09D-6502-4A0C-8223-4EF654B96263}" srcOrd="2" destOrd="0" parTransId="{348DA1F7-8E51-40FC-89F8-B6BB17B40E25}" sibTransId="{FA8E783E-F8AC-4F50-A992-3F7960DB3165}"/>
     <dgm:cxn modelId="{8861BFEB-1033-407F-A0AB-229D49154043}" type="presOf" srcId="{0CB358E7-0C19-41D9-860B-D4B4756A342D}" destId="{FBA85D6D-C356-4239-9C15-5A539154530B}" srcOrd="0" destOrd="0" presId="urn:microsoft.com/office/officeart/2005/8/layout/orgChart1"/>
     <dgm:cxn modelId="{94F4E3ED-B885-49B3-BE61-83B303DF0AE6}" srcId="{1AA59294-7CA1-4DBF-90CE-6AC996746AED}" destId="{2A923512-C38D-4B2D-A03E-CDBA4217DC0C}" srcOrd="0" destOrd="0" parTransId="{F7C8C60A-84F1-405E-A03F-97AD87F50DE6}" sibTransId="{6FB46508-0B2F-435C-927B-4EAA877267F7}"/>
     <dgm:cxn modelId="{B2F6FDF2-03F3-402D-BC15-5D58755530C0}" type="presOf" srcId="{884F0B4D-1EE3-466A-8D5F-5258351EC141}" destId="{3C02CBA7-94A9-45E6-9373-3190A1D89D5A}" srcOrd="0" destOrd="0" presId="urn:microsoft.com/office/officeart/2005/8/layout/orgChart1"/>
     <dgm:cxn modelId="{7CA3F2F6-76D7-49B2-9C87-08FBDA313CE4}" srcId="{2A923512-C38D-4B2D-A03E-CDBA4217DC0C}" destId="{9163BE4F-0DF2-41E9-A546-E879C607DB3B}" srcOrd="1" destOrd="0" parTransId="{4DA04239-6F08-4783-AAC6-4049AF79F5A4}" sibTransId="{9356A994-5D03-4701-BFA4-8B247DCB46CD}"/>
     <dgm:cxn modelId="{17B48DF9-AB94-48BE-9CF4-799464569650}" type="presOf" srcId="{1AA59294-7CA1-4DBF-90CE-6AC996746AED}" destId="{991769D8-8BEC-4515-88A1-57839AC36DE7}" srcOrd="0" destOrd="0" presId="urn:microsoft.com/office/officeart/2005/8/layout/orgChart1"/>
     <dgm:cxn modelId="{C52142FD-93EA-42D4-8664-1AE18957EA34}" srcId="{501766C6-3A04-4A6A-8959-505B1D6159CC}" destId="{0CB358E7-0C19-41D9-860B-D4B4756A342D}" srcOrd="0" destOrd="0" parTransId="{F94BD3FA-E8B6-4EC3-9E17-8C8E76EC97A0}" sibTransId="{135941B6-8C2D-4CEA-8D43-23CD5098EBF1}"/>
+    <dgm:cxn modelId="{0A5C84FF-9C18-4C12-8A4B-1BAB0E0BA264}" type="presOf" srcId="{7D5AF09D-6502-4A0C-8223-4EF654B96263}" destId="{53F2933F-8FCC-4DB9-8C02-82BFF3E0D977}" srcOrd="1" destOrd="0" presId="urn:microsoft.com/office/officeart/2005/8/layout/orgChart1"/>
     <dgm:cxn modelId="{7590BDC7-A3C0-41FF-98B0-8D4FEBE28392}" type="presParOf" srcId="{991769D8-8BEC-4515-88A1-57839AC36DE7}" destId="{EA7B8DBC-BDE8-4B7F-9FA1-4CB1DDFEFB08}" srcOrd="0" destOrd="0" presId="urn:microsoft.com/office/officeart/2005/8/layout/orgChart1"/>
     <dgm:cxn modelId="{842BEDD3-8CCB-4AA3-9D40-9DB0A0312DAD}" type="presParOf" srcId="{EA7B8DBC-BDE8-4B7F-9FA1-4CB1DDFEFB08}" destId="{66ABCD68-12B5-402A-B671-EE530C317EEA}" srcOrd="0" destOrd="0" presId="urn:microsoft.com/office/officeart/2005/8/layout/orgChart1"/>
     <dgm:cxn modelId="{FE1DE7F4-BAAA-4237-A146-1AF3D735D05E}" type="presParOf" srcId="{66ABCD68-12B5-402A-B671-EE530C317EEA}" destId="{D329BE6B-ECE8-4E1A-AB2E-B30CABD01F72}" srcOrd="0" destOrd="0" presId="urn:microsoft.com/office/officeart/2005/8/layout/orgChart1"/>
@@ -3570,6 +3736,20 @@
     <dgm:cxn modelId="{15C43740-4B87-453A-96FF-597B813DFD2E}" type="presParOf" srcId="{F35F6A57-379F-4061-8C38-BC5B46005B15}" destId="{33222B47-4BA6-42BC-8CE8-621370481829}" srcOrd="1" destOrd="0" presId="urn:microsoft.com/office/officeart/2005/8/layout/orgChart1"/>
     <dgm:cxn modelId="{416B1AC1-AF1B-45CF-BAC4-85C48510CD0A}" type="presParOf" srcId="{530CB096-A852-400E-9B19-79A964CEC934}" destId="{73DC5062-7C48-45D1-9FC1-E657FFACE46F}" srcOrd="1" destOrd="0" presId="urn:microsoft.com/office/officeart/2005/8/layout/orgChart1"/>
     <dgm:cxn modelId="{D4660739-E2CC-4ACD-8825-8E768149971C}" type="presParOf" srcId="{530CB096-A852-400E-9B19-79A964CEC934}" destId="{BEFD4733-6738-4774-9736-795BD12A644D}" srcOrd="2" destOrd="0" presId="urn:microsoft.com/office/officeart/2005/8/layout/orgChart1"/>
+    <dgm:cxn modelId="{159D8637-75E3-4C78-A8C4-0AA79A89DCAE}" type="presParOf" srcId="{FC56F9AD-D3B2-4AC7-A163-EA4B9BF535F8}" destId="{C648C27B-5608-484C-8C27-1DBB0575028D}" srcOrd="2" destOrd="0" presId="urn:microsoft.com/office/officeart/2005/8/layout/orgChart1"/>
+    <dgm:cxn modelId="{9564955A-6BED-4400-A6D0-6A197F2FD740}" type="presParOf" srcId="{FC56F9AD-D3B2-4AC7-A163-EA4B9BF535F8}" destId="{59E5BD51-F581-4AB6-AC8B-2609D8000198}" srcOrd="3" destOrd="0" presId="urn:microsoft.com/office/officeart/2005/8/layout/orgChart1"/>
+    <dgm:cxn modelId="{0F43C483-3840-4E67-A5BD-5C10D517C820}" type="presParOf" srcId="{59E5BD51-F581-4AB6-AC8B-2609D8000198}" destId="{60BFFAF7-69B4-492A-ACB0-A77B8F13DFFE}" srcOrd="0" destOrd="0" presId="urn:microsoft.com/office/officeart/2005/8/layout/orgChart1"/>
+    <dgm:cxn modelId="{17D45C3E-F132-4FD4-908F-2CA3A874E878}" type="presParOf" srcId="{60BFFAF7-69B4-492A-ACB0-A77B8F13DFFE}" destId="{6E0451BC-C3F7-4051-A770-5ACAEE67A407}" srcOrd="0" destOrd="0" presId="urn:microsoft.com/office/officeart/2005/8/layout/orgChart1"/>
+    <dgm:cxn modelId="{45BF3007-049B-4892-B944-4A8565C7B347}" type="presParOf" srcId="{60BFFAF7-69B4-492A-ACB0-A77B8F13DFFE}" destId="{02075C37-C4FB-402E-803A-0E878E8BAABF}" srcOrd="1" destOrd="0" presId="urn:microsoft.com/office/officeart/2005/8/layout/orgChart1"/>
+    <dgm:cxn modelId="{95AC7620-F63C-4C7F-9B01-17F0E5CC119D}" type="presParOf" srcId="{59E5BD51-F581-4AB6-AC8B-2609D8000198}" destId="{B4CFA9A5-C24C-41FF-BA64-08E90AEE1A24}" srcOrd="1" destOrd="0" presId="urn:microsoft.com/office/officeart/2005/8/layout/orgChart1"/>
+    <dgm:cxn modelId="{593C4947-EE96-47E9-A659-3354DDBC0626}" type="presParOf" srcId="{59E5BD51-F581-4AB6-AC8B-2609D8000198}" destId="{4B9F560B-6815-40F8-8B6E-EDABFEDEC0E4}" srcOrd="2" destOrd="0" presId="urn:microsoft.com/office/officeart/2005/8/layout/orgChart1"/>
+    <dgm:cxn modelId="{4B987002-5EF4-4580-B1C1-1FCDFBE731C0}" type="presParOf" srcId="{FC56F9AD-D3B2-4AC7-A163-EA4B9BF535F8}" destId="{282C1BF8-A736-43CB-B72F-F7D0EB26C5D5}" srcOrd="4" destOrd="0" presId="urn:microsoft.com/office/officeart/2005/8/layout/orgChart1"/>
+    <dgm:cxn modelId="{D10C44E3-AF20-4F19-AFEF-764DA81CFD39}" type="presParOf" srcId="{FC56F9AD-D3B2-4AC7-A163-EA4B9BF535F8}" destId="{9D08C152-04CB-432B-9BFF-391EDCF891A4}" srcOrd="5" destOrd="0" presId="urn:microsoft.com/office/officeart/2005/8/layout/orgChart1"/>
+    <dgm:cxn modelId="{69C6795C-50FF-4812-951C-1DFD94CCC73F}" type="presParOf" srcId="{9D08C152-04CB-432B-9BFF-391EDCF891A4}" destId="{99978921-4F4C-46AF-A351-F89F82B6FDB4}" srcOrd="0" destOrd="0" presId="urn:microsoft.com/office/officeart/2005/8/layout/orgChart1"/>
+    <dgm:cxn modelId="{405F27E5-6865-4027-BF24-284CD730A5BF}" type="presParOf" srcId="{99978921-4F4C-46AF-A351-F89F82B6FDB4}" destId="{98029E32-CA64-4A29-A580-6485C390AB3D}" srcOrd="0" destOrd="0" presId="urn:microsoft.com/office/officeart/2005/8/layout/orgChart1"/>
+    <dgm:cxn modelId="{E59A5DA3-6465-494E-A537-5410A853F787}" type="presParOf" srcId="{99978921-4F4C-46AF-A351-F89F82B6FDB4}" destId="{53F2933F-8FCC-4DB9-8C02-82BFF3E0D977}" srcOrd="1" destOrd="0" presId="urn:microsoft.com/office/officeart/2005/8/layout/orgChart1"/>
+    <dgm:cxn modelId="{F11BD225-754C-4B61-8585-2981539FEBF3}" type="presParOf" srcId="{9D08C152-04CB-432B-9BFF-391EDCF891A4}" destId="{EA87A030-C759-4DE9-AF2F-B5158B51D3C1}" srcOrd="1" destOrd="0" presId="urn:microsoft.com/office/officeart/2005/8/layout/orgChart1"/>
+    <dgm:cxn modelId="{EBBB0C2C-D506-4C42-A9C1-2BB71BBD955E}" type="presParOf" srcId="{9D08C152-04CB-432B-9BFF-391EDCF891A4}" destId="{EC266B71-F9B5-4891-B7CA-AAC535AA5CCF}" srcOrd="2" destOrd="0" presId="urn:microsoft.com/office/officeart/2005/8/layout/orgChart1"/>
     <dgm:cxn modelId="{7F9219FC-1ECF-4B22-A487-801F4103C0D3}" type="presParOf" srcId="{B6E9EE7A-701E-4CA5-B02B-9B078C30EDEC}" destId="{3B5C93B1-1FF7-4744-8E4D-A0E1E21EC67A}" srcOrd="2" destOrd="0" presId="urn:microsoft.com/office/officeart/2005/8/layout/orgChart1"/>
     <dgm:cxn modelId="{612D311D-A26F-48E1-BD7E-5546C7A65DCA}" type="presParOf" srcId="{EBCA3CA5-7AFE-41A5-AE0C-26F4E4B72892}" destId="{AAC26C78-88F6-44EF-B3DE-5A59BCAE8C0E}" srcOrd="2" destOrd="0" presId="urn:microsoft.com/office/officeart/2005/8/layout/orgChart1"/>
     <dgm:cxn modelId="{FC2B8BA9-72B0-464C-A37C-A628A9B2F9B3}" type="presParOf" srcId="{EBCA3CA5-7AFE-41A5-AE0C-26F4E4B72892}" destId="{4B600AF3-35EF-484B-9275-7B7BE460F7F5}" srcOrd="3" destOrd="0" presId="urn:microsoft.com/office/officeart/2005/8/layout/orgChart1"/>
@@ -3612,14 +3792,14 @@
       </dgm:t>
     </dgm:pt>
     <dgm:pt modelId="{2A923512-C38D-4B2D-A03E-CDBA4217DC0C}">
-      <dgm:prSet phldrT="[Text]"/>
+      <dgm:prSet phldrT="[Text]" custT="1"/>
       <dgm:spPr/>
       <dgm:t>
         <a:bodyPr/>
         <a:lstStyle/>
         <a:p>
           <a:r>
-            <a:rPr lang="de-DE" dirty="0"/>
+            <a:rPr lang="de-DE" sz="2400" dirty="0"/>
             <a:t>Provider</a:t>
           </a:r>
         </a:p>
@@ -4063,12 +4243,12 @@
       </dsp:nvSpPr>
       <dsp:spPr>
         <a:xfrm>
-          <a:off x="1751798" y="0"/>
-          <a:ext cx="875899" cy="749567"/>
+          <a:off x="2072640" y="0"/>
+          <a:ext cx="1036320" cy="870267"/>
         </a:xfrm>
         <a:prstGeom prst="trapezoid">
           <a:avLst>
-            <a:gd name="adj" fmla="val 58427"/>
+            <a:gd name="adj" fmla="val 59540"/>
           </a:avLst>
         </a:prstGeom>
         <a:solidFill>
@@ -4114,12 +4294,12 @@
         </a:fontRef>
       </dsp:style>
       <dsp:txBody>
-        <a:bodyPr spcFirstLastPara="0" vert="horz" wrap="square" lIns="21590" tIns="21590" rIns="21590" bIns="21590" numCol="1" spcCol="1270" anchor="ctr" anchorCtr="0">
+        <a:bodyPr spcFirstLastPara="0" vert="horz" wrap="square" lIns="24130" tIns="24130" rIns="24130" bIns="24130" numCol="1" spcCol="1270" anchor="ctr" anchorCtr="0">
           <a:noAutofit/>
         </a:bodyPr>
         <a:lstStyle/>
         <a:p>
-          <a:pPr marL="0" lvl="0" indent="0" algn="ctr" defTabSz="755650">
+          <a:pPr marL="0" lvl="0" indent="0" algn="ctr" defTabSz="844550">
             <a:lnSpc>
               <a:spcPct val="90000"/>
             </a:lnSpc>
@@ -4132,14 +4312,14 @@
             <a:buNone/>
           </a:pPr>
           <a:br>
-            <a:rPr lang="de-DE" sz="1700" kern="1200" dirty="0">
+            <a:rPr lang="de-DE" sz="1900" kern="1200" dirty="0">
               <a:solidFill>
                 <a:schemeClr val="bg1"/>
               </a:solidFill>
             </a:rPr>
           </a:br>
           <a:r>
-            <a:rPr lang="de-DE" sz="1700" kern="1200" dirty="0">
+            <a:rPr lang="de-DE" sz="1900" kern="1200" dirty="0">
               <a:solidFill>
                 <a:schemeClr val="bg1"/>
               </a:solidFill>
@@ -4147,14 +4327,14 @@
             <a:t>UI </a:t>
           </a:r>
           <a:br>
-            <a:rPr lang="de-DE" sz="1700" kern="1200" dirty="0">
+            <a:rPr lang="de-DE" sz="1900" kern="1200" dirty="0">
               <a:solidFill>
                 <a:schemeClr val="bg1"/>
               </a:solidFill>
             </a:rPr>
           </a:br>
           <a:r>
-            <a:rPr lang="de-DE" sz="1700" kern="1200" dirty="0">
+            <a:rPr lang="de-DE" sz="1900" kern="1200" dirty="0">
               <a:solidFill>
                 <a:schemeClr val="bg1"/>
               </a:solidFill>
@@ -4164,8 +4344,8 @@
         </a:p>
       </dsp:txBody>
       <dsp:txXfrm>
-        <a:off x="1751798" y="0"/>
-        <a:ext cx="875899" cy="749567"/>
+        <a:off x="2072640" y="0"/>
+        <a:ext cx="1036320" cy="870267"/>
       </dsp:txXfrm>
     </dsp:sp>
     <dsp:sp modelId="{917447F6-D3E0-49FB-ABA4-20B8D127D6FE}">
@@ -4175,12 +4355,12 @@
       </dsp:nvSpPr>
       <dsp:spPr>
         <a:xfrm>
-          <a:off x="1313848" y="749567"/>
-          <a:ext cx="1751798" cy="749567"/>
+          <a:off x="1554480" y="870267"/>
+          <a:ext cx="2072640" cy="870267"/>
         </a:xfrm>
         <a:prstGeom prst="trapezoid">
           <a:avLst>
-            <a:gd name="adj" fmla="val 58427"/>
+            <a:gd name="adj" fmla="val 59540"/>
           </a:avLst>
         </a:prstGeom>
         <a:solidFill>
@@ -4226,12 +4406,12 @@
         </a:fontRef>
       </dsp:style>
       <dsp:txBody>
-        <a:bodyPr spcFirstLastPara="0" vert="horz" wrap="square" lIns="21590" tIns="21590" rIns="21590" bIns="21590" numCol="1" spcCol="1270" anchor="ctr" anchorCtr="0">
+        <a:bodyPr spcFirstLastPara="0" vert="horz" wrap="square" lIns="24130" tIns="24130" rIns="24130" bIns="24130" numCol="1" spcCol="1270" anchor="ctr" anchorCtr="0">
           <a:noAutofit/>
         </a:bodyPr>
         <a:lstStyle/>
         <a:p>
-          <a:pPr marL="0" lvl="0" indent="0" algn="ctr" defTabSz="755650">
+          <a:pPr marL="0" lvl="0" indent="0" algn="ctr" defTabSz="844550">
             <a:lnSpc>
               <a:spcPct val="90000"/>
             </a:lnSpc>
@@ -4244,7 +4424,7 @@
             <a:buNone/>
           </a:pPr>
           <a:r>
-            <a:rPr lang="de-DE" sz="1700" kern="1200" dirty="0">
+            <a:rPr lang="de-DE" sz="1900" kern="1200" dirty="0">
               <a:solidFill>
                 <a:schemeClr val="bg1"/>
               </a:solidFill>
@@ -4254,8 +4434,8 @@
         </a:p>
       </dsp:txBody>
       <dsp:txXfrm>
-        <a:off x="1620413" y="749567"/>
-        <a:ext cx="1138668" cy="749567"/>
+        <a:off x="1917192" y="870267"/>
+        <a:ext cx="1347216" cy="870267"/>
       </dsp:txXfrm>
     </dsp:sp>
     <dsp:sp modelId="{8AB0CF94-2FFD-49D2-9A5A-A2C0CE6E4C1E}">
@@ -4265,12 +4445,12 @@
       </dsp:nvSpPr>
       <dsp:spPr>
         <a:xfrm>
-          <a:off x="875898" y="1499134"/>
-          <a:ext cx="2627697" cy="749567"/>
+          <a:off x="1036320" y="1740535"/>
+          <a:ext cx="3108960" cy="870267"/>
         </a:xfrm>
         <a:prstGeom prst="trapezoid">
           <a:avLst>
-            <a:gd name="adj" fmla="val 58427"/>
+            <a:gd name="adj" fmla="val 59540"/>
           </a:avLst>
         </a:prstGeom>
         <a:solidFill>
@@ -4316,12 +4496,12 @@
         </a:fontRef>
       </dsp:style>
       <dsp:txBody>
-        <a:bodyPr spcFirstLastPara="0" vert="horz" wrap="square" lIns="21590" tIns="21590" rIns="21590" bIns="21590" numCol="1" spcCol="1270" anchor="ctr" anchorCtr="0">
+        <a:bodyPr spcFirstLastPara="0" vert="horz" wrap="square" lIns="24130" tIns="24130" rIns="24130" bIns="24130" numCol="1" spcCol="1270" anchor="ctr" anchorCtr="0">
           <a:noAutofit/>
         </a:bodyPr>
         <a:lstStyle/>
         <a:p>
-          <a:pPr marL="0" lvl="0" indent="0" algn="ctr" defTabSz="755650">
+          <a:pPr marL="0" lvl="0" indent="0" algn="ctr" defTabSz="844550">
             <a:lnSpc>
               <a:spcPct val="90000"/>
             </a:lnSpc>
@@ -4334,7 +4514,7 @@
             <a:buNone/>
           </a:pPr>
           <a:r>
-            <a:rPr lang="de-DE" sz="1700" kern="1200" dirty="0">
+            <a:rPr lang="de-DE" sz="1900" kern="1200" dirty="0">
               <a:solidFill>
                 <a:schemeClr val="bg1"/>
               </a:solidFill>
@@ -4344,8 +4524,8 @@
         </a:p>
       </dsp:txBody>
       <dsp:txXfrm>
-        <a:off x="1335745" y="1499134"/>
-        <a:ext cx="1708003" cy="749567"/>
+        <a:off x="1580387" y="1740535"/>
+        <a:ext cx="2020824" cy="870267"/>
       </dsp:txXfrm>
     </dsp:sp>
     <dsp:sp modelId="{FDBF998F-85B9-4F10-8F7C-9684891741C4}">
@@ -4355,12 +4535,12 @@
       </dsp:nvSpPr>
       <dsp:spPr>
         <a:xfrm>
-          <a:off x="437949" y="2248701"/>
-          <a:ext cx="3503596" cy="749567"/>
+          <a:off x="518160" y="2610802"/>
+          <a:ext cx="4145280" cy="870267"/>
         </a:xfrm>
         <a:prstGeom prst="trapezoid">
           <a:avLst>
-            <a:gd name="adj" fmla="val 58427"/>
+            <a:gd name="adj" fmla="val 59540"/>
           </a:avLst>
         </a:prstGeom>
         <a:solidFill>
@@ -4406,12 +4586,12 @@
         </a:fontRef>
       </dsp:style>
       <dsp:txBody>
-        <a:bodyPr spcFirstLastPara="0" vert="horz" wrap="square" lIns="21590" tIns="21590" rIns="21590" bIns="21590" numCol="1" spcCol="1270" anchor="ctr" anchorCtr="0">
+        <a:bodyPr spcFirstLastPara="0" vert="horz" wrap="square" lIns="24130" tIns="24130" rIns="24130" bIns="24130" numCol="1" spcCol="1270" anchor="ctr" anchorCtr="0">
           <a:noAutofit/>
         </a:bodyPr>
         <a:lstStyle/>
         <a:p>
-          <a:pPr marL="0" lvl="0" indent="0" algn="ctr" defTabSz="755650">
+          <a:pPr marL="0" lvl="0" indent="0" algn="ctr" defTabSz="844550">
             <a:lnSpc>
               <a:spcPct val="90000"/>
             </a:lnSpc>
@@ -4424,7 +4604,7 @@
             <a:buNone/>
           </a:pPr>
           <a:r>
-            <a:rPr lang="de-DE" sz="1700" kern="1200" dirty="0" err="1">
+            <a:rPr lang="de-DE" sz="1900" kern="1200" dirty="0" err="1">
               <a:solidFill>
                 <a:schemeClr val="bg1"/>
               </a:solidFill>
@@ -4432,7 +4612,7 @@
             <a:t>Component</a:t>
           </a:r>
           <a:r>
-            <a:rPr lang="de-DE" sz="1700" kern="1200" dirty="0">
+            <a:rPr lang="de-DE" sz="1900" kern="1200" dirty="0">
               <a:solidFill>
                 <a:schemeClr val="bg1"/>
               </a:solidFill>
@@ -4442,8 +4622,8 @@
         </a:p>
       </dsp:txBody>
       <dsp:txXfrm>
-        <a:off x="1051078" y="2248701"/>
-        <a:ext cx="2277337" cy="749567"/>
+        <a:off x="1243583" y="2610802"/>
+        <a:ext cx="2694432" cy="870267"/>
       </dsp:txXfrm>
     </dsp:sp>
     <dsp:sp modelId="{09653C44-464D-4F12-828B-2F5AD4C00D73}">
@@ -4453,12 +4633,12 @@
       </dsp:nvSpPr>
       <dsp:spPr>
         <a:xfrm>
-          <a:off x="0" y="2998268"/>
-          <a:ext cx="4379495" cy="749567"/>
+          <a:off x="0" y="3481070"/>
+          <a:ext cx="5181599" cy="870267"/>
         </a:xfrm>
         <a:prstGeom prst="trapezoid">
           <a:avLst>
-            <a:gd name="adj" fmla="val 58427"/>
+            <a:gd name="adj" fmla="val 59540"/>
           </a:avLst>
         </a:prstGeom>
         <a:solidFill>
@@ -4504,12 +4684,12 @@
         </a:fontRef>
       </dsp:style>
       <dsp:txBody>
-        <a:bodyPr spcFirstLastPara="0" vert="horz" wrap="square" lIns="21590" tIns="21590" rIns="21590" bIns="21590" numCol="1" spcCol="1270" anchor="ctr" anchorCtr="0">
+        <a:bodyPr spcFirstLastPara="0" vert="horz" wrap="square" lIns="24130" tIns="24130" rIns="24130" bIns="24130" numCol="1" spcCol="1270" anchor="ctr" anchorCtr="0">
           <a:noAutofit/>
         </a:bodyPr>
         <a:lstStyle/>
         <a:p>
-          <a:pPr marL="0" lvl="0" indent="0" algn="ctr" defTabSz="755650">
+          <a:pPr marL="0" lvl="0" indent="0" algn="ctr" defTabSz="844550">
             <a:lnSpc>
               <a:spcPct val="90000"/>
             </a:lnSpc>
@@ -4522,7 +4702,7 @@
             <a:buNone/>
           </a:pPr>
           <a:r>
-            <a:rPr lang="de-DE" sz="1700" kern="1200" dirty="0">
+            <a:rPr lang="de-DE" sz="1900" kern="1200" dirty="0">
               <a:solidFill>
                 <a:schemeClr val="bg1"/>
               </a:solidFill>
@@ -4532,8 +4712,8 @@
         </a:p>
       </dsp:txBody>
       <dsp:txXfrm>
-        <a:off x="766411" y="2998268"/>
-        <a:ext cx="2846671" cy="749567"/>
+        <a:off x="906780" y="3481070"/>
+        <a:ext cx="3368040" cy="870267"/>
       </dsp:txXfrm>
     </dsp:sp>
   </dsp:spTree>
@@ -4555,8 +4735,8 @@
       </dsp:nvSpPr>
       <dsp:spPr>
         <a:xfrm>
-          <a:off x="2746622" y="2773640"/>
-          <a:ext cx="314491" cy="964440"/>
+          <a:off x="2686557" y="1630420"/>
+          <a:ext cx="201869" cy="619066"/>
         </a:xfrm>
         <a:custGeom>
           <a:avLst/>
@@ -4570,10 +4750,10 @@
                 <a:pt x="0" y="0"/>
               </a:moveTo>
               <a:lnTo>
-                <a:pt x="0" y="964440"/>
+                <a:pt x="0" y="619066"/>
               </a:lnTo>
               <a:lnTo>
-                <a:pt x="314491" y="964440"/>
+                <a:pt x="201869" y="619066"/>
               </a:lnTo>
             </a:path>
           </a:pathLst>
@@ -4613,8 +4793,8 @@
       </dsp:nvSpPr>
       <dsp:spPr>
         <a:xfrm>
-          <a:off x="2316817" y="1285046"/>
-          <a:ext cx="1268449" cy="440288"/>
+          <a:off x="2410668" y="674904"/>
+          <a:ext cx="814207" cy="282617"/>
         </a:xfrm>
         <a:custGeom>
           <a:avLst/>
@@ -4628,13 +4808,13 @@
                 <a:pt x="0" y="0"/>
               </a:moveTo>
               <a:lnTo>
-                <a:pt x="0" y="220144"/>
+                <a:pt x="0" y="141308"/>
               </a:lnTo>
               <a:lnTo>
-                <a:pt x="1268449" y="220144"/>
+                <a:pt x="814207" y="141308"/>
               </a:lnTo>
               <a:lnTo>
-                <a:pt x="1268449" y="440288"/>
+                <a:pt x="814207" y="282617"/>
               </a:lnTo>
             </a:path>
           </a:pathLst>
@@ -4667,15 +4847,15 @@
         <a:fontRef idx="minor"/>
       </dsp:style>
     </dsp:sp>
-    <dsp:sp modelId="{51FE42C1-FD15-4E15-8A56-10B022ACB938}">
+    <dsp:sp modelId="{282C1BF8-A736-43CB-B72F-F7D0EB26C5D5}">
       <dsp:nvSpPr>
         <dsp:cNvPr id="0" name=""/>
         <dsp:cNvSpPr/>
       </dsp:nvSpPr>
       <dsp:spPr>
         <a:xfrm>
-          <a:off x="209723" y="2773640"/>
-          <a:ext cx="314491" cy="964440"/>
+          <a:off x="1058142" y="1630420"/>
+          <a:ext cx="201869" cy="2530098"/>
         </a:xfrm>
         <a:custGeom>
           <a:avLst/>
@@ -4689,10 +4869,126 @@
                 <a:pt x="0" y="0"/>
               </a:moveTo>
               <a:lnTo>
-                <a:pt x="0" y="964440"/>
+                <a:pt x="0" y="2530098"/>
               </a:lnTo>
               <a:lnTo>
-                <a:pt x="314491" y="964440"/>
+                <a:pt x="201869" y="2530098"/>
+              </a:lnTo>
+            </a:path>
+          </a:pathLst>
+        </a:custGeom>
+        <a:noFill/>
+        <a:ln w="12700" cap="flat" cmpd="sng" algn="ctr">
+          <a:solidFill>
+            <a:schemeClr val="accent3">
+              <a:hueOff val="0"/>
+              <a:satOff val="0"/>
+              <a:lumOff val="0"/>
+              <a:alphaOff val="0"/>
+            </a:schemeClr>
+          </a:solidFill>
+          <a:prstDash val="solid"/>
+          <a:miter lim="800000"/>
+        </a:ln>
+        <a:effectLst/>
+      </dsp:spPr>
+      <dsp:style>
+        <a:lnRef idx="2">
+          <a:scrgbClr r="0" g="0" b="0"/>
+        </a:lnRef>
+        <a:fillRef idx="0">
+          <a:scrgbClr r="0" g="0" b="0"/>
+        </a:fillRef>
+        <a:effectRef idx="0">
+          <a:scrgbClr r="0" g="0" b="0"/>
+        </a:effectRef>
+        <a:fontRef idx="minor"/>
+      </dsp:style>
+    </dsp:sp>
+    <dsp:sp modelId="{C648C27B-5608-484C-8C27-1DBB0575028D}">
+      <dsp:nvSpPr>
+        <dsp:cNvPr id="0" name=""/>
+        <dsp:cNvSpPr/>
+      </dsp:nvSpPr>
+      <dsp:spPr>
+        <a:xfrm>
+          <a:off x="1058142" y="1630420"/>
+          <a:ext cx="201869" cy="1574582"/>
+        </a:xfrm>
+        <a:custGeom>
+          <a:avLst/>
+          <a:gdLst/>
+          <a:ahLst/>
+          <a:cxnLst/>
+          <a:rect l="0" t="0" r="0" b="0"/>
+          <a:pathLst>
+            <a:path>
+              <a:moveTo>
+                <a:pt x="0" y="0"/>
+              </a:moveTo>
+              <a:lnTo>
+                <a:pt x="0" y="1574582"/>
+              </a:lnTo>
+              <a:lnTo>
+                <a:pt x="201869" y="1574582"/>
+              </a:lnTo>
+            </a:path>
+          </a:pathLst>
+        </a:custGeom>
+        <a:noFill/>
+        <a:ln w="12700" cap="flat" cmpd="sng" algn="ctr">
+          <a:solidFill>
+            <a:schemeClr val="accent3">
+              <a:hueOff val="0"/>
+              <a:satOff val="0"/>
+              <a:lumOff val="0"/>
+              <a:alphaOff val="0"/>
+            </a:schemeClr>
+          </a:solidFill>
+          <a:prstDash val="solid"/>
+          <a:miter lim="800000"/>
+        </a:ln>
+        <a:effectLst/>
+      </dsp:spPr>
+      <dsp:style>
+        <a:lnRef idx="2">
+          <a:scrgbClr r="0" g="0" b="0"/>
+        </a:lnRef>
+        <a:fillRef idx="0">
+          <a:scrgbClr r="0" g="0" b="0"/>
+        </a:fillRef>
+        <a:effectRef idx="0">
+          <a:scrgbClr r="0" g="0" b="0"/>
+        </a:effectRef>
+        <a:fontRef idx="minor"/>
+      </dsp:style>
+    </dsp:sp>
+    <dsp:sp modelId="{51FE42C1-FD15-4E15-8A56-10B022ACB938}">
+      <dsp:nvSpPr>
+        <dsp:cNvPr id="0" name=""/>
+        <dsp:cNvSpPr/>
+      </dsp:nvSpPr>
+      <dsp:spPr>
+        <a:xfrm>
+          <a:off x="1058142" y="1630420"/>
+          <a:ext cx="201869" cy="619066"/>
+        </a:xfrm>
+        <a:custGeom>
+          <a:avLst/>
+          <a:gdLst/>
+          <a:ahLst/>
+          <a:cxnLst/>
+          <a:rect l="0" t="0" r="0" b="0"/>
+          <a:pathLst>
+            <a:path>
+              <a:moveTo>
+                <a:pt x="0" y="0"/>
+              </a:moveTo>
+              <a:lnTo>
+                <a:pt x="0" y="619066"/>
+              </a:lnTo>
+              <a:lnTo>
+                <a:pt x="201869" y="619066"/>
               </a:lnTo>
             </a:path>
           </a:pathLst>
@@ -4732,8 +5028,8 @@
       </dsp:nvSpPr>
       <dsp:spPr>
         <a:xfrm>
-          <a:off x="1048368" y="1285046"/>
-          <a:ext cx="1268449" cy="440288"/>
+          <a:off x="1596461" y="674904"/>
+          <a:ext cx="814207" cy="282617"/>
         </a:xfrm>
         <a:custGeom>
           <a:avLst/>
@@ -4744,16 +5040,16 @@
           <a:pathLst>
             <a:path>
               <a:moveTo>
-                <a:pt x="1268449" y="0"/>
+                <a:pt x="814207" y="0"/>
               </a:moveTo>
               <a:lnTo>
-                <a:pt x="1268449" y="220144"/>
+                <a:pt x="814207" y="141308"/>
               </a:lnTo>
               <a:lnTo>
-                <a:pt x="0" y="220144"/>
+                <a:pt x="0" y="141308"/>
               </a:lnTo>
               <a:lnTo>
-                <a:pt x="0" y="440288"/>
+                <a:pt x="0" y="282617"/>
               </a:lnTo>
             </a:path>
           </a:pathLst>
@@ -4793,8 +5089,8 @@
       </dsp:nvSpPr>
       <dsp:spPr>
         <a:xfrm>
-          <a:off x="1268512" y="236741"/>
-          <a:ext cx="2096610" cy="1048305"/>
+          <a:off x="1737770" y="2006"/>
+          <a:ext cx="1345797" cy="672898"/>
         </a:xfrm>
         <a:prstGeom prst="rect">
           <a:avLst/>
@@ -4836,12 +5132,12 @@
         </a:fontRef>
       </dsp:style>
       <dsp:txBody>
-        <a:bodyPr spcFirstLastPara="0" vert="horz" wrap="square" lIns="22225" tIns="22225" rIns="22225" bIns="22225" numCol="1" spcCol="1270" anchor="ctr" anchorCtr="0">
+        <a:bodyPr spcFirstLastPara="0" vert="horz" wrap="square" lIns="12700" tIns="12700" rIns="12700" bIns="12700" numCol="1" spcCol="1270" anchor="ctr" anchorCtr="0">
           <a:noAutofit/>
         </a:bodyPr>
         <a:lstStyle/>
         <a:p>
-          <a:pPr marL="0" lvl="0" indent="0" algn="ctr" defTabSz="1555750">
+          <a:pPr marL="0" lvl="0" indent="0" algn="ctr" defTabSz="889000">
             <a:lnSpc>
               <a:spcPct val="90000"/>
             </a:lnSpc>
@@ -4854,14 +5150,14 @@
             <a:buNone/>
           </a:pPr>
           <a:r>
-            <a:rPr lang="de-DE" sz="3500" kern="1200" dirty="0"/>
+            <a:rPr lang="de-DE" sz="2000" kern="1200" dirty="0"/>
             <a:t>Consumer</a:t>
           </a:r>
         </a:p>
       </dsp:txBody>
       <dsp:txXfrm>
-        <a:off x="1268512" y="236741"/>
-        <a:ext cx="2096610" cy="1048305"/>
+        <a:off x="1737770" y="2006"/>
+        <a:ext cx="1345797" cy="672898"/>
       </dsp:txXfrm>
     </dsp:sp>
     <dsp:sp modelId="{920860B2-3977-4DA7-881E-874ED4B5390D}">
@@ -4871,8 +5167,8 @@
       </dsp:nvSpPr>
       <dsp:spPr>
         <a:xfrm>
-          <a:off x="62" y="1725334"/>
-          <a:ext cx="2096610" cy="1048305"/>
+          <a:off x="923563" y="957522"/>
+          <a:ext cx="1345797" cy="672898"/>
         </a:xfrm>
         <a:prstGeom prst="rect">
           <a:avLst/>
@@ -4914,12 +5210,12 @@
         </a:fontRef>
       </dsp:style>
       <dsp:txBody>
-        <a:bodyPr spcFirstLastPara="0" vert="horz" wrap="square" lIns="22225" tIns="22225" rIns="22225" bIns="22225" numCol="1" spcCol="1270" anchor="ctr" anchorCtr="0">
+        <a:bodyPr spcFirstLastPara="0" vert="horz" wrap="square" lIns="14605" tIns="14605" rIns="14605" bIns="14605" numCol="1" spcCol="1270" anchor="ctr" anchorCtr="0">
           <a:noAutofit/>
         </a:bodyPr>
         <a:lstStyle/>
         <a:p>
-          <a:pPr marL="0" lvl="0" indent="0" algn="ctr" defTabSz="1555750">
+          <a:pPr marL="0" lvl="0" indent="0" algn="ctr" defTabSz="1022350">
             <a:lnSpc>
               <a:spcPct val="90000"/>
             </a:lnSpc>
@@ -4932,14 +5228,14 @@
             <a:buNone/>
           </a:pPr>
           <a:r>
-            <a:rPr lang="de-DE" sz="3500" kern="1200" dirty="0"/>
+            <a:rPr lang="de-DE" sz="2300" kern="1200" dirty="0"/>
             <a:t>Service 1</a:t>
           </a:r>
         </a:p>
       </dsp:txBody>
       <dsp:txXfrm>
-        <a:off x="62" y="1725334"/>
-        <a:ext cx="2096610" cy="1048305"/>
+        <a:off x="923563" y="957522"/>
+        <a:ext cx="1345797" cy="672898"/>
       </dsp:txXfrm>
     </dsp:sp>
     <dsp:sp modelId="{FBA85D6D-C356-4239-9C15-5A539154530B}">
@@ -4949,8 +5245,8 @@
       </dsp:nvSpPr>
       <dsp:spPr>
         <a:xfrm>
-          <a:off x="524215" y="3213928"/>
-          <a:ext cx="2096610" cy="1048305"/>
+          <a:off x="1260012" y="1913038"/>
+          <a:ext cx="1345797" cy="672898"/>
         </a:xfrm>
         <a:prstGeom prst="rect">
           <a:avLst/>
@@ -4992,12 +5288,12 @@
         </a:fontRef>
       </dsp:style>
       <dsp:txBody>
-        <a:bodyPr spcFirstLastPara="0" vert="horz" wrap="square" lIns="22225" tIns="22225" rIns="22225" bIns="22225" numCol="1" spcCol="1270" anchor="ctr" anchorCtr="0">
+        <a:bodyPr spcFirstLastPara="0" vert="horz" wrap="square" lIns="14605" tIns="14605" rIns="14605" bIns="14605" numCol="1" spcCol="1270" anchor="ctr" anchorCtr="0">
           <a:noAutofit/>
         </a:bodyPr>
         <a:lstStyle/>
         <a:p>
-          <a:pPr marL="0" lvl="0" indent="0" algn="ctr" defTabSz="1555750">
+          <a:pPr marL="0" lvl="0" indent="0" algn="ctr" defTabSz="1022350">
             <a:lnSpc>
               <a:spcPct val="90000"/>
             </a:lnSpc>
@@ -5010,14 +5306,176 @@
             <a:buNone/>
           </a:pPr>
           <a:r>
-            <a:rPr lang="de-DE" sz="3500" kern="1200" dirty="0"/>
+            <a:rPr lang="de-DE" sz="2300" kern="1200" dirty="0"/>
             <a:t>Data 1</a:t>
           </a:r>
         </a:p>
       </dsp:txBody>
       <dsp:txXfrm>
-        <a:off x="524215" y="3213928"/>
-        <a:ext cx="2096610" cy="1048305"/>
+        <a:off x="1260012" y="1913038"/>
+        <a:ext cx="1345797" cy="672898"/>
+      </dsp:txXfrm>
+    </dsp:sp>
+    <dsp:sp modelId="{6E0451BC-C3F7-4051-A770-5ACAEE67A407}">
+      <dsp:nvSpPr>
+        <dsp:cNvPr id="0" name=""/>
+        <dsp:cNvSpPr/>
+      </dsp:nvSpPr>
+      <dsp:spPr>
+        <a:xfrm>
+          <a:off x="1260012" y="2868554"/>
+          <a:ext cx="1345797" cy="672898"/>
+        </a:xfrm>
+        <a:prstGeom prst="rect">
+          <a:avLst/>
+        </a:prstGeom>
+        <a:solidFill>
+          <a:schemeClr val="accent3">
+            <a:hueOff val="0"/>
+            <a:satOff val="0"/>
+            <a:lumOff val="0"/>
+            <a:alphaOff val="0"/>
+          </a:schemeClr>
+        </a:solidFill>
+        <a:ln w="19050" cap="flat" cmpd="sng" algn="ctr">
+          <a:solidFill>
+            <a:schemeClr val="lt1">
+              <a:hueOff val="0"/>
+              <a:satOff val="0"/>
+              <a:lumOff val="0"/>
+              <a:alphaOff val="0"/>
+            </a:schemeClr>
+          </a:solidFill>
+          <a:prstDash val="solid"/>
+          <a:miter lim="800000"/>
+        </a:ln>
+        <a:effectLst/>
+      </dsp:spPr>
+      <dsp:style>
+        <a:lnRef idx="3">
+          <a:scrgbClr r="0" g="0" b="0"/>
+        </a:lnRef>
+        <a:fillRef idx="1">
+          <a:scrgbClr r="0" g="0" b="0"/>
+        </a:fillRef>
+        <a:effectRef idx="1">
+          <a:scrgbClr r="0" g="0" b="0"/>
+        </a:effectRef>
+        <a:fontRef idx="minor">
+          <a:schemeClr val="lt1"/>
+        </a:fontRef>
+      </dsp:style>
+      <dsp:txBody>
+        <a:bodyPr spcFirstLastPara="0" vert="horz" wrap="square" lIns="14605" tIns="14605" rIns="14605" bIns="14605" numCol="1" spcCol="1270" anchor="ctr" anchorCtr="0">
+          <a:noAutofit/>
+        </a:bodyPr>
+        <a:lstStyle/>
+        <a:p>
+          <a:pPr marL="0" lvl="0" indent="0" algn="ctr" defTabSz="1022350">
+            <a:lnSpc>
+              <a:spcPct val="90000"/>
+            </a:lnSpc>
+            <a:spcBef>
+              <a:spcPct val="0"/>
+            </a:spcBef>
+            <a:spcAft>
+              <a:spcPct val="35000"/>
+            </a:spcAft>
+            <a:buNone/>
+          </a:pPr>
+          <a:r>
+            <a:rPr lang="de-DE" sz="2300" kern="1200"/>
+            <a:t>Other data</a:t>
+          </a:r>
+          <a:endParaRPr lang="de-DE" sz="2300" kern="1200" dirty="0"/>
+        </a:p>
+      </dsp:txBody>
+      <dsp:txXfrm>
+        <a:off x="1260012" y="2868554"/>
+        <a:ext cx="1345797" cy="672898"/>
+      </dsp:txXfrm>
+    </dsp:sp>
+    <dsp:sp modelId="{98029E32-CA64-4A29-A580-6485C390AB3D}">
+      <dsp:nvSpPr>
+        <dsp:cNvPr id="0" name=""/>
+        <dsp:cNvSpPr/>
+      </dsp:nvSpPr>
+      <dsp:spPr>
+        <a:xfrm>
+          <a:off x="1260012" y="3824070"/>
+          <a:ext cx="1345797" cy="672898"/>
+        </a:xfrm>
+        <a:prstGeom prst="rect">
+          <a:avLst/>
+        </a:prstGeom>
+        <a:solidFill>
+          <a:schemeClr val="accent3">
+            <a:hueOff val="0"/>
+            <a:satOff val="0"/>
+            <a:lumOff val="0"/>
+            <a:alphaOff val="0"/>
+          </a:schemeClr>
+        </a:solidFill>
+        <a:ln w="19050" cap="flat" cmpd="sng" algn="ctr">
+          <a:solidFill>
+            <a:schemeClr val="lt1">
+              <a:hueOff val="0"/>
+              <a:satOff val="0"/>
+              <a:lumOff val="0"/>
+              <a:alphaOff val="0"/>
+            </a:schemeClr>
+          </a:solidFill>
+          <a:prstDash val="solid"/>
+          <a:miter lim="800000"/>
+        </a:ln>
+        <a:effectLst/>
+      </dsp:spPr>
+      <dsp:style>
+        <a:lnRef idx="3">
+          <a:scrgbClr r="0" g="0" b="0"/>
+        </a:lnRef>
+        <a:fillRef idx="1">
+          <a:scrgbClr r="0" g="0" b="0"/>
+        </a:fillRef>
+        <a:effectRef idx="1">
+          <a:scrgbClr r="0" g="0" b="0"/>
+        </a:effectRef>
+        <a:fontRef idx="minor">
+          <a:schemeClr val="lt1"/>
+        </a:fontRef>
+      </dsp:style>
+      <dsp:txBody>
+        <a:bodyPr spcFirstLastPara="0" vert="horz" wrap="square" lIns="14605" tIns="14605" rIns="14605" bIns="14605" numCol="1" spcCol="1270" anchor="ctr" anchorCtr="0">
+          <a:noAutofit/>
+        </a:bodyPr>
+        <a:lstStyle/>
+        <a:p>
+          <a:pPr marL="0" lvl="0" indent="0" algn="ctr" defTabSz="1022350">
+            <a:lnSpc>
+              <a:spcPct val="90000"/>
+            </a:lnSpc>
+            <a:spcBef>
+              <a:spcPct val="0"/>
+            </a:spcBef>
+            <a:spcAft>
+              <a:spcPct val="35000"/>
+            </a:spcAft>
+            <a:buNone/>
+          </a:pPr>
+          <a:r>
+            <a:rPr lang="de-DE" sz="2300" kern="1200" dirty="0"/>
+            <a:t>More </a:t>
+          </a:r>
+          <a:r>
+            <a:rPr lang="de-DE" sz="2300" kern="1200" dirty="0" err="1"/>
+            <a:t>data</a:t>
+          </a:r>
+          <a:endParaRPr lang="de-DE" sz="2300" kern="1200" dirty="0"/>
+        </a:p>
+      </dsp:txBody>
+      <dsp:txXfrm>
+        <a:off x="1260012" y="3824070"/>
+        <a:ext cx="1345797" cy="672898"/>
       </dsp:txXfrm>
     </dsp:sp>
     <dsp:sp modelId="{3BFE119B-49AD-4A9E-ACC4-544EF67EAAF4}">
@@ -5027,8 +5485,8 @@
       </dsp:nvSpPr>
       <dsp:spPr>
         <a:xfrm>
-          <a:off x="2536961" y="1725334"/>
-          <a:ext cx="2096610" cy="1048305"/>
+          <a:off x="2551977" y="957522"/>
+          <a:ext cx="1345797" cy="672898"/>
         </a:xfrm>
         <a:prstGeom prst="rect">
           <a:avLst/>
@@ -5070,12 +5528,12 @@
         </a:fontRef>
       </dsp:style>
       <dsp:txBody>
-        <a:bodyPr spcFirstLastPara="0" vert="horz" wrap="square" lIns="22225" tIns="22225" rIns="22225" bIns="22225" numCol="1" spcCol="1270" anchor="ctr" anchorCtr="0">
+        <a:bodyPr spcFirstLastPara="0" vert="horz" wrap="square" lIns="14605" tIns="14605" rIns="14605" bIns="14605" numCol="1" spcCol="1270" anchor="ctr" anchorCtr="0">
           <a:noAutofit/>
         </a:bodyPr>
         <a:lstStyle/>
         <a:p>
-          <a:pPr marL="0" lvl="0" indent="0" algn="ctr" defTabSz="1555750">
+          <a:pPr marL="0" lvl="0" indent="0" algn="ctr" defTabSz="1022350">
             <a:lnSpc>
               <a:spcPct val="90000"/>
             </a:lnSpc>
@@ -5088,14 +5546,14 @@
             <a:buNone/>
           </a:pPr>
           <a:r>
-            <a:rPr lang="de-DE" sz="3500" kern="1200" dirty="0"/>
+            <a:rPr lang="de-DE" sz="2300" kern="1200" dirty="0"/>
             <a:t>Service 2</a:t>
           </a:r>
         </a:p>
       </dsp:txBody>
       <dsp:txXfrm>
-        <a:off x="2536961" y="1725334"/>
-        <a:ext cx="2096610" cy="1048305"/>
+        <a:off x="2551977" y="957522"/>
+        <a:ext cx="1345797" cy="672898"/>
       </dsp:txXfrm>
     </dsp:sp>
     <dsp:sp modelId="{14557F6B-B986-4ECE-8FB0-60CA92028931}">
@@ -5105,8 +5563,8 @@
       </dsp:nvSpPr>
       <dsp:spPr>
         <a:xfrm>
-          <a:off x="3061113" y="3213928"/>
-          <a:ext cx="2096610" cy="1048305"/>
+          <a:off x="2888426" y="1913038"/>
+          <a:ext cx="1345797" cy="672898"/>
         </a:xfrm>
         <a:prstGeom prst="rect">
           <a:avLst/>
@@ -5148,12 +5606,12 @@
         </a:fontRef>
       </dsp:style>
       <dsp:txBody>
-        <a:bodyPr spcFirstLastPara="0" vert="horz" wrap="square" lIns="22225" tIns="22225" rIns="22225" bIns="22225" numCol="1" spcCol="1270" anchor="ctr" anchorCtr="0">
+        <a:bodyPr spcFirstLastPara="0" vert="horz" wrap="square" lIns="14605" tIns="14605" rIns="14605" bIns="14605" numCol="1" spcCol="1270" anchor="ctr" anchorCtr="0">
           <a:noAutofit/>
         </a:bodyPr>
         <a:lstStyle/>
         <a:p>
-          <a:pPr marL="0" lvl="0" indent="0" algn="ctr" defTabSz="1555750">
+          <a:pPr marL="0" lvl="0" indent="0" algn="ctr" defTabSz="1022350">
             <a:lnSpc>
               <a:spcPct val="90000"/>
             </a:lnSpc>
@@ -5166,14 +5624,14 @@
             <a:buNone/>
           </a:pPr>
           <a:r>
-            <a:rPr lang="de-DE" sz="3500" kern="1200" dirty="0"/>
+            <a:rPr lang="de-DE" sz="2300" kern="1200" dirty="0"/>
             <a:t>Data 2</a:t>
           </a:r>
         </a:p>
       </dsp:txBody>
       <dsp:txXfrm>
-        <a:off x="3061113" y="3213928"/>
-        <a:ext cx="2096610" cy="1048305"/>
+        <a:off x="2888426" y="1913038"/>
+        <a:ext cx="1345797" cy="672898"/>
       </dsp:txXfrm>
     </dsp:sp>
   </dsp:spTree>
@@ -5476,12 +5934,12 @@
         </a:fontRef>
       </dsp:style>
       <dsp:txBody>
-        <a:bodyPr spcFirstLastPara="0" vert="horz" wrap="square" lIns="22860" tIns="22860" rIns="22860" bIns="22860" numCol="1" spcCol="1270" anchor="ctr" anchorCtr="0">
+        <a:bodyPr spcFirstLastPara="0" vert="horz" wrap="square" lIns="15240" tIns="15240" rIns="15240" bIns="15240" numCol="1" spcCol="1270" anchor="ctr" anchorCtr="0">
           <a:noAutofit/>
         </a:bodyPr>
         <a:lstStyle/>
         <a:p>
-          <a:pPr marL="0" lvl="0" indent="0" algn="ctr" defTabSz="1600200">
+          <a:pPr marL="0" lvl="0" indent="0" algn="ctr" defTabSz="1066800">
             <a:lnSpc>
               <a:spcPct val="90000"/>
             </a:lnSpc>
@@ -5494,7 +5952,7 @@
             <a:buNone/>
           </a:pPr>
           <a:r>
-            <a:rPr lang="de-DE" sz="3600" kern="1200" dirty="0"/>
+            <a:rPr lang="de-DE" sz="2400" kern="1200" dirty="0"/>
             <a:t>Provider</a:t>
           </a:r>
         </a:p>
@@ -11447,6 +11905,1447 @@
 </dgm:styleDef>
 </file>
 
+<file path=ppt/notesMasters/notesMaster1.xml><?xml version="1.0" encoding="utf-8"?>
+<p:notesMaster xmlns:a="http://schemas.openxmlformats.org/drawingml/2006/main" xmlns:r="http://schemas.openxmlformats.org/officeDocument/2006/relationships" xmlns:p="http://schemas.openxmlformats.org/presentationml/2006/main">
+  <p:cSld>
+    <p:bg>
+      <p:bgRef idx="1001">
+        <a:schemeClr val="bg1"/>
+      </p:bgRef>
+    </p:bg>
+    <p:spTree>
+      <p:nvGrpSpPr>
+        <p:cNvPr id="1" name=""/>
+        <p:cNvGrpSpPr/>
+        <p:nvPr/>
+      </p:nvGrpSpPr>
+      <p:grpSpPr>
+        <a:xfrm>
+          <a:off x="0" y="0"/>
+          <a:ext cx="0" cy="0"/>
+          <a:chOff x="0" y="0"/>
+          <a:chExt cx="0" cy="0"/>
+        </a:xfrm>
+      </p:grpSpPr>
+      <p:sp>
+        <p:nvSpPr>
+          <p:cNvPr id="2" name="Kopfzeilenplatzhalter 1"/>
+          <p:cNvSpPr>
+            <a:spLocks noGrp="1"/>
+          </p:cNvSpPr>
+          <p:nvPr>
+            <p:ph type="hdr" sz="quarter"/>
+          </p:nvPr>
+        </p:nvSpPr>
+        <p:spPr>
+          <a:xfrm>
+            <a:off x="0" y="0"/>
+            <a:ext cx="2971800" cy="458788"/>
+          </a:xfrm>
+          <a:prstGeom prst="rect">
+            <a:avLst/>
+          </a:prstGeom>
+        </p:spPr>
+        <p:txBody>
+          <a:bodyPr vert="horz" lIns="91440" tIns="45720" rIns="91440" bIns="45720" rtlCol="0"/>
+          <a:lstStyle>
+            <a:lvl1pPr algn="l">
+              <a:defRPr sz="1200"/>
+            </a:lvl1pPr>
+          </a:lstStyle>
+          <a:p>
+            <a:endParaRPr lang="de-DE"/>
+          </a:p>
+        </p:txBody>
+      </p:sp>
+      <p:sp>
+        <p:nvSpPr>
+          <p:cNvPr id="3" name="Datumsplatzhalter 2"/>
+          <p:cNvSpPr>
+            <a:spLocks noGrp="1"/>
+          </p:cNvSpPr>
+          <p:nvPr>
+            <p:ph type="dt" idx="1"/>
+          </p:nvPr>
+        </p:nvSpPr>
+        <p:spPr>
+          <a:xfrm>
+            <a:off x="3884613" y="0"/>
+            <a:ext cx="2971800" cy="458788"/>
+          </a:xfrm>
+          <a:prstGeom prst="rect">
+            <a:avLst/>
+          </a:prstGeom>
+        </p:spPr>
+        <p:txBody>
+          <a:bodyPr vert="horz" lIns="91440" tIns="45720" rIns="91440" bIns="45720" rtlCol="0"/>
+          <a:lstStyle>
+            <a:lvl1pPr algn="r">
+              <a:defRPr sz="1200"/>
+            </a:lvl1pPr>
+          </a:lstStyle>
+          <a:p>
+            <a:fld id="{0AEA5C57-A640-489C-A087-C16695C4AC43}" type="datetimeFigureOut">
+              <a:rPr lang="de-DE" smtClean="0"/>
+              <a:t>21.05.2019</a:t>
+            </a:fld>
+            <a:endParaRPr lang="de-DE"/>
+          </a:p>
+        </p:txBody>
+      </p:sp>
+      <p:sp>
+        <p:nvSpPr>
+          <p:cNvPr id="4" name="Folienbildplatzhalter 3"/>
+          <p:cNvSpPr>
+            <a:spLocks noGrp="1" noRot="1" noChangeAspect="1"/>
+          </p:cNvSpPr>
+          <p:nvPr>
+            <p:ph type="sldImg" idx="2"/>
+          </p:nvPr>
+        </p:nvSpPr>
+        <p:spPr>
+          <a:xfrm>
+            <a:off x="685800" y="1143000"/>
+            <a:ext cx="5486400" cy="3086100"/>
+          </a:xfrm>
+          <a:prstGeom prst="rect">
+            <a:avLst/>
+          </a:prstGeom>
+          <a:noFill/>
+          <a:ln w="12700">
+            <a:solidFill>
+              <a:prstClr val="black"/>
+            </a:solidFill>
+          </a:ln>
+        </p:spPr>
+        <p:txBody>
+          <a:bodyPr vert="horz" lIns="91440" tIns="45720" rIns="91440" bIns="45720" rtlCol="0" anchor="ctr"/>
+          <a:lstStyle/>
+          <a:p>
+            <a:endParaRPr lang="de-DE"/>
+          </a:p>
+        </p:txBody>
+      </p:sp>
+      <p:sp>
+        <p:nvSpPr>
+          <p:cNvPr id="5" name="Notizenplatzhalter 4"/>
+          <p:cNvSpPr>
+            <a:spLocks noGrp="1"/>
+          </p:cNvSpPr>
+          <p:nvPr>
+            <p:ph type="body" sz="quarter" idx="3"/>
+          </p:nvPr>
+        </p:nvSpPr>
+        <p:spPr>
+          <a:xfrm>
+            <a:off x="685800" y="4400550"/>
+            <a:ext cx="5486400" cy="3600450"/>
+          </a:xfrm>
+          <a:prstGeom prst="rect">
+            <a:avLst/>
+          </a:prstGeom>
+        </p:spPr>
+        <p:txBody>
+          <a:bodyPr vert="horz" lIns="91440" tIns="45720" rIns="91440" bIns="45720" rtlCol="0"/>
+          <a:lstStyle/>
+          <a:p>
+            <a:pPr lvl="0"/>
+            <a:r>
+              <a:rPr lang="de-DE"/>
+              <a:t>Mastertextformat bearbeiten</a:t>
+            </a:r>
+          </a:p>
+          <a:p>
+            <a:pPr lvl="1"/>
+            <a:r>
+              <a:rPr lang="de-DE"/>
+              <a:t>Zweite Ebene</a:t>
+            </a:r>
+          </a:p>
+          <a:p>
+            <a:pPr lvl="2"/>
+            <a:r>
+              <a:rPr lang="de-DE"/>
+              <a:t>Dritte Ebene</a:t>
+            </a:r>
+          </a:p>
+          <a:p>
+            <a:pPr lvl="3"/>
+            <a:r>
+              <a:rPr lang="de-DE"/>
+              <a:t>Vierte Ebene</a:t>
+            </a:r>
+          </a:p>
+          <a:p>
+            <a:pPr lvl="4"/>
+            <a:r>
+              <a:rPr lang="de-DE"/>
+              <a:t>Fünfte Ebene</a:t>
+            </a:r>
+          </a:p>
+        </p:txBody>
+      </p:sp>
+      <p:sp>
+        <p:nvSpPr>
+          <p:cNvPr id="6" name="Fußzeilenplatzhalter 5"/>
+          <p:cNvSpPr>
+            <a:spLocks noGrp="1"/>
+          </p:cNvSpPr>
+          <p:nvPr>
+            <p:ph type="ftr" sz="quarter" idx="4"/>
+          </p:nvPr>
+        </p:nvSpPr>
+        <p:spPr>
+          <a:xfrm>
+            <a:off x="0" y="8685213"/>
+            <a:ext cx="2971800" cy="458787"/>
+          </a:xfrm>
+          <a:prstGeom prst="rect">
+            <a:avLst/>
+          </a:prstGeom>
+        </p:spPr>
+        <p:txBody>
+          <a:bodyPr vert="horz" lIns="91440" tIns="45720" rIns="91440" bIns="45720" rtlCol="0" anchor="b"/>
+          <a:lstStyle>
+            <a:lvl1pPr algn="l">
+              <a:defRPr sz="1200"/>
+            </a:lvl1pPr>
+          </a:lstStyle>
+          <a:p>
+            <a:endParaRPr lang="de-DE"/>
+          </a:p>
+        </p:txBody>
+      </p:sp>
+      <p:sp>
+        <p:nvSpPr>
+          <p:cNvPr id="7" name="Foliennummernplatzhalter 6"/>
+          <p:cNvSpPr>
+            <a:spLocks noGrp="1"/>
+          </p:cNvSpPr>
+          <p:nvPr>
+            <p:ph type="sldNum" sz="quarter" idx="5"/>
+          </p:nvPr>
+        </p:nvSpPr>
+        <p:spPr>
+          <a:xfrm>
+            <a:off x="3884613" y="8685213"/>
+            <a:ext cx="2971800" cy="458787"/>
+          </a:xfrm>
+          <a:prstGeom prst="rect">
+            <a:avLst/>
+          </a:prstGeom>
+        </p:spPr>
+        <p:txBody>
+          <a:bodyPr vert="horz" lIns="91440" tIns="45720" rIns="91440" bIns="45720" rtlCol="0" anchor="b"/>
+          <a:lstStyle>
+            <a:lvl1pPr algn="r">
+              <a:defRPr sz="1200"/>
+            </a:lvl1pPr>
+          </a:lstStyle>
+          <a:p>
+            <a:fld id="{5D492825-D2FA-4478-B79B-910ECE6D7AEF}" type="slidenum">
+              <a:rPr lang="de-DE" smtClean="0"/>
+              <a:t>‹Nr.›</a:t>
+            </a:fld>
+            <a:endParaRPr lang="de-DE"/>
+          </a:p>
+        </p:txBody>
+      </p:sp>
+    </p:spTree>
+    <p:extLst>
+      <p:ext uri="{BB962C8B-B14F-4D97-AF65-F5344CB8AC3E}">
+        <p14:creationId xmlns:p14="http://schemas.microsoft.com/office/powerpoint/2010/main" val="2104098574"/>
+      </p:ext>
+    </p:extLst>
+  </p:cSld>
+  <p:clrMap bg1="lt1" tx1="dk1" bg2="lt2" tx2="dk2" accent1="accent1" accent2="accent2" accent3="accent3" accent4="accent4" accent5="accent5" accent6="accent6" hlink="hlink" folHlink="folHlink"/>
+  <p:notesStyle>
+    <a:lvl1pPr marL="0" algn="l" defTabSz="914400" rtl="0" eaLnBrk="1" latinLnBrk="0" hangingPunct="1">
+      <a:defRPr sz="1200" kern="1200">
+        <a:solidFill>
+          <a:schemeClr val="tx1"/>
+        </a:solidFill>
+        <a:latin typeface="+mn-lt"/>
+        <a:ea typeface="+mn-ea"/>
+        <a:cs typeface="+mn-cs"/>
+      </a:defRPr>
+    </a:lvl1pPr>
+    <a:lvl2pPr marL="457200" algn="l" defTabSz="914400" rtl="0" eaLnBrk="1" latinLnBrk="0" hangingPunct="1">
+      <a:defRPr sz="1200" kern="1200">
+        <a:solidFill>
+          <a:schemeClr val="tx1"/>
+        </a:solidFill>
+        <a:latin typeface="+mn-lt"/>
+        <a:ea typeface="+mn-ea"/>
+        <a:cs typeface="+mn-cs"/>
+      </a:defRPr>
+    </a:lvl2pPr>
+    <a:lvl3pPr marL="914400" algn="l" defTabSz="914400" rtl="0" eaLnBrk="1" latinLnBrk="0" hangingPunct="1">
+      <a:defRPr sz="1200" kern="1200">
+        <a:solidFill>
+          <a:schemeClr val="tx1"/>
+        </a:solidFill>
+        <a:latin typeface="+mn-lt"/>
+        <a:ea typeface="+mn-ea"/>
+        <a:cs typeface="+mn-cs"/>
+      </a:defRPr>
+    </a:lvl3pPr>
+    <a:lvl4pPr marL="1371600" algn="l" defTabSz="914400" rtl="0" eaLnBrk="1" latinLnBrk="0" hangingPunct="1">
+      <a:defRPr sz="1200" kern="1200">
+        <a:solidFill>
+          <a:schemeClr val="tx1"/>
+        </a:solidFill>
+        <a:latin typeface="+mn-lt"/>
+        <a:ea typeface="+mn-ea"/>
+        <a:cs typeface="+mn-cs"/>
+      </a:defRPr>
+    </a:lvl4pPr>
+    <a:lvl5pPr marL="1828800" algn="l" defTabSz="914400" rtl="0" eaLnBrk="1" latinLnBrk="0" hangingPunct="1">
+      <a:defRPr sz="1200" kern="1200">
+        <a:solidFill>
+          <a:schemeClr val="tx1"/>
+        </a:solidFill>
+        <a:latin typeface="+mn-lt"/>
+        <a:ea typeface="+mn-ea"/>
+        <a:cs typeface="+mn-cs"/>
+      </a:defRPr>
+    </a:lvl5pPr>
+    <a:lvl6pPr marL="2286000" algn="l" defTabSz="914400" rtl="0" eaLnBrk="1" latinLnBrk="0" hangingPunct="1">
+      <a:defRPr sz="1200" kern="1200">
+        <a:solidFill>
+          <a:schemeClr val="tx1"/>
+        </a:solidFill>
+        <a:latin typeface="+mn-lt"/>
+        <a:ea typeface="+mn-ea"/>
+        <a:cs typeface="+mn-cs"/>
+      </a:defRPr>
+    </a:lvl6pPr>
+    <a:lvl7pPr marL="2743200" algn="l" defTabSz="914400" rtl="0" eaLnBrk="1" latinLnBrk="0" hangingPunct="1">
+      <a:defRPr sz="1200" kern="1200">
+        <a:solidFill>
+          <a:schemeClr val="tx1"/>
+        </a:solidFill>
+        <a:latin typeface="+mn-lt"/>
+        <a:ea typeface="+mn-ea"/>
+        <a:cs typeface="+mn-cs"/>
+      </a:defRPr>
+    </a:lvl7pPr>
+    <a:lvl8pPr marL="3200400" algn="l" defTabSz="914400" rtl="0" eaLnBrk="1" latinLnBrk="0" hangingPunct="1">
+      <a:defRPr sz="1200" kern="1200">
+        <a:solidFill>
+          <a:schemeClr val="tx1"/>
+        </a:solidFill>
+        <a:latin typeface="+mn-lt"/>
+        <a:ea typeface="+mn-ea"/>
+        <a:cs typeface="+mn-cs"/>
+      </a:defRPr>
+    </a:lvl8pPr>
+    <a:lvl9pPr marL="3657600" algn="l" defTabSz="914400" rtl="0" eaLnBrk="1" latinLnBrk="0" hangingPunct="1">
+      <a:defRPr sz="1200" kern="1200">
+        <a:solidFill>
+          <a:schemeClr val="tx1"/>
+        </a:solidFill>
+        <a:latin typeface="+mn-lt"/>
+        <a:ea typeface="+mn-ea"/>
+        <a:cs typeface="+mn-cs"/>
+      </a:defRPr>
+    </a:lvl9pPr>
+  </p:notesStyle>
+</p:notesMaster>
+</file>
+
+<file path=ppt/notesSlides/notesSlide1.xml><?xml version="1.0" encoding="utf-8"?>
+<p:notes xmlns:a="http://schemas.openxmlformats.org/drawingml/2006/main" xmlns:r="http://schemas.openxmlformats.org/officeDocument/2006/relationships" xmlns:p="http://schemas.openxmlformats.org/presentationml/2006/main">
+  <p:cSld>
+    <p:spTree>
+      <p:nvGrpSpPr>
+        <p:cNvPr id="1" name=""/>
+        <p:cNvGrpSpPr/>
+        <p:nvPr/>
+      </p:nvGrpSpPr>
+      <p:grpSpPr>
+        <a:xfrm>
+          <a:off x="0" y="0"/>
+          <a:ext cx="0" cy="0"/>
+          <a:chOff x="0" y="0"/>
+          <a:chExt cx="0" cy="0"/>
+        </a:xfrm>
+      </p:grpSpPr>
+      <p:sp>
+        <p:nvSpPr>
+          <p:cNvPr id="2" name="Folienbildplatzhalter 1"/>
+          <p:cNvSpPr>
+            <a:spLocks noGrp="1" noRot="1" noChangeAspect="1"/>
+          </p:cNvSpPr>
+          <p:nvPr>
+            <p:ph type="sldImg"/>
+          </p:nvPr>
+        </p:nvSpPr>
+        <p:spPr/>
+      </p:sp>
+      <p:sp>
+        <p:nvSpPr>
+          <p:cNvPr id="3" name="Notizenplatzhalter 2"/>
+          <p:cNvSpPr>
+            <a:spLocks noGrp="1"/>
+          </p:cNvSpPr>
+          <p:nvPr>
+            <p:ph type="body" idx="1"/>
+          </p:nvPr>
+        </p:nvSpPr>
+        <p:spPr/>
+        <p:txBody>
+          <a:bodyPr/>
+          <a:lstStyle/>
+          <a:p>
+            <a:r>
+              <a:rPr lang="de-DE" dirty="0"/>
+              <a:t>Eigene Story um das Publikum zu catchen:</a:t>
+            </a:r>
+          </a:p>
+          <a:p>
+            <a:endParaRPr lang="de-DE" dirty="0"/>
+          </a:p>
+          <a:p>
+            <a:pPr marL="171450" indent="-171450">
+              <a:buFontTx/>
+              <a:buChar char="-"/>
+            </a:pPr>
+            <a:r>
+              <a:rPr lang="de-DE" dirty="0"/>
+              <a:t>Erfahrung im ersten Job</a:t>
+            </a:r>
+          </a:p>
+          <a:p>
+            <a:pPr marL="628650" lvl="1" indent="-171450">
+              <a:buFontTx/>
+              <a:buChar char="-"/>
+            </a:pPr>
+            <a:r>
+              <a:rPr lang="de-DE" dirty="0"/>
+              <a:t>Neues Projekt / unbekanntes Terrain</a:t>
+            </a:r>
+          </a:p>
+          <a:p>
+            <a:pPr marL="628650" lvl="1" indent="-171450">
+              <a:buFontTx/>
+              <a:buChar char="-"/>
+            </a:pPr>
+            <a:r>
+              <a:rPr lang="de-DE" dirty="0"/>
+              <a:t>Anspruchsvolle Aufgabe</a:t>
+            </a:r>
+          </a:p>
+          <a:p>
+            <a:pPr marL="628650" lvl="1" indent="-171450">
+              <a:buFontTx/>
+              <a:buChar char="-"/>
+            </a:pPr>
+            <a:r>
+              <a:rPr lang="de-DE" dirty="0"/>
+              <a:t>In den durchgespielten Entwickler-Tests hat alles funktioniert</a:t>
+            </a:r>
+          </a:p>
+          <a:p>
+            <a:pPr marL="628650" lvl="1" indent="-171450">
+              <a:buFontTx/>
+              <a:buChar char="-"/>
+            </a:pPr>
+            <a:r>
+              <a:rPr lang="de-DE" dirty="0"/>
+              <a:t>Bei der Inbetriebnahme hat es nicht mehr funktioniert</a:t>
+            </a:r>
+          </a:p>
+          <a:p>
+            <a:pPr marL="628650" lvl="1" indent="-171450">
+              <a:buFontTx/>
+              <a:buChar char="-"/>
+            </a:pPr>
+            <a:endParaRPr lang="de-DE" dirty="0"/>
+          </a:p>
+          <a:p>
+            <a:pPr marL="628650" lvl="1" indent="-171450">
+              <a:buFontTx/>
+              <a:buChar char="-"/>
+            </a:pPr>
+            <a:endParaRPr lang="de-DE" dirty="0"/>
+          </a:p>
+        </p:txBody>
+      </p:sp>
+      <p:sp>
+        <p:nvSpPr>
+          <p:cNvPr id="4" name="Foliennummernplatzhalter 3"/>
+          <p:cNvSpPr>
+            <a:spLocks noGrp="1"/>
+          </p:cNvSpPr>
+          <p:nvPr>
+            <p:ph type="sldNum" sz="quarter" idx="5"/>
+          </p:nvPr>
+        </p:nvSpPr>
+        <p:spPr/>
+        <p:txBody>
+          <a:bodyPr/>
+          <a:lstStyle/>
+          <a:p>
+            <a:fld id="{5D492825-D2FA-4478-B79B-910ECE6D7AEF}" type="slidenum">
+              <a:rPr lang="de-DE" smtClean="0"/>
+              <a:t>2</a:t>
+            </a:fld>
+            <a:endParaRPr lang="de-DE"/>
+          </a:p>
+        </p:txBody>
+      </p:sp>
+    </p:spTree>
+    <p:extLst>
+      <p:ext uri="{BB962C8B-B14F-4D97-AF65-F5344CB8AC3E}">
+        <p14:creationId xmlns:p14="http://schemas.microsoft.com/office/powerpoint/2010/main" val="1856184542"/>
+      </p:ext>
+    </p:extLst>
+  </p:cSld>
+  <p:clrMapOvr>
+    <a:masterClrMapping/>
+  </p:clrMapOvr>
+</p:notes>
+</file>
+
+<file path=ppt/notesSlides/notesSlide2.xml><?xml version="1.0" encoding="utf-8"?>
+<p:notes xmlns:a="http://schemas.openxmlformats.org/drawingml/2006/main" xmlns:r="http://schemas.openxmlformats.org/officeDocument/2006/relationships" xmlns:p="http://schemas.openxmlformats.org/presentationml/2006/main">
+  <p:cSld>
+    <p:spTree>
+      <p:nvGrpSpPr>
+        <p:cNvPr id="1" name=""/>
+        <p:cNvGrpSpPr/>
+        <p:nvPr/>
+      </p:nvGrpSpPr>
+      <p:grpSpPr>
+        <a:xfrm>
+          <a:off x="0" y="0"/>
+          <a:ext cx="0" cy="0"/>
+          <a:chOff x="0" y="0"/>
+          <a:chExt cx="0" cy="0"/>
+        </a:xfrm>
+      </p:grpSpPr>
+      <p:sp>
+        <p:nvSpPr>
+          <p:cNvPr id="2" name="Folienbildplatzhalter 1"/>
+          <p:cNvSpPr>
+            <a:spLocks noGrp="1" noRot="1" noChangeAspect="1"/>
+          </p:cNvSpPr>
+          <p:nvPr>
+            <p:ph type="sldImg"/>
+          </p:nvPr>
+        </p:nvSpPr>
+        <p:spPr/>
+      </p:sp>
+      <p:sp>
+        <p:nvSpPr>
+          <p:cNvPr id="3" name="Notizenplatzhalter 2"/>
+          <p:cNvSpPr>
+            <a:spLocks noGrp="1"/>
+          </p:cNvSpPr>
+          <p:nvPr>
+            <p:ph type="body" idx="1"/>
+          </p:nvPr>
+        </p:nvSpPr>
+        <p:spPr/>
+        <p:txBody>
+          <a:bodyPr/>
+          <a:lstStyle/>
+          <a:p>
+            <a:r>
+              <a:rPr lang="de-DE" dirty="0"/>
+              <a:t>Vorstellen</a:t>
+            </a:r>
+          </a:p>
+        </p:txBody>
+      </p:sp>
+      <p:sp>
+        <p:nvSpPr>
+          <p:cNvPr id="4" name="Foliennummernplatzhalter 3"/>
+          <p:cNvSpPr>
+            <a:spLocks noGrp="1"/>
+          </p:cNvSpPr>
+          <p:nvPr>
+            <p:ph type="sldNum" sz="quarter" idx="5"/>
+          </p:nvPr>
+        </p:nvSpPr>
+        <p:spPr/>
+        <p:txBody>
+          <a:bodyPr/>
+          <a:lstStyle/>
+          <a:p>
+            <a:fld id="{5D492825-D2FA-4478-B79B-910ECE6D7AEF}" type="slidenum">
+              <a:rPr lang="de-DE" smtClean="0"/>
+              <a:t>3</a:t>
+            </a:fld>
+            <a:endParaRPr lang="de-DE"/>
+          </a:p>
+        </p:txBody>
+      </p:sp>
+    </p:spTree>
+    <p:extLst>
+      <p:ext uri="{BB962C8B-B14F-4D97-AF65-F5344CB8AC3E}">
+        <p14:creationId xmlns:p14="http://schemas.microsoft.com/office/powerpoint/2010/main" val="1636096745"/>
+      </p:ext>
+    </p:extLst>
+  </p:cSld>
+  <p:clrMapOvr>
+    <a:masterClrMapping/>
+  </p:clrMapOvr>
+</p:notes>
+</file>
+
+<file path=ppt/notesSlides/notesSlide3.xml><?xml version="1.0" encoding="utf-8"?>
+<p:notes xmlns:a="http://schemas.openxmlformats.org/drawingml/2006/main" xmlns:r="http://schemas.openxmlformats.org/officeDocument/2006/relationships" xmlns:p="http://schemas.openxmlformats.org/presentationml/2006/main">
+  <p:cSld>
+    <p:spTree>
+      <p:nvGrpSpPr>
+        <p:cNvPr id="1" name=""/>
+        <p:cNvGrpSpPr/>
+        <p:nvPr/>
+      </p:nvGrpSpPr>
+      <p:grpSpPr>
+        <a:xfrm>
+          <a:off x="0" y="0"/>
+          <a:ext cx="0" cy="0"/>
+          <a:chOff x="0" y="0"/>
+          <a:chExt cx="0" cy="0"/>
+        </a:xfrm>
+      </p:grpSpPr>
+      <p:sp>
+        <p:nvSpPr>
+          <p:cNvPr id="2" name="Folienbildplatzhalter 1"/>
+          <p:cNvSpPr>
+            <a:spLocks noGrp="1" noRot="1" noChangeAspect="1"/>
+          </p:cNvSpPr>
+          <p:nvPr>
+            <p:ph type="sldImg"/>
+          </p:nvPr>
+        </p:nvSpPr>
+        <p:spPr/>
+      </p:sp>
+      <p:sp>
+        <p:nvSpPr>
+          <p:cNvPr id="3" name="Notizenplatzhalter 2"/>
+          <p:cNvSpPr>
+            <a:spLocks noGrp="1"/>
+          </p:cNvSpPr>
+          <p:nvPr>
+            <p:ph type="body" idx="1"/>
+          </p:nvPr>
+        </p:nvSpPr>
+        <p:spPr/>
+        <p:txBody>
+          <a:bodyPr/>
+          <a:lstStyle/>
+          <a:p>
+            <a:r>
+              <a:rPr lang="de-DE" dirty="0"/>
+              <a:t>Auflistung der Vorteile einer Microservice Architektur:</a:t>
+            </a:r>
+          </a:p>
+          <a:p>
+            <a:pPr marL="171450" indent="-171450">
+              <a:buFontTx/>
+              <a:buChar char="-"/>
+            </a:pPr>
+            <a:r>
+              <a:rPr lang="de-DE" dirty="0" err="1"/>
+              <a:t>Entkomplizierung</a:t>
+            </a:r>
+            <a:r>
+              <a:rPr lang="de-DE" dirty="0"/>
+              <a:t> der Systeme </a:t>
+            </a:r>
+          </a:p>
+          <a:p>
+            <a:pPr marL="171450" indent="-171450">
+              <a:buFontTx/>
+              <a:buChar char="-"/>
+            </a:pPr>
+            <a:r>
+              <a:rPr lang="de-DE" dirty="0"/>
+              <a:t>Modularisierung</a:t>
+            </a:r>
+          </a:p>
+          <a:p>
+            <a:pPr marL="171450" indent="-171450">
+              <a:buFontTx/>
+              <a:buChar char="-"/>
+            </a:pPr>
+            <a:r>
+              <a:rPr lang="de-DE" dirty="0"/>
+              <a:t>Eigene </a:t>
+            </a:r>
+            <a:r>
+              <a:rPr lang="de-DE" dirty="0" err="1"/>
+              <a:t>Deployment</a:t>
+            </a:r>
+            <a:r>
+              <a:rPr lang="de-DE" dirty="0"/>
+              <a:t>-Einheiten</a:t>
+            </a:r>
+          </a:p>
+          <a:p>
+            <a:pPr marL="171450" indent="-171450">
+              <a:buFontTx/>
+              <a:buChar char="-"/>
+            </a:pPr>
+            <a:r>
+              <a:rPr lang="de-DE" dirty="0"/>
+              <a:t>Bessere Skalierung</a:t>
+            </a:r>
+          </a:p>
+          <a:p>
+            <a:pPr marL="171450" indent="-171450">
+              <a:buFontTx/>
+              <a:buChar char="-"/>
+            </a:pPr>
+            <a:endParaRPr lang="de-DE" dirty="0"/>
+          </a:p>
+        </p:txBody>
+      </p:sp>
+      <p:sp>
+        <p:nvSpPr>
+          <p:cNvPr id="4" name="Foliennummernplatzhalter 3"/>
+          <p:cNvSpPr>
+            <a:spLocks noGrp="1"/>
+          </p:cNvSpPr>
+          <p:nvPr>
+            <p:ph type="sldNum" sz="quarter" idx="5"/>
+          </p:nvPr>
+        </p:nvSpPr>
+        <p:spPr/>
+        <p:txBody>
+          <a:bodyPr/>
+          <a:lstStyle/>
+          <a:p>
+            <a:fld id="{5D492825-D2FA-4478-B79B-910ECE6D7AEF}" type="slidenum">
+              <a:rPr lang="de-DE" smtClean="0"/>
+              <a:t>4</a:t>
+            </a:fld>
+            <a:endParaRPr lang="de-DE"/>
+          </a:p>
+        </p:txBody>
+      </p:sp>
+    </p:spTree>
+    <p:extLst>
+      <p:ext uri="{BB962C8B-B14F-4D97-AF65-F5344CB8AC3E}">
+        <p14:creationId xmlns:p14="http://schemas.microsoft.com/office/powerpoint/2010/main" val="1542586295"/>
+      </p:ext>
+    </p:extLst>
+  </p:cSld>
+  <p:clrMapOvr>
+    <a:masterClrMapping/>
+  </p:clrMapOvr>
+</p:notes>
+</file>
+
+<file path=ppt/notesSlides/notesSlide4.xml><?xml version="1.0" encoding="utf-8"?>
+<p:notes xmlns:a="http://schemas.openxmlformats.org/drawingml/2006/main" xmlns:r="http://schemas.openxmlformats.org/officeDocument/2006/relationships" xmlns:p="http://schemas.openxmlformats.org/presentationml/2006/main">
+  <p:cSld>
+    <p:spTree>
+      <p:nvGrpSpPr>
+        <p:cNvPr id="1" name=""/>
+        <p:cNvGrpSpPr/>
+        <p:nvPr/>
+      </p:nvGrpSpPr>
+      <p:grpSpPr>
+        <a:xfrm>
+          <a:off x="0" y="0"/>
+          <a:ext cx="0" cy="0"/>
+          <a:chOff x="0" y="0"/>
+          <a:chExt cx="0" cy="0"/>
+        </a:xfrm>
+      </p:grpSpPr>
+      <p:sp>
+        <p:nvSpPr>
+          <p:cNvPr id="2" name="Folienbildplatzhalter 1"/>
+          <p:cNvSpPr>
+            <a:spLocks noGrp="1" noRot="1" noChangeAspect="1"/>
+          </p:cNvSpPr>
+          <p:nvPr>
+            <p:ph type="sldImg"/>
+          </p:nvPr>
+        </p:nvSpPr>
+        <p:spPr/>
+      </p:sp>
+      <p:sp>
+        <p:nvSpPr>
+          <p:cNvPr id="3" name="Notizenplatzhalter 2"/>
+          <p:cNvSpPr>
+            <a:spLocks noGrp="1"/>
+          </p:cNvSpPr>
+          <p:nvPr>
+            <p:ph type="body" idx="1"/>
+          </p:nvPr>
+        </p:nvSpPr>
+        <p:spPr/>
+        <p:txBody>
+          <a:bodyPr/>
+          <a:lstStyle/>
+          <a:p>
+            <a:r>
+              <a:rPr lang="de-DE" dirty="0" err="1"/>
+              <a:t>Testing</a:t>
+            </a:r>
+            <a:r>
+              <a:rPr lang="de-DE" dirty="0"/>
+              <a:t>:</a:t>
+            </a:r>
+          </a:p>
+          <a:p>
+            <a:pPr marL="171450" indent="-171450">
+              <a:buFontTx/>
+              <a:buChar char="-"/>
+            </a:pPr>
+            <a:r>
+              <a:rPr lang="de-DE" dirty="0"/>
+              <a:t>Eigentlich wäre das Zusammenspiel mit Integrationstests bzw.E2E-Tests abzubilden</a:t>
+            </a:r>
+          </a:p>
+          <a:p>
+            <a:pPr marL="171450" indent="-171450">
+              <a:buFontTx/>
+              <a:buChar char="-"/>
+            </a:pPr>
+            <a:r>
+              <a:rPr lang="de-DE" dirty="0"/>
+              <a:t>Zu Aufwendig</a:t>
+            </a:r>
+          </a:p>
+          <a:p>
+            <a:pPr marL="171450" indent="-171450">
+              <a:buFontTx/>
+              <a:buChar char="-"/>
+            </a:pPr>
+            <a:r>
+              <a:rPr lang="de-DE" dirty="0"/>
+              <a:t>Und eigentlich möchte man schnelleres Feedback</a:t>
+            </a:r>
+          </a:p>
+          <a:p>
+            <a:pPr marL="171450" indent="-171450">
+              <a:buFontTx/>
+              <a:buChar char="-"/>
+            </a:pPr>
+            <a:r>
+              <a:rPr lang="de-DE" dirty="0"/>
+              <a:t>Jeder Microservice an sich sollte jede Stufe testen (hoher </a:t>
+            </a:r>
+            <a:r>
+              <a:rPr lang="de-DE" dirty="0" err="1"/>
+              <a:t>Qualitätanspruch</a:t>
+            </a:r>
+            <a:r>
+              <a:rPr lang="de-DE" dirty="0"/>
+              <a:t>)</a:t>
+            </a:r>
+          </a:p>
+          <a:p>
+            <a:pPr marL="0" indent="0">
+              <a:buFontTx/>
+              <a:buNone/>
+            </a:pPr>
+            <a:endParaRPr lang="de-DE" dirty="0"/>
+          </a:p>
+          <a:p>
+            <a:endParaRPr lang="de-DE" dirty="0"/>
+          </a:p>
+        </p:txBody>
+      </p:sp>
+      <p:sp>
+        <p:nvSpPr>
+          <p:cNvPr id="4" name="Foliennummernplatzhalter 3"/>
+          <p:cNvSpPr>
+            <a:spLocks noGrp="1"/>
+          </p:cNvSpPr>
+          <p:nvPr>
+            <p:ph type="sldNum" sz="quarter" idx="5"/>
+          </p:nvPr>
+        </p:nvSpPr>
+        <p:spPr/>
+        <p:txBody>
+          <a:bodyPr/>
+          <a:lstStyle/>
+          <a:p>
+            <a:fld id="{5D492825-D2FA-4478-B79B-910ECE6D7AEF}" type="slidenum">
+              <a:rPr lang="de-DE" smtClean="0"/>
+              <a:t>5</a:t>
+            </a:fld>
+            <a:endParaRPr lang="de-DE"/>
+          </a:p>
+        </p:txBody>
+      </p:sp>
+    </p:spTree>
+    <p:extLst>
+      <p:ext uri="{BB962C8B-B14F-4D97-AF65-F5344CB8AC3E}">
+        <p14:creationId xmlns:p14="http://schemas.microsoft.com/office/powerpoint/2010/main" val="1835009406"/>
+      </p:ext>
+    </p:extLst>
+  </p:cSld>
+  <p:clrMapOvr>
+    <a:masterClrMapping/>
+  </p:clrMapOvr>
+</p:notes>
+</file>
+
+<file path=ppt/notesSlides/notesSlide5.xml><?xml version="1.0" encoding="utf-8"?>
+<p:notes xmlns:a="http://schemas.openxmlformats.org/drawingml/2006/main" xmlns:r="http://schemas.openxmlformats.org/officeDocument/2006/relationships" xmlns:p="http://schemas.openxmlformats.org/presentationml/2006/main">
+  <p:cSld>
+    <p:spTree>
+      <p:nvGrpSpPr>
+        <p:cNvPr id="1" name=""/>
+        <p:cNvGrpSpPr/>
+        <p:nvPr/>
+      </p:nvGrpSpPr>
+      <p:grpSpPr>
+        <a:xfrm>
+          <a:off x="0" y="0"/>
+          <a:ext cx="0" cy="0"/>
+          <a:chOff x="0" y="0"/>
+          <a:chExt cx="0" cy="0"/>
+        </a:xfrm>
+      </p:grpSpPr>
+      <p:sp>
+        <p:nvSpPr>
+          <p:cNvPr id="2" name="Folienbildplatzhalter 1"/>
+          <p:cNvSpPr>
+            <a:spLocks noGrp="1" noRot="1" noChangeAspect="1"/>
+          </p:cNvSpPr>
+          <p:nvPr>
+            <p:ph type="sldImg"/>
+          </p:nvPr>
+        </p:nvSpPr>
+        <p:spPr/>
+      </p:sp>
+      <p:sp>
+        <p:nvSpPr>
+          <p:cNvPr id="3" name="Notizenplatzhalter 2"/>
+          <p:cNvSpPr>
+            <a:spLocks noGrp="1"/>
+          </p:cNvSpPr>
+          <p:nvPr>
+            <p:ph type="body" idx="1"/>
+          </p:nvPr>
+        </p:nvSpPr>
+        <p:spPr/>
+        <p:txBody>
+          <a:bodyPr/>
+          <a:lstStyle/>
+          <a:p>
+            <a:endParaRPr lang="de-DE" dirty="0"/>
+          </a:p>
+        </p:txBody>
+      </p:sp>
+      <p:sp>
+        <p:nvSpPr>
+          <p:cNvPr id="4" name="Foliennummernplatzhalter 3"/>
+          <p:cNvSpPr>
+            <a:spLocks noGrp="1"/>
+          </p:cNvSpPr>
+          <p:nvPr>
+            <p:ph type="sldNum" sz="quarter" idx="5"/>
+          </p:nvPr>
+        </p:nvSpPr>
+        <p:spPr/>
+        <p:txBody>
+          <a:bodyPr/>
+          <a:lstStyle/>
+          <a:p>
+            <a:fld id="{5D492825-D2FA-4478-B79B-910ECE6D7AEF}" type="slidenum">
+              <a:rPr lang="de-DE" smtClean="0"/>
+              <a:t>6</a:t>
+            </a:fld>
+            <a:endParaRPr lang="de-DE"/>
+          </a:p>
+        </p:txBody>
+      </p:sp>
+    </p:spTree>
+    <p:extLst>
+      <p:ext uri="{BB962C8B-B14F-4D97-AF65-F5344CB8AC3E}">
+        <p14:creationId xmlns:p14="http://schemas.microsoft.com/office/powerpoint/2010/main" val="3163897141"/>
+      </p:ext>
+    </p:extLst>
+  </p:cSld>
+  <p:clrMapOvr>
+    <a:masterClrMapping/>
+  </p:clrMapOvr>
+</p:notes>
+</file>
+
+<file path=ppt/notesSlides/notesSlide6.xml><?xml version="1.0" encoding="utf-8"?>
+<p:notes xmlns:a="http://schemas.openxmlformats.org/drawingml/2006/main" xmlns:r="http://schemas.openxmlformats.org/officeDocument/2006/relationships" xmlns:p="http://schemas.openxmlformats.org/presentationml/2006/main">
+  <p:cSld>
+    <p:spTree>
+      <p:nvGrpSpPr>
+        <p:cNvPr id="1" name=""/>
+        <p:cNvGrpSpPr/>
+        <p:nvPr/>
+      </p:nvGrpSpPr>
+      <p:grpSpPr>
+        <a:xfrm>
+          <a:off x="0" y="0"/>
+          <a:ext cx="0" cy="0"/>
+          <a:chOff x="0" y="0"/>
+          <a:chExt cx="0" cy="0"/>
+        </a:xfrm>
+      </p:grpSpPr>
+      <p:sp>
+        <p:nvSpPr>
+          <p:cNvPr id="2" name="Folienbildplatzhalter 1"/>
+          <p:cNvSpPr>
+            <a:spLocks noGrp="1" noRot="1" noChangeAspect="1"/>
+          </p:cNvSpPr>
+          <p:nvPr>
+            <p:ph type="sldImg"/>
+          </p:nvPr>
+        </p:nvSpPr>
+        <p:spPr/>
+      </p:sp>
+      <p:sp>
+        <p:nvSpPr>
+          <p:cNvPr id="3" name="Notizenplatzhalter 2"/>
+          <p:cNvSpPr>
+            <a:spLocks noGrp="1"/>
+          </p:cNvSpPr>
+          <p:nvPr>
+            <p:ph type="body" idx="1"/>
+          </p:nvPr>
+        </p:nvSpPr>
+        <p:spPr/>
+        <p:txBody>
+          <a:bodyPr/>
+          <a:lstStyle/>
+          <a:p>
+            <a:endParaRPr lang="de-DE" dirty="0"/>
+          </a:p>
+        </p:txBody>
+      </p:sp>
+      <p:sp>
+        <p:nvSpPr>
+          <p:cNvPr id="4" name="Foliennummernplatzhalter 3"/>
+          <p:cNvSpPr>
+            <a:spLocks noGrp="1"/>
+          </p:cNvSpPr>
+          <p:nvPr>
+            <p:ph type="sldNum" sz="quarter" idx="5"/>
+          </p:nvPr>
+        </p:nvSpPr>
+        <p:spPr/>
+        <p:txBody>
+          <a:bodyPr/>
+          <a:lstStyle/>
+          <a:p>
+            <a:fld id="{5D492825-D2FA-4478-B79B-910ECE6D7AEF}" type="slidenum">
+              <a:rPr lang="de-DE" smtClean="0"/>
+              <a:t>8</a:t>
+            </a:fld>
+            <a:endParaRPr lang="de-DE"/>
+          </a:p>
+        </p:txBody>
+      </p:sp>
+    </p:spTree>
+    <p:extLst>
+      <p:ext uri="{BB962C8B-B14F-4D97-AF65-F5344CB8AC3E}">
+        <p14:creationId xmlns:p14="http://schemas.microsoft.com/office/powerpoint/2010/main" val="745721368"/>
+      </p:ext>
+    </p:extLst>
+  </p:cSld>
+  <p:clrMapOvr>
+    <a:masterClrMapping/>
+  </p:clrMapOvr>
+</p:notes>
+</file>
+
+<file path=ppt/notesSlides/notesSlide7.xml><?xml version="1.0" encoding="utf-8"?>
+<p:notes xmlns:a="http://schemas.openxmlformats.org/drawingml/2006/main" xmlns:r="http://schemas.openxmlformats.org/officeDocument/2006/relationships" xmlns:p="http://schemas.openxmlformats.org/presentationml/2006/main">
+  <p:cSld>
+    <p:spTree>
+      <p:nvGrpSpPr>
+        <p:cNvPr id="1" name=""/>
+        <p:cNvGrpSpPr/>
+        <p:nvPr/>
+      </p:nvGrpSpPr>
+      <p:grpSpPr>
+        <a:xfrm>
+          <a:off x="0" y="0"/>
+          <a:ext cx="0" cy="0"/>
+          <a:chOff x="0" y="0"/>
+          <a:chExt cx="0" cy="0"/>
+        </a:xfrm>
+      </p:grpSpPr>
+      <p:sp>
+        <p:nvSpPr>
+          <p:cNvPr id="2" name="Folienbildplatzhalter 1"/>
+          <p:cNvSpPr>
+            <a:spLocks noGrp="1" noRot="1" noChangeAspect="1"/>
+          </p:cNvSpPr>
+          <p:nvPr>
+            <p:ph type="sldImg"/>
+          </p:nvPr>
+        </p:nvSpPr>
+        <p:spPr/>
+      </p:sp>
+      <p:sp>
+        <p:nvSpPr>
+          <p:cNvPr id="3" name="Notizenplatzhalter 2"/>
+          <p:cNvSpPr>
+            <a:spLocks noGrp="1"/>
+          </p:cNvSpPr>
+          <p:nvPr>
+            <p:ph type="body" idx="1"/>
+          </p:nvPr>
+        </p:nvSpPr>
+        <p:spPr/>
+        <p:txBody>
+          <a:bodyPr/>
+          <a:lstStyle/>
+          <a:p>
+            <a:r>
+              <a:rPr lang="de-DE" dirty="0"/>
+              <a:t>Gegensatz zu öffentlichen APIs </a:t>
+            </a:r>
+          </a:p>
+          <a:p>
+            <a:pPr marL="171450" indent="-171450">
+              <a:buFontTx/>
+              <a:buChar char="-"/>
+            </a:pPr>
+            <a:r>
+              <a:rPr lang="de-DE" dirty="0"/>
+              <a:t>Struktur wird von den </a:t>
+            </a:r>
+            <a:r>
+              <a:rPr lang="de-DE" dirty="0" err="1"/>
+              <a:t>verwendern</a:t>
+            </a:r>
+            <a:r>
+              <a:rPr lang="de-DE" dirty="0"/>
+              <a:t> bestimmt und ist nicht vorgegeben</a:t>
+            </a:r>
+          </a:p>
+          <a:p>
+            <a:pPr marL="171450" indent="-171450">
+              <a:buFontTx/>
+              <a:buChar char="-"/>
+            </a:pPr>
+            <a:r>
+              <a:rPr lang="de-DE" dirty="0"/>
+              <a:t>Starker Dialog zwischen Verwender und Provider - Anforderungscharakter</a:t>
+            </a:r>
+          </a:p>
+          <a:p>
+            <a:pPr marL="171450" indent="-171450">
+              <a:buFontTx/>
+              <a:buChar char="-"/>
+            </a:pPr>
+            <a:r>
+              <a:rPr lang="de-DE" dirty="0"/>
+              <a:t>Großer Fokus auf Fachlichkeit und Mehrwert für das Endprodukt</a:t>
+            </a:r>
+          </a:p>
+          <a:p>
+            <a:pPr marL="628650" lvl="1" indent="-171450">
+              <a:buFontTx/>
+              <a:buChar char="-"/>
+            </a:pPr>
+            <a:r>
+              <a:rPr lang="de-DE" dirty="0"/>
+              <a:t>Es wird nichts implementiert, was nicht gebraucht wird.</a:t>
+            </a:r>
+          </a:p>
+        </p:txBody>
+      </p:sp>
+      <p:sp>
+        <p:nvSpPr>
+          <p:cNvPr id="4" name="Foliennummernplatzhalter 3"/>
+          <p:cNvSpPr>
+            <a:spLocks noGrp="1"/>
+          </p:cNvSpPr>
+          <p:nvPr>
+            <p:ph type="sldNum" sz="quarter" idx="5"/>
+          </p:nvPr>
+        </p:nvSpPr>
+        <p:spPr/>
+        <p:txBody>
+          <a:bodyPr/>
+          <a:lstStyle/>
+          <a:p>
+            <a:fld id="{5D492825-D2FA-4478-B79B-910ECE6D7AEF}" type="slidenum">
+              <a:rPr lang="de-DE" smtClean="0"/>
+              <a:t>11</a:t>
+            </a:fld>
+            <a:endParaRPr lang="de-DE"/>
+          </a:p>
+        </p:txBody>
+      </p:sp>
+    </p:spTree>
+    <p:extLst>
+      <p:ext uri="{BB962C8B-B14F-4D97-AF65-F5344CB8AC3E}">
+        <p14:creationId xmlns:p14="http://schemas.microsoft.com/office/powerpoint/2010/main" val="1175662317"/>
+      </p:ext>
+    </p:extLst>
+  </p:cSld>
+  <p:clrMapOvr>
+    <a:masterClrMapping/>
+  </p:clrMapOvr>
+</p:notes>
+</file>
+
+<file path=ppt/notesSlides/notesSlide8.xml><?xml version="1.0" encoding="utf-8"?>
+<p:notes xmlns:a="http://schemas.openxmlformats.org/drawingml/2006/main" xmlns:r="http://schemas.openxmlformats.org/officeDocument/2006/relationships" xmlns:p="http://schemas.openxmlformats.org/presentationml/2006/main">
+  <p:cSld>
+    <p:spTree>
+      <p:nvGrpSpPr>
+        <p:cNvPr id="1" name=""/>
+        <p:cNvGrpSpPr/>
+        <p:nvPr/>
+      </p:nvGrpSpPr>
+      <p:grpSpPr>
+        <a:xfrm>
+          <a:off x="0" y="0"/>
+          <a:ext cx="0" cy="0"/>
+          <a:chOff x="0" y="0"/>
+          <a:chExt cx="0" cy="0"/>
+        </a:xfrm>
+      </p:grpSpPr>
+      <p:sp>
+        <p:nvSpPr>
+          <p:cNvPr id="2" name="Folienbildplatzhalter 1"/>
+          <p:cNvSpPr>
+            <a:spLocks noGrp="1" noRot="1" noChangeAspect="1"/>
+          </p:cNvSpPr>
+          <p:nvPr>
+            <p:ph type="sldImg"/>
+          </p:nvPr>
+        </p:nvSpPr>
+        <p:spPr/>
+      </p:sp>
+      <p:sp>
+        <p:nvSpPr>
+          <p:cNvPr id="3" name="Notizenplatzhalter 2"/>
+          <p:cNvSpPr>
+            <a:spLocks noGrp="1"/>
+          </p:cNvSpPr>
+          <p:nvPr>
+            <p:ph type="body" idx="1"/>
+          </p:nvPr>
+        </p:nvSpPr>
+        <p:spPr/>
+        <p:txBody>
+          <a:bodyPr/>
+          <a:lstStyle/>
+          <a:p>
+            <a:endParaRPr lang="de-DE" dirty="0"/>
+          </a:p>
+        </p:txBody>
+      </p:sp>
+      <p:sp>
+        <p:nvSpPr>
+          <p:cNvPr id="4" name="Foliennummernplatzhalter 3"/>
+          <p:cNvSpPr>
+            <a:spLocks noGrp="1"/>
+          </p:cNvSpPr>
+          <p:nvPr>
+            <p:ph type="sldNum" sz="quarter" idx="5"/>
+          </p:nvPr>
+        </p:nvSpPr>
+        <p:spPr/>
+        <p:txBody>
+          <a:bodyPr/>
+          <a:lstStyle/>
+          <a:p>
+            <a:fld id="{5D492825-D2FA-4478-B79B-910ECE6D7AEF}" type="slidenum">
+              <a:rPr lang="de-DE" smtClean="0"/>
+              <a:t>12</a:t>
+            </a:fld>
+            <a:endParaRPr lang="de-DE"/>
+          </a:p>
+        </p:txBody>
+      </p:sp>
+    </p:spTree>
+    <p:extLst>
+      <p:ext uri="{BB962C8B-B14F-4D97-AF65-F5344CB8AC3E}">
+        <p14:creationId xmlns:p14="http://schemas.microsoft.com/office/powerpoint/2010/main" val="3226645562"/>
+      </p:ext>
+    </p:extLst>
+  </p:cSld>
+  <p:clrMapOvr>
+    <a:masterClrMapping/>
+  </p:clrMapOvr>
+</p:notes>
+</file>
+
+<file path=ppt/notesSlides/notesSlide9.xml><?xml version="1.0" encoding="utf-8"?>
+<p:notes xmlns:a="http://schemas.openxmlformats.org/drawingml/2006/main" xmlns:r="http://schemas.openxmlformats.org/officeDocument/2006/relationships" xmlns:p="http://schemas.openxmlformats.org/presentationml/2006/main">
+  <p:cSld>
+    <p:spTree>
+      <p:nvGrpSpPr>
+        <p:cNvPr id="1" name=""/>
+        <p:cNvGrpSpPr/>
+        <p:nvPr/>
+      </p:nvGrpSpPr>
+      <p:grpSpPr>
+        <a:xfrm>
+          <a:off x="0" y="0"/>
+          <a:ext cx="0" cy="0"/>
+          <a:chOff x="0" y="0"/>
+          <a:chExt cx="0" cy="0"/>
+        </a:xfrm>
+      </p:grpSpPr>
+      <p:sp>
+        <p:nvSpPr>
+          <p:cNvPr id="2" name="Folienbildplatzhalter 1"/>
+          <p:cNvSpPr>
+            <a:spLocks noGrp="1" noRot="1" noChangeAspect="1"/>
+          </p:cNvSpPr>
+          <p:nvPr>
+            <p:ph type="sldImg"/>
+          </p:nvPr>
+        </p:nvSpPr>
+        <p:spPr/>
+      </p:sp>
+      <p:sp>
+        <p:nvSpPr>
+          <p:cNvPr id="3" name="Notizenplatzhalter 2"/>
+          <p:cNvSpPr>
+            <a:spLocks noGrp="1"/>
+          </p:cNvSpPr>
+          <p:nvPr>
+            <p:ph type="body" idx="1"/>
+          </p:nvPr>
+        </p:nvSpPr>
+        <p:spPr/>
+        <p:txBody>
+          <a:bodyPr/>
+          <a:lstStyle/>
+          <a:p>
+            <a:r>
+              <a:rPr lang="de-DE" dirty="0"/>
+              <a:t>CDCT</a:t>
+            </a:r>
+          </a:p>
+          <a:p>
+            <a:pPr marL="171450" indent="-171450">
+              <a:buFontTx/>
+              <a:buChar char="-"/>
+            </a:pPr>
+            <a:r>
+              <a:rPr lang="de-DE" dirty="0"/>
+              <a:t>TDD Ansatz für verteilte Systeme</a:t>
+            </a:r>
+          </a:p>
+          <a:p>
+            <a:pPr marL="628650" lvl="1" indent="-171450">
+              <a:buFontTx/>
+              <a:buChar char="-"/>
+            </a:pPr>
+            <a:r>
+              <a:rPr lang="de-DE" dirty="0"/>
+              <a:t>Client schreibt Tests </a:t>
+            </a:r>
+          </a:p>
+          <a:p>
+            <a:pPr marL="1085850" lvl="2" indent="-171450">
+              <a:buFontTx/>
+              <a:buChar char="-"/>
+            </a:pPr>
+            <a:r>
+              <a:rPr lang="de-DE" dirty="0"/>
+              <a:t>Definiert so die Anforderungen</a:t>
+            </a:r>
+          </a:p>
+          <a:p>
+            <a:pPr marL="628650" lvl="1" indent="-171450">
+              <a:buFontTx/>
+              <a:buChar char="-"/>
+            </a:pPr>
+            <a:r>
+              <a:rPr lang="de-DE" dirty="0"/>
+              <a:t>Provider sammelt die Tests aller </a:t>
+            </a:r>
+            <a:r>
+              <a:rPr lang="de-DE" dirty="0" err="1"/>
+              <a:t>verwender</a:t>
+            </a:r>
+            <a:endParaRPr lang="de-DE" dirty="0"/>
+          </a:p>
+          <a:p>
+            <a:pPr marL="1085850" lvl="2" indent="-171450">
+              <a:buFontTx/>
+              <a:buChar char="-"/>
+            </a:pPr>
+            <a:r>
+              <a:rPr lang="de-DE" dirty="0"/>
+              <a:t>Implementiert die Anforderungen</a:t>
+            </a:r>
+          </a:p>
+          <a:p>
+            <a:pPr marL="1085850" lvl="2" indent="-171450">
+              <a:buFontTx/>
+              <a:buChar char="-"/>
+            </a:pPr>
+            <a:r>
+              <a:rPr lang="de-DE" dirty="0"/>
+              <a:t>Integriert die Tests in ihren Automatisierungsprozess</a:t>
+            </a:r>
+          </a:p>
+          <a:p>
+            <a:pPr marL="1085850" lvl="2" indent="-171450">
+              <a:buFontTx/>
+              <a:buChar char="-"/>
+            </a:pPr>
+            <a:r>
+              <a:rPr lang="de-DE" dirty="0"/>
+              <a:t>Stellt somit sicher, dass alle Verwender weiterhin mit dem Provider kompatibel bleiben</a:t>
+            </a:r>
+          </a:p>
+          <a:p>
+            <a:pPr marL="457200" lvl="1" indent="0">
+              <a:buFontTx/>
+              <a:buNone/>
+            </a:pPr>
+            <a:endParaRPr lang="de-DE" dirty="0"/>
+          </a:p>
+        </p:txBody>
+      </p:sp>
+      <p:sp>
+        <p:nvSpPr>
+          <p:cNvPr id="4" name="Foliennummernplatzhalter 3"/>
+          <p:cNvSpPr>
+            <a:spLocks noGrp="1"/>
+          </p:cNvSpPr>
+          <p:nvPr>
+            <p:ph type="sldNum" sz="quarter" idx="5"/>
+          </p:nvPr>
+        </p:nvSpPr>
+        <p:spPr/>
+        <p:txBody>
+          <a:bodyPr/>
+          <a:lstStyle/>
+          <a:p>
+            <a:fld id="{5D492825-D2FA-4478-B79B-910ECE6D7AEF}" type="slidenum">
+              <a:rPr lang="de-DE" smtClean="0"/>
+              <a:t>13</a:t>
+            </a:fld>
+            <a:endParaRPr lang="de-DE"/>
+          </a:p>
+        </p:txBody>
+      </p:sp>
+    </p:spTree>
+    <p:extLst>
+      <p:ext uri="{BB962C8B-B14F-4D97-AF65-F5344CB8AC3E}">
+        <p14:creationId xmlns:p14="http://schemas.microsoft.com/office/powerpoint/2010/main" val="2268263219"/>
+      </p:ext>
+    </p:extLst>
+  </p:cSld>
+  <p:clrMapOvr>
+    <a:masterClrMapping/>
+  </p:clrMapOvr>
+</p:notes>
+</file>
+
 <file path=ppt/slideLayouts/slideLayout1.xml><?xml version="1.0" encoding="utf-8"?>
 <p:sldLayout xmlns:a="http://schemas.openxmlformats.org/drawingml/2006/main" xmlns:r="http://schemas.openxmlformats.org/officeDocument/2006/relationships" xmlns:p="http://schemas.openxmlformats.org/presentationml/2006/main" type="title" preserve="1">
   <p:cSld name="Titelfolie">
@@ -11608,7 +13507,7 @@
             <a:fld id="{4DCA6C4A-C3BE-4614-8178-1E634F454DE2}" type="datetimeFigureOut">
               <a:rPr lang="de-DE" smtClean="0"/>
               <a:pPr/>
-              <a:t>15.05.2019</a:t>
+              <a:t>21.05.2019</a:t>
             </a:fld>
             <a:endParaRPr lang="de-DE" dirty="0"/>
           </a:p>
@@ -11813,7 +13712,7 @@
           <a:p>
             <a:fld id="{4DCA6C4A-C3BE-4614-8178-1E634F454DE2}" type="datetimeFigureOut">
               <a:rPr lang="de-DE" smtClean="0"/>
-              <a:t>15.05.2019</a:t>
+              <a:t>21.05.2019</a:t>
             </a:fld>
             <a:endParaRPr lang="de-DE"/>
           </a:p>
@@ -12021,7 +13920,7 @@
           <a:p>
             <a:fld id="{4DCA6C4A-C3BE-4614-8178-1E634F454DE2}" type="datetimeFigureOut">
               <a:rPr lang="de-DE" smtClean="0"/>
-              <a:t>15.05.2019</a:t>
+              <a:t>21.05.2019</a:t>
             </a:fld>
             <a:endParaRPr lang="de-DE"/>
           </a:p>
@@ -12219,7 +14118,7 @@
           <a:p>
             <a:fld id="{4DCA6C4A-C3BE-4614-8178-1E634F454DE2}" type="datetimeFigureOut">
               <a:rPr lang="de-DE" smtClean="0"/>
-              <a:t>15.05.2019</a:t>
+              <a:t>21.05.2019</a:t>
             </a:fld>
             <a:endParaRPr lang="de-DE"/>
           </a:p>
@@ -12494,7 +14393,7 @@
           <a:p>
             <a:fld id="{4DCA6C4A-C3BE-4614-8178-1E634F454DE2}" type="datetimeFigureOut">
               <a:rPr lang="de-DE" smtClean="0"/>
-              <a:t>15.05.2019</a:t>
+              <a:t>21.05.2019</a:t>
             </a:fld>
             <a:endParaRPr lang="de-DE" dirty="0"/>
           </a:p>
@@ -12759,7 +14658,7 @@
           <a:p>
             <a:fld id="{4DCA6C4A-C3BE-4614-8178-1E634F454DE2}" type="datetimeFigureOut">
               <a:rPr lang="de-DE" smtClean="0"/>
-              <a:t>15.05.2019</a:t>
+              <a:t>21.05.2019</a:t>
             </a:fld>
             <a:endParaRPr lang="de-DE"/>
           </a:p>
@@ -13171,7 +15070,7 @@
           <a:p>
             <a:fld id="{4DCA6C4A-C3BE-4614-8178-1E634F454DE2}" type="datetimeFigureOut">
               <a:rPr lang="de-DE" smtClean="0"/>
-              <a:t>15.05.2019</a:t>
+              <a:t>21.05.2019</a:t>
             </a:fld>
             <a:endParaRPr lang="de-DE"/>
           </a:p>
@@ -13312,7 +15211,7 @@
           <a:p>
             <a:fld id="{4DCA6C4A-C3BE-4614-8178-1E634F454DE2}" type="datetimeFigureOut">
               <a:rPr lang="de-DE" smtClean="0"/>
-              <a:t>15.05.2019</a:t>
+              <a:t>21.05.2019</a:t>
             </a:fld>
             <a:endParaRPr lang="de-DE"/>
           </a:p>
@@ -13425,7 +15324,7 @@
           <a:p>
             <a:fld id="{4DCA6C4A-C3BE-4614-8178-1E634F454DE2}" type="datetimeFigureOut">
               <a:rPr lang="de-DE" smtClean="0"/>
-              <a:t>15.05.2019</a:t>
+              <a:t>21.05.2019</a:t>
             </a:fld>
             <a:endParaRPr lang="de-DE" dirty="0"/>
           </a:p>
@@ -13736,7 +15635,7 @@
           <a:p>
             <a:fld id="{4DCA6C4A-C3BE-4614-8178-1E634F454DE2}" type="datetimeFigureOut">
               <a:rPr lang="de-DE" smtClean="0"/>
-              <a:t>15.05.2019</a:t>
+              <a:t>21.05.2019</a:t>
             </a:fld>
             <a:endParaRPr lang="de-DE"/>
           </a:p>
@@ -14024,7 +15923,7 @@
           <a:p>
             <a:fld id="{4DCA6C4A-C3BE-4614-8178-1E634F454DE2}" type="datetimeFigureOut">
               <a:rPr lang="de-DE" smtClean="0"/>
-              <a:t>15.05.2019</a:t>
+              <a:t>21.05.2019</a:t>
             </a:fld>
             <a:endParaRPr lang="de-DE"/>
           </a:p>
@@ -14271,7 +16170,7 @@
             <a:fld id="{4DCA6C4A-C3BE-4614-8178-1E634F454DE2}" type="datetimeFigureOut">
               <a:rPr lang="de-DE" smtClean="0"/>
               <a:pPr/>
-              <a:t>15.05.2019</a:t>
+              <a:t>21.05.2019</a:t>
             </a:fld>
             <a:endParaRPr lang="de-DE" dirty="0"/>
           </a:p>
@@ -14709,7 +16608,12 @@
             <p:ph type="ctrTitle"/>
           </p:nvPr>
         </p:nvSpPr>
-        <p:spPr/>
+        <p:spPr>
+          <a:xfrm>
+            <a:off x="0" y="0"/>
+            <a:ext cx="9144000" cy="2387600"/>
+          </a:xfrm>
+        </p:spPr>
         <p:txBody>
           <a:bodyPr/>
           <a:lstStyle/>
@@ -14753,7 +16657,12 @@
             <p:ph type="subTitle" idx="1"/>
           </p:nvPr>
         </p:nvSpPr>
-        <p:spPr/>
+        <p:spPr>
+          <a:xfrm>
+            <a:off x="3048000" y="5202238"/>
+            <a:ext cx="9144000" cy="1655762"/>
+          </a:xfrm>
+        </p:spPr>
         <p:txBody>
           <a:bodyPr/>
           <a:lstStyle/>
@@ -14802,6 +16711,53 @@
           </a:p>
         </p:txBody>
       </p:sp>
+      <p:pic>
+        <p:nvPicPr>
+          <p:cNvPr id="4" name="Picture 2" descr="https://blobscdn.gitbook.com/v0/b/gitbook-28427.appspot.com/o/assets%2F-LC2AYrI9MJa-_aAjE1u%2F-LanAsvj8t2Fxhd55l37%2F-LanAtusxEP3HvJVJxsd%2Fpact-logo.png?generation=1553489437517488&amp;alt=media">
+            <a:extLst>
+              <a:ext uri="{FF2B5EF4-FFF2-40B4-BE49-F238E27FC236}">
+                <a16:creationId xmlns:a16="http://schemas.microsoft.com/office/drawing/2014/main" id="{2F549A94-59A6-4702-956B-14224E0423CA}"/>
+              </a:ext>
+            </a:extLst>
+          </p:cNvPr>
+          <p:cNvPicPr>
+            <a:picLocks noChangeAspect="1" noChangeArrowheads="1"/>
+          </p:cNvPicPr>
+          <p:nvPr/>
+        </p:nvPicPr>
+        <p:blipFill>
+          <a:blip r:embed="rId2">
+            <a:extLst>
+              <a:ext uri="{28A0092B-C50C-407E-A947-70E740481C1C}">
+                <a14:useLocalDpi xmlns:a14="http://schemas.microsoft.com/office/drawing/2010/main" val="0"/>
+              </a:ext>
+            </a:extLst>
+          </a:blip>
+          <a:srcRect/>
+          <a:stretch>
+            <a:fillRect/>
+          </a:stretch>
+        </p:blipFill>
+        <p:spPr bwMode="auto">
+          <a:xfrm>
+            <a:off x="118781" y="3527519"/>
+            <a:ext cx="5715000" cy="1190625"/>
+          </a:xfrm>
+          <a:prstGeom prst="rect">
+            <a:avLst/>
+          </a:prstGeom>
+          <a:noFill/>
+          <a:extLst>
+            <a:ext uri="{909E8E84-426E-40DD-AFC4-6F175D3DCCD1}">
+              <a14:hiddenFill xmlns:a14="http://schemas.microsoft.com/office/drawing/2010/main">
+                <a:solidFill>
+                  <a:srgbClr val="FFFFFF"/>
+                </a:solidFill>
+              </a14:hiddenFill>
+            </a:ext>
+          </a:extLst>
+        </p:spPr>
+      </p:pic>
     </p:spTree>
     <p:extLst>
       <p:ext uri="{BB962C8B-B14F-4D97-AF65-F5344CB8AC3E}">
@@ -14816,6 +16772,1663 @@
 </file>
 
 <file path=ppt/slides/slide10.xml><?xml version="1.0" encoding="utf-8"?>
+<p:sld xmlns:a="http://schemas.openxmlformats.org/drawingml/2006/main" xmlns:r="http://schemas.openxmlformats.org/officeDocument/2006/relationships" xmlns:p="http://schemas.openxmlformats.org/presentationml/2006/main">
+  <p:cSld>
+    <p:spTree>
+      <p:nvGrpSpPr>
+        <p:cNvPr id="1" name=""/>
+        <p:cNvGrpSpPr/>
+        <p:nvPr/>
+      </p:nvGrpSpPr>
+      <p:grpSpPr>
+        <a:xfrm>
+          <a:off x="0" y="0"/>
+          <a:ext cx="0" cy="0"/>
+          <a:chOff x="0" y="0"/>
+          <a:chExt cx="0" cy="0"/>
+        </a:xfrm>
+      </p:grpSpPr>
+      <p:sp>
+        <p:nvSpPr>
+          <p:cNvPr id="2" name="Titel 1">
+            <a:extLst>
+              <a:ext uri="{FF2B5EF4-FFF2-40B4-BE49-F238E27FC236}">
+                <a16:creationId xmlns:a16="http://schemas.microsoft.com/office/drawing/2014/main" id="{C081D906-358A-49C2-B4C3-EF8392B303A8}"/>
+              </a:ext>
+            </a:extLst>
+          </p:cNvPr>
+          <p:cNvSpPr>
+            <a:spLocks noGrp="1"/>
+          </p:cNvSpPr>
+          <p:nvPr>
+            <p:ph type="title"/>
+          </p:nvPr>
+        </p:nvSpPr>
+        <p:spPr/>
+        <p:txBody>
+          <a:bodyPr/>
+          <a:lstStyle/>
+          <a:p>
+            <a:r>
+              <a:rPr lang="de-DE" dirty="0"/>
+              <a:t>Environment</a:t>
+            </a:r>
+          </a:p>
+        </p:txBody>
+      </p:sp>
+      <p:graphicFrame>
+        <p:nvGraphicFramePr>
+          <p:cNvPr id="11" name="Inhaltsplatzhalter 10">
+            <a:extLst>
+              <a:ext uri="{FF2B5EF4-FFF2-40B4-BE49-F238E27FC236}">
+                <a16:creationId xmlns:a16="http://schemas.microsoft.com/office/drawing/2014/main" id="{4A1CC9D7-404C-4998-AD0B-D469C4ECE43C}"/>
+              </a:ext>
+            </a:extLst>
+          </p:cNvPr>
+          <p:cNvGraphicFramePr>
+            <a:graphicFrameLocks noGrp="1"/>
+          </p:cNvGraphicFramePr>
+          <p:nvPr>
+            <p:ph sz="half" idx="2"/>
+            <p:extLst>
+              <p:ext uri="{D42A27DB-BD31-4B8C-83A1-F6EECF244321}">
+                <p14:modId xmlns:p14="http://schemas.microsoft.com/office/powerpoint/2010/main" val="4231893020"/>
+              </p:ext>
+            </p:extLst>
+          </p:nvPr>
+        </p:nvGraphicFramePr>
+        <p:xfrm>
+          <a:off x="839788" y="1690688"/>
+          <a:ext cx="5157787" cy="4498975"/>
+        </p:xfrm>
+        <a:graphic>
+          <a:graphicData uri="http://schemas.openxmlformats.org/drawingml/2006/diagram">
+            <dgm:relIds xmlns:dgm="http://schemas.openxmlformats.org/drawingml/2006/diagram" xmlns:r="http://schemas.openxmlformats.org/officeDocument/2006/relationships" r:dm="rId2" r:lo="rId3" r:qs="rId4" r:cs="rId5"/>
+          </a:graphicData>
+        </a:graphic>
+      </p:graphicFrame>
+      <p:graphicFrame>
+        <p:nvGraphicFramePr>
+          <p:cNvPr id="12" name="Inhaltsplatzhalter 10">
+            <a:extLst>
+              <a:ext uri="{FF2B5EF4-FFF2-40B4-BE49-F238E27FC236}">
+                <a16:creationId xmlns:a16="http://schemas.microsoft.com/office/drawing/2014/main" id="{511CFEA1-0348-411A-81AF-FDFD8B3EA977}"/>
+              </a:ext>
+            </a:extLst>
+          </p:cNvPr>
+          <p:cNvGraphicFramePr>
+            <a:graphicFrameLocks noGrp="1"/>
+          </p:cNvGraphicFramePr>
+          <p:nvPr>
+            <p:ph sz="quarter" idx="4"/>
+            <p:extLst>
+              <p:ext uri="{D42A27DB-BD31-4B8C-83A1-F6EECF244321}">
+                <p14:modId xmlns:p14="http://schemas.microsoft.com/office/powerpoint/2010/main" val="873292582"/>
+              </p:ext>
+            </p:extLst>
+          </p:nvPr>
+        </p:nvGraphicFramePr>
+        <p:xfrm>
+          <a:off x="6172200" y="1690688"/>
+          <a:ext cx="5183188" cy="4498975"/>
+        </p:xfrm>
+        <a:graphic>
+          <a:graphicData uri="http://schemas.openxmlformats.org/drawingml/2006/diagram">
+            <dgm:relIds xmlns:dgm="http://schemas.openxmlformats.org/drawingml/2006/diagram" xmlns:r="http://schemas.openxmlformats.org/officeDocument/2006/relationships" r:dm="rId7" r:lo="rId8" r:qs="rId9" r:cs="rId10"/>
+          </a:graphicData>
+        </a:graphic>
+      </p:graphicFrame>
+    </p:spTree>
+    <p:extLst>
+      <p:ext uri="{BB962C8B-B14F-4D97-AF65-F5344CB8AC3E}">
+        <p14:creationId xmlns:p14="http://schemas.microsoft.com/office/powerpoint/2010/main" val="975902923"/>
+      </p:ext>
+    </p:extLst>
+  </p:cSld>
+  <p:clrMapOvr>
+    <a:masterClrMapping/>
+  </p:clrMapOvr>
+</p:sld>
+</file>
+
+<file path=ppt/slides/slide11.xml><?xml version="1.0" encoding="utf-8"?>
+<p:sld xmlns:a="http://schemas.openxmlformats.org/drawingml/2006/main" xmlns:r="http://schemas.openxmlformats.org/officeDocument/2006/relationships" xmlns:p="http://schemas.openxmlformats.org/presentationml/2006/main" show="0">
+  <p:cSld>
+    <p:spTree>
+      <p:nvGrpSpPr>
+        <p:cNvPr id="1" name=""/>
+        <p:cNvGrpSpPr/>
+        <p:nvPr/>
+      </p:nvGrpSpPr>
+      <p:grpSpPr>
+        <a:xfrm>
+          <a:off x="0" y="0"/>
+          <a:ext cx="0" cy="0"/>
+          <a:chOff x="0" y="0"/>
+          <a:chExt cx="0" cy="0"/>
+        </a:xfrm>
+      </p:grpSpPr>
+      <p:sp>
+        <p:nvSpPr>
+          <p:cNvPr id="4" name="Titel 3">
+            <a:extLst>
+              <a:ext uri="{FF2B5EF4-FFF2-40B4-BE49-F238E27FC236}">
+                <a16:creationId xmlns:a16="http://schemas.microsoft.com/office/drawing/2014/main" id="{1D3781FB-BABD-44FA-B027-71F4451159F7}"/>
+              </a:ext>
+            </a:extLst>
+          </p:cNvPr>
+          <p:cNvSpPr>
+            <a:spLocks noGrp="1"/>
+          </p:cNvSpPr>
+          <p:nvPr>
+            <p:ph type="title"/>
+          </p:nvPr>
+        </p:nvSpPr>
+        <p:spPr/>
+        <p:txBody>
+          <a:bodyPr/>
+          <a:lstStyle/>
+          <a:p>
+            <a:r>
+              <a:rPr lang="de-DE" dirty="0"/>
+              <a:t>Provider vs. Consumer </a:t>
+            </a:r>
+            <a:r>
+              <a:rPr lang="de-DE" dirty="0" err="1"/>
+              <a:t>contracts</a:t>
+            </a:r>
+            <a:endParaRPr lang="de-DE" dirty="0"/>
+          </a:p>
+        </p:txBody>
+      </p:sp>
+      <p:sp>
+        <p:nvSpPr>
+          <p:cNvPr id="2" name="Textplatzhalter 1">
+            <a:extLst>
+              <a:ext uri="{FF2B5EF4-FFF2-40B4-BE49-F238E27FC236}">
+                <a16:creationId xmlns:a16="http://schemas.microsoft.com/office/drawing/2014/main" id="{19A1BB37-A968-4A87-86CC-B4BB3217E906}"/>
+              </a:ext>
+            </a:extLst>
+          </p:cNvPr>
+          <p:cNvSpPr>
+            <a:spLocks noGrp="1"/>
+          </p:cNvSpPr>
+          <p:nvPr>
+            <p:ph type="body" idx="1"/>
+          </p:nvPr>
+        </p:nvSpPr>
+        <p:spPr/>
+        <p:txBody>
+          <a:bodyPr/>
+          <a:lstStyle/>
+          <a:p>
+            <a:r>
+              <a:rPr lang="de-DE" dirty="0"/>
+              <a:t>Provider </a:t>
+            </a:r>
+            <a:r>
+              <a:rPr lang="de-DE" dirty="0" err="1"/>
+              <a:t>Contracts</a:t>
+            </a:r>
+            <a:endParaRPr lang="de-DE" dirty="0"/>
+          </a:p>
+        </p:txBody>
+      </p:sp>
+      <p:sp>
+        <p:nvSpPr>
+          <p:cNvPr id="5" name="Inhaltsplatzhalter 4">
+            <a:extLst>
+              <a:ext uri="{FF2B5EF4-FFF2-40B4-BE49-F238E27FC236}">
+                <a16:creationId xmlns:a16="http://schemas.microsoft.com/office/drawing/2014/main" id="{A7C82C11-6352-488D-9F95-D94F8487686E}"/>
+              </a:ext>
+            </a:extLst>
+          </p:cNvPr>
+          <p:cNvSpPr>
+            <a:spLocks noGrp="1"/>
+          </p:cNvSpPr>
+          <p:nvPr>
+            <p:ph sz="half" idx="2"/>
+          </p:nvPr>
+        </p:nvSpPr>
+        <p:spPr/>
+        <p:txBody>
+          <a:bodyPr/>
+          <a:lstStyle/>
+          <a:p>
+            <a:r>
+              <a:rPr lang="de-DE" dirty="0"/>
+              <a:t>Publish interface</a:t>
+            </a:r>
+          </a:p>
+          <a:p>
+            <a:r>
+              <a:rPr lang="de-DE" dirty="0" err="1"/>
+              <a:t>Usage</a:t>
+            </a:r>
+            <a:r>
+              <a:rPr lang="de-DE" dirty="0"/>
+              <a:t> &amp; </a:t>
+            </a:r>
+            <a:r>
+              <a:rPr lang="de-DE" dirty="0" err="1"/>
+              <a:t>clients</a:t>
+            </a:r>
+            <a:r>
+              <a:rPr lang="de-DE" dirty="0"/>
+              <a:t> </a:t>
+            </a:r>
+            <a:r>
+              <a:rPr lang="de-DE" dirty="0" err="1"/>
+              <a:t>unknown</a:t>
+            </a:r>
+            <a:endParaRPr lang="de-DE" dirty="0"/>
+          </a:p>
+          <a:p>
+            <a:r>
+              <a:rPr lang="de-DE" dirty="0"/>
+              <a:t>General </a:t>
+            </a:r>
+            <a:r>
+              <a:rPr lang="de-DE" dirty="0" err="1"/>
+              <a:t>purpose</a:t>
+            </a:r>
+            <a:endParaRPr lang="de-DE" dirty="0"/>
+          </a:p>
+        </p:txBody>
+      </p:sp>
+      <p:sp>
+        <p:nvSpPr>
+          <p:cNvPr id="3" name="Textplatzhalter 2">
+            <a:extLst>
+              <a:ext uri="{FF2B5EF4-FFF2-40B4-BE49-F238E27FC236}">
+                <a16:creationId xmlns:a16="http://schemas.microsoft.com/office/drawing/2014/main" id="{7B486FB1-6155-4B48-B514-E90B972BAD5F}"/>
+              </a:ext>
+            </a:extLst>
+          </p:cNvPr>
+          <p:cNvSpPr>
+            <a:spLocks noGrp="1"/>
+          </p:cNvSpPr>
+          <p:nvPr>
+            <p:ph type="body" sz="quarter" idx="3"/>
+          </p:nvPr>
+        </p:nvSpPr>
+        <p:spPr/>
+        <p:txBody>
+          <a:bodyPr/>
+          <a:lstStyle/>
+          <a:p>
+            <a:r>
+              <a:rPr lang="de-DE" dirty="0"/>
+              <a:t>Consumer </a:t>
+            </a:r>
+            <a:r>
+              <a:rPr lang="de-DE" dirty="0" err="1"/>
+              <a:t>Contracts</a:t>
+            </a:r>
+            <a:endParaRPr lang="de-DE" dirty="0"/>
+          </a:p>
+        </p:txBody>
+      </p:sp>
+      <p:sp>
+        <p:nvSpPr>
+          <p:cNvPr id="6" name="Inhaltsplatzhalter 5">
+            <a:extLst>
+              <a:ext uri="{FF2B5EF4-FFF2-40B4-BE49-F238E27FC236}">
+                <a16:creationId xmlns:a16="http://schemas.microsoft.com/office/drawing/2014/main" id="{FD008E74-A714-4338-A2DB-265070AD7935}"/>
+              </a:ext>
+            </a:extLst>
+          </p:cNvPr>
+          <p:cNvSpPr>
+            <a:spLocks noGrp="1"/>
+          </p:cNvSpPr>
+          <p:nvPr>
+            <p:ph sz="quarter" idx="4"/>
+          </p:nvPr>
+        </p:nvSpPr>
+        <p:spPr/>
+        <p:txBody>
+          <a:bodyPr/>
+          <a:lstStyle/>
+          <a:p>
+            <a:r>
+              <a:rPr lang="de-DE" dirty="0"/>
+              <a:t>Publish </a:t>
+            </a:r>
+            <a:r>
+              <a:rPr lang="de-DE" dirty="0" err="1"/>
+              <a:t>requirements</a:t>
+            </a:r>
+            <a:endParaRPr lang="de-DE" dirty="0"/>
+          </a:p>
+          <a:p>
+            <a:r>
+              <a:rPr lang="de-DE" dirty="0" err="1"/>
+              <a:t>Known</a:t>
+            </a:r>
+            <a:r>
+              <a:rPr lang="de-DE" dirty="0"/>
+              <a:t> </a:t>
+            </a:r>
+            <a:r>
+              <a:rPr lang="de-DE" dirty="0" err="1"/>
+              <a:t>number</a:t>
+            </a:r>
+            <a:r>
+              <a:rPr lang="de-DE" dirty="0"/>
+              <a:t> </a:t>
+            </a:r>
+            <a:r>
+              <a:rPr lang="de-DE" dirty="0" err="1"/>
+              <a:t>of</a:t>
+            </a:r>
+            <a:r>
+              <a:rPr lang="de-DE" dirty="0"/>
+              <a:t> </a:t>
+            </a:r>
+            <a:r>
+              <a:rPr lang="de-DE" dirty="0" err="1"/>
+              <a:t>clients</a:t>
+            </a:r>
+            <a:endParaRPr lang="de-DE" dirty="0"/>
+          </a:p>
+          <a:p>
+            <a:r>
+              <a:rPr lang="de-DE" dirty="0"/>
+              <a:t>Focus on </a:t>
+            </a:r>
+            <a:r>
+              <a:rPr lang="de-DE" dirty="0" err="1"/>
+              <a:t>business</a:t>
+            </a:r>
+            <a:r>
+              <a:rPr lang="de-DE" dirty="0"/>
+              <a:t> </a:t>
+            </a:r>
+          </a:p>
+          <a:p>
+            <a:r>
+              <a:rPr lang="de-DE" dirty="0" err="1"/>
+              <a:t>Only</a:t>
+            </a:r>
+            <a:r>
+              <a:rPr lang="de-DE" dirty="0"/>
+              <a:t> </a:t>
+            </a:r>
+            <a:r>
+              <a:rPr lang="de-DE" dirty="0" err="1"/>
+              <a:t>implement</a:t>
+            </a:r>
+            <a:r>
+              <a:rPr lang="de-DE" dirty="0"/>
+              <a:t> </a:t>
+            </a:r>
+            <a:r>
+              <a:rPr lang="de-DE" dirty="0" err="1"/>
+              <a:t>things</a:t>
+            </a:r>
+            <a:r>
+              <a:rPr lang="de-DE" dirty="0"/>
+              <a:t> </a:t>
+            </a:r>
+            <a:r>
+              <a:rPr lang="de-DE" dirty="0" err="1"/>
+              <a:t>needed</a:t>
+            </a:r>
+            <a:endParaRPr lang="de-DE" dirty="0"/>
+          </a:p>
+          <a:p>
+            <a:r>
+              <a:rPr lang="de-DE" dirty="0" err="1"/>
+              <a:t>Deliver</a:t>
+            </a:r>
+            <a:r>
+              <a:rPr lang="de-DE" dirty="0"/>
+              <a:t> </a:t>
+            </a:r>
+            <a:r>
+              <a:rPr lang="de-DE" dirty="0" err="1"/>
+              <a:t>benefits</a:t>
+            </a:r>
+            <a:endParaRPr lang="de-DE" dirty="0"/>
+          </a:p>
+          <a:p>
+            <a:endParaRPr lang="de-DE" dirty="0"/>
+          </a:p>
+          <a:p>
+            <a:endParaRPr lang="de-DE" dirty="0"/>
+          </a:p>
+          <a:p>
+            <a:endParaRPr lang="de-DE" dirty="0"/>
+          </a:p>
+        </p:txBody>
+      </p:sp>
+    </p:spTree>
+    <p:extLst>
+      <p:ext uri="{BB962C8B-B14F-4D97-AF65-F5344CB8AC3E}">
+        <p14:creationId xmlns:p14="http://schemas.microsoft.com/office/powerpoint/2010/main" val="2121595353"/>
+      </p:ext>
+    </p:extLst>
+  </p:cSld>
+  <p:clrMapOvr>
+    <a:masterClrMapping/>
+  </p:clrMapOvr>
+</p:sld>
+</file>
+
+<file path=ppt/slides/slide12.xml><?xml version="1.0" encoding="utf-8"?>
+<p:sld xmlns:a="http://schemas.openxmlformats.org/drawingml/2006/main" xmlns:r="http://schemas.openxmlformats.org/officeDocument/2006/relationships" xmlns:p="http://schemas.openxmlformats.org/presentationml/2006/main">
+  <p:cSld>
+    <p:spTree>
+      <p:nvGrpSpPr>
+        <p:cNvPr id="1" name=""/>
+        <p:cNvGrpSpPr/>
+        <p:nvPr/>
+      </p:nvGrpSpPr>
+      <p:grpSpPr>
+        <a:xfrm>
+          <a:off x="0" y="0"/>
+          <a:ext cx="0" cy="0"/>
+          <a:chOff x="0" y="0"/>
+          <a:chExt cx="0" cy="0"/>
+        </a:xfrm>
+      </p:grpSpPr>
+      <p:sp>
+        <p:nvSpPr>
+          <p:cNvPr id="2" name="Titel 1">
+            <a:extLst>
+              <a:ext uri="{FF2B5EF4-FFF2-40B4-BE49-F238E27FC236}">
+                <a16:creationId xmlns:a16="http://schemas.microsoft.com/office/drawing/2014/main" id="{FAF3FD20-86FD-4040-802C-D49A940D192F}"/>
+              </a:ext>
+            </a:extLst>
+          </p:cNvPr>
+          <p:cNvSpPr>
+            <a:spLocks noGrp="1"/>
+          </p:cNvSpPr>
+          <p:nvPr>
+            <p:ph type="title"/>
+          </p:nvPr>
+        </p:nvSpPr>
+        <p:spPr/>
+        <p:txBody>
+          <a:bodyPr/>
+          <a:lstStyle/>
+          <a:p>
+            <a:r>
+              <a:rPr lang="de-DE" dirty="0"/>
+              <a:t>Consumer Driven </a:t>
+            </a:r>
+            <a:r>
+              <a:rPr lang="de-DE" dirty="0" err="1"/>
+              <a:t>Contracts</a:t>
+            </a:r>
+            <a:endParaRPr lang="de-DE" dirty="0"/>
+          </a:p>
+        </p:txBody>
+      </p:sp>
+      <p:sp>
+        <p:nvSpPr>
+          <p:cNvPr id="3" name="Inhaltsplatzhalter 2">
+            <a:extLst>
+              <a:ext uri="{FF2B5EF4-FFF2-40B4-BE49-F238E27FC236}">
+                <a16:creationId xmlns:a16="http://schemas.microsoft.com/office/drawing/2014/main" id="{AF58BD0A-7814-4A83-A63C-05342AB38075}"/>
+              </a:ext>
+            </a:extLst>
+          </p:cNvPr>
+          <p:cNvSpPr>
+            <a:spLocks noGrp="1"/>
+          </p:cNvSpPr>
+          <p:nvPr>
+            <p:ph sz="half" idx="1"/>
+          </p:nvPr>
+        </p:nvSpPr>
+        <p:spPr/>
+        <p:txBody>
+          <a:bodyPr/>
+          <a:lstStyle/>
+          <a:p>
+            <a:r>
+              <a:rPr lang="de-DE" dirty="0"/>
+              <a:t>Consumer </a:t>
+            </a:r>
+            <a:r>
+              <a:rPr lang="de-DE" dirty="0" err="1"/>
+              <a:t>specifies</a:t>
+            </a:r>
+            <a:r>
+              <a:rPr lang="de-DE" dirty="0"/>
+              <a:t> </a:t>
+            </a:r>
+            <a:r>
+              <a:rPr lang="de-DE" dirty="0" err="1"/>
+              <a:t>its</a:t>
+            </a:r>
+            <a:r>
+              <a:rPr lang="de-DE" dirty="0"/>
+              <a:t> </a:t>
+            </a:r>
+            <a:r>
+              <a:rPr lang="de-DE" dirty="0" err="1"/>
+              <a:t>requirements</a:t>
+            </a:r>
+            <a:endParaRPr lang="de-DE" dirty="0"/>
+          </a:p>
+          <a:p>
+            <a:r>
+              <a:rPr lang="de-DE" dirty="0"/>
+              <a:t>Provider </a:t>
+            </a:r>
+            <a:r>
+              <a:rPr lang="de-DE" dirty="0" err="1"/>
+              <a:t>implements</a:t>
+            </a:r>
+            <a:r>
+              <a:rPr lang="de-DE" dirty="0"/>
+              <a:t> </a:t>
+            </a:r>
+            <a:r>
+              <a:rPr lang="de-DE" dirty="0" err="1"/>
+              <a:t>the</a:t>
+            </a:r>
+            <a:r>
+              <a:rPr lang="de-DE" dirty="0"/>
+              <a:t> </a:t>
+            </a:r>
+            <a:r>
+              <a:rPr lang="de-DE" dirty="0" err="1"/>
+              <a:t>requirements</a:t>
+            </a:r>
+            <a:endParaRPr lang="de-DE" dirty="0"/>
+          </a:p>
+          <a:p>
+            <a:pPr lvl="1"/>
+            <a:r>
+              <a:rPr lang="de-DE" dirty="0"/>
+              <a:t>Focus on </a:t>
+            </a:r>
+            <a:r>
+              <a:rPr lang="de-DE" dirty="0" err="1"/>
+              <a:t>business</a:t>
+            </a:r>
+            <a:r>
+              <a:rPr lang="de-DE" dirty="0"/>
+              <a:t> </a:t>
+            </a:r>
+            <a:r>
+              <a:rPr lang="de-DE" dirty="0" err="1"/>
+              <a:t>value</a:t>
+            </a:r>
+            <a:endParaRPr lang="de-DE" dirty="0"/>
+          </a:p>
+          <a:p>
+            <a:pPr lvl="1"/>
+            <a:r>
+              <a:rPr lang="de-DE" dirty="0" err="1"/>
+              <a:t>Only</a:t>
+            </a:r>
+            <a:r>
+              <a:rPr lang="de-DE" dirty="0"/>
+              <a:t> </a:t>
+            </a:r>
+            <a:r>
+              <a:rPr lang="de-DE" dirty="0" err="1"/>
+              <a:t>build</a:t>
+            </a:r>
+            <a:r>
+              <a:rPr lang="de-DE" dirty="0"/>
+              <a:t> </a:t>
+            </a:r>
+            <a:r>
+              <a:rPr lang="de-DE" dirty="0" err="1"/>
+              <a:t>what</a:t>
+            </a:r>
+            <a:r>
+              <a:rPr lang="de-DE" dirty="0"/>
+              <a:t> </a:t>
+            </a:r>
+            <a:r>
+              <a:rPr lang="de-DE" dirty="0" err="1"/>
+              <a:t>is</a:t>
+            </a:r>
+            <a:r>
+              <a:rPr lang="de-DE" dirty="0"/>
+              <a:t> </a:t>
+            </a:r>
+            <a:r>
+              <a:rPr lang="de-DE" dirty="0" err="1"/>
+              <a:t>really</a:t>
+            </a:r>
+            <a:r>
+              <a:rPr lang="de-DE" dirty="0"/>
+              <a:t> </a:t>
+            </a:r>
+            <a:r>
+              <a:rPr lang="de-DE" dirty="0" err="1"/>
+              <a:t>needed</a:t>
+            </a:r>
+            <a:endParaRPr lang="de-DE" dirty="0"/>
+          </a:p>
+          <a:p>
+            <a:pPr lvl="1"/>
+            <a:r>
+              <a:rPr lang="de-DE" dirty="0" err="1"/>
+              <a:t>No</a:t>
+            </a:r>
+            <a:r>
+              <a:rPr lang="de-DE" dirty="0"/>
+              <a:t> </a:t>
+            </a:r>
+            <a:r>
+              <a:rPr lang="de-DE" dirty="0" err="1"/>
+              <a:t>assumptions</a:t>
+            </a:r>
+            <a:r>
+              <a:rPr lang="de-DE" dirty="0"/>
+              <a:t> </a:t>
+            </a:r>
+            <a:r>
+              <a:rPr lang="de-DE" dirty="0" err="1"/>
+              <a:t>made</a:t>
+            </a:r>
+            <a:endParaRPr lang="de-DE" dirty="0"/>
+          </a:p>
+          <a:p>
+            <a:r>
+              <a:rPr lang="de-DE" dirty="0"/>
+              <a:t>All </a:t>
+            </a:r>
+            <a:r>
+              <a:rPr lang="de-DE" dirty="0" err="1"/>
+              <a:t>requirements</a:t>
+            </a:r>
+            <a:r>
+              <a:rPr lang="de-DE" dirty="0"/>
+              <a:t> </a:t>
+            </a:r>
+            <a:r>
+              <a:rPr lang="de-DE" dirty="0" err="1"/>
+              <a:t>of</a:t>
+            </a:r>
+            <a:r>
+              <a:rPr lang="de-DE" dirty="0"/>
+              <a:t> all </a:t>
+            </a:r>
+            <a:r>
+              <a:rPr lang="de-DE" dirty="0" err="1"/>
+              <a:t>known</a:t>
+            </a:r>
+            <a:r>
+              <a:rPr lang="de-DE" dirty="0"/>
+              <a:t> </a:t>
+            </a:r>
+            <a:r>
+              <a:rPr lang="de-DE" dirty="0" err="1"/>
+              <a:t>consumers</a:t>
+            </a:r>
+            <a:r>
+              <a:rPr lang="de-DE" dirty="0"/>
+              <a:t> </a:t>
+            </a:r>
+            <a:r>
+              <a:rPr lang="de-DE" dirty="0" err="1"/>
+              <a:t>construct</a:t>
+            </a:r>
+            <a:r>
+              <a:rPr lang="de-DE" dirty="0"/>
+              <a:t> </a:t>
+            </a:r>
+            <a:r>
+              <a:rPr lang="de-DE" dirty="0" err="1"/>
+              <a:t>the</a:t>
+            </a:r>
+            <a:r>
+              <a:rPr lang="de-DE" dirty="0"/>
+              <a:t> </a:t>
+            </a:r>
+            <a:r>
+              <a:rPr lang="de-DE" dirty="0" err="1"/>
+              <a:t>provider‘s</a:t>
+            </a:r>
+            <a:r>
+              <a:rPr lang="de-DE" dirty="0"/>
+              <a:t> API</a:t>
+            </a:r>
+          </a:p>
+          <a:p>
+            <a:endParaRPr lang="de-DE" dirty="0"/>
+          </a:p>
+        </p:txBody>
+      </p:sp>
+      <p:sp>
+        <p:nvSpPr>
+          <p:cNvPr id="4" name="Inhaltsplatzhalter 3">
+            <a:extLst>
+              <a:ext uri="{FF2B5EF4-FFF2-40B4-BE49-F238E27FC236}">
+                <a16:creationId xmlns:a16="http://schemas.microsoft.com/office/drawing/2014/main" id="{33FD535A-D6BA-4519-BA4C-D894304B1D3D}"/>
+              </a:ext>
+            </a:extLst>
+          </p:cNvPr>
+          <p:cNvSpPr>
+            <a:spLocks noGrp="1"/>
+          </p:cNvSpPr>
+          <p:nvPr>
+            <p:ph sz="half" idx="2"/>
+          </p:nvPr>
+        </p:nvSpPr>
+        <p:spPr/>
+        <p:txBody>
+          <a:bodyPr/>
+          <a:lstStyle/>
+          <a:p>
+            <a:endParaRPr lang="de-DE" dirty="0"/>
+          </a:p>
+        </p:txBody>
+      </p:sp>
+      <p:sp>
+        <p:nvSpPr>
+          <p:cNvPr id="5" name="Rechteck 4">
+            <a:extLst>
+              <a:ext uri="{FF2B5EF4-FFF2-40B4-BE49-F238E27FC236}">
+                <a16:creationId xmlns:a16="http://schemas.microsoft.com/office/drawing/2014/main" id="{19AB0C09-7DC2-4613-A7A4-7A3A5BFA81F2}"/>
+              </a:ext>
+            </a:extLst>
+          </p:cNvPr>
+          <p:cNvSpPr/>
+          <p:nvPr/>
+        </p:nvSpPr>
+        <p:spPr>
+          <a:xfrm>
+            <a:off x="7818925" y="5654842"/>
+            <a:ext cx="1724528" cy="522121"/>
+          </a:xfrm>
+          <a:prstGeom prst="rect">
+            <a:avLst/>
+          </a:prstGeom>
+        </p:spPr>
+        <p:style>
+          <a:lnRef idx="2">
+            <a:schemeClr val="accent1">
+              <a:shade val="50000"/>
+            </a:schemeClr>
+          </a:lnRef>
+          <a:fillRef idx="1">
+            <a:schemeClr val="accent1"/>
+          </a:fillRef>
+          <a:effectRef idx="0">
+            <a:schemeClr val="accent1"/>
+          </a:effectRef>
+          <a:fontRef idx="minor">
+            <a:schemeClr val="lt1"/>
+          </a:fontRef>
+        </p:style>
+        <p:txBody>
+          <a:bodyPr rtlCol="0" anchor="ctr"/>
+          <a:lstStyle/>
+          <a:p>
+            <a:pPr algn="ctr"/>
+            <a:r>
+              <a:rPr lang="de-DE" dirty="0"/>
+              <a:t>Provider</a:t>
+            </a:r>
+          </a:p>
+        </p:txBody>
+      </p:sp>
+      <p:sp>
+        <p:nvSpPr>
+          <p:cNvPr id="6" name="Ellipse 5">
+            <a:extLst>
+              <a:ext uri="{FF2B5EF4-FFF2-40B4-BE49-F238E27FC236}">
+                <a16:creationId xmlns:a16="http://schemas.microsoft.com/office/drawing/2014/main" id="{929A9209-0F23-4DD7-B706-24F7DE8FF788}"/>
+              </a:ext>
+            </a:extLst>
+          </p:cNvPr>
+          <p:cNvSpPr/>
+          <p:nvPr/>
+        </p:nvSpPr>
+        <p:spPr>
+          <a:xfrm>
+            <a:off x="6182630" y="2419951"/>
+            <a:ext cx="1636295" cy="637674"/>
+          </a:xfrm>
+          <a:prstGeom prst="ellipse">
+            <a:avLst/>
+          </a:prstGeom>
+        </p:spPr>
+        <p:style>
+          <a:lnRef idx="2">
+            <a:schemeClr val="accent2">
+              <a:shade val="50000"/>
+            </a:schemeClr>
+          </a:lnRef>
+          <a:fillRef idx="1">
+            <a:schemeClr val="accent2"/>
+          </a:fillRef>
+          <a:effectRef idx="0">
+            <a:schemeClr val="accent2"/>
+          </a:effectRef>
+          <a:fontRef idx="minor">
+            <a:schemeClr val="lt1"/>
+          </a:fontRef>
+        </p:style>
+        <p:txBody>
+          <a:bodyPr rtlCol="0" anchor="ctr"/>
+          <a:lstStyle/>
+          <a:p>
+            <a:pPr algn="ctr"/>
+            <a:r>
+              <a:rPr lang="de-DE" sz="1600" dirty="0"/>
+              <a:t>Consumer 1</a:t>
+            </a:r>
+          </a:p>
+        </p:txBody>
+      </p:sp>
+      <p:sp>
+        <p:nvSpPr>
+          <p:cNvPr id="7" name="Ellipse 6">
+            <a:extLst>
+              <a:ext uri="{FF2B5EF4-FFF2-40B4-BE49-F238E27FC236}">
+                <a16:creationId xmlns:a16="http://schemas.microsoft.com/office/drawing/2014/main" id="{300A0BC0-D4DE-475D-A772-66A58AA7F882}"/>
+              </a:ext>
+            </a:extLst>
+          </p:cNvPr>
+          <p:cNvSpPr/>
+          <p:nvPr/>
+        </p:nvSpPr>
+        <p:spPr>
+          <a:xfrm>
+            <a:off x="9703066" y="2415777"/>
+            <a:ext cx="1636295" cy="637674"/>
+          </a:xfrm>
+          <a:prstGeom prst="ellipse">
+            <a:avLst/>
+          </a:prstGeom>
+        </p:spPr>
+        <p:style>
+          <a:lnRef idx="2">
+            <a:schemeClr val="accent2">
+              <a:shade val="50000"/>
+            </a:schemeClr>
+          </a:lnRef>
+          <a:fillRef idx="1">
+            <a:schemeClr val="accent2"/>
+          </a:fillRef>
+          <a:effectRef idx="0">
+            <a:schemeClr val="accent2"/>
+          </a:effectRef>
+          <a:fontRef idx="minor">
+            <a:schemeClr val="lt1"/>
+          </a:fontRef>
+        </p:style>
+        <p:txBody>
+          <a:bodyPr rtlCol="0" anchor="ctr"/>
+          <a:lstStyle/>
+          <a:p>
+            <a:pPr algn="ctr"/>
+            <a:r>
+              <a:rPr lang="de-DE" sz="1600" dirty="0"/>
+              <a:t>Consumer 3</a:t>
+            </a:r>
+          </a:p>
+        </p:txBody>
+      </p:sp>
+      <p:sp>
+        <p:nvSpPr>
+          <p:cNvPr id="8" name="Ellipse 7">
+            <a:extLst>
+              <a:ext uri="{FF2B5EF4-FFF2-40B4-BE49-F238E27FC236}">
+                <a16:creationId xmlns:a16="http://schemas.microsoft.com/office/drawing/2014/main" id="{F58B908D-F963-4000-BD95-DDCC3B688230}"/>
+              </a:ext>
+            </a:extLst>
+          </p:cNvPr>
+          <p:cNvSpPr/>
+          <p:nvPr/>
+        </p:nvSpPr>
+        <p:spPr>
+          <a:xfrm>
+            <a:off x="7942848" y="1839358"/>
+            <a:ext cx="1636295" cy="637674"/>
+          </a:xfrm>
+          <a:prstGeom prst="ellipse">
+            <a:avLst/>
+          </a:prstGeom>
+        </p:spPr>
+        <p:style>
+          <a:lnRef idx="2">
+            <a:schemeClr val="accent2">
+              <a:shade val="50000"/>
+            </a:schemeClr>
+          </a:lnRef>
+          <a:fillRef idx="1">
+            <a:schemeClr val="accent2"/>
+          </a:fillRef>
+          <a:effectRef idx="0">
+            <a:schemeClr val="accent2"/>
+          </a:effectRef>
+          <a:fontRef idx="minor">
+            <a:schemeClr val="lt1"/>
+          </a:fontRef>
+        </p:style>
+        <p:txBody>
+          <a:bodyPr rtlCol="0" anchor="ctr"/>
+          <a:lstStyle/>
+          <a:p>
+            <a:pPr algn="ctr"/>
+            <a:r>
+              <a:rPr lang="de-DE" sz="1600" dirty="0"/>
+              <a:t>Consumer 2</a:t>
+            </a:r>
+          </a:p>
+        </p:txBody>
+      </p:sp>
+      <p:cxnSp>
+        <p:nvCxnSpPr>
+          <p:cNvPr id="15" name="Gerade Verbindung mit Pfeil 14">
+            <a:extLst>
+              <a:ext uri="{FF2B5EF4-FFF2-40B4-BE49-F238E27FC236}">
+                <a16:creationId xmlns:a16="http://schemas.microsoft.com/office/drawing/2014/main" id="{E9689C40-828D-4AAD-9F23-F83C1664BBA3}"/>
+              </a:ext>
+            </a:extLst>
+          </p:cNvPr>
+          <p:cNvCxnSpPr>
+            <a:cxnSpLocks/>
+            <a:stCxn id="6" idx="4"/>
+            <a:endCxn id="5" idx="0"/>
+          </p:cNvCxnSpPr>
+          <p:nvPr/>
+        </p:nvCxnSpPr>
+        <p:spPr>
+          <a:xfrm>
+            <a:off x="7000778" y="3057625"/>
+            <a:ext cx="1680411" cy="2597217"/>
+          </a:xfrm>
+          <a:prstGeom prst="straightConnector1">
+            <a:avLst/>
+          </a:prstGeom>
+          <a:ln>
+            <a:tailEnd type="triangle"/>
+          </a:ln>
+        </p:spPr>
+        <p:style>
+          <a:lnRef idx="1">
+            <a:schemeClr val="accent1"/>
+          </a:lnRef>
+          <a:fillRef idx="0">
+            <a:schemeClr val="accent1"/>
+          </a:fillRef>
+          <a:effectRef idx="0">
+            <a:schemeClr val="accent1"/>
+          </a:effectRef>
+          <a:fontRef idx="minor">
+            <a:schemeClr val="tx1"/>
+          </a:fontRef>
+        </p:style>
+      </p:cxnSp>
+      <p:cxnSp>
+        <p:nvCxnSpPr>
+          <p:cNvPr id="17" name="Gerade Verbindung mit Pfeil 16">
+            <a:extLst>
+              <a:ext uri="{FF2B5EF4-FFF2-40B4-BE49-F238E27FC236}">
+                <a16:creationId xmlns:a16="http://schemas.microsoft.com/office/drawing/2014/main" id="{FAF57B89-D99F-4310-8E74-C88D834890C3}"/>
+              </a:ext>
+            </a:extLst>
+          </p:cNvPr>
+          <p:cNvCxnSpPr>
+            <a:cxnSpLocks/>
+            <a:stCxn id="8" idx="4"/>
+            <a:endCxn id="5" idx="0"/>
+          </p:cNvCxnSpPr>
+          <p:nvPr/>
+        </p:nvCxnSpPr>
+        <p:spPr>
+          <a:xfrm flipH="1">
+            <a:off x="8681189" y="2477032"/>
+            <a:ext cx="79807" cy="3177810"/>
+          </a:xfrm>
+          <a:prstGeom prst="straightConnector1">
+            <a:avLst/>
+          </a:prstGeom>
+          <a:ln>
+            <a:tailEnd type="triangle"/>
+          </a:ln>
+        </p:spPr>
+        <p:style>
+          <a:lnRef idx="1">
+            <a:schemeClr val="accent1"/>
+          </a:lnRef>
+          <a:fillRef idx="0">
+            <a:schemeClr val="accent1"/>
+          </a:fillRef>
+          <a:effectRef idx="0">
+            <a:schemeClr val="accent1"/>
+          </a:effectRef>
+          <a:fontRef idx="minor">
+            <a:schemeClr val="tx1"/>
+          </a:fontRef>
+        </p:style>
+      </p:cxnSp>
+      <p:cxnSp>
+        <p:nvCxnSpPr>
+          <p:cNvPr id="20" name="Gerade Verbindung mit Pfeil 19">
+            <a:extLst>
+              <a:ext uri="{FF2B5EF4-FFF2-40B4-BE49-F238E27FC236}">
+                <a16:creationId xmlns:a16="http://schemas.microsoft.com/office/drawing/2014/main" id="{2C4E1E27-72C9-4AD3-BEFD-72421FC55B31}"/>
+              </a:ext>
+            </a:extLst>
+          </p:cNvPr>
+          <p:cNvCxnSpPr>
+            <a:cxnSpLocks/>
+            <a:stCxn id="7" idx="3"/>
+            <a:endCxn id="5" idx="0"/>
+          </p:cNvCxnSpPr>
+          <p:nvPr/>
+        </p:nvCxnSpPr>
+        <p:spPr>
+          <a:xfrm flipH="1">
+            <a:off x="8681189" y="2960066"/>
+            <a:ext cx="1261507" cy="2694776"/>
+          </a:xfrm>
+          <a:prstGeom prst="straightConnector1">
+            <a:avLst/>
+          </a:prstGeom>
+          <a:ln>
+            <a:tailEnd type="triangle"/>
+          </a:ln>
+        </p:spPr>
+        <p:style>
+          <a:lnRef idx="1">
+            <a:schemeClr val="accent1"/>
+          </a:lnRef>
+          <a:fillRef idx="0">
+            <a:schemeClr val="accent1"/>
+          </a:fillRef>
+          <a:effectRef idx="0">
+            <a:schemeClr val="accent1"/>
+          </a:effectRef>
+          <a:fontRef idx="minor">
+            <a:schemeClr val="tx1"/>
+          </a:fontRef>
+        </p:style>
+      </p:cxnSp>
+      <p:sp>
+        <p:nvSpPr>
+          <p:cNvPr id="12" name="Textfeld 11">
+            <a:extLst>
+              <a:ext uri="{FF2B5EF4-FFF2-40B4-BE49-F238E27FC236}">
+                <a16:creationId xmlns:a16="http://schemas.microsoft.com/office/drawing/2014/main" id="{D2458A99-6067-445B-99C6-AA6DD9AFC083}"/>
+              </a:ext>
+            </a:extLst>
+          </p:cNvPr>
+          <p:cNvSpPr txBox="1"/>
+          <p:nvPr/>
+        </p:nvSpPr>
+        <p:spPr>
+          <a:xfrm>
+            <a:off x="8024349" y="2734614"/>
+            <a:ext cx="1375705" cy="584775"/>
+          </a:xfrm>
+          <a:prstGeom prst="rect">
+            <a:avLst/>
+          </a:prstGeom>
+          <a:solidFill>
+            <a:schemeClr val="accent1">
+              <a:lumMod val="20000"/>
+              <a:lumOff val="80000"/>
+            </a:schemeClr>
+          </a:solidFill>
+        </p:spPr>
+        <p:txBody>
+          <a:bodyPr wrap="square" rtlCol="0">
+            <a:spAutoFit/>
+          </a:bodyPr>
+          <a:lstStyle/>
+          <a:p>
+            <a:r>
+              <a:rPr lang="de-DE" sz="800" dirty="0"/>
+              <a:t>{</a:t>
+            </a:r>
+          </a:p>
+          <a:p>
+            <a:r>
+              <a:rPr lang="de-DE" sz="800" dirty="0"/>
+              <a:t>    "</a:t>
+            </a:r>
+            <a:r>
+              <a:rPr lang="de-DE" sz="800" dirty="0" err="1"/>
+              <a:t>id</a:t>
+            </a:r>
+            <a:r>
+              <a:rPr lang="de-DE" sz="800" dirty="0"/>
+              <a:t>": 123,</a:t>
+            </a:r>
+          </a:p>
+          <a:p>
+            <a:r>
+              <a:rPr lang="de-DE" sz="800" dirty="0"/>
+              <a:t>    "</a:t>
+            </a:r>
+            <a:r>
+              <a:rPr lang="de-DE" sz="800" dirty="0" err="1"/>
+              <a:t>ean</a:t>
+            </a:r>
+            <a:r>
+              <a:rPr lang="de-DE" sz="800" dirty="0"/>
+              <a:t>": "4044889002713"</a:t>
+            </a:r>
+          </a:p>
+          <a:p>
+            <a:r>
+              <a:rPr lang="de-DE" sz="800" dirty="0"/>
+              <a:t>}</a:t>
+            </a:r>
+          </a:p>
+        </p:txBody>
+      </p:sp>
+      <p:sp>
+        <p:nvSpPr>
+          <p:cNvPr id="13" name="Textfeld 12">
+            <a:extLst>
+              <a:ext uri="{FF2B5EF4-FFF2-40B4-BE49-F238E27FC236}">
+                <a16:creationId xmlns:a16="http://schemas.microsoft.com/office/drawing/2014/main" id="{C9A59E69-01C1-48B7-A518-2E2088A8F4C4}"/>
+              </a:ext>
+            </a:extLst>
+          </p:cNvPr>
+          <p:cNvSpPr txBox="1"/>
+          <p:nvPr/>
+        </p:nvSpPr>
+        <p:spPr>
+          <a:xfrm>
+            <a:off x="9562459" y="3266226"/>
+            <a:ext cx="1636296" cy="830997"/>
+          </a:xfrm>
+          <a:prstGeom prst="rect">
+            <a:avLst/>
+          </a:prstGeom>
+          <a:solidFill>
+            <a:schemeClr val="accent1">
+              <a:lumMod val="20000"/>
+              <a:lumOff val="80000"/>
+            </a:schemeClr>
+          </a:solidFill>
+        </p:spPr>
+        <p:txBody>
+          <a:bodyPr wrap="square" rtlCol="0">
+            <a:spAutoFit/>
+          </a:bodyPr>
+          <a:lstStyle/>
+          <a:p>
+            <a:r>
+              <a:rPr lang="de-DE" sz="800" dirty="0"/>
+              <a:t>{</a:t>
+            </a:r>
+          </a:p>
+          <a:p>
+            <a:r>
+              <a:rPr lang="de-DE" sz="800" dirty="0"/>
+              <a:t>    "</a:t>
+            </a:r>
+            <a:r>
+              <a:rPr lang="de-DE" sz="800" dirty="0" err="1"/>
+              <a:t>id</a:t>
+            </a:r>
+            <a:r>
+              <a:rPr lang="de-DE" sz="800" dirty="0"/>
+              <a:t>": 123,</a:t>
+            </a:r>
+          </a:p>
+          <a:p>
+            <a:r>
+              <a:rPr lang="de-DE" sz="800" dirty="0"/>
+              <a:t>    "</a:t>
+            </a:r>
+            <a:r>
+              <a:rPr lang="de-DE" sz="800" dirty="0" err="1"/>
+              <a:t>description</a:t>
+            </a:r>
+            <a:r>
+              <a:rPr lang="de-DE" sz="800" dirty="0"/>
+              <a:t>": "</a:t>
+            </a:r>
+            <a:r>
+              <a:rPr lang="de-DE" sz="800" dirty="0" err="1"/>
+              <a:t>Lorem</a:t>
+            </a:r>
+            <a:r>
+              <a:rPr lang="de-DE" sz="800" dirty="0"/>
+              <a:t> </a:t>
+            </a:r>
+            <a:r>
+              <a:rPr lang="de-DE" sz="800" dirty="0" err="1"/>
+              <a:t>ipsum</a:t>
+            </a:r>
+            <a:r>
+              <a:rPr lang="de-DE" sz="800" dirty="0"/>
+              <a:t>",</a:t>
+            </a:r>
+          </a:p>
+          <a:p>
+            <a:r>
+              <a:rPr lang="de-DE" sz="800" dirty="0"/>
+              <a:t>    "</a:t>
+            </a:r>
+            <a:r>
+              <a:rPr lang="de-DE" sz="800" dirty="0" err="1"/>
+              <a:t>lastModified</a:t>
+            </a:r>
+            <a:r>
+              <a:rPr lang="de-DE" sz="800" dirty="0"/>
+              <a:t>": </a:t>
+            </a:r>
+            <a:br>
+              <a:rPr lang="de-DE" sz="800" dirty="0"/>
+            </a:br>
+            <a:r>
+              <a:rPr lang="de-DE" sz="800" dirty="0"/>
+              <a:t>     "2019-04-15T15:00:00.000Z"</a:t>
+            </a:r>
+            <a:br>
+              <a:rPr lang="de-DE" sz="800" dirty="0"/>
+            </a:br>
+            <a:r>
+              <a:rPr lang="de-DE" sz="800" dirty="0"/>
+              <a:t>}</a:t>
+            </a:r>
+          </a:p>
+        </p:txBody>
+      </p:sp>
+      <p:sp>
+        <p:nvSpPr>
+          <p:cNvPr id="10" name="Textfeld 9">
+            <a:extLst>
+              <a:ext uri="{FF2B5EF4-FFF2-40B4-BE49-F238E27FC236}">
+                <a16:creationId xmlns:a16="http://schemas.microsoft.com/office/drawing/2014/main" id="{9F36A880-DF16-4DA7-A9FB-20D1E47E1C35}"/>
+              </a:ext>
+            </a:extLst>
+          </p:cNvPr>
+          <p:cNvSpPr txBox="1"/>
+          <p:nvPr/>
+        </p:nvSpPr>
+        <p:spPr>
+          <a:xfrm>
+            <a:off x="6334552" y="3267659"/>
+            <a:ext cx="1303606" cy="584775"/>
+          </a:xfrm>
+          <a:prstGeom prst="rect">
+            <a:avLst/>
+          </a:prstGeom>
+          <a:solidFill>
+            <a:schemeClr val="accent1">
+              <a:lumMod val="20000"/>
+              <a:lumOff val="80000"/>
+            </a:schemeClr>
+          </a:solidFill>
+        </p:spPr>
+        <p:txBody>
+          <a:bodyPr wrap="square" rtlCol="0">
+            <a:spAutoFit/>
+          </a:bodyPr>
+          <a:lstStyle/>
+          <a:p>
+            <a:r>
+              <a:rPr lang="de-DE" sz="800" dirty="0"/>
+              <a:t>{</a:t>
+            </a:r>
+          </a:p>
+          <a:p>
+            <a:r>
+              <a:rPr lang="de-DE" sz="800" dirty="0"/>
+              <a:t>    "</a:t>
+            </a:r>
+            <a:r>
+              <a:rPr lang="de-DE" sz="800" dirty="0" err="1"/>
+              <a:t>id</a:t>
+            </a:r>
+            <a:r>
+              <a:rPr lang="de-DE" sz="800" dirty="0"/>
+              <a:t>": 123,</a:t>
+            </a:r>
+          </a:p>
+          <a:p>
+            <a:r>
+              <a:rPr lang="de-DE" sz="800" dirty="0"/>
+              <a:t>    "</a:t>
+            </a:r>
+            <a:r>
+              <a:rPr lang="de-DE" sz="800" dirty="0" err="1"/>
+              <a:t>name</a:t>
+            </a:r>
+            <a:r>
+              <a:rPr lang="de-DE" sz="800" dirty="0"/>
+              <a:t>": "</a:t>
+            </a:r>
+            <a:r>
+              <a:rPr lang="de-DE" sz="800" dirty="0" err="1"/>
+              <a:t>Product</a:t>
+            </a:r>
+            <a:r>
+              <a:rPr lang="de-DE" sz="800" dirty="0"/>
+              <a:t> 1" </a:t>
+            </a:r>
+          </a:p>
+          <a:p>
+            <a:r>
+              <a:rPr lang="de-DE" sz="800" dirty="0"/>
+              <a:t>}</a:t>
+            </a:r>
+          </a:p>
+        </p:txBody>
+      </p:sp>
+      <p:sp>
+        <p:nvSpPr>
+          <p:cNvPr id="9" name="Textfeld 8">
+            <a:extLst>
+              <a:ext uri="{FF2B5EF4-FFF2-40B4-BE49-F238E27FC236}">
+                <a16:creationId xmlns:a16="http://schemas.microsoft.com/office/drawing/2014/main" id="{E7DC7D1E-D3D5-4777-B5DF-6AD97A3021E1}"/>
+              </a:ext>
+            </a:extLst>
+          </p:cNvPr>
+          <p:cNvSpPr txBox="1"/>
+          <p:nvPr/>
+        </p:nvSpPr>
+        <p:spPr>
+          <a:xfrm>
+            <a:off x="7545645" y="4484742"/>
+            <a:ext cx="2333112" cy="954107"/>
+          </a:xfrm>
+          <a:prstGeom prst="rect">
+            <a:avLst/>
+          </a:prstGeom>
+          <a:solidFill>
+            <a:schemeClr val="accent1">
+              <a:lumMod val="20000"/>
+              <a:lumOff val="80000"/>
+            </a:schemeClr>
+          </a:solidFill>
+        </p:spPr>
+        <p:txBody>
+          <a:bodyPr wrap="square" rtlCol="0">
+            <a:spAutoFit/>
+          </a:bodyPr>
+          <a:lstStyle/>
+          <a:p>
+            <a:r>
+              <a:rPr lang="de-DE" sz="800" dirty="0"/>
+              <a:t>{</a:t>
+            </a:r>
+          </a:p>
+          <a:p>
+            <a:r>
+              <a:rPr lang="de-DE" sz="800" dirty="0"/>
+              <a:t>    "</a:t>
+            </a:r>
+            <a:r>
+              <a:rPr lang="de-DE" sz="800" dirty="0" err="1"/>
+              <a:t>id</a:t>
+            </a:r>
+            <a:r>
+              <a:rPr lang="de-DE" sz="800" dirty="0"/>
+              <a:t>": 123,</a:t>
+            </a:r>
+          </a:p>
+          <a:p>
+            <a:r>
+              <a:rPr lang="de-DE" sz="800" dirty="0"/>
+              <a:t>    "</a:t>
+            </a:r>
+            <a:r>
+              <a:rPr lang="de-DE" sz="800" dirty="0" err="1"/>
+              <a:t>name</a:t>
+            </a:r>
+            <a:r>
+              <a:rPr lang="de-DE" sz="800" dirty="0"/>
+              <a:t>": "</a:t>
+            </a:r>
+            <a:r>
+              <a:rPr lang="de-DE" sz="800" dirty="0" err="1"/>
+              <a:t>Product</a:t>
+            </a:r>
+            <a:r>
+              <a:rPr lang="de-DE" sz="800" dirty="0"/>
+              <a:t> 1",</a:t>
+            </a:r>
+          </a:p>
+          <a:p>
+            <a:r>
+              <a:rPr lang="de-DE" sz="800" dirty="0"/>
+              <a:t>    "</a:t>
+            </a:r>
+            <a:r>
+              <a:rPr lang="de-DE" sz="800" dirty="0" err="1"/>
+              <a:t>description</a:t>
+            </a:r>
+            <a:r>
+              <a:rPr lang="de-DE" sz="800" dirty="0"/>
+              <a:t>": "</a:t>
+            </a:r>
+            <a:r>
+              <a:rPr lang="de-DE" sz="800" dirty="0" err="1"/>
+              <a:t>Lorem</a:t>
+            </a:r>
+            <a:r>
+              <a:rPr lang="de-DE" sz="800" dirty="0"/>
+              <a:t> </a:t>
+            </a:r>
+            <a:r>
+              <a:rPr lang="de-DE" sz="800" dirty="0" err="1"/>
+              <a:t>ipsum</a:t>
+            </a:r>
+            <a:r>
+              <a:rPr lang="de-DE" sz="800" dirty="0"/>
+              <a:t>",</a:t>
+            </a:r>
+          </a:p>
+          <a:p>
+            <a:r>
+              <a:rPr lang="de-DE" sz="800" dirty="0"/>
+              <a:t>    "</a:t>
+            </a:r>
+            <a:r>
+              <a:rPr lang="de-DE" sz="800" dirty="0" err="1"/>
+              <a:t>lastModified</a:t>
+            </a:r>
+            <a:r>
+              <a:rPr lang="de-DE" sz="800" dirty="0"/>
+              <a:t>": "2019-04-15T15:00:00.000Z",</a:t>
+            </a:r>
+          </a:p>
+          <a:p>
+            <a:r>
+              <a:rPr lang="de-DE" sz="800" dirty="0"/>
+              <a:t>    "</a:t>
+            </a:r>
+            <a:r>
+              <a:rPr lang="de-DE" sz="800" dirty="0" err="1"/>
+              <a:t>ean</a:t>
+            </a:r>
+            <a:r>
+              <a:rPr lang="de-DE" sz="800" dirty="0"/>
+              <a:t>": "4044889002713"</a:t>
+            </a:r>
+          </a:p>
+          <a:p>
+            <a:r>
+              <a:rPr lang="de-DE" sz="800" dirty="0"/>
+              <a:t>}</a:t>
+            </a:r>
+          </a:p>
+        </p:txBody>
+      </p:sp>
+      <p:sp>
+        <p:nvSpPr>
+          <p:cNvPr id="11" name="Textfeld 10">
+            <a:extLst>
+              <a:ext uri="{FF2B5EF4-FFF2-40B4-BE49-F238E27FC236}">
+                <a16:creationId xmlns:a16="http://schemas.microsoft.com/office/drawing/2014/main" id="{6C75B88D-A4EE-4105-850D-A58984CCE226}"/>
+              </a:ext>
+            </a:extLst>
+          </p:cNvPr>
+          <p:cNvSpPr txBox="1"/>
+          <p:nvPr/>
+        </p:nvSpPr>
+        <p:spPr>
+          <a:xfrm>
+            <a:off x="8248563" y="6503759"/>
+            <a:ext cx="3921266" cy="246221"/>
+          </a:xfrm>
+          <a:prstGeom prst="rect">
+            <a:avLst/>
+          </a:prstGeom>
+          <a:noFill/>
+        </p:spPr>
+        <p:txBody>
+          <a:bodyPr wrap="none" rtlCol="0">
+            <a:spAutoFit/>
+          </a:bodyPr>
+          <a:lstStyle/>
+          <a:p>
+            <a:r>
+              <a:rPr lang="de-DE" sz="1000" dirty="0">
+                <a:hlinkClick r:id="rId3"/>
+              </a:rPr>
+              <a:t>https://martinfowler.com/articles/consumerDrivenContracts.html</a:t>
+            </a:r>
+            <a:endParaRPr lang="de-DE" sz="1000" dirty="0"/>
+          </a:p>
+        </p:txBody>
+      </p:sp>
+    </p:spTree>
+    <p:extLst>
+      <p:ext uri="{BB962C8B-B14F-4D97-AF65-F5344CB8AC3E}">
+        <p14:creationId xmlns:p14="http://schemas.microsoft.com/office/powerpoint/2010/main" val="4161121974"/>
+      </p:ext>
+    </p:extLst>
+  </p:cSld>
+  <p:clrMapOvr>
+    <a:masterClrMapping/>
+  </p:clrMapOvr>
+</p:sld>
+</file>
+
+<file path=ppt/slides/slide13.xml><?xml version="1.0" encoding="utf-8"?>
+<p:sld xmlns:a="http://schemas.openxmlformats.org/drawingml/2006/main" xmlns:r="http://schemas.openxmlformats.org/officeDocument/2006/relationships" xmlns:p="http://schemas.openxmlformats.org/presentationml/2006/main">
+  <p:cSld>
+    <p:spTree>
+      <p:nvGrpSpPr>
+        <p:cNvPr id="1" name=""/>
+        <p:cNvGrpSpPr/>
+        <p:nvPr/>
+      </p:nvGrpSpPr>
+      <p:grpSpPr>
+        <a:xfrm>
+          <a:off x="0" y="0"/>
+          <a:ext cx="0" cy="0"/>
+          <a:chOff x="0" y="0"/>
+          <a:chExt cx="0" cy="0"/>
+        </a:xfrm>
+      </p:grpSpPr>
+      <p:sp>
+        <p:nvSpPr>
+          <p:cNvPr id="2" name="Titel 1">
+            <a:extLst>
+              <a:ext uri="{FF2B5EF4-FFF2-40B4-BE49-F238E27FC236}">
+                <a16:creationId xmlns:a16="http://schemas.microsoft.com/office/drawing/2014/main" id="{CC20EDB4-052A-45E6-A51A-4F93E8E1AA17}"/>
+              </a:ext>
+            </a:extLst>
+          </p:cNvPr>
+          <p:cNvSpPr>
+            <a:spLocks noGrp="1"/>
+          </p:cNvSpPr>
+          <p:nvPr>
+            <p:ph type="title"/>
+          </p:nvPr>
+        </p:nvSpPr>
+        <p:spPr/>
+        <p:txBody>
+          <a:bodyPr/>
+          <a:lstStyle/>
+          <a:p>
+            <a:r>
+              <a:rPr lang="de-DE" dirty="0"/>
+              <a:t>Consumer Driven </a:t>
+            </a:r>
+            <a:r>
+              <a:rPr lang="de-DE" dirty="0" err="1"/>
+              <a:t>Contract</a:t>
+            </a:r>
+            <a:r>
+              <a:rPr lang="de-DE" dirty="0"/>
+              <a:t> </a:t>
+            </a:r>
+            <a:r>
+              <a:rPr lang="de-DE" dirty="0" err="1"/>
+              <a:t>Testing</a:t>
+            </a:r>
+            <a:endParaRPr lang="de-DE" dirty="0"/>
+          </a:p>
+        </p:txBody>
+      </p:sp>
+      <p:sp>
+        <p:nvSpPr>
+          <p:cNvPr id="3" name="Inhaltsplatzhalter 2">
+            <a:extLst>
+              <a:ext uri="{FF2B5EF4-FFF2-40B4-BE49-F238E27FC236}">
+                <a16:creationId xmlns:a16="http://schemas.microsoft.com/office/drawing/2014/main" id="{435602BB-F4AE-421A-8DEF-D92B86D9B136}"/>
+              </a:ext>
+            </a:extLst>
+          </p:cNvPr>
+          <p:cNvSpPr>
+            <a:spLocks noGrp="1"/>
+          </p:cNvSpPr>
+          <p:nvPr>
+            <p:ph sz="half" idx="1"/>
+          </p:nvPr>
+        </p:nvSpPr>
+        <p:spPr/>
+        <p:txBody>
+          <a:bodyPr/>
+          <a:lstStyle/>
+          <a:p>
+            <a:endParaRPr lang="de-DE" dirty="0"/>
+          </a:p>
+        </p:txBody>
+      </p:sp>
+      <p:sp>
+        <p:nvSpPr>
+          <p:cNvPr id="4" name="Inhaltsplatzhalter 3">
+            <a:extLst>
+              <a:ext uri="{FF2B5EF4-FFF2-40B4-BE49-F238E27FC236}">
+                <a16:creationId xmlns:a16="http://schemas.microsoft.com/office/drawing/2014/main" id="{7E418941-ED37-421D-A603-04AE07938B91}"/>
+              </a:ext>
+            </a:extLst>
+          </p:cNvPr>
+          <p:cNvSpPr>
+            <a:spLocks noGrp="1"/>
+          </p:cNvSpPr>
+          <p:nvPr>
+            <p:ph sz="half" idx="2"/>
+          </p:nvPr>
+        </p:nvSpPr>
+        <p:spPr/>
+        <p:txBody>
+          <a:bodyPr/>
+          <a:lstStyle/>
+          <a:p>
+            <a:endParaRPr lang="de-DE"/>
+          </a:p>
+        </p:txBody>
+      </p:sp>
+    </p:spTree>
+    <p:extLst>
+      <p:ext uri="{BB962C8B-B14F-4D97-AF65-F5344CB8AC3E}">
+        <p14:creationId xmlns:p14="http://schemas.microsoft.com/office/powerpoint/2010/main" val="4069849699"/>
+      </p:ext>
+    </p:extLst>
+  </p:cSld>
+  <p:clrMapOvr>
+    <a:masterClrMapping/>
+  </p:clrMapOvr>
+</p:sld>
+</file>
+
+<file path=ppt/slides/slide14.xml><?xml version="1.0" encoding="utf-8"?>
 <p:sld xmlns:a="http://schemas.openxmlformats.org/drawingml/2006/main" xmlns:r="http://schemas.openxmlformats.org/officeDocument/2006/relationships" xmlns:p="http://schemas.openxmlformats.org/presentationml/2006/main">
   <p:cSld>
     <p:spTree>
@@ -14862,10 +18475,233 @@
       </p:sp>
       <p:sp>
         <p:nvSpPr>
+          <p:cNvPr id="4" name="Textplatzhalter 3">
+            <a:extLst>
+              <a:ext uri="{FF2B5EF4-FFF2-40B4-BE49-F238E27FC236}">
+                <a16:creationId xmlns:a16="http://schemas.microsoft.com/office/drawing/2014/main" id="{7B40C5EF-930E-40AC-9251-3F52ECF98C3F}"/>
+              </a:ext>
+            </a:extLst>
+          </p:cNvPr>
+          <p:cNvSpPr>
+            <a:spLocks noGrp="1"/>
+          </p:cNvSpPr>
+          <p:nvPr>
+            <p:ph type="body" idx="1"/>
+          </p:nvPr>
+        </p:nvSpPr>
+        <p:spPr/>
+        <p:txBody>
+          <a:bodyPr/>
+          <a:lstStyle/>
+          <a:p>
+            <a:r>
+              <a:rPr lang="de-DE" dirty="0">
+                <a:hlinkClick r:id="rId2"/>
+              </a:rPr>
+              <a:t>https://docs.pact.io</a:t>
+            </a:r>
+            <a:endParaRPr lang="de-DE" dirty="0"/>
+          </a:p>
+          <a:p>
+            <a:endParaRPr lang="de-DE" dirty="0"/>
+          </a:p>
+        </p:txBody>
+      </p:sp>
+      <p:pic>
+        <p:nvPicPr>
+          <p:cNvPr id="1026" name="Picture 2" descr="https://blobscdn.gitbook.com/v0/b/gitbook-28427.appspot.com/o/assets%2F-LC2AYrI9MJa-_aAjE1u%2F-LanAsvj8t2Fxhd55l37%2F-LanAtusxEP3HvJVJxsd%2Fpact-logo.png?generation=1553489437517488&amp;alt=media">
+            <a:extLst>
+              <a:ext uri="{FF2B5EF4-FFF2-40B4-BE49-F238E27FC236}">
+                <a16:creationId xmlns:a16="http://schemas.microsoft.com/office/drawing/2014/main" id="{422E3F0C-1C03-4BD4-B9DA-146853F265AE}"/>
+              </a:ext>
+            </a:extLst>
+          </p:cNvPr>
+          <p:cNvPicPr>
+            <a:picLocks noChangeAspect="1" noChangeArrowheads="1"/>
+          </p:cNvPicPr>
+          <p:nvPr/>
+        </p:nvPicPr>
+        <p:blipFill>
+          <a:blip r:embed="rId3">
+            <a:extLst>
+              <a:ext uri="{28A0092B-C50C-407E-A947-70E740481C1C}">
+                <a14:useLocalDpi xmlns:a14="http://schemas.microsoft.com/office/drawing/2010/main" val="0"/>
+              </a:ext>
+            </a:extLst>
+          </a:blip>
+          <a:srcRect/>
+          <a:stretch>
+            <a:fillRect/>
+          </a:stretch>
+        </p:blipFill>
+        <p:spPr bwMode="auto">
+          <a:xfrm>
+            <a:off x="3232150" y="1114425"/>
+            <a:ext cx="5715000" cy="1190625"/>
+          </a:xfrm>
+          <a:prstGeom prst="rect">
+            <a:avLst/>
+          </a:prstGeom>
+          <a:noFill/>
+          <a:extLst>
+            <a:ext uri="{909E8E84-426E-40DD-AFC4-6F175D3DCCD1}">
+              <a14:hiddenFill xmlns:a14="http://schemas.microsoft.com/office/drawing/2010/main">
+                <a:solidFill>
+                  <a:srgbClr val="FFFFFF"/>
+                </a:solidFill>
+              </a14:hiddenFill>
+            </a:ext>
+          </a:extLst>
+        </p:spPr>
+      </p:pic>
+    </p:spTree>
+    <p:extLst>
+      <p:ext uri="{BB962C8B-B14F-4D97-AF65-F5344CB8AC3E}">
+        <p14:creationId xmlns:p14="http://schemas.microsoft.com/office/powerpoint/2010/main" val="253724219"/>
+      </p:ext>
+    </p:extLst>
+  </p:cSld>
+  <p:clrMapOvr>
+    <a:masterClrMapping/>
+  </p:clrMapOvr>
+</p:sld>
+</file>
+
+<file path=ppt/slides/slide15.xml><?xml version="1.0" encoding="utf-8"?>
+<p:sld xmlns:a="http://schemas.openxmlformats.org/drawingml/2006/main" xmlns:r="http://schemas.openxmlformats.org/officeDocument/2006/relationships" xmlns:p="http://schemas.openxmlformats.org/presentationml/2006/main">
+  <p:cSld>
+    <p:spTree>
+      <p:nvGrpSpPr>
+        <p:cNvPr id="1" name=""/>
+        <p:cNvGrpSpPr/>
+        <p:nvPr/>
+      </p:nvGrpSpPr>
+      <p:grpSpPr>
+        <a:xfrm>
+          <a:off x="0" y="0"/>
+          <a:ext cx="0" cy="0"/>
+          <a:chOff x="0" y="0"/>
+          <a:chExt cx="0" cy="0"/>
+        </a:xfrm>
+      </p:grpSpPr>
+      <p:sp>
+        <p:nvSpPr>
+          <p:cNvPr id="2" name="Titel 1">
+            <a:extLst>
+              <a:ext uri="{FF2B5EF4-FFF2-40B4-BE49-F238E27FC236}">
+                <a16:creationId xmlns:a16="http://schemas.microsoft.com/office/drawing/2014/main" id="{E4DFEDED-B5C3-44D0-A5E6-A9AD2EF61530}"/>
+              </a:ext>
+            </a:extLst>
+          </p:cNvPr>
+          <p:cNvSpPr>
+            <a:spLocks noGrp="1"/>
+          </p:cNvSpPr>
+          <p:nvPr>
+            <p:ph type="title"/>
+          </p:nvPr>
+        </p:nvSpPr>
+        <p:spPr/>
+        <p:txBody>
+          <a:bodyPr/>
+          <a:lstStyle/>
+          <a:p>
+            <a:endParaRPr lang="de-DE"/>
+          </a:p>
+        </p:txBody>
+      </p:sp>
+      <p:sp>
+        <p:nvSpPr>
+          <p:cNvPr id="3" name="Textplatzhalter 2">
+            <a:extLst>
+              <a:ext uri="{FF2B5EF4-FFF2-40B4-BE49-F238E27FC236}">
+                <a16:creationId xmlns:a16="http://schemas.microsoft.com/office/drawing/2014/main" id="{68DFB7C0-DBEA-41A2-9B3F-8DAEA8B741A8}"/>
+              </a:ext>
+            </a:extLst>
+          </p:cNvPr>
+          <p:cNvSpPr>
+            <a:spLocks noGrp="1"/>
+          </p:cNvSpPr>
+          <p:nvPr>
+            <p:ph type="body" idx="1"/>
+          </p:nvPr>
+        </p:nvSpPr>
+        <p:spPr/>
+        <p:txBody>
+          <a:bodyPr/>
+          <a:lstStyle/>
+          <a:p>
+            <a:endParaRPr lang="de-DE"/>
+          </a:p>
+        </p:txBody>
+      </p:sp>
+    </p:spTree>
+    <p:extLst>
+      <p:ext uri="{BB962C8B-B14F-4D97-AF65-F5344CB8AC3E}">
+        <p14:creationId xmlns:p14="http://schemas.microsoft.com/office/powerpoint/2010/main" val="3305858863"/>
+      </p:ext>
+    </p:extLst>
+  </p:cSld>
+  <p:clrMapOvr>
+    <a:masterClrMapping/>
+  </p:clrMapOvr>
+</p:sld>
+</file>
+
+<file path=ppt/slides/slide2.xml><?xml version="1.0" encoding="utf-8"?>
+<p:sld xmlns:a="http://schemas.openxmlformats.org/drawingml/2006/main" xmlns:r="http://schemas.openxmlformats.org/officeDocument/2006/relationships" xmlns:p="http://schemas.openxmlformats.org/presentationml/2006/main">
+  <p:cSld>
+    <p:spTree>
+      <p:nvGrpSpPr>
+        <p:cNvPr id="1" name=""/>
+        <p:cNvGrpSpPr/>
+        <p:nvPr/>
+      </p:nvGrpSpPr>
+      <p:grpSpPr>
+        <a:xfrm>
+          <a:off x="0" y="0"/>
+          <a:ext cx="0" cy="0"/>
+          <a:chOff x="0" y="0"/>
+          <a:chExt cx="0" cy="0"/>
+        </a:xfrm>
+      </p:grpSpPr>
+      <p:sp>
+        <p:nvSpPr>
+          <p:cNvPr id="2" name="Titel 1">
+            <a:extLst>
+              <a:ext uri="{FF2B5EF4-FFF2-40B4-BE49-F238E27FC236}">
+                <a16:creationId xmlns:a16="http://schemas.microsoft.com/office/drawing/2014/main" id="{A05864C7-9E23-4132-91CE-5EC5F93B8120}"/>
+              </a:ext>
+            </a:extLst>
+          </p:cNvPr>
+          <p:cNvSpPr>
+            <a:spLocks noGrp="1"/>
+          </p:cNvSpPr>
+          <p:nvPr>
+            <p:ph type="title"/>
+          </p:nvPr>
+        </p:nvSpPr>
+        <p:spPr/>
+        <p:txBody>
+          <a:bodyPr/>
+          <a:lstStyle/>
+          <a:p>
+            <a:r>
+              <a:rPr lang="de-DE" dirty="0" err="1"/>
+              <a:t>My</a:t>
+            </a:r>
+            <a:r>
+              <a:rPr lang="de-DE" dirty="0"/>
+              <a:t> Story</a:t>
+            </a:r>
+          </a:p>
+        </p:txBody>
+      </p:sp>
+      <p:sp>
+        <p:nvSpPr>
           <p:cNvPr id="3" name="Inhaltsplatzhalter 2">
             <a:extLst>
               <a:ext uri="{FF2B5EF4-FFF2-40B4-BE49-F238E27FC236}">
-                <a16:creationId xmlns:a16="http://schemas.microsoft.com/office/drawing/2014/main" id="{25BD3B23-DBF7-49BB-A7AF-977FE484CE55}"/>
+                <a16:creationId xmlns:a16="http://schemas.microsoft.com/office/drawing/2014/main" id="{6970C08D-0D72-4505-913D-F1FFB1BA6DDA}"/>
               </a:ext>
             </a:extLst>
           </p:cNvPr>
@@ -14881,14 +18717,14 @@
           <a:bodyPr/>
           <a:lstStyle/>
           <a:p>
-            <a:endParaRPr lang="de-DE" dirty="0"/>
+            <a:endParaRPr lang="de-DE"/>
           </a:p>
         </p:txBody>
       </p:sp>
     </p:spTree>
     <p:extLst>
       <p:ext uri="{BB962C8B-B14F-4D97-AF65-F5344CB8AC3E}">
-        <p14:creationId xmlns:p14="http://schemas.microsoft.com/office/powerpoint/2010/main" val="253724219"/>
+        <p14:creationId xmlns:p14="http://schemas.microsoft.com/office/powerpoint/2010/main" val="1387228931"/>
       </p:ext>
     </p:extLst>
   </p:cSld>
@@ -14898,7 +18734,253 @@
 </p:sld>
 </file>
 
-<file path=ppt/slides/slide2.xml><?xml version="1.0" encoding="utf-8"?>
+<file path=ppt/slides/slide3.xml><?xml version="1.0" encoding="utf-8"?>
+<p:sld xmlns:a="http://schemas.openxmlformats.org/drawingml/2006/main" xmlns:r="http://schemas.openxmlformats.org/officeDocument/2006/relationships" xmlns:p="http://schemas.openxmlformats.org/presentationml/2006/main">
+  <p:cSld>
+    <p:spTree>
+      <p:nvGrpSpPr>
+        <p:cNvPr id="1" name=""/>
+        <p:cNvGrpSpPr/>
+        <p:nvPr/>
+      </p:nvGrpSpPr>
+      <p:grpSpPr>
+        <a:xfrm>
+          <a:off x="0" y="0"/>
+          <a:ext cx="0" cy="0"/>
+          <a:chOff x="0" y="0"/>
+          <a:chExt cx="0" cy="0"/>
+        </a:xfrm>
+      </p:grpSpPr>
+      <p:sp>
+        <p:nvSpPr>
+          <p:cNvPr id="2" name="Titel 1">
+            <a:extLst>
+              <a:ext uri="{FF2B5EF4-FFF2-40B4-BE49-F238E27FC236}">
+                <a16:creationId xmlns:a16="http://schemas.microsoft.com/office/drawing/2014/main" id="{46B2E122-0395-43CD-A864-B69FA30DAD0E}"/>
+              </a:ext>
+            </a:extLst>
+          </p:cNvPr>
+          <p:cNvSpPr>
+            <a:spLocks noGrp="1"/>
+          </p:cNvSpPr>
+          <p:nvPr>
+            <p:ph type="title"/>
+          </p:nvPr>
+        </p:nvSpPr>
+        <p:spPr/>
+        <p:txBody>
+          <a:bodyPr/>
+          <a:lstStyle/>
+          <a:p>
+            <a:r>
+              <a:rPr lang="de-DE" dirty="0"/>
+              <a:t>About </a:t>
+            </a:r>
+            <a:r>
+              <a:rPr lang="de-DE" dirty="0" err="1"/>
+              <a:t>me</a:t>
+            </a:r>
+            <a:endParaRPr lang="de-DE" dirty="0"/>
+          </a:p>
+        </p:txBody>
+      </p:sp>
+      <p:sp>
+        <p:nvSpPr>
+          <p:cNvPr id="3" name="Inhaltsplatzhalter 2">
+            <a:extLst>
+              <a:ext uri="{FF2B5EF4-FFF2-40B4-BE49-F238E27FC236}">
+                <a16:creationId xmlns:a16="http://schemas.microsoft.com/office/drawing/2014/main" id="{252E5941-DC3F-49D8-AAC7-B5F70F7BE441}"/>
+              </a:ext>
+            </a:extLst>
+          </p:cNvPr>
+          <p:cNvSpPr>
+            <a:spLocks noGrp="1"/>
+          </p:cNvSpPr>
+          <p:nvPr>
+            <p:ph idx="1"/>
+          </p:nvPr>
+        </p:nvSpPr>
+        <p:spPr/>
+        <p:txBody>
+          <a:bodyPr/>
+          <a:lstStyle/>
+          <a:p>
+            <a:endParaRPr lang="de-DE"/>
+          </a:p>
+        </p:txBody>
+      </p:sp>
+    </p:spTree>
+    <p:extLst>
+      <p:ext uri="{BB962C8B-B14F-4D97-AF65-F5344CB8AC3E}">
+        <p14:creationId xmlns:p14="http://schemas.microsoft.com/office/powerpoint/2010/main" val="2644523919"/>
+      </p:ext>
+    </p:extLst>
+  </p:cSld>
+  <p:clrMapOvr>
+    <a:masterClrMapping/>
+  </p:clrMapOvr>
+</p:sld>
+</file>
+
+<file path=ppt/slides/slide4.xml><?xml version="1.0" encoding="utf-8"?>
+<p:sld xmlns:a="http://schemas.openxmlformats.org/drawingml/2006/main" xmlns:r="http://schemas.openxmlformats.org/officeDocument/2006/relationships" xmlns:p="http://schemas.openxmlformats.org/presentationml/2006/main">
+  <p:cSld>
+    <p:spTree>
+      <p:nvGrpSpPr>
+        <p:cNvPr id="1" name=""/>
+        <p:cNvGrpSpPr/>
+        <p:nvPr/>
+      </p:nvGrpSpPr>
+      <p:grpSpPr>
+        <a:xfrm>
+          <a:off x="0" y="0"/>
+          <a:ext cx="0" cy="0"/>
+          <a:chOff x="0" y="0"/>
+          <a:chExt cx="0" cy="0"/>
+        </a:xfrm>
+      </p:grpSpPr>
+      <p:pic>
+        <p:nvPicPr>
+          <p:cNvPr id="5" name="Inhaltsplatzhalter 4">
+            <a:extLst>
+              <a:ext uri="{FF2B5EF4-FFF2-40B4-BE49-F238E27FC236}">
+                <a16:creationId xmlns:a16="http://schemas.microsoft.com/office/drawing/2014/main" id="{FFDEAC39-2F47-4553-BB19-D2504105A38A}"/>
+              </a:ext>
+            </a:extLst>
+          </p:cNvPr>
+          <p:cNvPicPr>
+            <a:picLocks noGrp="1" noChangeAspect="1"/>
+          </p:cNvPicPr>
+          <p:nvPr>
+            <p:ph idx="1"/>
+          </p:nvPr>
+        </p:nvPicPr>
+        <p:blipFill>
+          <a:blip r:embed="rId3">
+            <a:extLst>
+              <a:ext uri="{28A0092B-C50C-407E-A947-70E740481C1C}">
+                <a14:useLocalDpi xmlns:a14="http://schemas.microsoft.com/office/drawing/2010/main" val="0"/>
+              </a:ext>
+            </a:extLst>
+          </a:blip>
+          <a:stretch>
+            <a:fillRect/>
+          </a:stretch>
+        </p:blipFill>
+        <p:spPr>
+          <a:xfrm>
+            <a:off x="0" y="-266074"/>
+            <a:ext cx="12192000" cy="8138810"/>
+          </a:xfrm>
+        </p:spPr>
+      </p:pic>
+      <p:sp>
+        <p:nvSpPr>
+          <p:cNvPr id="2" name="Titel 1">
+            <a:extLst>
+              <a:ext uri="{FF2B5EF4-FFF2-40B4-BE49-F238E27FC236}">
+                <a16:creationId xmlns:a16="http://schemas.microsoft.com/office/drawing/2014/main" id="{F30D1B10-F739-41F7-95EB-B1FF030E68C6}"/>
+              </a:ext>
+            </a:extLst>
+          </p:cNvPr>
+          <p:cNvSpPr>
+            <a:spLocks noGrp="1"/>
+          </p:cNvSpPr>
+          <p:nvPr>
+            <p:ph type="title"/>
+          </p:nvPr>
+        </p:nvSpPr>
+        <p:spPr>
+          <a:xfrm>
+            <a:off x="5004848" y="534807"/>
+            <a:ext cx="10515600" cy="1325563"/>
+          </a:xfrm>
+        </p:spPr>
+        <p:txBody>
+          <a:bodyPr/>
+          <a:lstStyle/>
+          <a:p>
+            <a:endParaRPr lang="de-DE" dirty="0">
+              <a:solidFill>
+                <a:schemeClr val="accent6">
+                  <a:lumMod val="40000"/>
+                  <a:lumOff val="60000"/>
+                </a:schemeClr>
+              </a:solidFill>
+            </a:endParaRPr>
+          </a:p>
+        </p:txBody>
+      </p:sp>
+      <p:sp>
+        <p:nvSpPr>
+          <p:cNvPr id="3" name="Denkblase: wolkenförmig 2">
+            <a:extLst>
+              <a:ext uri="{FF2B5EF4-FFF2-40B4-BE49-F238E27FC236}">
+                <a16:creationId xmlns:a16="http://schemas.microsoft.com/office/drawing/2014/main" id="{E64D1148-9445-4127-822A-46B630F2144F}"/>
+              </a:ext>
+            </a:extLst>
+          </p:cNvPr>
+          <p:cNvSpPr/>
+          <p:nvPr/>
+        </p:nvSpPr>
+        <p:spPr>
+          <a:xfrm>
+            <a:off x="6017558" y="53789"/>
+            <a:ext cx="5741893" cy="2998693"/>
+          </a:xfrm>
+          <a:prstGeom prst="cloudCallout">
+            <a:avLst>
+              <a:gd name="adj1" fmla="val 47974"/>
+              <a:gd name="adj2" fmla="val 32965"/>
+            </a:avLst>
+          </a:prstGeom>
+        </p:spPr>
+        <p:style>
+          <a:lnRef idx="2">
+            <a:schemeClr val="accent1">
+              <a:shade val="50000"/>
+            </a:schemeClr>
+          </a:lnRef>
+          <a:fillRef idx="1">
+            <a:schemeClr val="accent1"/>
+          </a:fillRef>
+          <a:effectRef idx="0">
+            <a:schemeClr val="accent1"/>
+          </a:effectRef>
+          <a:fontRef idx="minor">
+            <a:schemeClr val="lt1"/>
+          </a:fontRef>
+        </p:style>
+        <p:txBody>
+          <a:bodyPr rtlCol="0" anchor="ctr"/>
+          <a:lstStyle/>
+          <a:p>
+            <a:pPr algn="ctr"/>
+            <a:r>
+              <a:rPr lang="de-DE" sz="4800" dirty="0">
+                <a:solidFill>
+                  <a:srgbClr val="03FD5F"/>
+                </a:solidFill>
+              </a:rPr>
+              <a:t>Microservice Architecture</a:t>
+            </a:r>
+          </a:p>
+        </p:txBody>
+      </p:sp>
+    </p:spTree>
+    <p:extLst>
+      <p:ext uri="{BB962C8B-B14F-4D97-AF65-F5344CB8AC3E}">
+        <p14:creationId xmlns:p14="http://schemas.microsoft.com/office/powerpoint/2010/main" val="154644723"/>
+      </p:ext>
+    </p:extLst>
+  </p:cSld>
+  <p:clrMapOvr>
+    <a:masterClrMapping/>
+  </p:clrMapOvr>
+</p:sld>
+</file>
+
+<file path=ppt/slides/slide5.xml><?xml version="1.0" encoding="utf-8"?>
 <p:sld xmlns:a="http://schemas.openxmlformats.org/drawingml/2006/main" xmlns:r="http://schemas.openxmlformats.org/officeDocument/2006/relationships" xmlns:p="http://schemas.openxmlformats.org/presentationml/2006/main">
   <p:cSld>
     <p:spTree>
@@ -14937,9 +19019,10 @@
           <a:lstStyle/>
           <a:p>
             <a:r>
-              <a:rPr lang="de-DE" dirty="0"/>
-              <a:t>Contents</a:t>
-            </a:r>
+              <a:rPr lang="de-DE" dirty="0" err="1"/>
+              <a:t>Testing</a:t>
+            </a:r>
+            <a:endParaRPr lang="de-DE" dirty="0"/>
           </a:p>
         </p:txBody>
       </p:sp>
@@ -14964,7 +19047,10 @@
           <a:bodyPr/>
           <a:lstStyle/>
           <a:p>
-            <a:endParaRPr lang="de-DE"/>
+            <a:r>
+              <a:rPr lang="de-DE" dirty="0"/>
+              <a:t>s</a:t>
+            </a:r>
           </a:p>
         </p:txBody>
       </p:sp>
@@ -14981,7 +19067,7 @@
 </p:sld>
 </file>
 
-<file path=ppt/slides/slide3.xml><?xml version="1.0" encoding="utf-8"?>
+<file path=ppt/slides/slide6.xml><?xml version="1.0" encoding="utf-8"?>
 <p:sld xmlns:a="http://schemas.openxmlformats.org/drawingml/2006/main" xmlns:r="http://schemas.openxmlformats.org/officeDocument/2006/relationships" xmlns:p="http://schemas.openxmlformats.org/presentationml/2006/main">
   <p:cSld>
     <p:spTree>
@@ -15023,14 +19109,6 @@
               <a:rPr lang="de-DE" dirty="0" err="1"/>
               <a:t>Testing</a:t>
             </a:r>
-            <a:r>
-              <a:rPr lang="de-DE" dirty="0"/>
-              <a:t> </a:t>
-            </a:r>
-            <a:r>
-              <a:rPr lang="de-DE" dirty="0" err="1"/>
-              <a:t>Pyramid</a:t>
-            </a:r>
             <a:endParaRPr lang="de-DE" dirty="0"/>
           </a:p>
         </p:txBody>
@@ -15048,7 +19126,7 @@
             <a:graphicFrameLocks noGrp="1"/>
           </p:cNvGraphicFramePr>
           <p:nvPr>
-            <p:ph idx="1"/>
+            <p:ph sz="half" idx="1"/>
             <p:extLst>
               <p:ext uri="{D42A27DB-BD31-4B8C-83A1-F6EECF244321}">
                 <p14:modId xmlns:p14="http://schemas.microsoft.com/office/powerpoint/2010/main" val="836455775"/>
@@ -15057,15 +19135,40 @@
           </p:nvPr>
         </p:nvGraphicFramePr>
         <p:xfrm>
-          <a:off x="7309184" y="2418348"/>
-          <a:ext cx="4379495" cy="3747836"/>
+          <a:off x="838200" y="1825625"/>
+          <a:ext cx="5181600" cy="4351338"/>
         </p:xfrm>
         <a:graphic>
           <a:graphicData uri="http://schemas.openxmlformats.org/drawingml/2006/diagram">
-            <dgm:relIds xmlns:dgm="http://schemas.openxmlformats.org/drawingml/2006/diagram" xmlns:r="http://schemas.openxmlformats.org/officeDocument/2006/relationships" r:dm="rId2" r:lo="rId3" r:qs="rId4" r:cs="rId5"/>
+            <dgm:relIds xmlns:dgm="http://schemas.openxmlformats.org/drawingml/2006/diagram" xmlns:r="http://schemas.openxmlformats.org/officeDocument/2006/relationships" r:dm="rId3" r:lo="rId4" r:qs="rId5" r:cs="rId6"/>
           </a:graphicData>
         </a:graphic>
       </p:graphicFrame>
+      <p:sp>
+        <p:nvSpPr>
+          <p:cNvPr id="3" name="Inhaltsplatzhalter 2">
+            <a:extLst>
+              <a:ext uri="{FF2B5EF4-FFF2-40B4-BE49-F238E27FC236}">
+                <a16:creationId xmlns:a16="http://schemas.microsoft.com/office/drawing/2014/main" id="{9F3EB23F-F955-4E8E-9682-99823D2BE7DD}"/>
+              </a:ext>
+            </a:extLst>
+          </p:cNvPr>
+          <p:cNvSpPr>
+            <a:spLocks noGrp="1"/>
+          </p:cNvSpPr>
+          <p:nvPr>
+            <p:ph sz="half" idx="2"/>
+          </p:nvPr>
+        </p:nvSpPr>
+        <p:spPr/>
+        <p:txBody>
+          <a:bodyPr/>
+          <a:lstStyle/>
+          <a:p>
+            <a:endParaRPr lang="de-DE" dirty="0"/>
+          </a:p>
+        </p:txBody>
+      </p:sp>
       <p:sp>
         <p:nvSpPr>
           <p:cNvPr id="5" name="Wolke 4">
@@ -15139,7 +19242,120 @@
 </p:sld>
 </file>
 
-<file path=ppt/slides/slide4.xml><?xml version="1.0" encoding="utf-8"?>
+<file path=ppt/slides/slide7.xml><?xml version="1.0" encoding="utf-8"?>
+<p:sld xmlns:a="http://schemas.openxmlformats.org/drawingml/2006/main" xmlns:r="http://schemas.openxmlformats.org/officeDocument/2006/relationships" xmlns:p="http://schemas.openxmlformats.org/presentationml/2006/main">
+  <p:cSld>
+    <p:spTree>
+      <p:nvGrpSpPr>
+        <p:cNvPr id="1" name=""/>
+        <p:cNvGrpSpPr/>
+        <p:nvPr/>
+      </p:nvGrpSpPr>
+      <p:grpSpPr>
+        <a:xfrm>
+          <a:off x="0" y="0"/>
+          <a:ext cx="0" cy="0"/>
+          <a:chOff x="0" y="0"/>
+          <a:chExt cx="0" cy="0"/>
+        </a:xfrm>
+      </p:grpSpPr>
+      <p:sp>
+        <p:nvSpPr>
+          <p:cNvPr id="2" name="Titel 1">
+            <a:extLst>
+              <a:ext uri="{FF2B5EF4-FFF2-40B4-BE49-F238E27FC236}">
+                <a16:creationId xmlns:a16="http://schemas.microsoft.com/office/drawing/2014/main" id="{7E49FE43-0418-416C-AC9C-7E7C7EEBF2A9}"/>
+              </a:ext>
+            </a:extLst>
+          </p:cNvPr>
+          <p:cNvSpPr>
+            <a:spLocks noGrp="1"/>
+          </p:cNvSpPr>
+          <p:nvPr>
+            <p:ph type="title"/>
+          </p:nvPr>
+        </p:nvSpPr>
+        <p:spPr/>
+        <p:txBody>
+          <a:bodyPr/>
+          <a:lstStyle/>
+          <a:p>
+            <a:r>
+              <a:rPr lang="de-DE" dirty="0"/>
+              <a:t>Integration </a:t>
+            </a:r>
+            <a:r>
+              <a:rPr lang="de-DE" dirty="0" err="1"/>
+              <a:t>testing</a:t>
+            </a:r>
+            <a:endParaRPr lang="de-DE" dirty="0"/>
+          </a:p>
+        </p:txBody>
+      </p:sp>
+      <p:sp>
+        <p:nvSpPr>
+          <p:cNvPr id="3" name="Inhaltsplatzhalter 2">
+            <a:extLst>
+              <a:ext uri="{FF2B5EF4-FFF2-40B4-BE49-F238E27FC236}">
+                <a16:creationId xmlns:a16="http://schemas.microsoft.com/office/drawing/2014/main" id="{D14CEA88-38D7-493A-9AF9-5F66D1775D83}"/>
+              </a:ext>
+            </a:extLst>
+          </p:cNvPr>
+          <p:cNvSpPr>
+            <a:spLocks noGrp="1"/>
+          </p:cNvSpPr>
+          <p:nvPr>
+            <p:ph sz="half" idx="1"/>
+          </p:nvPr>
+        </p:nvSpPr>
+        <p:spPr/>
+        <p:txBody>
+          <a:bodyPr/>
+          <a:lstStyle/>
+          <a:p>
+            <a:endParaRPr lang="de-DE"/>
+          </a:p>
+        </p:txBody>
+      </p:sp>
+      <p:sp>
+        <p:nvSpPr>
+          <p:cNvPr id="4" name="Inhaltsplatzhalter 3">
+            <a:extLst>
+              <a:ext uri="{FF2B5EF4-FFF2-40B4-BE49-F238E27FC236}">
+                <a16:creationId xmlns:a16="http://schemas.microsoft.com/office/drawing/2014/main" id="{3E94C200-87AD-4432-B57E-231FDD23A4D7}"/>
+              </a:ext>
+            </a:extLst>
+          </p:cNvPr>
+          <p:cNvSpPr>
+            <a:spLocks noGrp="1"/>
+          </p:cNvSpPr>
+          <p:nvPr>
+            <p:ph sz="half" idx="2"/>
+          </p:nvPr>
+        </p:nvSpPr>
+        <p:spPr/>
+        <p:txBody>
+          <a:bodyPr/>
+          <a:lstStyle/>
+          <a:p>
+            <a:endParaRPr lang="de-DE"/>
+          </a:p>
+        </p:txBody>
+      </p:sp>
+    </p:spTree>
+    <p:extLst>
+      <p:ext uri="{BB962C8B-B14F-4D97-AF65-F5344CB8AC3E}">
+        <p14:creationId xmlns:p14="http://schemas.microsoft.com/office/powerpoint/2010/main" val="1271723208"/>
+      </p:ext>
+    </p:extLst>
+  </p:cSld>
+  <p:clrMapOvr>
+    <a:masterClrMapping/>
+  </p:clrMapOvr>
+</p:sld>
+</file>
+
+<file path=ppt/slides/slide8.xml><?xml version="1.0" encoding="utf-8"?>
 <p:sld xmlns:a="http://schemas.openxmlformats.org/drawingml/2006/main" xmlns:r="http://schemas.openxmlformats.org/officeDocument/2006/relationships" xmlns:p="http://schemas.openxmlformats.org/presentationml/2006/main">
   <p:cSld>
     <p:spTree>
@@ -15362,13 +19578,13 @@
           </p:nvPr>
         </p:nvPicPr>
         <p:blipFill>
-          <a:blip r:embed="rId2">
+          <a:blip r:embed="rId3">
             <a:extLst>
               <a:ext uri="{28A0092B-C50C-407E-A947-70E740481C1C}">
                 <a14:useLocalDpi xmlns:a14="http://schemas.microsoft.com/office/drawing/2010/main" val="0"/>
               </a:ext>
               <a:ext uri="{837473B0-CC2E-450A-ABE3-18F120FF3D39}">
-                <a1611:picAttrSrcUrl xmlns:a1611="http://schemas.microsoft.com/office/drawing/2016/11/main" r:id="rId3"/>
+                <a1611:picAttrSrcUrl xmlns:a1611="http://schemas.microsoft.com/office/drawing/2016/11/main" r:id="rId4"/>
               </a:ext>
             </a:extLst>
           </a:blip>
@@ -15653,7 +19869,7 @@
             </a:r>
             <a:r>
               <a:rPr lang="de-DE" sz="900" dirty="0">
-                <a:hlinkClick r:id="rId3" tooltip="http://commons.wikimedia.org/wiki/File:User_icon_2.svg"/>
+                <a:hlinkClick r:id="rId4" tooltip="http://commons.wikimedia.org/wiki/File:User_icon_2.svg"/>
               </a:rPr>
               <a:t>Dieses Foto</a:t>
             </a:r>
@@ -15663,7 +19879,7 @@
             </a:r>
             <a:r>
               <a:rPr lang="de-DE" sz="900" dirty="0">
-                <a:hlinkClick r:id="rId4" tooltip="https://creativecommons.org/licenses/by-sa/3.0/"/>
+                <a:hlinkClick r:id="rId5" tooltip="https://creativecommons.org/licenses/by-sa/3.0/"/>
               </a:rPr>
               <a:t>CC BY-SA</a:t>
             </a:r>
@@ -15727,7 +19943,7 @@
 </p:sld>
 </file>
 
-<file path=ppt/slides/slide5.xml><?xml version="1.0" encoding="utf-8"?>
+<file path=ppt/slides/slide9.xml><?xml version="1.0" encoding="utf-8"?>
 <p:sld xmlns:a="http://schemas.openxmlformats.org/drawingml/2006/main" xmlns:r="http://schemas.openxmlformats.org/officeDocument/2006/relationships" xmlns:p="http://schemas.openxmlformats.org/presentationml/2006/main">
   <p:cSld>
     <p:spTree>
@@ -15834,1526 +20050,6 @@
     <p:extLst>
       <p:ext uri="{BB962C8B-B14F-4D97-AF65-F5344CB8AC3E}">
         <p14:creationId xmlns:p14="http://schemas.microsoft.com/office/powerpoint/2010/main" val="157091166"/>
-      </p:ext>
-    </p:extLst>
-  </p:cSld>
-  <p:clrMapOvr>
-    <a:masterClrMapping/>
-  </p:clrMapOvr>
-</p:sld>
-</file>
-
-<file path=ppt/slides/slide6.xml><?xml version="1.0" encoding="utf-8"?>
-<p:sld xmlns:a="http://schemas.openxmlformats.org/drawingml/2006/main" xmlns:r="http://schemas.openxmlformats.org/officeDocument/2006/relationships" xmlns:p="http://schemas.openxmlformats.org/presentationml/2006/main">
-  <p:cSld>
-    <p:spTree>
-      <p:nvGrpSpPr>
-        <p:cNvPr id="1" name=""/>
-        <p:cNvGrpSpPr/>
-        <p:nvPr/>
-      </p:nvGrpSpPr>
-      <p:grpSpPr>
-        <a:xfrm>
-          <a:off x="0" y="0"/>
-          <a:ext cx="0" cy="0"/>
-          <a:chOff x="0" y="0"/>
-          <a:chExt cx="0" cy="0"/>
-        </a:xfrm>
-      </p:grpSpPr>
-      <p:sp>
-        <p:nvSpPr>
-          <p:cNvPr id="2" name="Titel 1">
-            <a:extLst>
-              <a:ext uri="{FF2B5EF4-FFF2-40B4-BE49-F238E27FC236}">
-                <a16:creationId xmlns:a16="http://schemas.microsoft.com/office/drawing/2014/main" id="{C081D906-358A-49C2-B4C3-EF8392B303A8}"/>
-              </a:ext>
-            </a:extLst>
-          </p:cNvPr>
-          <p:cNvSpPr>
-            <a:spLocks noGrp="1"/>
-          </p:cNvSpPr>
-          <p:nvPr>
-            <p:ph type="title"/>
-          </p:nvPr>
-        </p:nvSpPr>
-        <p:spPr/>
-        <p:txBody>
-          <a:bodyPr/>
-          <a:lstStyle/>
-          <a:p>
-            <a:r>
-              <a:rPr lang="de-DE" dirty="0"/>
-              <a:t>Environment</a:t>
-            </a:r>
-          </a:p>
-        </p:txBody>
-      </p:sp>
-      <p:graphicFrame>
-        <p:nvGraphicFramePr>
-          <p:cNvPr id="11" name="Inhaltsplatzhalter 10">
-            <a:extLst>
-              <a:ext uri="{FF2B5EF4-FFF2-40B4-BE49-F238E27FC236}">
-                <a16:creationId xmlns:a16="http://schemas.microsoft.com/office/drawing/2014/main" id="{4A1CC9D7-404C-4998-AD0B-D469C4ECE43C}"/>
-              </a:ext>
-            </a:extLst>
-          </p:cNvPr>
-          <p:cNvGraphicFramePr>
-            <a:graphicFrameLocks noGrp="1"/>
-          </p:cNvGraphicFramePr>
-          <p:nvPr>
-            <p:ph sz="half" idx="2"/>
-            <p:extLst>
-              <p:ext uri="{D42A27DB-BD31-4B8C-83A1-F6EECF244321}">
-                <p14:modId xmlns:p14="http://schemas.microsoft.com/office/powerpoint/2010/main" val="2017548802"/>
-              </p:ext>
-            </p:extLst>
-          </p:nvPr>
-        </p:nvGraphicFramePr>
-        <p:xfrm>
-          <a:off x="839788" y="1690688"/>
-          <a:ext cx="5157787" cy="4498975"/>
-        </p:xfrm>
-        <a:graphic>
-          <a:graphicData uri="http://schemas.openxmlformats.org/drawingml/2006/diagram">
-            <dgm:relIds xmlns:dgm="http://schemas.openxmlformats.org/drawingml/2006/diagram" xmlns:r="http://schemas.openxmlformats.org/officeDocument/2006/relationships" r:dm="rId2" r:lo="rId3" r:qs="rId4" r:cs="rId5"/>
-          </a:graphicData>
-        </a:graphic>
-      </p:graphicFrame>
-      <p:graphicFrame>
-        <p:nvGraphicFramePr>
-          <p:cNvPr id="12" name="Inhaltsplatzhalter 10">
-            <a:extLst>
-              <a:ext uri="{FF2B5EF4-FFF2-40B4-BE49-F238E27FC236}">
-                <a16:creationId xmlns:a16="http://schemas.microsoft.com/office/drawing/2014/main" id="{511CFEA1-0348-411A-81AF-FDFD8B3EA977}"/>
-              </a:ext>
-            </a:extLst>
-          </p:cNvPr>
-          <p:cNvGraphicFramePr>
-            <a:graphicFrameLocks noGrp="1"/>
-          </p:cNvGraphicFramePr>
-          <p:nvPr>
-            <p:ph sz="quarter" idx="4"/>
-            <p:extLst>
-              <p:ext uri="{D42A27DB-BD31-4B8C-83A1-F6EECF244321}">
-                <p14:modId xmlns:p14="http://schemas.microsoft.com/office/powerpoint/2010/main" val="1352159826"/>
-              </p:ext>
-            </p:extLst>
-          </p:nvPr>
-        </p:nvGraphicFramePr>
-        <p:xfrm>
-          <a:off x="6172200" y="1690688"/>
-          <a:ext cx="5183188" cy="4498975"/>
-        </p:xfrm>
-        <a:graphic>
-          <a:graphicData uri="http://schemas.openxmlformats.org/drawingml/2006/diagram">
-            <dgm:relIds xmlns:dgm="http://schemas.openxmlformats.org/drawingml/2006/diagram" xmlns:r="http://schemas.openxmlformats.org/officeDocument/2006/relationships" r:dm="rId7" r:lo="rId8" r:qs="rId9" r:cs="rId10"/>
-          </a:graphicData>
-        </a:graphic>
-      </p:graphicFrame>
-      <p:cxnSp>
-        <p:nvCxnSpPr>
-          <p:cNvPr id="14" name="Gerade Verbindung mit Pfeil 13">
-            <a:extLst>
-              <a:ext uri="{FF2B5EF4-FFF2-40B4-BE49-F238E27FC236}">
-                <a16:creationId xmlns:a16="http://schemas.microsoft.com/office/drawing/2014/main" id="{4E94D5E6-3EF7-4551-A644-ECB707AF1CEA}"/>
-              </a:ext>
-            </a:extLst>
-          </p:cNvPr>
-          <p:cNvCxnSpPr>
-            <a:cxnSpLocks/>
-          </p:cNvCxnSpPr>
-          <p:nvPr/>
-        </p:nvCxnSpPr>
-        <p:spPr>
-          <a:xfrm>
-            <a:off x="4108784" y="2442411"/>
-            <a:ext cx="3368842" cy="0"/>
-          </a:xfrm>
-          <a:prstGeom prst="straightConnector1">
-            <a:avLst/>
-          </a:prstGeom>
-          <a:ln>
-            <a:tailEnd type="triangle"/>
-          </a:ln>
-        </p:spPr>
-        <p:style>
-          <a:lnRef idx="1">
-            <a:schemeClr val="accent1"/>
-          </a:lnRef>
-          <a:fillRef idx="0">
-            <a:schemeClr val="accent1"/>
-          </a:fillRef>
-          <a:effectRef idx="0">
-            <a:schemeClr val="accent1"/>
-          </a:effectRef>
-          <a:fontRef idx="minor">
-            <a:schemeClr val="tx1"/>
-          </a:fontRef>
-        </p:style>
-      </p:cxnSp>
-    </p:spTree>
-    <p:extLst>
-      <p:ext uri="{BB962C8B-B14F-4D97-AF65-F5344CB8AC3E}">
-        <p14:creationId xmlns:p14="http://schemas.microsoft.com/office/powerpoint/2010/main" val="975902923"/>
-      </p:ext>
-    </p:extLst>
-  </p:cSld>
-  <p:clrMapOvr>
-    <a:masterClrMapping/>
-  </p:clrMapOvr>
-</p:sld>
-</file>
-
-<file path=ppt/slides/slide7.xml><?xml version="1.0" encoding="utf-8"?>
-<p:sld xmlns:a="http://schemas.openxmlformats.org/drawingml/2006/main" xmlns:r="http://schemas.openxmlformats.org/officeDocument/2006/relationships" xmlns:p="http://schemas.openxmlformats.org/presentationml/2006/main">
-  <p:cSld>
-    <p:spTree>
-      <p:nvGrpSpPr>
-        <p:cNvPr id="1" name=""/>
-        <p:cNvGrpSpPr/>
-        <p:nvPr/>
-      </p:nvGrpSpPr>
-      <p:grpSpPr>
-        <a:xfrm>
-          <a:off x="0" y="0"/>
-          <a:ext cx="0" cy="0"/>
-          <a:chOff x="0" y="0"/>
-          <a:chExt cx="0" cy="0"/>
-        </a:xfrm>
-      </p:grpSpPr>
-      <p:sp>
-        <p:nvSpPr>
-          <p:cNvPr id="2" name="Titel 1">
-            <a:extLst>
-              <a:ext uri="{FF2B5EF4-FFF2-40B4-BE49-F238E27FC236}">
-                <a16:creationId xmlns:a16="http://schemas.microsoft.com/office/drawing/2014/main" id="{84ADEA42-9747-4E2A-A70E-0E11D420786D}"/>
-              </a:ext>
-            </a:extLst>
-          </p:cNvPr>
-          <p:cNvSpPr>
-            <a:spLocks noGrp="1"/>
-          </p:cNvSpPr>
-          <p:nvPr>
-            <p:ph type="title"/>
-          </p:nvPr>
-        </p:nvSpPr>
-        <p:spPr/>
-        <p:txBody>
-          <a:bodyPr/>
-          <a:lstStyle/>
-          <a:p>
-            <a:r>
-              <a:rPr lang="de-DE" dirty="0"/>
-              <a:t>Microservice Environment</a:t>
-            </a:r>
-          </a:p>
-        </p:txBody>
-      </p:sp>
-      <p:sp>
-        <p:nvSpPr>
-          <p:cNvPr id="3" name="Inhaltsplatzhalter 2">
-            <a:extLst>
-              <a:ext uri="{FF2B5EF4-FFF2-40B4-BE49-F238E27FC236}">
-                <a16:creationId xmlns:a16="http://schemas.microsoft.com/office/drawing/2014/main" id="{D4AE9D88-8820-4E98-B6BB-70B33511C232}"/>
-              </a:ext>
-            </a:extLst>
-          </p:cNvPr>
-          <p:cNvSpPr>
-            <a:spLocks noGrp="1"/>
-          </p:cNvSpPr>
-          <p:nvPr>
-            <p:ph idx="1"/>
-          </p:nvPr>
-        </p:nvSpPr>
-        <p:spPr/>
-        <p:txBody>
-          <a:bodyPr/>
-          <a:lstStyle/>
-          <a:p>
-            <a:endParaRPr lang="de-DE"/>
-          </a:p>
-        </p:txBody>
-      </p:sp>
-    </p:spTree>
-    <p:extLst>
-      <p:ext uri="{BB962C8B-B14F-4D97-AF65-F5344CB8AC3E}">
-        <p14:creationId xmlns:p14="http://schemas.microsoft.com/office/powerpoint/2010/main" val="171171406"/>
-      </p:ext>
-    </p:extLst>
-  </p:cSld>
-  <p:clrMapOvr>
-    <a:masterClrMapping/>
-  </p:clrMapOvr>
-</p:sld>
-</file>
-
-<file path=ppt/slides/slide8.xml><?xml version="1.0" encoding="utf-8"?>
-<p:sld xmlns:a="http://schemas.openxmlformats.org/drawingml/2006/main" xmlns:r="http://schemas.openxmlformats.org/officeDocument/2006/relationships" xmlns:p="http://schemas.openxmlformats.org/presentationml/2006/main">
-  <p:cSld>
-    <p:spTree>
-      <p:nvGrpSpPr>
-        <p:cNvPr id="1" name=""/>
-        <p:cNvGrpSpPr/>
-        <p:nvPr/>
-      </p:nvGrpSpPr>
-      <p:grpSpPr>
-        <a:xfrm>
-          <a:off x="0" y="0"/>
-          <a:ext cx="0" cy="0"/>
-          <a:chOff x="0" y="0"/>
-          <a:chExt cx="0" cy="0"/>
-        </a:xfrm>
-      </p:grpSpPr>
-      <p:sp>
-        <p:nvSpPr>
-          <p:cNvPr id="4" name="Titel 3">
-            <a:extLst>
-              <a:ext uri="{FF2B5EF4-FFF2-40B4-BE49-F238E27FC236}">
-                <a16:creationId xmlns:a16="http://schemas.microsoft.com/office/drawing/2014/main" id="{1D3781FB-BABD-44FA-B027-71F4451159F7}"/>
-              </a:ext>
-            </a:extLst>
-          </p:cNvPr>
-          <p:cNvSpPr>
-            <a:spLocks noGrp="1"/>
-          </p:cNvSpPr>
-          <p:nvPr>
-            <p:ph type="title"/>
-          </p:nvPr>
-        </p:nvSpPr>
-        <p:spPr/>
-        <p:txBody>
-          <a:bodyPr/>
-          <a:lstStyle/>
-          <a:p>
-            <a:r>
-              <a:rPr lang="de-DE" dirty="0"/>
-              <a:t>Provider </a:t>
-            </a:r>
-            <a:r>
-              <a:rPr lang="de-DE" dirty="0" err="1"/>
-              <a:t>vs</a:t>
-            </a:r>
-            <a:r>
-              <a:rPr lang="de-DE" dirty="0"/>
-              <a:t> Consumer </a:t>
-            </a:r>
-            <a:r>
-              <a:rPr lang="de-DE" dirty="0" err="1"/>
-              <a:t>Contracts</a:t>
-            </a:r>
-            <a:endParaRPr lang="de-DE" dirty="0"/>
-          </a:p>
-        </p:txBody>
-      </p:sp>
-      <p:sp>
-        <p:nvSpPr>
-          <p:cNvPr id="2" name="Textplatzhalter 1">
-            <a:extLst>
-              <a:ext uri="{FF2B5EF4-FFF2-40B4-BE49-F238E27FC236}">
-                <a16:creationId xmlns:a16="http://schemas.microsoft.com/office/drawing/2014/main" id="{19A1BB37-A968-4A87-86CC-B4BB3217E906}"/>
-              </a:ext>
-            </a:extLst>
-          </p:cNvPr>
-          <p:cNvSpPr>
-            <a:spLocks noGrp="1"/>
-          </p:cNvSpPr>
-          <p:nvPr>
-            <p:ph type="body" idx="1"/>
-          </p:nvPr>
-        </p:nvSpPr>
-        <p:spPr/>
-        <p:txBody>
-          <a:bodyPr/>
-          <a:lstStyle/>
-          <a:p>
-            <a:r>
-              <a:rPr lang="de-DE" dirty="0"/>
-              <a:t>Provider </a:t>
-            </a:r>
-            <a:r>
-              <a:rPr lang="de-DE" dirty="0" err="1"/>
-              <a:t>Contracts</a:t>
-            </a:r>
-            <a:endParaRPr lang="de-DE" dirty="0"/>
-          </a:p>
-        </p:txBody>
-      </p:sp>
-      <p:sp>
-        <p:nvSpPr>
-          <p:cNvPr id="5" name="Inhaltsplatzhalter 4">
-            <a:extLst>
-              <a:ext uri="{FF2B5EF4-FFF2-40B4-BE49-F238E27FC236}">
-                <a16:creationId xmlns:a16="http://schemas.microsoft.com/office/drawing/2014/main" id="{A7C82C11-6352-488D-9F95-D94F8487686E}"/>
-              </a:ext>
-            </a:extLst>
-          </p:cNvPr>
-          <p:cNvSpPr>
-            <a:spLocks noGrp="1"/>
-          </p:cNvSpPr>
-          <p:nvPr>
-            <p:ph sz="half" idx="2"/>
-          </p:nvPr>
-        </p:nvSpPr>
-        <p:spPr/>
-        <p:txBody>
-          <a:bodyPr/>
-          <a:lstStyle/>
-          <a:p>
-            <a:r>
-              <a:rPr lang="de-DE" dirty="0"/>
-              <a:t>Publish interface</a:t>
-            </a:r>
-          </a:p>
-          <a:p>
-            <a:r>
-              <a:rPr lang="de-DE" dirty="0" err="1"/>
-              <a:t>Usage</a:t>
-            </a:r>
-            <a:r>
-              <a:rPr lang="de-DE" dirty="0"/>
-              <a:t> </a:t>
-            </a:r>
-            <a:r>
-              <a:rPr lang="de-DE" dirty="0" err="1"/>
-              <a:t>unknown</a:t>
-            </a:r>
-            <a:endParaRPr lang="de-DE" dirty="0"/>
-          </a:p>
-        </p:txBody>
-      </p:sp>
-      <p:sp>
-        <p:nvSpPr>
-          <p:cNvPr id="3" name="Textplatzhalter 2">
-            <a:extLst>
-              <a:ext uri="{FF2B5EF4-FFF2-40B4-BE49-F238E27FC236}">
-                <a16:creationId xmlns:a16="http://schemas.microsoft.com/office/drawing/2014/main" id="{7B486FB1-6155-4B48-B514-E90B972BAD5F}"/>
-              </a:ext>
-            </a:extLst>
-          </p:cNvPr>
-          <p:cNvSpPr>
-            <a:spLocks noGrp="1"/>
-          </p:cNvSpPr>
-          <p:nvPr>
-            <p:ph type="body" sz="quarter" idx="3"/>
-          </p:nvPr>
-        </p:nvSpPr>
-        <p:spPr/>
-        <p:txBody>
-          <a:bodyPr/>
-          <a:lstStyle/>
-          <a:p>
-            <a:r>
-              <a:rPr lang="de-DE" dirty="0"/>
-              <a:t>Consumer </a:t>
-            </a:r>
-            <a:r>
-              <a:rPr lang="de-DE" dirty="0" err="1"/>
-              <a:t>Contracts</a:t>
-            </a:r>
-            <a:endParaRPr lang="de-DE" dirty="0"/>
-          </a:p>
-        </p:txBody>
-      </p:sp>
-      <p:sp>
-        <p:nvSpPr>
-          <p:cNvPr id="6" name="Inhaltsplatzhalter 5">
-            <a:extLst>
-              <a:ext uri="{FF2B5EF4-FFF2-40B4-BE49-F238E27FC236}">
-                <a16:creationId xmlns:a16="http://schemas.microsoft.com/office/drawing/2014/main" id="{FD008E74-A714-4338-A2DB-265070AD7935}"/>
-              </a:ext>
-            </a:extLst>
-          </p:cNvPr>
-          <p:cNvSpPr>
-            <a:spLocks noGrp="1"/>
-          </p:cNvSpPr>
-          <p:nvPr>
-            <p:ph sz="quarter" idx="4"/>
-          </p:nvPr>
-        </p:nvSpPr>
-        <p:spPr/>
-        <p:txBody>
-          <a:bodyPr/>
-          <a:lstStyle/>
-          <a:p>
-            <a:r>
-              <a:rPr lang="de-DE" dirty="0"/>
-              <a:t>Publish </a:t>
-            </a:r>
-            <a:r>
-              <a:rPr lang="de-DE" dirty="0" err="1"/>
-              <a:t>requirements</a:t>
-            </a:r>
-            <a:endParaRPr lang="de-DE" dirty="0"/>
-          </a:p>
-          <a:p>
-            <a:endParaRPr lang="de-DE" dirty="0"/>
-          </a:p>
-          <a:p>
-            <a:endParaRPr lang="de-DE" dirty="0"/>
-          </a:p>
-          <a:p>
-            <a:endParaRPr lang="de-DE" dirty="0"/>
-          </a:p>
-        </p:txBody>
-      </p:sp>
-    </p:spTree>
-    <p:extLst>
-      <p:ext uri="{BB962C8B-B14F-4D97-AF65-F5344CB8AC3E}">
-        <p14:creationId xmlns:p14="http://schemas.microsoft.com/office/powerpoint/2010/main" val="2121595353"/>
-      </p:ext>
-    </p:extLst>
-  </p:cSld>
-  <p:clrMapOvr>
-    <a:masterClrMapping/>
-  </p:clrMapOvr>
-</p:sld>
-</file>
-
-<file path=ppt/slides/slide9.xml><?xml version="1.0" encoding="utf-8"?>
-<p:sld xmlns:a="http://schemas.openxmlformats.org/drawingml/2006/main" xmlns:r="http://schemas.openxmlformats.org/officeDocument/2006/relationships" xmlns:p="http://schemas.openxmlformats.org/presentationml/2006/main">
-  <p:cSld>
-    <p:spTree>
-      <p:nvGrpSpPr>
-        <p:cNvPr id="1" name=""/>
-        <p:cNvGrpSpPr/>
-        <p:nvPr/>
-      </p:nvGrpSpPr>
-      <p:grpSpPr>
-        <a:xfrm>
-          <a:off x="0" y="0"/>
-          <a:ext cx="0" cy="0"/>
-          <a:chOff x="0" y="0"/>
-          <a:chExt cx="0" cy="0"/>
-        </a:xfrm>
-      </p:grpSpPr>
-      <p:sp>
-        <p:nvSpPr>
-          <p:cNvPr id="2" name="Titel 1">
-            <a:extLst>
-              <a:ext uri="{FF2B5EF4-FFF2-40B4-BE49-F238E27FC236}">
-                <a16:creationId xmlns:a16="http://schemas.microsoft.com/office/drawing/2014/main" id="{FAF3FD20-86FD-4040-802C-D49A940D192F}"/>
-              </a:ext>
-            </a:extLst>
-          </p:cNvPr>
-          <p:cNvSpPr>
-            <a:spLocks noGrp="1"/>
-          </p:cNvSpPr>
-          <p:nvPr>
-            <p:ph type="title"/>
-          </p:nvPr>
-        </p:nvSpPr>
-        <p:spPr/>
-        <p:txBody>
-          <a:bodyPr/>
-          <a:lstStyle/>
-          <a:p>
-            <a:r>
-              <a:rPr lang="de-DE" dirty="0"/>
-              <a:t>Consumer Driven </a:t>
-            </a:r>
-            <a:r>
-              <a:rPr lang="de-DE" dirty="0" err="1"/>
-              <a:t>Contracts</a:t>
-            </a:r>
-            <a:endParaRPr lang="de-DE" dirty="0"/>
-          </a:p>
-        </p:txBody>
-      </p:sp>
-      <p:sp>
-        <p:nvSpPr>
-          <p:cNvPr id="3" name="Inhaltsplatzhalter 2">
-            <a:extLst>
-              <a:ext uri="{FF2B5EF4-FFF2-40B4-BE49-F238E27FC236}">
-                <a16:creationId xmlns:a16="http://schemas.microsoft.com/office/drawing/2014/main" id="{AF58BD0A-7814-4A83-A63C-05342AB38075}"/>
-              </a:ext>
-            </a:extLst>
-          </p:cNvPr>
-          <p:cNvSpPr>
-            <a:spLocks noGrp="1"/>
-          </p:cNvSpPr>
-          <p:nvPr>
-            <p:ph sz="half" idx="1"/>
-          </p:nvPr>
-        </p:nvSpPr>
-        <p:spPr/>
-        <p:txBody>
-          <a:bodyPr/>
-          <a:lstStyle/>
-          <a:p>
-            <a:r>
-              <a:rPr lang="de-DE" dirty="0"/>
-              <a:t>Consumer </a:t>
-            </a:r>
-            <a:r>
-              <a:rPr lang="de-DE" dirty="0" err="1"/>
-              <a:t>specifies</a:t>
-            </a:r>
-            <a:r>
-              <a:rPr lang="de-DE" dirty="0"/>
-              <a:t> </a:t>
-            </a:r>
-            <a:r>
-              <a:rPr lang="de-DE" dirty="0" err="1"/>
-              <a:t>its</a:t>
-            </a:r>
-            <a:r>
-              <a:rPr lang="de-DE" dirty="0"/>
-              <a:t> </a:t>
-            </a:r>
-            <a:r>
-              <a:rPr lang="de-DE" dirty="0" err="1"/>
-              <a:t>requirements</a:t>
-            </a:r>
-            <a:endParaRPr lang="de-DE" dirty="0"/>
-          </a:p>
-          <a:p>
-            <a:r>
-              <a:rPr lang="de-DE" dirty="0"/>
-              <a:t>Provider </a:t>
-            </a:r>
-            <a:r>
-              <a:rPr lang="de-DE" dirty="0" err="1"/>
-              <a:t>implements</a:t>
-            </a:r>
-            <a:r>
-              <a:rPr lang="de-DE" dirty="0"/>
-              <a:t> </a:t>
-            </a:r>
-            <a:r>
-              <a:rPr lang="de-DE" dirty="0" err="1"/>
-              <a:t>the</a:t>
-            </a:r>
-            <a:r>
-              <a:rPr lang="de-DE" dirty="0"/>
-              <a:t> </a:t>
-            </a:r>
-            <a:r>
-              <a:rPr lang="de-DE" dirty="0" err="1"/>
-              <a:t>requirements</a:t>
-            </a:r>
-            <a:endParaRPr lang="de-DE" dirty="0"/>
-          </a:p>
-          <a:p>
-            <a:pPr lvl="1"/>
-            <a:r>
-              <a:rPr lang="de-DE" dirty="0"/>
-              <a:t>Focus on </a:t>
-            </a:r>
-            <a:r>
-              <a:rPr lang="de-DE" dirty="0" err="1"/>
-              <a:t>business</a:t>
-            </a:r>
-            <a:r>
-              <a:rPr lang="de-DE" dirty="0"/>
-              <a:t> </a:t>
-            </a:r>
-            <a:r>
-              <a:rPr lang="de-DE" dirty="0" err="1"/>
-              <a:t>value</a:t>
-            </a:r>
-            <a:endParaRPr lang="de-DE" dirty="0"/>
-          </a:p>
-          <a:p>
-            <a:pPr lvl="1"/>
-            <a:r>
-              <a:rPr lang="de-DE" dirty="0" err="1"/>
-              <a:t>Only</a:t>
-            </a:r>
-            <a:r>
-              <a:rPr lang="de-DE" dirty="0"/>
-              <a:t> </a:t>
-            </a:r>
-            <a:r>
-              <a:rPr lang="de-DE" dirty="0" err="1"/>
-              <a:t>build</a:t>
-            </a:r>
-            <a:r>
-              <a:rPr lang="de-DE" dirty="0"/>
-              <a:t> </a:t>
-            </a:r>
-            <a:r>
-              <a:rPr lang="de-DE" dirty="0" err="1"/>
-              <a:t>what</a:t>
-            </a:r>
-            <a:r>
-              <a:rPr lang="de-DE" dirty="0"/>
-              <a:t> </a:t>
-            </a:r>
-            <a:r>
-              <a:rPr lang="de-DE" dirty="0" err="1"/>
-              <a:t>is</a:t>
-            </a:r>
-            <a:r>
-              <a:rPr lang="de-DE" dirty="0"/>
-              <a:t> </a:t>
-            </a:r>
-            <a:r>
-              <a:rPr lang="de-DE" dirty="0" err="1"/>
-              <a:t>really</a:t>
-            </a:r>
-            <a:r>
-              <a:rPr lang="de-DE" dirty="0"/>
-              <a:t> </a:t>
-            </a:r>
-            <a:r>
-              <a:rPr lang="de-DE" dirty="0" err="1"/>
-              <a:t>needed</a:t>
-            </a:r>
-            <a:endParaRPr lang="de-DE" dirty="0"/>
-          </a:p>
-          <a:p>
-            <a:pPr lvl="1"/>
-            <a:r>
-              <a:rPr lang="de-DE" dirty="0" err="1"/>
-              <a:t>No</a:t>
-            </a:r>
-            <a:r>
-              <a:rPr lang="de-DE" dirty="0"/>
-              <a:t> </a:t>
-            </a:r>
-            <a:r>
-              <a:rPr lang="de-DE" dirty="0" err="1"/>
-              <a:t>assumptions</a:t>
-            </a:r>
-            <a:r>
-              <a:rPr lang="de-DE" dirty="0"/>
-              <a:t> </a:t>
-            </a:r>
-            <a:r>
-              <a:rPr lang="de-DE" dirty="0" err="1"/>
-              <a:t>made</a:t>
-            </a:r>
-            <a:endParaRPr lang="de-DE" dirty="0"/>
-          </a:p>
-          <a:p>
-            <a:r>
-              <a:rPr lang="de-DE" dirty="0"/>
-              <a:t>All </a:t>
-            </a:r>
-            <a:r>
-              <a:rPr lang="de-DE" dirty="0" err="1"/>
-              <a:t>requirements</a:t>
-            </a:r>
-            <a:r>
-              <a:rPr lang="de-DE" dirty="0"/>
-              <a:t> </a:t>
-            </a:r>
-            <a:r>
-              <a:rPr lang="de-DE" dirty="0" err="1"/>
-              <a:t>of</a:t>
-            </a:r>
-            <a:r>
-              <a:rPr lang="de-DE" dirty="0"/>
-              <a:t> all </a:t>
-            </a:r>
-            <a:r>
-              <a:rPr lang="de-DE" dirty="0" err="1"/>
-              <a:t>known</a:t>
-            </a:r>
-            <a:r>
-              <a:rPr lang="de-DE" dirty="0"/>
-              <a:t> </a:t>
-            </a:r>
-            <a:r>
-              <a:rPr lang="de-DE" dirty="0" err="1"/>
-              <a:t>consumers</a:t>
-            </a:r>
-            <a:r>
-              <a:rPr lang="de-DE" dirty="0"/>
-              <a:t> </a:t>
-            </a:r>
-            <a:r>
-              <a:rPr lang="de-DE" dirty="0" err="1"/>
-              <a:t>construct</a:t>
-            </a:r>
-            <a:r>
-              <a:rPr lang="de-DE" dirty="0"/>
-              <a:t> </a:t>
-            </a:r>
-            <a:r>
-              <a:rPr lang="de-DE" dirty="0" err="1"/>
-              <a:t>the</a:t>
-            </a:r>
-            <a:r>
-              <a:rPr lang="de-DE" dirty="0"/>
-              <a:t> </a:t>
-            </a:r>
-            <a:r>
-              <a:rPr lang="de-DE" dirty="0" err="1"/>
-              <a:t>provider‘s</a:t>
-            </a:r>
-            <a:r>
-              <a:rPr lang="de-DE" dirty="0"/>
-              <a:t> API</a:t>
-            </a:r>
-          </a:p>
-          <a:p>
-            <a:endParaRPr lang="de-DE" dirty="0"/>
-          </a:p>
-        </p:txBody>
-      </p:sp>
-      <p:sp>
-        <p:nvSpPr>
-          <p:cNvPr id="4" name="Inhaltsplatzhalter 3">
-            <a:extLst>
-              <a:ext uri="{FF2B5EF4-FFF2-40B4-BE49-F238E27FC236}">
-                <a16:creationId xmlns:a16="http://schemas.microsoft.com/office/drawing/2014/main" id="{33FD535A-D6BA-4519-BA4C-D894304B1D3D}"/>
-              </a:ext>
-            </a:extLst>
-          </p:cNvPr>
-          <p:cNvSpPr>
-            <a:spLocks noGrp="1"/>
-          </p:cNvSpPr>
-          <p:nvPr>
-            <p:ph sz="half" idx="2"/>
-          </p:nvPr>
-        </p:nvSpPr>
-        <p:spPr/>
-        <p:txBody>
-          <a:bodyPr/>
-          <a:lstStyle/>
-          <a:p>
-            <a:endParaRPr lang="de-DE" dirty="0"/>
-          </a:p>
-        </p:txBody>
-      </p:sp>
-      <p:sp>
-        <p:nvSpPr>
-          <p:cNvPr id="5" name="Rechteck 4">
-            <a:extLst>
-              <a:ext uri="{FF2B5EF4-FFF2-40B4-BE49-F238E27FC236}">
-                <a16:creationId xmlns:a16="http://schemas.microsoft.com/office/drawing/2014/main" id="{19AB0C09-7DC2-4613-A7A4-7A3A5BFA81F2}"/>
-              </a:ext>
-            </a:extLst>
-          </p:cNvPr>
-          <p:cNvSpPr/>
-          <p:nvPr/>
-        </p:nvSpPr>
-        <p:spPr>
-          <a:xfrm>
-            <a:off x="7898732" y="5654842"/>
-            <a:ext cx="1724528" cy="522121"/>
-          </a:xfrm>
-          <a:prstGeom prst="rect">
-            <a:avLst/>
-          </a:prstGeom>
-        </p:spPr>
-        <p:style>
-          <a:lnRef idx="2">
-            <a:schemeClr val="accent1">
-              <a:shade val="50000"/>
-            </a:schemeClr>
-          </a:lnRef>
-          <a:fillRef idx="1">
-            <a:schemeClr val="accent1"/>
-          </a:fillRef>
-          <a:effectRef idx="0">
-            <a:schemeClr val="accent1"/>
-          </a:effectRef>
-          <a:fontRef idx="minor">
-            <a:schemeClr val="lt1"/>
-          </a:fontRef>
-        </p:style>
-        <p:txBody>
-          <a:bodyPr rtlCol="0" anchor="ctr"/>
-          <a:lstStyle/>
-          <a:p>
-            <a:pPr algn="ctr"/>
-            <a:r>
-              <a:rPr lang="de-DE" dirty="0"/>
-              <a:t>Provider</a:t>
-            </a:r>
-          </a:p>
-        </p:txBody>
-      </p:sp>
-      <p:sp>
-        <p:nvSpPr>
-          <p:cNvPr id="6" name="Ellipse 5">
-            <a:extLst>
-              <a:ext uri="{FF2B5EF4-FFF2-40B4-BE49-F238E27FC236}">
-                <a16:creationId xmlns:a16="http://schemas.microsoft.com/office/drawing/2014/main" id="{929A9209-0F23-4DD7-B706-24F7DE8FF788}"/>
-              </a:ext>
-            </a:extLst>
-          </p:cNvPr>
-          <p:cNvSpPr/>
-          <p:nvPr/>
-        </p:nvSpPr>
-        <p:spPr>
-          <a:xfrm>
-            <a:off x="6306553" y="2542903"/>
-            <a:ext cx="1636295" cy="637674"/>
-          </a:xfrm>
-          <a:prstGeom prst="ellipse">
-            <a:avLst/>
-          </a:prstGeom>
-        </p:spPr>
-        <p:style>
-          <a:lnRef idx="2">
-            <a:schemeClr val="accent2">
-              <a:shade val="50000"/>
-            </a:schemeClr>
-          </a:lnRef>
-          <a:fillRef idx="1">
-            <a:schemeClr val="accent2"/>
-          </a:fillRef>
-          <a:effectRef idx="0">
-            <a:schemeClr val="accent2"/>
-          </a:effectRef>
-          <a:fontRef idx="minor">
-            <a:schemeClr val="lt1"/>
-          </a:fontRef>
-        </p:style>
-        <p:txBody>
-          <a:bodyPr rtlCol="0" anchor="ctr"/>
-          <a:lstStyle/>
-          <a:p>
-            <a:pPr algn="ctr"/>
-            <a:r>
-              <a:rPr lang="de-DE" dirty="0"/>
-              <a:t>Consumer 1</a:t>
-            </a:r>
-          </a:p>
-        </p:txBody>
-      </p:sp>
-      <p:sp>
-        <p:nvSpPr>
-          <p:cNvPr id="7" name="Ellipse 6">
-            <a:extLst>
-              <a:ext uri="{FF2B5EF4-FFF2-40B4-BE49-F238E27FC236}">
-                <a16:creationId xmlns:a16="http://schemas.microsoft.com/office/drawing/2014/main" id="{300A0BC0-D4DE-475D-A772-66A58AA7F882}"/>
-              </a:ext>
-            </a:extLst>
-          </p:cNvPr>
-          <p:cNvSpPr/>
-          <p:nvPr/>
-        </p:nvSpPr>
-        <p:spPr>
-          <a:xfrm>
-            <a:off x="9579143" y="2538088"/>
-            <a:ext cx="1636295" cy="637674"/>
-          </a:xfrm>
-          <a:prstGeom prst="ellipse">
-            <a:avLst/>
-          </a:prstGeom>
-        </p:spPr>
-        <p:style>
-          <a:lnRef idx="2">
-            <a:schemeClr val="accent2">
-              <a:shade val="50000"/>
-            </a:schemeClr>
-          </a:lnRef>
-          <a:fillRef idx="1">
-            <a:schemeClr val="accent2"/>
-          </a:fillRef>
-          <a:effectRef idx="0">
-            <a:schemeClr val="accent2"/>
-          </a:effectRef>
-          <a:fontRef idx="minor">
-            <a:schemeClr val="lt1"/>
-          </a:fontRef>
-        </p:style>
-        <p:txBody>
-          <a:bodyPr rtlCol="0" anchor="ctr"/>
-          <a:lstStyle/>
-          <a:p>
-            <a:pPr algn="ctr"/>
-            <a:r>
-              <a:rPr lang="de-DE" dirty="0"/>
-              <a:t>Consumer 3</a:t>
-            </a:r>
-          </a:p>
-        </p:txBody>
-      </p:sp>
-      <p:sp>
-        <p:nvSpPr>
-          <p:cNvPr id="8" name="Ellipse 7">
-            <a:extLst>
-              <a:ext uri="{FF2B5EF4-FFF2-40B4-BE49-F238E27FC236}">
-                <a16:creationId xmlns:a16="http://schemas.microsoft.com/office/drawing/2014/main" id="{F58B908D-F963-4000-BD95-DDCC3B688230}"/>
-              </a:ext>
-            </a:extLst>
-          </p:cNvPr>
-          <p:cNvSpPr/>
-          <p:nvPr/>
-        </p:nvSpPr>
-        <p:spPr>
-          <a:xfrm>
-            <a:off x="7942848" y="1962003"/>
-            <a:ext cx="1636295" cy="637674"/>
-          </a:xfrm>
-          <a:prstGeom prst="ellipse">
-            <a:avLst/>
-          </a:prstGeom>
-        </p:spPr>
-        <p:style>
-          <a:lnRef idx="2">
-            <a:schemeClr val="accent2">
-              <a:shade val="50000"/>
-            </a:schemeClr>
-          </a:lnRef>
-          <a:fillRef idx="1">
-            <a:schemeClr val="accent2"/>
-          </a:fillRef>
-          <a:effectRef idx="0">
-            <a:schemeClr val="accent2"/>
-          </a:effectRef>
-          <a:fontRef idx="minor">
-            <a:schemeClr val="lt1"/>
-          </a:fontRef>
-        </p:style>
-        <p:txBody>
-          <a:bodyPr rtlCol="0" anchor="ctr"/>
-          <a:lstStyle/>
-          <a:p>
-            <a:pPr algn="ctr"/>
-            <a:r>
-              <a:rPr lang="de-DE" dirty="0"/>
-              <a:t>Consumer 2</a:t>
-            </a:r>
-          </a:p>
-        </p:txBody>
-      </p:sp>
-      <p:cxnSp>
-        <p:nvCxnSpPr>
-          <p:cNvPr id="15" name="Gerade Verbindung mit Pfeil 14">
-            <a:extLst>
-              <a:ext uri="{FF2B5EF4-FFF2-40B4-BE49-F238E27FC236}">
-                <a16:creationId xmlns:a16="http://schemas.microsoft.com/office/drawing/2014/main" id="{E9689C40-828D-4AAD-9F23-F83C1664BBA3}"/>
-              </a:ext>
-            </a:extLst>
-          </p:cNvPr>
-          <p:cNvCxnSpPr>
-            <a:cxnSpLocks/>
-            <a:stCxn id="6" idx="4"/>
-            <a:endCxn id="5" idx="0"/>
-          </p:cNvCxnSpPr>
-          <p:nvPr/>
-        </p:nvCxnSpPr>
-        <p:spPr>
-          <a:xfrm>
-            <a:off x="7124701" y="3180577"/>
-            <a:ext cx="1636295" cy="2474265"/>
-          </a:xfrm>
-          <a:prstGeom prst="straightConnector1">
-            <a:avLst/>
-          </a:prstGeom>
-          <a:ln>
-            <a:tailEnd type="triangle"/>
-          </a:ln>
-        </p:spPr>
-        <p:style>
-          <a:lnRef idx="1">
-            <a:schemeClr val="accent1"/>
-          </a:lnRef>
-          <a:fillRef idx="0">
-            <a:schemeClr val="accent1"/>
-          </a:fillRef>
-          <a:effectRef idx="0">
-            <a:schemeClr val="accent1"/>
-          </a:effectRef>
-          <a:fontRef idx="minor">
-            <a:schemeClr val="tx1"/>
-          </a:fontRef>
-        </p:style>
-      </p:cxnSp>
-      <p:cxnSp>
-        <p:nvCxnSpPr>
-          <p:cNvPr id="17" name="Gerade Verbindung mit Pfeil 16">
-            <a:extLst>
-              <a:ext uri="{FF2B5EF4-FFF2-40B4-BE49-F238E27FC236}">
-                <a16:creationId xmlns:a16="http://schemas.microsoft.com/office/drawing/2014/main" id="{FAF57B89-D99F-4310-8E74-C88D834890C3}"/>
-              </a:ext>
-            </a:extLst>
-          </p:cNvPr>
-          <p:cNvCxnSpPr>
-            <a:cxnSpLocks/>
-            <a:stCxn id="8" idx="4"/>
-            <a:endCxn id="5" idx="0"/>
-          </p:cNvCxnSpPr>
-          <p:nvPr/>
-        </p:nvCxnSpPr>
-        <p:spPr>
-          <a:xfrm>
-            <a:off x="8760996" y="2599677"/>
-            <a:ext cx="0" cy="3055165"/>
-          </a:xfrm>
-          <a:prstGeom prst="straightConnector1">
-            <a:avLst/>
-          </a:prstGeom>
-          <a:ln>
-            <a:tailEnd type="triangle"/>
-          </a:ln>
-        </p:spPr>
-        <p:style>
-          <a:lnRef idx="1">
-            <a:schemeClr val="accent1"/>
-          </a:lnRef>
-          <a:fillRef idx="0">
-            <a:schemeClr val="accent1"/>
-          </a:fillRef>
-          <a:effectRef idx="0">
-            <a:schemeClr val="accent1"/>
-          </a:effectRef>
-          <a:fontRef idx="minor">
-            <a:schemeClr val="tx1"/>
-          </a:fontRef>
-        </p:style>
-      </p:cxnSp>
-      <p:cxnSp>
-        <p:nvCxnSpPr>
-          <p:cNvPr id="20" name="Gerade Verbindung mit Pfeil 19">
-            <a:extLst>
-              <a:ext uri="{FF2B5EF4-FFF2-40B4-BE49-F238E27FC236}">
-                <a16:creationId xmlns:a16="http://schemas.microsoft.com/office/drawing/2014/main" id="{2C4E1E27-72C9-4AD3-BEFD-72421FC55B31}"/>
-              </a:ext>
-            </a:extLst>
-          </p:cNvPr>
-          <p:cNvCxnSpPr>
-            <a:cxnSpLocks/>
-            <a:stCxn id="7" idx="3"/>
-            <a:endCxn id="5" idx="0"/>
-          </p:cNvCxnSpPr>
-          <p:nvPr/>
-        </p:nvCxnSpPr>
-        <p:spPr>
-          <a:xfrm flipH="1">
-            <a:off x="8760996" y="3082377"/>
-            <a:ext cx="1057777" cy="2572465"/>
-          </a:xfrm>
-          <a:prstGeom prst="straightConnector1">
-            <a:avLst/>
-          </a:prstGeom>
-          <a:ln>
-            <a:tailEnd type="triangle"/>
-          </a:ln>
-        </p:spPr>
-        <p:style>
-          <a:lnRef idx="1">
-            <a:schemeClr val="accent1"/>
-          </a:lnRef>
-          <a:fillRef idx="0">
-            <a:schemeClr val="accent1"/>
-          </a:fillRef>
-          <a:effectRef idx="0">
-            <a:schemeClr val="accent1"/>
-          </a:effectRef>
-          <a:fontRef idx="minor">
-            <a:schemeClr val="tx1"/>
-          </a:fontRef>
-        </p:style>
-      </p:cxnSp>
-      <p:sp>
-        <p:nvSpPr>
-          <p:cNvPr id="12" name="Textfeld 11">
-            <a:extLst>
-              <a:ext uri="{FF2B5EF4-FFF2-40B4-BE49-F238E27FC236}">
-                <a16:creationId xmlns:a16="http://schemas.microsoft.com/office/drawing/2014/main" id="{D2458A99-6067-445B-99C6-AA6DD9AFC083}"/>
-              </a:ext>
-            </a:extLst>
-          </p:cNvPr>
-          <p:cNvSpPr txBox="1"/>
-          <p:nvPr/>
-        </p:nvSpPr>
-        <p:spPr>
-          <a:xfrm>
-            <a:off x="8109192" y="2734614"/>
-            <a:ext cx="1303607" cy="584775"/>
-          </a:xfrm>
-          <a:prstGeom prst="rect">
-            <a:avLst/>
-          </a:prstGeom>
-          <a:solidFill>
-            <a:schemeClr val="accent1">
-              <a:lumMod val="20000"/>
-              <a:lumOff val="80000"/>
-            </a:schemeClr>
-          </a:solidFill>
-        </p:spPr>
-        <p:txBody>
-          <a:bodyPr wrap="square" rtlCol="0">
-            <a:spAutoFit/>
-          </a:bodyPr>
-          <a:lstStyle/>
-          <a:p>
-            <a:r>
-              <a:rPr lang="de-DE" sz="800" dirty="0"/>
-              <a:t>{</a:t>
-            </a:r>
-          </a:p>
-          <a:p>
-            <a:r>
-              <a:rPr lang="de-DE" sz="800" dirty="0"/>
-              <a:t>    "</a:t>
-            </a:r>
-            <a:r>
-              <a:rPr lang="de-DE" sz="800" dirty="0" err="1"/>
-              <a:t>id</a:t>
-            </a:r>
-            <a:r>
-              <a:rPr lang="de-DE" sz="800" dirty="0"/>
-              <a:t>": 123,</a:t>
-            </a:r>
-          </a:p>
-          <a:p>
-            <a:r>
-              <a:rPr lang="de-DE" sz="800" dirty="0"/>
-              <a:t>    "</a:t>
-            </a:r>
-            <a:r>
-              <a:rPr lang="de-DE" sz="800" dirty="0" err="1"/>
-              <a:t>ean</a:t>
-            </a:r>
-            <a:r>
-              <a:rPr lang="de-DE" sz="800" dirty="0"/>
-              <a:t>": "4044889002713"</a:t>
-            </a:r>
-          </a:p>
-          <a:p>
-            <a:r>
-              <a:rPr lang="de-DE" sz="800" dirty="0"/>
-              <a:t>}</a:t>
-            </a:r>
-          </a:p>
-        </p:txBody>
-      </p:sp>
-      <p:sp>
-        <p:nvSpPr>
-          <p:cNvPr id="13" name="Textfeld 12">
-            <a:extLst>
-              <a:ext uri="{FF2B5EF4-FFF2-40B4-BE49-F238E27FC236}">
-                <a16:creationId xmlns:a16="http://schemas.microsoft.com/office/drawing/2014/main" id="{C9A59E69-01C1-48B7-A518-2E2088A8F4C4}"/>
-              </a:ext>
-            </a:extLst>
-          </p:cNvPr>
-          <p:cNvSpPr txBox="1"/>
-          <p:nvPr/>
-        </p:nvSpPr>
-        <p:spPr>
-          <a:xfrm>
-            <a:off x="9623260" y="3266740"/>
-            <a:ext cx="1636295" cy="830997"/>
-          </a:xfrm>
-          <a:prstGeom prst="rect">
-            <a:avLst/>
-          </a:prstGeom>
-          <a:solidFill>
-            <a:schemeClr val="accent1">
-              <a:lumMod val="20000"/>
-              <a:lumOff val="80000"/>
-            </a:schemeClr>
-          </a:solidFill>
-        </p:spPr>
-        <p:txBody>
-          <a:bodyPr wrap="square" rtlCol="0">
-            <a:spAutoFit/>
-          </a:bodyPr>
-          <a:lstStyle/>
-          <a:p>
-            <a:r>
-              <a:rPr lang="de-DE" sz="800" dirty="0"/>
-              <a:t>{</a:t>
-            </a:r>
-          </a:p>
-          <a:p>
-            <a:r>
-              <a:rPr lang="de-DE" sz="800" dirty="0"/>
-              <a:t>    "</a:t>
-            </a:r>
-            <a:r>
-              <a:rPr lang="de-DE" sz="800" dirty="0" err="1"/>
-              <a:t>id</a:t>
-            </a:r>
-            <a:r>
-              <a:rPr lang="de-DE" sz="800" dirty="0"/>
-              <a:t>": 123,</a:t>
-            </a:r>
-          </a:p>
-          <a:p>
-            <a:r>
-              <a:rPr lang="de-DE" sz="800" dirty="0"/>
-              <a:t>    "</a:t>
-            </a:r>
-            <a:r>
-              <a:rPr lang="de-DE" sz="800" dirty="0" err="1"/>
-              <a:t>description</a:t>
-            </a:r>
-            <a:r>
-              <a:rPr lang="de-DE" sz="800" dirty="0"/>
-              <a:t>": "</a:t>
-            </a:r>
-            <a:r>
-              <a:rPr lang="de-DE" sz="800" dirty="0" err="1"/>
-              <a:t>Lorem</a:t>
-            </a:r>
-            <a:r>
-              <a:rPr lang="de-DE" sz="800" dirty="0"/>
-              <a:t> </a:t>
-            </a:r>
-            <a:r>
-              <a:rPr lang="de-DE" sz="800" dirty="0" err="1"/>
-              <a:t>ipsum</a:t>
-            </a:r>
-            <a:r>
-              <a:rPr lang="de-DE" sz="800" dirty="0"/>
-              <a:t>",</a:t>
-            </a:r>
-          </a:p>
-          <a:p>
-            <a:r>
-              <a:rPr lang="de-DE" sz="800" dirty="0"/>
-              <a:t>    "</a:t>
-            </a:r>
-            <a:r>
-              <a:rPr lang="de-DE" sz="800" dirty="0" err="1"/>
-              <a:t>lastModified</a:t>
-            </a:r>
-            <a:r>
-              <a:rPr lang="de-DE" sz="800" dirty="0"/>
-              <a:t>": </a:t>
-            </a:r>
-            <a:br>
-              <a:rPr lang="de-DE" sz="800" dirty="0"/>
-            </a:br>
-            <a:r>
-              <a:rPr lang="de-DE" sz="800" dirty="0"/>
-              <a:t>     "2019-04-15T15:00:00.000Z"</a:t>
-            </a:r>
-            <a:br>
-              <a:rPr lang="de-DE" sz="800" dirty="0"/>
-            </a:br>
-            <a:r>
-              <a:rPr lang="de-DE" sz="800" dirty="0"/>
-              <a:t>}</a:t>
-            </a:r>
-          </a:p>
-        </p:txBody>
-      </p:sp>
-      <p:sp>
-        <p:nvSpPr>
-          <p:cNvPr id="10" name="Textfeld 9">
-            <a:extLst>
-              <a:ext uri="{FF2B5EF4-FFF2-40B4-BE49-F238E27FC236}">
-                <a16:creationId xmlns:a16="http://schemas.microsoft.com/office/drawing/2014/main" id="{9F36A880-DF16-4DA7-A9FB-20D1E47E1C35}"/>
-              </a:ext>
-            </a:extLst>
-          </p:cNvPr>
-          <p:cNvSpPr txBox="1"/>
-          <p:nvPr/>
-        </p:nvSpPr>
-        <p:spPr>
-          <a:xfrm>
-            <a:off x="6472897" y="3300284"/>
-            <a:ext cx="1303606" cy="584775"/>
-          </a:xfrm>
-          <a:prstGeom prst="rect">
-            <a:avLst/>
-          </a:prstGeom>
-          <a:solidFill>
-            <a:schemeClr val="accent1">
-              <a:lumMod val="20000"/>
-              <a:lumOff val="80000"/>
-            </a:schemeClr>
-          </a:solidFill>
-        </p:spPr>
-        <p:txBody>
-          <a:bodyPr wrap="square" rtlCol="0">
-            <a:spAutoFit/>
-          </a:bodyPr>
-          <a:lstStyle/>
-          <a:p>
-            <a:r>
-              <a:rPr lang="de-DE" sz="800" dirty="0"/>
-              <a:t>{</a:t>
-            </a:r>
-          </a:p>
-          <a:p>
-            <a:r>
-              <a:rPr lang="de-DE" sz="800" dirty="0"/>
-              <a:t>    "</a:t>
-            </a:r>
-            <a:r>
-              <a:rPr lang="de-DE" sz="800" dirty="0" err="1"/>
-              <a:t>id</a:t>
-            </a:r>
-            <a:r>
-              <a:rPr lang="de-DE" sz="800" dirty="0"/>
-              <a:t>": 123,</a:t>
-            </a:r>
-          </a:p>
-          <a:p>
-            <a:r>
-              <a:rPr lang="de-DE" sz="800" dirty="0"/>
-              <a:t>    "</a:t>
-            </a:r>
-            <a:r>
-              <a:rPr lang="de-DE" sz="800" dirty="0" err="1"/>
-              <a:t>name</a:t>
-            </a:r>
-            <a:r>
-              <a:rPr lang="de-DE" sz="800" dirty="0"/>
-              <a:t>": "</a:t>
-            </a:r>
-            <a:r>
-              <a:rPr lang="de-DE" sz="800" dirty="0" err="1"/>
-              <a:t>Product</a:t>
-            </a:r>
-            <a:r>
-              <a:rPr lang="de-DE" sz="800" dirty="0"/>
-              <a:t> 1" </a:t>
-            </a:r>
-          </a:p>
-          <a:p>
-            <a:r>
-              <a:rPr lang="de-DE" sz="800" dirty="0"/>
-              <a:t>}</a:t>
-            </a:r>
-          </a:p>
-        </p:txBody>
-      </p:sp>
-      <p:sp>
-        <p:nvSpPr>
-          <p:cNvPr id="9" name="Textfeld 8">
-            <a:extLst>
-              <a:ext uri="{FF2B5EF4-FFF2-40B4-BE49-F238E27FC236}">
-                <a16:creationId xmlns:a16="http://schemas.microsoft.com/office/drawing/2014/main" id="{E7DC7D1E-D3D5-4777-B5DF-6AD97A3021E1}"/>
-              </a:ext>
-            </a:extLst>
-          </p:cNvPr>
-          <p:cNvSpPr txBox="1"/>
-          <p:nvPr/>
-        </p:nvSpPr>
-        <p:spPr>
-          <a:xfrm>
-            <a:off x="7678154" y="4458076"/>
-            <a:ext cx="2165684" cy="954107"/>
-          </a:xfrm>
-          <a:prstGeom prst="rect">
-            <a:avLst/>
-          </a:prstGeom>
-          <a:solidFill>
-            <a:schemeClr val="accent1">
-              <a:lumMod val="20000"/>
-              <a:lumOff val="80000"/>
-            </a:schemeClr>
-          </a:solidFill>
-        </p:spPr>
-        <p:txBody>
-          <a:bodyPr wrap="square" rtlCol="0">
-            <a:spAutoFit/>
-          </a:bodyPr>
-          <a:lstStyle/>
-          <a:p>
-            <a:r>
-              <a:rPr lang="de-DE" sz="800" dirty="0"/>
-              <a:t>{</a:t>
-            </a:r>
-          </a:p>
-          <a:p>
-            <a:r>
-              <a:rPr lang="de-DE" sz="800" dirty="0"/>
-              <a:t>    "</a:t>
-            </a:r>
-            <a:r>
-              <a:rPr lang="de-DE" sz="800" dirty="0" err="1"/>
-              <a:t>id</a:t>
-            </a:r>
-            <a:r>
-              <a:rPr lang="de-DE" sz="800" dirty="0"/>
-              <a:t>": 123,</a:t>
-            </a:r>
-          </a:p>
-          <a:p>
-            <a:r>
-              <a:rPr lang="de-DE" sz="800" dirty="0"/>
-              <a:t>    "</a:t>
-            </a:r>
-            <a:r>
-              <a:rPr lang="de-DE" sz="800" dirty="0" err="1"/>
-              <a:t>name</a:t>
-            </a:r>
-            <a:r>
-              <a:rPr lang="de-DE" sz="800" dirty="0"/>
-              <a:t>": "</a:t>
-            </a:r>
-            <a:r>
-              <a:rPr lang="de-DE" sz="800" dirty="0" err="1"/>
-              <a:t>Product</a:t>
-            </a:r>
-            <a:r>
-              <a:rPr lang="de-DE" sz="800" dirty="0"/>
-              <a:t> 1",</a:t>
-            </a:r>
-          </a:p>
-          <a:p>
-            <a:r>
-              <a:rPr lang="de-DE" sz="800" dirty="0"/>
-              <a:t>    "</a:t>
-            </a:r>
-            <a:r>
-              <a:rPr lang="de-DE" sz="800" dirty="0" err="1"/>
-              <a:t>description</a:t>
-            </a:r>
-            <a:r>
-              <a:rPr lang="de-DE" sz="800" dirty="0"/>
-              <a:t>": "</a:t>
-            </a:r>
-            <a:r>
-              <a:rPr lang="de-DE" sz="800" dirty="0" err="1"/>
-              <a:t>Lorem</a:t>
-            </a:r>
-            <a:r>
-              <a:rPr lang="de-DE" sz="800" dirty="0"/>
-              <a:t> </a:t>
-            </a:r>
-            <a:r>
-              <a:rPr lang="de-DE" sz="800" dirty="0" err="1"/>
-              <a:t>ipsum</a:t>
-            </a:r>
-            <a:r>
-              <a:rPr lang="de-DE" sz="800" dirty="0"/>
-              <a:t>",</a:t>
-            </a:r>
-          </a:p>
-          <a:p>
-            <a:r>
-              <a:rPr lang="de-DE" sz="800" dirty="0"/>
-              <a:t>    "</a:t>
-            </a:r>
-            <a:r>
-              <a:rPr lang="de-DE" sz="800" dirty="0" err="1"/>
-              <a:t>lastModified</a:t>
-            </a:r>
-            <a:r>
-              <a:rPr lang="de-DE" sz="800" dirty="0"/>
-              <a:t>": "2019-04-15T15:00:00.000Z",</a:t>
-            </a:r>
-          </a:p>
-          <a:p>
-            <a:r>
-              <a:rPr lang="de-DE" sz="800" dirty="0"/>
-              <a:t>    "</a:t>
-            </a:r>
-            <a:r>
-              <a:rPr lang="de-DE" sz="800" dirty="0" err="1"/>
-              <a:t>ean</a:t>
-            </a:r>
-            <a:r>
-              <a:rPr lang="de-DE" sz="800" dirty="0"/>
-              <a:t>": "4044889002713"</a:t>
-            </a:r>
-          </a:p>
-          <a:p>
-            <a:r>
-              <a:rPr lang="de-DE" sz="800" dirty="0"/>
-              <a:t>}</a:t>
-            </a:r>
-          </a:p>
-        </p:txBody>
-      </p:sp>
-    </p:spTree>
-    <p:extLst>
-      <p:ext uri="{BB962C8B-B14F-4D97-AF65-F5344CB8AC3E}">
-        <p14:creationId xmlns:p14="http://schemas.microsoft.com/office/powerpoint/2010/main" val="4161121974"/>
       </p:ext>
     </p:extLst>
   </p:cSld>
@@ -17562,4 +20258,299 @@
     </a:ext>
   </a:extLst>
 </a:theme>
+</file>
+
+<file path=ppt/theme/theme2.xml><?xml version="1.0" encoding="utf-8"?>
+<a:theme xmlns:a="http://schemas.openxmlformats.org/drawingml/2006/main" name="Office">
+  <a:themeElements>
+    <a:clrScheme name="Office">
+      <a:dk1>
+        <a:sysClr val="windowText" lastClr="000000"/>
+      </a:dk1>
+      <a:lt1>
+        <a:sysClr val="window" lastClr="FFFFFF"/>
+      </a:lt1>
+      <a:dk2>
+        <a:srgbClr val="44546A"/>
+      </a:dk2>
+      <a:lt2>
+        <a:srgbClr val="E7E6E6"/>
+      </a:lt2>
+      <a:accent1>
+        <a:srgbClr val="4472C4"/>
+      </a:accent1>
+      <a:accent2>
+        <a:srgbClr val="ED7D31"/>
+      </a:accent2>
+      <a:accent3>
+        <a:srgbClr val="A5A5A5"/>
+      </a:accent3>
+      <a:accent4>
+        <a:srgbClr val="FFC000"/>
+      </a:accent4>
+      <a:accent5>
+        <a:srgbClr val="5B9BD5"/>
+      </a:accent5>
+      <a:accent6>
+        <a:srgbClr val="70AD47"/>
+      </a:accent6>
+      <a:hlink>
+        <a:srgbClr val="0563C1"/>
+      </a:hlink>
+      <a:folHlink>
+        <a:srgbClr val="954F72"/>
+      </a:folHlink>
+    </a:clrScheme>
+    <a:fontScheme name="Office">
+      <a:majorFont>
+        <a:latin typeface="Calibri Light" panose="020F0302020204030204"/>
+        <a:ea typeface=""/>
+        <a:cs typeface=""/>
+        <a:font script="Jpan" typeface="游ゴシック Light"/>
+        <a:font script="Hang" typeface="맑은 고딕"/>
+        <a:font script="Hans" typeface="等线 Light"/>
+        <a:font script="Hant" typeface="新細明體"/>
+        <a:font script="Arab" typeface="Times New Roman"/>
+        <a:font script="Hebr" typeface="Times New Roman"/>
+        <a:font script="Thai" typeface="Angsana New"/>
+        <a:font script="Ethi" typeface="Nyala"/>
+        <a:font script="Beng" typeface="Vrinda"/>
+        <a:font script="Gujr" typeface="Shruti"/>
+        <a:font script="Khmr" typeface="MoolBoran"/>
+        <a:font script="Knda" typeface="Tunga"/>
+        <a:font script="Guru" typeface="Raavi"/>
+        <a:font script="Cans" typeface="Euphemia"/>
+        <a:font script="Cher" typeface="Plantagenet Cherokee"/>
+        <a:font script="Yiii" typeface="Microsoft Yi Baiti"/>
+        <a:font script="Tibt" typeface="Microsoft Himalaya"/>
+        <a:font script="Thaa" typeface="MV Boli"/>
+        <a:font script="Deva" typeface="Mangal"/>
+        <a:font script="Telu" typeface="Gautami"/>
+        <a:font script="Taml" typeface="Latha"/>
+        <a:font script="Syrc" typeface="Estrangelo Edessa"/>
+        <a:font script="Orya" typeface="Kalinga"/>
+        <a:font script="Mlym" typeface="Kartika"/>
+        <a:font script="Laoo" typeface="DokChampa"/>
+        <a:font script="Sinh" typeface="Iskoola Pota"/>
+        <a:font script="Mong" typeface="Mongolian Baiti"/>
+        <a:font script="Viet" typeface="Times New Roman"/>
+        <a:font script="Uigh" typeface="Microsoft Uighur"/>
+        <a:font script="Geor" typeface="Sylfaen"/>
+        <a:font script="Armn" typeface="Arial"/>
+        <a:font script="Bugi" typeface="Leelawadee UI"/>
+        <a:font script="Bopo" typeface="Microsoft JhengHei"/>
+        <a:font script="Java" typeface="Javanese Text"/>
+        <a:font script="Lisu" typeface="Segoe UI"/>
+        <a:font script="Mymr" typeface="Myanmar Text"/>
+        <a:font script="Nkoo" typeface="Ebrima"/>
+        <a:font script="Olck" typeface="Nirmala UI"/>
+        <a:font script="Osma" typeface="Ebrima"/>
+        <a:font script="Phag" typeface="Phagspa"/>
+        <a:font script="Syrn" typeface="Estrangelo Edessa"/>
+        <a:font script="Syrj" typeface="Estrangelo Edessa"/>
+        <a:font script="Syre" typeface="Estrangelo Edessa"/>
+        <a:font script="Sora" typeface="Nirmala UI"/>
+        <a:font script="Tale" typeface="Microsoft Tai Le"/>
+        <a:font script="Talu" typeface="Microsoft New Tai Lue"/>
+        <a:font script="Tfng" typeface="Ebrima"/>
+      </a:majorFont>
+      <a:minorFont>
+        <a:latin typeface="Calibri" panose="020F0502020204030204"/>
+        <a:ea typeface=""/>
+        <a:cs typeface=""/>
+        <a:font script="Jpan" typeface="游ゴシック"/>
+        <a:font script="Hang" typeface="맑은 고딕"/>
+        <a:font script="Hans" typeface="等线"/>
+        <a:font script="Hant" typeface="新細明體"/>
+        <a:font script="Arab" typeface="Arial"/>
+        <a:font script="Hebr" typeface="Arial"/>
+        <a:font script="Thai" typeface="Cordia New"/>
+        <a:font script="Ethi" typeface="Nyala"/>
+        <a:font script="Beng" typeface="Vrinda"/>
+        <a:font script="Gujr" typeface="Shruti"/>
+        <a:font script="Khmr" typeface="DaunPenh"/>
+        <a:font script="Knda" typeface="Tunga"/>
+        <a:font script="Guru" typeface="Raavi"/>
+        <a:font script="Cans" typeface="Euphemia"/>
+        <a:font script="Cher" typeface="Plantagenet Cherokee"/>
+        <a:font script="Yiii" typeface="Microsoft Yi Baiti"/>
+        <a:font script="Tibt" typeface="Microsoft Himalaya"/>
+        <a:font script="Thaa" typeface="MV Boli"/>
+        <a:font script="Deva" typeface="Mangal"/>
+        <a:font script="Telu" typeface="Gautami"/>
+        <a:font script="Taml" typeface="Latha"/>
+        <a:font script="Syrc" typeface="Estrangelo Edessa"/>
+        <a:font script="Orya" typeface="Kalinga"/>
+        <a:font script="Mlym" typeface="Kartika"/>
+        <a:font script="Laoo" typeface="DokChampa"/>
+        <a:font script="Sinh" typeface="Iskoola Pota"/>
+        <a:font script="Mong" typeface="Mongolian Baiti"/>
+        <a:font script="Viet" typeface="Arial"/>
+        <a:font script="Uigh" typeface="Microsoft Uighur"/>
+        <a:font script="Geor" typeface="Sylfaen"/>
+        <a:font script="Armn" typeface="Arial"/>
+        <a:font script="Bugi" typeface="Leelawadee UI"/>
+        <a:font script="Bopo" typeface="Microsoft JhengHei"/>
+        <a:font script="Java" typeface="Javanese Text"/>
+        <a:font script="Lisu" typeface="Segoe UI"/>
+        <a:font script="Mymr" typeface="Myanmar Text"/>
+        <a:font script="Nkoo" typeface="Ebrima"/>
+        <a:font script="Olck" typeface="Nirmala UI"/>
+        <a:font script="Osma" typeface="Ebrima"/>
+        <a:font script="Phag" typeface="Phagspa"/>
+        <a:font script="Syrn" typeface="Estrangelo Edessa"/>
+        <a:font script="Syrj" typeface="Estrangelo Edessa"/>
+        <a:font script="Syre" typeface="Estrangelo Edessa"/>
+        <a:font script="Sora" typeface="Nirmala UI"/>
+        <a:font script="Tale" typeface="Microsoft Tai Le"/>
+        <a:font script="Talu" typeface="Microsoft New Tai Lue"/>
+        <a:font script="Tfng" typeface="Ebrima"/>
+      </a:minorFont>
+    </a:fontScheme>
+    <a:fmtScheme name="Office">
+      <a:fillStyleLst>
+        <a:solidFill>
+          <a:schemeClr val="phClr"/>
+        </a:solidFill>
+        <a:gradFill rotWithShape="1">
+          <a:gsLst>
+            <a:gs pos="0">
+              <a:schemeClr val="phClr">
+                <a:lumMod val="110000"/>
+                <a:satMod val="105000"/>
+                <a:tint val="67000"/>
+              </a:schemeClr>
+            </a:gs>
+            <a:gs pos="50000">
+              <a:schemeClr val="phClr">
+                <a:lumMod val="105000"/>
+                <a:satMod val="103000"/>
+                <a:tint val="73000"/>
+              </a:schemeClr>
+            </a:gs>
+            <a:gs pos="100000">
+              <a:schemeClr val="phClr">
+                <a:lumMod val="105000"/>
+                <a:satMod val="109000"/>
+                <a:tint val="81000"/>
+              </a:schemeClr>
+            </a:gs>
+          </a:gsLst>
+          <a:lin ang="5400000" scaled="0"/>
+        </a:gradFill>
+        <a:gradFill rotWithShape="1">
+          <a:gsLst>
+            <a:gs pos="0">
+              <a:schemeClr val="phClr">
+                <a:satMod val="103000"/>
+                <a:lumMod val="102000"/>
+                <a:tint val="94000"/>
+              </a:schemeClr>
+            </a:gs>
+            <a:gs pos="50000">
+              <a:schemeClr val="phClr">
+                <a:satMod val="110000"/>
+                <a:lumMod val="100000"/>
+                <a:shade val="100000"/>
+              </a:schemeClr>
+            </a:gs>
+            <a:gs pos="100000">
+              <a:schemeClr val="phClr">
+                <a:lumMod val="99000"/>
+                <a:satMod val="120000"/>
+                <a:shade val="78000"/>
+              </a:schemeClr>
+            </a:gs>
+          </a:gsLst>
+          <a:lin ang="5400000" scaled="0"/>
+        </a:gradFill>
+      </a:fillStyleLst>
+      <a:lnStyleLst>
+        <a:ln w="6350" cap="flat" cmpd="sng" algn="ctr">
+          <a:solidFill>
+            <a:schemeClr val="phClr"/>
+          </a:solidFill>
+          <a:prstDash val="solid"/>
+          <a:miter lim="800000"/>
+        </a:ln>
+        <a:ln w="12700" cap="flat" cmpd="sng" algn="ctr">
+          <a:solidFill>
+            <a:schemeClr val="phClr"/>
+          </a:solidFill>
+          <a:prstDash val="solid"/>
+          <a:miter lim="800000"/>
+        </a:ln>
+        <a:ln w="19050" cap="flat" cmpd="sng" algn="ctr">
+          <a:solidFill>
+            <a:schemeClr val="phClr"/>
+          </a:solidFill>
+          <a:prstDash val="solid"/>
+          <a:miter lim="800000"/>
+        </a:ln>
+      </a:lnStyleLst>
+      <a:effectStyleLst>
+        <a:effectStyle>
+          <a:effectLst/>
+        </a:effectStyle>
+        <a:effectStyle>
+          <a:effectLst/>
+        </a:effectStyle>
+        <a:effectStyle>
+          <a:effectLst>
+            <a:outerShdw blurRad="57150" dist="19050" dir="5400000" algn="ctr" rotWithShape="0">
+              <a:srgbClr val="000000">
+                <a:alpha val="63000"/>
+              </a:srgbClr>
+            </a:outerShdw>
+          </a:effectLst>
+        </a:effectStyle>
+      </a:effectStyleLst>
+      <a:bgFillStyleLst>
+        <a:solidFill>
+          <a:schemeClr val="phClr"/>
+        </a:solidFill>
+        <a:solidFill>
+          <a:schemeClr val="phClr">
+            <a:tint val="95000"/>
+            <a:satMod val="170000"/>
+          </a:schemeClr>
+        </a:solidFill>
+        <a:gradFill rotWithShape="1">
+          <a:gsLst>
+            <a:gs pos="0">
+              <a:schemeClr val="phClr">
+                <a:tint val="93000"/>
+                <a:satMod val="150000"/>
+                <a:shade val="98000"/>
+                <a:lumMod val="102000"/>
+              </a:schemeClr>
+            </a:gs>
+            <a:gs pos="50000">
+              <a:schemeClr val="phClr">
+                <a:tint val="98000"/>
+                <a:satMod val="130000"/>
+                <a:shade val="90000"/>
+                <a:lumMod val="103000"/>
+              </a:schemeClr>
+            </a:gs>
+            <a:gs pos="100000">
+              <a:schemeClr val="phClr">
+                <a:shade val="63000"/>
+                <a:satMod val="120000"/>
+              </a:schemeClr>
+            </a:gs>
+          </a:gsLst>
+          <a:lin ang="5400000" scaled="0"/>
+        </a:gradFill>
+      </a:bgFillStyleLst>
+    </a:fmtScheme>
+  </a:themeElements>
+  <a:objectDefaults/>
+  <a:extraClrSchemeLst/>
+  <a:extLst>
+    <a:ext uri="{05A4C25C-085E-4340-85A3-A5531E510DB2}">
+      <thm15:themeFamily xmlns:thm15="http://schemas.microsoft.com/office/thememl/2012/main" name="Office Theme" id="{62F939B6-93AF-4DB8-9C6B-D6C7DFDC589F}" vid="{4A3C46E8-61CC-4603-A589-7422A47A8E4A}"/>
+    </a:ext>
+  </a:extLst>
+</a:theme>
 </file>
--- a/powerpoint/Consumer-Driven Contract Tests using PACT.pptx
+++ b/powerpoint/Consumer-Driven Contract Tests using PACT.pptx
@@ -5,7 +5,7 @@
     <p:sldMasterId id="2147483648" r:id="rId1"/>
   </p:sldMasterIdLst>
   <p:notesMasterIdLst>
-    <p:notesMasterId r:id="rId17"/>
+    <p:notesMasterId r:id="rId28"/>
   </p:notesMasterIdLst>
   <p:sldIdLst>
     <p:sldId id="256" r:id="rId2"/>
@@ -23,6 +23,17 @@
     <p:sldId id="272" r:id="rId14"/>
     <p:sldId id="262" r:id="rId15"/>
     <p:sldId id="268" r:id="rId16"/>
+    <p:sldId id="273" r:id="rId17"/>
+    <p:sldId id="274" r:id="rId18"/>
+    <p:sldId id="275" r:id="rId19"/>
+    <p:sldId id="276" r:id="rId20"/>
+    <p:sldId id="279" r:id="rId21"/>
+    <p:sldId id="277" r:id="rId22"/>
+    <p:sldId id="280" r:id="rId23"/>
+    <p:sldId id="278" r:id="rId24"/>
+    <p:sldId id="281" r:id="rId25"/>
+    <p:sldId id="282" r:id="rId26"/>
+    <p:sldId id="283" r:id="rId27"/>
   </p:sldIdLst>
   <p:sldSz cx="12192000" cy="6858000"/>
   <p:notesSz cx="6858000" cy="9144000"/>
@@ -12408,6 +12419,490 @@
 </p:notes>
 </file>
 
+<file path=ppt/notesSlides/notesSlide10.xml><?xml version="1.0" encoding="utf-8"?>
+<p:notes xmlns:a="http://schemas.openxmlformats.org/drawingml/2006/main" xmlns:r="http://schemas.openxmlformats.org/officeDocument/2006/relationships" xmlns:p="http://schemas.openxmlformats.org/presentationml/2006/main">
+  <p:cSld>
+    <p:spTree>
+      <p:nvGrpSpPr>
+        <p:cNvPr id="1" name=""/>
+        <p:cNvGrpSpPr/>
+        <p:nvPr/>
+      </p:nvGrpSpPr>
+      <p:grpSpPr>
+        <a:xfrm>
+          <a:off x="0" y="0"/>
+          <a:ext cx="0" cy="0"/>
+          <a:chOff x="0" y="0"/>
+          <a:chExt cx="0" cy="0"/>
+        </a:xfrm>
+      </p:grpSpPr>
+      <p:sp>
+        <p:nvSpPr>
+          <p:cNvPr id="2" name="Folienbildplatzhalter 1"/>
+          <p:cNvSpPr>
+            <a:spLocks noGrp="1" noRot="1" noChangeAspect="1"/>
+          </p:cNvSpPr>
+          <p:nvPr>
+            <p:ph type="sldImg"/>
+          </p:nvPr>
+        </p:nvSpPr>
+        <p:spPr/>
+      </p:sp>
+      <p:sp>
+        <p:nvSpPr>
+          <p:cNvPr id="3" name="Notizenplatzhalter 2"/>
+          <p:cNvSpPr>
+            <a:spLocks noGrp="1"/>
+          </p:cNvSpPr>
+          <p:nvPr>
+            <p:ph type="body" idx="1"/>
+          </p:nvPr>
+        </p:nvSpPr>
+        <p:spPr/>
+        <p:txBody>
+          <a:bodyPr/>
+          <a:lstStyle/>
+          <a:p>
+            <a:endParaRPr lang="de-DE" dirty="0"/>
+          </a:p>
+        </p:txBody>
+      </p:sp>
+      <p:sp>
+        <p:nvSpPr>
+          <p:cNvPr id="4" name="Foliennummernplatzhalter 3"/>
+          <p:cNvSpPr>
+            <a:spLocks noGrp="1"/>
+          </p:cNvSpPr>
+          <p:nvPr>
+            <p:ph type="sldNum" sz="quarter" idx="5"/>
+          </p:nvPr>
+        </p:nvSpPr>
+        <p:spPr/>
+        <p:txBody>
+          <a:bodyPr/>
+          <a:lstStyle/>
+          <a:p>
+            <a:fld id="{5D492825-D2FA-4478-B79B-910ECE6D7AEF}" type="slidenum">
+              <a:rPr lang="de-DE" smtClean="0"/>
+              <a:t>16</a:t>
+            </a:fld>
+            <a:endParaRPr lang="de-DE"/>
+          </a:p>
+        </p:txBody>
+      </p:sp>
+    </p:spTree>
+    <p:extLst>
+      <p:ext uri="{BB962C8B-B14F-4D97-AF65-F5344CB8AC3E}">
+        <p14:creationId xmlns:p14="http://schemas.microsoft.com/office/powerpoint/2010/main" val="93465915"/>
+      </p:ext>
+    </p:extLst>
+  </p:cSld>
+  <p:clrMapOvr>
+    <a:masterClrMapping/>
+  </p:clrMapOvr>
+</p:notes>
+</file>
+
+<file path=ppt/notesSlides/notesSlide11.xml><?xml version="1.0" encoding="utf-8"?>
+<p:notes xmlns:a="http://schemas.openxmlformats.org/drawingml/2006/main" xmlns:r="http://schemas.openxmlformats.org/officeDocument/2006/relationships" xmlns:p="http://schemas.openxmlformats.org/presentationml/2006/main">
+  <p:cSld>
+    <p:spTree>
+      <p:nvGrpSpPr>
+        <p:cNvPr id="1" name=""/>
+        <p:cNvGrpSpPr/>
+        <p:nvPr/>
+      </p:nvGrpSpPr>
+      <p:grpSpPr>
+        <a:xfrm>
+          <a:off x="0" y="0"/>
+          <a:ext cx="0" cy="0"/>
+          <a:chOff x="0" y="0"/>
+          <a:chExt cx="0" cy="0"/>
+        </a:xfrm>
+      </p:grpSpPr>
+      <p:sp>
+        <p:nvSpPr>
+          <p:cNvPr id="2" name="Folienbildplatzhalter 1"/>
+          <p:cNvSpPr>
+            <a:spLocks noGrp="1" noRot="1" noChangeAspect="1"/>
+          </p:cNvSpPr>
+          <p:nvPr>
+            <p:ph type="sldImg"/>
+          </p:nvPr>
+        </p:nvSpPr>
+        <p:spPr/>
+      </p:sp>
+      <p:sp>
+        <p:nvSpPr>
+          <p:cNvPr id="3" name="Notizenplatzhalter 2"/>
+          <p:cNvSpPr>
+            <a:spLocks noGrp="1"/>
+          </p:cNvSpPr>
+          <p:nvPr>
+            <p:ph type="body" idx="1"/>
+          </p:nvPr>
+        </p:nvSpPr>
+        <p:spPr/>
+        <p:txBody>
+          <a:bodyPr/>
+          <a:lstStyle/>
+          <a:p>
+            <a:r>
+              <a:rPr lang="de-DE" dirty="0"/>
+              <a:t>PACT Broker für die Verteilung der PACT </a:t>
+            </a:r>
+            <a:r>
+              <a:rPr lang="de-DE" dirty="0" err="1"/>
+              <a:t>files</a:t>
+            </a:r>
+            <a:r>
+              <a:rPr lang="de-DE" dirty="0"/>
+              <a:t> zwischen allen beteiligten</a:t>
+            </a:r>
+          </a:p>
+          <a:p>
+            <a:pPr marL="171450" indent="-171450">
+              <a:buFontTx/>
+              <a:buChar char="-"/>
+            </a:pPr>
+            <a:r>
+              <a:rPr lang="de-DE" dirty="0"/>
+              <a:t>Einfach Zugänglich für alle Interessenten</a:t>
+            </a:r>
+          </a:p>
+          <a:p>
+            <a:pPr marL="171450" indent="-171450">
+              <a:buFontTx/>
+              <a:buChar char="-"/>
+            </a:pPr>
+            <a:r>
+              <a:rPr lang="de-DE" dirty="0"/>
+              <a:t>Automatische Einbindung neuer Tests in die Provider </a:t>
+            </a:r>
+            <a:r>
+              <a:rPr lang="de-DE" dirty="0" err="1"/>
+              <a:t>Suites</a:t>
+            </a:r>
+            <a:endParaRPr lang="de-DE" dirty="0"/>
+          </a:p>
+          <a:p>
+            <a:pPr marL="171450" indent="-171450">
+              <a:buFontTx/>
+              <a:buChar char="-"/>
+            </a:pPr>
+            <a:r>
+              <a:rPr lang="de-DE" dirty="0"/>
+              <a:t>Versionierung / Kompatibilitätsmatrix (welcher Service ist mit welchem Client kompatibel)</a:t>
+            </a:r>
+          </a:p>
+          <a:p>
+            <a:pPr marL="171450" indent="-171450">
+              <a:buFontTx/>
+              <a:buChar char="-"/>
+            </a:pPr>
+            <a:r>
+              <a:rPr lang="de-DE" dirty="0"/>
+              <a:t>Status-Monitoring in der Web UI</a:t>
+            </a:r>
+          </a:p>
+          <a:p>
+            <a:pPr marL="171450" indent="-171450">
+              <a:buFontTx/>
+              <a:buChar char="-"/>
+            </a:pPr>
+            <a:endParaRPr lang="de-DE" dirty="0"/>
+          </a:p>
+        </p:txBody>
+      </p:sp>
+      <p:sp>
+        <p:nvSpPr>
+          <p:cNvPr id="4" name="Foliennummernplatzhalter 3"/>
+          <p:cNvSpPr>
+            <a:spLocks noGrp="1"/>
+          </p:cNvSpPr>
+          <p:nvPr>
+            <p:ph type="sldNum" sz="quarter" idx="5"/>
+          </p:nvPr>
+        </p:nvSpPr>
+        <p:spPr/>
+        <p:txBody>
+          <a:bodyPr/>
+          <a:lstStyle/>
+          <a:p>
+            <a:fld id="{5D492825-D2FA-4478-B79B-910ECE6D7AEF}" type="slidenum">
+              <a:rPr lang="de-DE" smtClean="0"/>
+              <a:t>22</a:t>
+            </a:fld>
+            <a:endParaRPr lang="de-DE"/>
+          </a:p>
+        </p:txBody>
+      </p:sp>
+    </p:spTree>
+    <p:extLst>
+      <p:ext uri="{BB962C8B-B14F-4D97-AF65-F5344CB8AC3E}">
+        <p14:creationId xmlns:p14="http://schemas.microsoft.com/office/powerpoint/2010/main" val="2253052555"/>
+      </p:ext>
+    </p:extLst>
+  </p:cSld>
+  <p:clrMapOvr>
+    <a:masterClrMapping/>
+  </p:clrMapOvr>
+</p:notes>
+</file>
+
+<file path=ppt/notesSlides/notesSlide12.xml><?xml version="1.0" encoding="utf-8"?>
+<p:notes xmlns:a="http://schemas.openxmlformats.org/drawingml/2006/main" xmlns:r="http://schemas.openxmlformats.org/officeDocument/2006/relationships" xmlns:p="http://schemas.openxmlformats.org/presentationml/2006/main">
+  <p:cSld>
+    <p:spTree>
+      <p:nvGrpSpPr>
+        <p:cNvPr id="1" name=""/>
+        <p:cNvGrpSpPr/>
+        <p:nvPr/>
+      </p:nvGrpSpPr>
+      <p:grpSpPr>
+        <a:xfrm>
+          <a:off x="0" y="0"/>
+          <a:ext cx="0" cy="0"/>
+          <a:chOff x="0" y="0"/>
+          <a:chExt cx="0" cy="0"/>
+        </a:xfrm>
+      </p:grpSpPr>
+      <p:sp>
+        <p:nvSpPr>
+          <p:cNvPr id="2" name="Folienbildplatzhalter 1"/>
+          <p:cNvSpPr>
+            <a:spLocks noGrp="1" noRot="1" noChangeAspect="1"/>
+          </p:cNvSpPr>
+          <p:nvPr>
+            <p:ph type="sldImg"/>
+          </p:nvPr>
+        </p:nvSpPr>
+        <p:spPr/>
+      </p:sp>
+      <p:sp>
+        <p:nvSpPr>
+          <p:cNvPr id="3" name="Notizenplatzhalter 2"/>
+          <p:cNvSpPr>
+            <a:spLocks noGrp="1"/>
+          </p:cNvSpPr>
+          <p:nvPr>
+            <p:ph type="body" idx="1"/>
+          </p:nvPr>
+        </p:nvSpPr>
+        <p:spPr/>
+        <p:txBody>
+          <a:bodyPr/>
+          <a:lstStyle/>
+          <a:p>
+            <a:r>
+              <a:rPr lang="de-DE" dirty="0"/>
+              <a:t>Ja es hilft:</a:t>
+            </a:r>
+          </a:p>
+          <a:p>
+            <a:pPr marL="171450" indent="-171450">
+              <a:buFontTx/>
+              <a:buChar char="-"/>
+            </a:pPr>
+            <a:r>
+              <a:rPr lang="de-DE" dirty="0"/>
+              <a:t>Geringer Aufwand für das erstellen eines PACT</a:t>
+            </a:r>
+          </a:p>
+          <a:p>
+            <a:pPr marL="171450" indent="-171450">
+              <a:buFontTx/>
+              <a:buChar char="-"/>
+            </a:pPr>
+            <a:r>
+              <a:rPr lang="de-DE" dirty="0"/>
+              <a:t>Hoher automatisierungsgrad möglich</a:t>
+            </a:r>
+          </a:p>
+          <a:p>
+            <a:pPr marL="171450" indent="-171450">
+              <a:buFontTx/>
+              <a:buChar char="-"/>
+            </a:pPr>
+            <a:r>
+              <a:rPr lang="de-DE" dirty="0"/>
+              <a:t>Unterstützt viele Technologien – Unterstützt den Microservice Ansatz</a:t>
+            </a:r>
+          </a:p>
+          <a:p>
+            <a:pPr marL="628650" lvl="1" indent="-171450">
+              <a:buFontTx/>
+              <a:buChar char="-"/>
+            </a:pPr>
+            <a:r>
+              <a:rPr lang="de-DE" dirty="0" err="1"/>
+              <a:t>Benuitze</a:t>
+            </a:r>
+            <a:r>
+              <a:rPr lang="de-DE" dirty="0"/>
+              <a:t> die Technologie, die am besten zur Problemlösung geeignet ist</a:t>
+            </a:r>
+          </a:p>
+        </p:txBody>
+      </p:sp>
+      <p:sp>
+        <p:nvSpPr>
+          <p:cNvPr id="4" name="Foliennummernplatzhalter 3"/>
+          <p:cNvSpPr>
+            <a:spLocks noGrp="1"/>
+          </p:cNvSpPr>
+          <p:nvPr>
+            <p:ph type="sldNum" sz="quarter" idx="5"/>
+          </p:nvPr>
+        </p:nvSpPr>
+        <p:spPr/>
+        <p:txBody>
+          <a:bodyPr/>
+          <a:lstStyle/>
+          <a:p>
+            <a:fld id="{5D492825-D2FA-4478-B79B-910ECE6D7AEF}" type="slidenum">
+              <a:rPr lang="de-DE" smtClean="0"/>
+              <a:t>25</a:t>
+            </a:fld>
+            <a:endParaRPr lang="de-DE"/>
+          </a:p>
+        </p:txBody>
+      </p:sp>
+    </p:spTree>
+    <p:extLst>
+      <p:ext uri="{BB962C8B-B14F-4D97-AF65-F5344CB8AC3E}">
+        <p14:creationId xmlns:p14="http://schemas.microsoft.com/office/powerpoint/2010/main" val="3861413857"/>
+      </p:ext>
+    </p:extLst>
+  </p:cSld>
+  <p:clrMapOvr>
+    <a:masterClrMapping/>
+  </p:clrMapOvr>
+</p:notes>
+</file>
+
+<file path=ppt/notesSlides/notesSlide13.xml><?xml version="1.0" encoding="utf-8"?>
+<p:notes xmlns:a="http://schemas.openxmlformats.org/drawingml/2006/main" xmlns:r="http://schemas.openxmlformats.org/officeDocument/2006/relationships" xmlns:p="http://schemas.openxmlformats.org/presentationml/2006/main">
+  <p:cSld>
+    <p:spTree>
+      <p:nvGrpSpPr>
+        <p:cNvPr id="1" name=""/>
+        <p:cNvGrpSpPr/>
+        <p:nvPr/>
+      </p:nvGrpSpPr>
+      <p:grpSpPr>
+        <a:xfrm>
+          <a:off x="0" y="0"/>
+          <a:ext cx="0" cy="0"/>
+          <a:chOff x="0" y="0"/>
+          <a:chExt cx="0" cy="0"/>
+        </a:xfrm>
+      </p:grpSpPr>
+      <p:sp>
+        <p:nvSpPr>
+          <p:cNvPr id="2" name="Folienbildplatzhalter 1"/>
+          <p:cNvSpPr>
+            <a:spLocks noGrp="1" noRot="1" noChangeAspect="1"/>
+          </p:cNvSpPr>
+          <p:nvPr>
+            <p:ph type="sldImg"/>
+          </p:nvPr>
+        </p:nvSpPr>
+        <p:spPr/>
+      </p:sp>
+      <p:sp>
+        <p:nvSpPr>
+          <p:cNvPr id="3" name="Notizenplatzhalter 2"/>
+          <p:cNvSpPr>
+            <a:spLocks noGrp="1"/>
+          </p:cNvSpPr>
+          <p:nvPr>
+            <p:ph type="body" idx="1"/>
+          </p:nvPr>
+        </p:nvSpPr>
+        <p:spPr/>
+        <p:txBody>
+          <a:bodyPr/>
+          <a:lstStyle/>
+          <a:p>
+            <a:r>
+              <a:rPr lang="de-DE" dirty="0"/>
+              <a:t>Letzte Empfehlungen:</a:t>
+            </a:r>
+          </a:p>
+          <a:p>
+            <a:pPr marL="171450" indent="-171450">
+              <a:buFontTx/>
+              <a:buChar char="-"/>
+            </a:pPr>
+            <a:r>
+              <a:rPr lang="de-DE" dirty="0"/>
+              <a:t>Tests nur für die Kommunikation nutzen – Keine Fachlichkeit testen</a:t>
+            </a:r>
+          </a:p>
+          <a:p>
+            <a:pPr marL="628650" lvl="1" indent="-171450">
+              <a:buFontTx/>
+              <a:buChar char="-"/>
+            </a:pPr>
+            <a:r>
+              <a:rPr lang="de-DE" dirty="0"/>
+              <a:t>Wird schnell instabil – Unit Tests o. </a:t>
+            </a:r>
+            <a:r>
+              <a:rPr lang="de-DE" dirty="0" err="1"/>
+              <a:t>Comoinent</a:t>
+            </a:r>
+            <a:r>
+              <a:rPr lang="de-DE" dirty="0"/>
+              <a:t> Tests sind dafür besser geeignet</a:t>
+            </a:r>
+          </a:p>
+          <a:p>
+            <a:pPr marL="171450" lvl="0" indent="-171450">
+              <a:buFontTx/>
+              <a:buChar char="-"/>
+            </a:pPr>
+            <a:endParaRPr lang="de-DE" dirty="0"/>
+          </a:p>
+        </p:txBody>
+      </p:sp>
+      <p:sp>
+        <p:nvSpPr>
+          <p:cNvPr id="4" name="Foliennummernplatzhalter 3"/>
+          <p:cNvSpPr>
+            <a:spLocks noGrp="1"/>
+          </p:cNvSpPr>
+          <p:nvPr>
+            <p:ph type="sldNum" sz="quarter" idx="5"/>
+          </p:nvPr>
+        </p:nvSpPr>
+        <p:spPr/>
+        <p:txBody>
+          <a:bodyPr/>
+          <a:lstStyle/>
+          <a:p>
+            <a:fld id="{5D492825-D2FA-4478-B79B-910ECE6D7AEF}" type="slidenum">
+              <a:rPr lang="de-DE" smtClean="0"/>
+              <a:t>26</a:t>
+            </a:fld>
+            <a:endParaRPr lang="de-DE"/>
+          </a:p>
+        </p:txBody>
+      </p:sp>
+    </p:spTree>
+    <p:extLst>
+      <p:ext uri="{BB962C8B-B14F-4D97-AF65-F5344CB8AC3E}">
+        <p14:creationId xmlns:p14="http://schemas.microsoft.com/office/powerpoint/2010/main" val="1254547977"/>
+      </p:ext>
+    </p:extLst>
+  </p:cSld>
+  <p:clrMapOvr>
+    <a:masterClrMapping/>
+  </p:clrMapOvr>
+</p:notes>
+</file>
+
 <file path=ppt/notesSlides/notesSlide2.xml><?xml version="1.0" encoding="utf-8"?>
 <p:notes xmlns:a="http://schemas.openxmlformats.org/drawingml/2006/main" xmlns:r="http://schemas.openxmlformats.org/officeDocument/2006/relationships" xmlns:p="http://schemas.openxmlformats.org/presentationml/2006/main">
   <p:cSld>
@@ -18586,10 +19081,10 @@
       </p:grpSpPr>
       <p:sp>
         <p:nvSpPr>
-          <p:cNvPr id="2" name="Titel 1">
+          <p:cNvPr id="6" name="Titel 5">
             <a:extLst>
               <a:ext uri="{FF2B5EF4-FFF2-40B4-BE49-F238E27FC236}">
-                <a16:creationId xmlns:a16="http://schemas.microsoft.com/office/drawing/2014/main" id="{E4DFEDED-B5C3-44D0-A5E6-A9AD2EF61530}"/>
+                <a16:creationId xmlns:a16="http://schemas.microsoft.com/office/drawing/2014/main" id="{8943D97B-30A6-43A5-9485-185A2B4CD8D3}"/>
               </a:ext>
             </a:extLst>
           </p:cNvPr>
@@ -18605,16 +19100,20 @@
           <a:bodyPr/>
           <a:lstStyle/>
           <a:p>
-            <a:endParaRPr lang="de-DE"/>
+            <a:r>
+              <a:rPr lang="en-US" b="1" dirty="0"/>
+              <a:t>Do you set your house on fire to test your smoke alarm? </a:t>
+            </a:r>
+            <a:endParaRPr lang="de-DE" b="1" dirty="0"/>
           </a:p>
         </p:txBody>
       </p:sp>
       <p:sp>
         <p:nvSpPr>
-          <p:cNvPr id="3" name="Textplatzhalter 2">
+          <p:cNvPr id="7" name="Textplatzhalter 6">
             <a:extLst>
               <a:ext uri="{FF2B5EF4-FFF2-40B4-BE49-F238E27FC236}">
-                <a16:creationId xmlns:a16="http://schemas.microsoft.com/office/drawing/2014/main" id="{68DFB7C0-DBEA-41A2-9B3F-8DAEA8B741A8}"/>
+                <a16:creationId xmlns:a16="http://schemas.microsoft.com/office/drawing/2014/main" id="{7CA30811-A701-4020-B5C6-979571A6B231}"/>
               </a:ext>
             </a:extLst>
           </p:cNvPr>
@@ -18638,6 +19137,1172 @@
     <p:extLst>
       <p:ext uri="{BB962C8B-B14F-4D97-AF65-F5344CB8AC3E}">
         <p14:creationId xmlns:p14="http://schemas.microsoft.com/office/powerpoint/2010/main" val="3305858863"/>
+      </p:ext>
+    </p:extLst>
+  </p:cSld>
+  <p:clrMapOvr>
+    <a:masterClrMapping/>
+  </p:clrMapOvr>
+</p:sld>
+</file>
+
+<file path=ppt/slides/slide16.xml><?xml version="1.0" encoding="utf-8"?>
+<p:sld xmlns:a="http://schemas.openxmlformats.org/drawingml/2006/main" xmlns:r="http://schemas.openxmlformats.org/officeDocument/2006/relationships" xmlns:p="http://schemas.openxmlformats.org/presentationml/2006/main">
+  <p:cSld>
+    <p:spTree>
+      <p:nvGrpSpPr>
+        <p:cNvPr id="1" name=""/>
+        <p:cNvGrpSpPr/>
+        <p:nvPr/>
+      </p:nvGrpSpPr>
+      <p:grpSpPr>
+        <a:xfrm>
+          <a:off x="0" y="0"/>
+          <a:ext cx="0" cy="0"/>
+          <a:chOff x="0" y="0"/>
+          <a:chExt cx="0" cy="0"/>
+        </a:xfrm>
+      </p:grpSpPr>
+      <p:sp>
+        <p:nvSpPr>
+          <p:cNvPr id="6" name="Titel 5">
+            <a:extLst>
+              <a:ext uri="{FF2B5EF4-FFF2-40B4-BE49-F238E27FC236}">
+                <a16:creationId xmlns:a16="http://schemas.microsoft.com/office/drawing/2014/main" id="{4A354D70-97D2-42FC-81C0-923D83CEDF25}"/>
+              </a:ext>
+            </a:extLst>
+          </p:cNvPr>
+          <p:cNvSpPr>
+            <a:spLocks noGrp="1"/>
+          </p:cNvSpPr>
+          <p:nvPr>
+            <p:ph type="title"/>
+          </p:nvPr>
+        </p:nvSpPr>
+        <p:spPr/>
+        <p:txBody>
+          <a:bodyPr/>
+          <a:lstStyle/>
+          <a:p>
+            <a:r>
+              <a:rPr lang="de-DE" dirty="0" err="1"/>
+              <a:t>What</a:t>
+            </a:r>
+            <a:r>
+              <a:rPr lang="de-DE" dirty="0"/>
+              <a:t> </a:t>
+            </a:r>
+            <a:r>
+              <a:rPr lang="de-DE" dirty="0" err="1"/>
+              <a:t>is</a:t>
+            </a:r>
+            <a:r>
+              <a:rPr lang="de-DE" dirty="0"/>
+              <a:t> a </a:t>
+            </a:r>
+            <a:r>
+              <a:rPr lang="de-DE" dirty="0" err="1"/>
+              <a:t>Pact</a:t>
+            </a:r>
+            <a:r>
+              <a:rPr lang="de-DE" dirty="0"/>
+              <a:t>?</a:t>
+            </a:r>
+          </a:p>
+        </p:txBody>
+      </p:sp>
+      <p:sp>
+        <p:nvSpPr>
+          <p:cNvPr id="7" name="Inhaltsplatzhalter 6">
+            <a:extLst>
+              <a:ext uri="{FF2B5EF4-FFF2-40B4-BE49-F238E27FC236}">
+                <a16:creationId xmlns:a16="http://schemas.microsoft.com/office/drawing/2014/main" id="{25BECAA1-42C0-4BA9-BB0C-1F5B33BAA11C}"/>
+              </a:ext>
+            </a:extLst>
+          </p:cNvPr>
+          <p:cNvSpPr>
+            <a:spLocks noGrp="1"/>
+          </p:cNvSpPr>
+          <p:nvPr>
+            <p:ph sz="half" idx="1"/>
+          </p:nvPr>
+        </p:nvSpPr>
+        <p:spPr/>
+        <p:txBody>
+          <a:bodyPr/>
+          <a:lstStyle/>
+          <a:p>
+            <a:r>
+              <a:rPr lang="de-DE" dirty="0"/>
+              <a:t>List </a:t>
+            </a:r>
+            <a:r>
+              <a:rPr lang="de-DE" dirty="0" err="1"/>
+              <a:t>of</a:t>
+            </a:r>
+            <a:r>
+              <a:rPr lang="de-DE" dirty="0"/>
+              <a:t> Interactions</a:t>
+            </a:r>
+          </a:p>
+          <a:p>
+            <a:r>
+              <a:rPr lang="de-DE" dirty="0"/>
+              <a:t>Interaction </a:t>
+            </a:r>
+          </a:p>
+          <a:p>
+            <a:pPr lvl="1"/>
+            <a:r>
+              <a:rPr lang="de-DE" dirty="0" err="1"/>
+              <a:t>Expected</a:t>
+            </a:r>
+            <a:r>
+              <a:rPr lang="de-DE" dirty="0"/>
+              <a:t> </a:t>
+            </a:r>
+            <a:r>
+              <a:rPr lang="de-DE" dirty="0" err="1"/>
+              <a:t>request</a:t>
+            </a:r>
+            <a:endParaRPr lang="de-DE" dirty="0"/>
+          </a:p>
+          <a:p>
+            <a:pPr lvl="1"/>
+            <a:r>
+              <a:rPr lang="de-DE" dirty="0" err="1"/>
+              <a:t>Expected</a:t>
+            </a:r>
+            <a:r>
+              <a:rPr lang="de-DE" dirty="0"/>
+              <a:t> minimal </a:t>
+            </a:r>
+            <a:r>
+              <a:rPr lang="de-DE" dirty="0" err="1"/>
+              <a:t>response</a:t>
+            </a:r>
+            <a:endParaRPr lang="de-DE" dirty="0"/>
+          </a:p>
+          <a:p>
+            <a:pPr lvl="1"/>
+            <a:r>
+              <a:rPr lang="de-DE" dirty="0"/>
+              <a:t>(Provider State)</a:t>
+            </a:r>
+          </a:p>
+        </p:txBody>
+      </p:sp>
+      <p:sp>
+        <p:nvSpPr>
+          <p:cNvPr id="8" name="Inhaltsplatzhalter 7">
+            <a:extLst>
+              <a:ext uri="{FF2B5EF4-FFF2-40B4-BE49-F238E27FC236}">
+                <a16:creationId xmlns:a16="http://schemas.microsoft.com/office/drawing/2014/main" id="{6799EFA1-855B-459F-ADEE-AA8FAB40D9B0}"/>
+              </a:ext>
+            </a:extLst>
+          </p:cNvPr>
+          <p:cNvSpPr>
+            <a:spLocks noGrp="1"/>
+          </p:cNvSpPr>
+          <p:nvPr>
+            <p:ph sz="half" idx="2"/>
+          </p:nvPr>
+        </p:nvSpPr>
+        <p:spPr/>
+        <p:txBody>
+          <a:bodyPr/>
+          <a:lstStyle/>
+          <a:p>
+            <a:endParaRPr lang="de-DE" dirty="0"/>
+          </a:p>
+        </p:txBody>
+      </p:sp>
+      <p:sp>
+        <p:nvSpPr>
+          <p:cNvPr id="9" name="Rechteck: eine Ecke abgeschnitten 8">
+            <a:extLst>
+              <a:ext uri="{FF2B5EF4-FFF2-40B4-BE49-F238E27FC236}">
+                <a16:creationId xmlns:a16="http://schemas.microsoft.com/office/drawing/2014/main" id="{D73828A1-1B41-487D-856D-DE545D90475F}"/>
+              </a:ext>
+            </a:extLst>
+          </p:cNvPr>
+          <p:cNvSpPr/>
+          <p:nvPr/>
+        </p:nvSpPr>
+        <p:spPr>
+          <a:xfrm>
+            <a:off x="7178488" y="1825625"/>
+            <a:ext cx="3361765" cy="4351338"/>
+          </a:xfrm>
+          <a:prstGeom prst="snip1Rect">
+            <a:avLst/>
+          </a:prstGeom>
+        </p:spPr>
+        <p:style>
+          <a:lnRef idx="2">
+            <a:schemeClr val="accent1">
+              <a:shade val="50000"/>
+            </a:schemeClr>
+          </a:lnRef>
+          <a:fillRef idx="1">
+            <a:schemeClr val="accent1"/>
+          </a:fillRef>
+          <a:effectRef idx="0">
+            <a:schemeClr val="accent1"/>
+          </a:effectRef>
+          <a:fontRef idx="minor">
+            <a:schemeClr val="lt1"/>
+          </a:fontRef>
+        </p:style>
+        <p:txBody>
+          <a:bodyPr rtlCol="0" anchor="b" anchorCtr="0"/>
+          <a:lstStyle/>
+          <a:p>
+            <a:pPr algn="ctr"/>
+            <a:r>
+              <a:rPr lang="de-DE" dirty="0"/>
+              <a:t>PACT File</a:t>
+            </a:r>
+          </a:p>
+        </p:txBody>
+      </p:sp>
+      <p:sp>
+        <p:nvSpPr>
+          <p:cNvPr id="10" name="Rechteck: abgerundete Ecken 9">
+            <a:extLst>
+              <a:ext uri="{FF2B5EF4-FFF2-40B4-BE49-F238E27FC236}">
+                <a16:creationId xmlns:a16="http://schemas.microsoft.com/office/drawing/2014/main" id="{6948B141-B1BC-4943-BFF5-BCA84486CC30}"/>
+              </a:ext>
+            </a:extLst>
+          </p:cNvPr>
+          <p:cNvSpPr/>
+          <p:nvPr/>
+        </p:nvSpPr>
+        <p:spPr>
+          <a:xfrm>
+            <a:off x="7355543" y="2151527"/>
+            <a:ext cx="2003610" cy="3072655"/>
+          </a:xfrm>
+          <a:prstGeom prst="roundRect">
+            <a:avLst/>
+          </a:prstGeom>
+        </p:spPr>
+        <p:style>
+          <a:lnRef idx="2">
+            <a:schemeClr val="accent2">
+              <a:shade val="50000"/>
+            </a:schemeClr>
+          </a:lnRef>
+          <a:fillRef idx="1">
+            <a:schemeClr val="accent2"/>
+          </a:fillRef>
+          <a:effectRef idx="0">
+            <a:schemeClr val="accent2"/>
+          </a:effectRef>
+          <a:fontRef idx="minor">
+            <a:schemeClr val="lt1"/>
+          </a:fontRef>
+        </p:style>
+        <p:txBody>
+          <a:bodyPr rtlCol="0" anchor="b" anchorCtr="0"/>
+          <a:lstStyle/>
+          <a:p>
+            <a:pPr algn="ctr"/>
+            <a:r>
+              <a:rPr lang="de-DE" dirty="0"/>
+              <a:t>Interaction</a:t>
+            </a:r>
+          </a:p>
+        </p:txBody>
+      </p:sp>
+      <p:sp>
+        <p:nvSpPr>
+          <p:cNvPr id="15" name="Rechteck: abgerundete Ecken 14">
+            <a:extLst>
+              <a:ext uri="{FF2B5EF4-FFF2-40B4-BE49-F238E27FC236}">
+                <a16:creationId xmlns:a16="http://schemas.microsoft.com/office/drawing/2014/main" id="{9F1BF5DC-D83D-46AC-AB86-BC3E2F954775}"/>
+              </a:ext>
+            </a:extLst>
+          </p:cNvPr>
+          <p:cNvSpPr/>
+          <p:nvPr/>
+        </p:nvSpPr>
+        <p:spPr>
+          <a:xfrm>
+            <a:off x="7451913" y="3106335"/>
+            <a:ext cx="1824680" cy="585329"/>
+          </a:xfrm>
+          <a:prstGeom prst="roundRect">
+            <a:avLst/>
+          </a:prstGeom>
+        </p:spPr>
+        <p:style>
+          <a:lnRef idx="2">
+            <a:schemeClr val="accent4">
+              <a:shade val="50000"/>
+            </a:schemeClr>
+          </a:lnRef>
+          <a:fillRef idx="1">
+            <a:schemeClr val="accent4"/>
+          </a:fillRef>
+          <a:effectRef idx="0">
+            <a:schemeClr val="accent4"/>
+          </a:effectRef>
+          <a:fontRef idx="minor">
+            <a:schemeClr val="lt1"/>
+          </a:fontRef>
+        </p:style>
+        <p:txBody>
+          <a:bodyPr rtlCol="0" anchor="ctr"/>
+          <a:lstStyle/>
+          <a:p>
+            <a:pPr algn="ctr"/>
+            <a:r>
+              <a:rPr lang="de-DE" dirty="0" err="1"/>
+              <a:t>Expected</a:t>
+            </a:r>
+            <a:r>
+              <a:rPr lang="de-DE" dirty="0"/>
+              <a:t> Request</a:t>
+            </a:r>
+          </a:p>
+        </p:txBody>
+      </p:sp>
+      <p:sp>
+        <p:nvSpPr>
+          <p:cNvPr id="16" name="Rechteck: abgerundete Ecken 15">
+            <a:extLst>
+              <a:ext uri="{FF2B5EF4-FFF2-40B4-BE49-F238E27FC236}">
+                <a16:creationId xmlns:a16="http://schemas.microsoft.com/office/drawing/2014/main" id="{9039036C-F520-41D2-AA5C-A239AE54957E}"/>
+              </a:ext>
+            </a:extLst>
+          </p:cNvPr>
+          <p:cNvSpPr/>
+          <p:nvPr/>
+        </p:nvSpPr>
+        <p:spPr>
+          <a:xfrm>
+            <a:off x="7451913" y="3826601"/>
+            <a:ext cx="1824680" cy="794857"/>
+          </a:xfrm>
+          <a:prstGeom prst="roundRect">
+            <a:avLst/>
+          </a:prstGeom>
+        </p:spPr>
+        <p:style>
+          <a:lnRef idx="2">
+            <a:schemeClr val="accent4">
+              <a:shade val="50000"/>
+            </a:schemeClr>
+          </a:lnRef>
+          <a:fillRef idx="1">
+            <a:schemeClr val="accent4"/>
+          </a:fillRef>
+          <a:effectRef idx="0">
+            <a:schemeClr val="accent4"/>
+          </a:effectRef>
+          <a:fontRef idx="minor">
+            <a:schemeClr val="lt1"/>
+          </a:fontRef>
+        </p:style>
+        <p:txBody>
+          <a:bodyPr rtlCol="0" anchor="ctr"/>
+          <a:lstStyle/>
+          <a:p>
+            <a:pPr algn="ctr"/>
+            <a:r>
+              <a:rPr lang="de-DE" dirty="0" err="1"/>
+              <a:t>Expected</a:t>
+            </a:r>
+            <a:endParaRPr lang="de-DE" dirty="0"/>
+          </a:p>
+          <a:p>
+            <a:pPr algn="ctr"/>
+            <a:r>
+              <a:rPr lang="de-DE" dirty="0"/>
+              <a:t>Minimal Response</a:t>
+            </a:r>
+          </a:p>
+        </p:txBody>
+      </p:sp>
+      <p:sp>
+        <p:nvSpPr>
+          <p:cNvPr id="17" name="Rechteck: abgerundete Ecken 16">
+            <a:extLst>
+              <a:ext uri="{FF2B5EF4-FFF2-40B4-BE49-F238E27FC236}">
+                <a16:creationId xmlns:a16="http://schemas.microsoft.com/office/drawing/2014/main" id="{1FD0F64E-0645-4958-9398-66F166009B34}"/>
+              </a:ext>
+            </a:extLst>
+          </p:cNvPr>
+          <p:cNvSpPr/>
+          <p:nvPr/>
+        </p:nvSpPr>
+        <p:spPr>
+          <a:xfrm>
+            <a:off x="7451913" y="2386069"/>
+            <a:ext cx="1824680" cy="585329"/>
+          </a:xfrm>
+          <a:prstGeom prst="roundRect">
+            <a:avLst/>
+          </a:prstGeom>
+        </p:spPr>
+        <p:style>
+          <a:lnRef idx="2">
+            <a:schemeClr val="accent3">
+              <a:shade val="50000"/>
+            </a:schemeClr>
+          </a:lnRef>
+          <a:fillRef idx="1">
+            <a:schemeClr val="accent3"/>
+          </a:fillRef>
+          <a:effectRef idx="0">
+            <a:schemeClr val="accent3"/>
+          </a:effectRef>
+          <a:fontRef idx="minor">
+            <a:schemeClr val="lt1"/>
+          </a:fontRef>
+        </p:style>
+        <p:txBody>
+          <a:bodyPr rtlCol="0" anchor="ctr"/>
+          <a:lstStyle/>
+          <a:p>
+            <a:pPr algn="ctr"/>
+            <a:r>
+              <a:rPr lang="de-DE" dirty="0"/>
+              <a:t>Provider State</a:t>
+            </a:r>
+          </a:p>
+          <a:p>
+            <a:pPr algn="ctr"/>
+            <a:r>
+              <a:rPr lang="de-DE" dirty="0"/>
+              <a:t>(optional)</a:t>
+            </a:r>
+          </a:p>
+        </p:txBody>
+      </p:sp>
+      <p:sp>
+        <p:nvSpPr>
+          <p:cNvPr id="22" name="Rechteck: abgerundete Ecken 21">
+            <a:extLst>
+              <a:ext uri="{FF2B5EF4-FFF2-40B4-BE49-F238E27FC236}">
+                <a16:creationId xmlns:a16="http://schemas.microsoft.com/office/drawing/2014/main" id="{EBF35F8C-EB20-41B0-A326-86F535C0B07F}"/>
+              </a:ext>
+            </a:extLst>
+          </p:cNvPr>
+          <p:cNvSpPr/>
+          <p:nvPr/>
+        </p:nvSpPr>
+        <p:spPr>
+          <a:xfrm>
+            <a:off x="7884461" y="2386069"/>
+            <a:ext cx="2003610" cy="3072655"/>
+          </a:xfrm>
+          <a:prstGeom prst="roundRect">
+            <a:avLst/>
+          </a:prstGeom>
+        </p:spPr>
+        <p:style>
+          <a:lnRef idx="2">
+            <a:schemeClr val="accent2">
+              <a:shade val="50000"/>
+            </a:schemeClr>
+          </a:lnRef>
+          <a:fillRef idx="1">
+            <a:schemeClr val="accent2"/>
+          </a:fillRef>
+          <a:effectRef idx="0">
+            <a:schemeClr val="accent2"/>
+          </a:effectRef>
+          <a:fontRef idx="minor">
+            <a:schemeClr val="lt1"/>
+          </a:fontRef>
+        </p:style>
+        <p:txBody>
+          <a:bodyPr rtlCol="0" anchor="b" anchorCtr="0"/>
+          <a:lstStyle/>
+          <a:p>
+            <a:pPr algn="ctr"/>
+            <a:r>
+              <a:rPr lang="de-DE" dirty="0"/>
+              <a:t>Interaction</a:t>
+            </a:r>
+          </a:p>
+        </p:txBody>
+      </p:sp>
+      <p:sp>
+        <p:nvSpPr>
+          <p:cNvPr id="23" name="Rechteck: abgerundete Ecken 22">
+            <a:extLst>
+              <a:ext uri="{FF2B5EF4-FFF2-40B4-BE49-F238E27FC236}">
+                <a16:creationId xmlns:a16="http://schemas.microsoft.com/office/drawing/2014/main" id="{FE9BE0FB-B795-4DE7-BF92-00D84352A364}"/>
+              </a:ext>
+            </a:extLst>
+          </p:cNvPr>
+          <p:cNvSpPr/>
+          <p:nvPr/>
+        </p:nvSpPr>
+        <p:spPr>
+          <a:xfrm>
+            <a:off x="7980831" y="3340877"/>
+            <a:ext cx="1824680" cy="585329"/>
+          </a:xfrm>
+          <a:prstGeom prst="roundRect">
+            <a:avLst/>
+          </a:prstGeom>
+        </p:spPr>
+        <p:style>
+          <a:lnRef idx="2">
+            <a:schemeClr val="accent4">
+              <a:shade val="50000"/>
+            </a:schemeClr>
+          </a:lnRef>
+          <a:fillRef idx="1">
+            <a:schemeClr val="accent4"/>
+          </a:fillRef>
+          <a:effectRef idx="0">
+            <a:schemeClr val="accent4"/>
+          </a:effectRef>
+          <a:fontRef idx="minor">
+            <a:schemeClr val="lt1"/>
+          </a:fontRef>
+        </p:style>
+        <p:txBody>
+          <a:bodyPr rtlCol="0" anchor="ctr"/>
+          <a:lstStyle/>
+          <a:p>
+            <a:pPr algn="ctr"/>
+            <a:r>
+              <a:rPr lang="de-DE" dirty="0" err="1"/>
+              <a:t>Expected</a:t>
+            </a:r>
+            <a:r>
+              <a:rPr lang="de-DE" dirty="0"/>
+              <a:t> Request</a:t>
+            </a:r>
+          </a:p>
+        </p:txBody>
+      </p:sp>
+      <p:sp>
+        <p:nvSpPr>
+          <p:cNvPr id="24" name="Rechteck: abgerundete Ecken 23">
+            <a:extLst>
+              <a:ext uri="{FF2B5EF4-FFF2-40B4-BE49-F238E27FC236}">
+                <a16:creationId xmlns:a16="http://schemas.microsoft.com/office/drawing/2014/main" id="{F043A148-94CC-4B90-B8EE-1BF512F390EF}"/>
+              </a:ext>
+            </a:extLst>
+          </p:cNvPr>
+          <p:cNvSpPr/>
+          <p:nvPr/>
+        </p:nvSpPr>
+        <p:spPr>
+          <a:xfrm>
+            <a:off x="7980831" y="4061143"/>
+            <a:ext cx="1824680" cy="794857"/>
+          </a:xfrm>
+          <a:prstGeom prst="roundRect">
+            <a:avLst/>
+          </a:prstGeom>
+        </p:spPr>
+        <p:style>
+          <a:lnRef idx="2">
+            <a:schemeClr val="accent4">
+              <a:shade val="50000"/>
+            </a:schemeClr>
+          </a:lnRef>
+          <a:fillRef idx="1">
+            <a:schemeClr val="accent4"/>
+          </a:fillRef>
+          <a:effectRef idx="0">
+            <a:schemeClr val="accent4"/>
+          </a:effectRef>
+          <a:fontRef idx="minor">
+            <a:schemeClr val="lt1"/>
+          </a:fontRef>
+        </p:style>
+        <p:txBody>
+          <a:bodyPr rtlCol="0" anchor="ctr"/>
+          <a:lstStyle/>
+          <a:p>
+            <a:pPr algn="ctr"/>
+            <a:r>
+              <a:rPr lang="de-DE" dirty="0" err="1"/>
+              <a:t>Expected</a:t>
+            </a:r>
+            <a:endParaRPr lang="de-DE" dirty="0"/>
+          </a:p>
+          <a:p>
+            <a:pPr algn="ctr"/>
+            <a:r>
+              <a:rPr lang="de-DE" dirty="0"/>
+              <a:t>Minimal Response</a:t>
+            </a:r>
+          </a:p>
+        </p:txBody>
+      </p:sp>
+      <p:sp>
+        <p:nvSpPr>
+          <p:cNvPr id="25" name="Rechteck: abgerundete Ecken 24">
+            <a:extLst>
+              <a:ext uri="{FF2B5EF4-FFF2-40B4-BE49-F238E27FC236}">
+                <a16:creationId xmlns:a16="http://schemas.microsoft.com/office/drawing/2014/main" id="{FE0C0EA0-18E7-4622-8D29-789E808D4695}"/>
+              </a:ext>
+            </a:extLst>
+          </p:cNvPr>
+          <p:cNvSpPr/>
+          <p:nvPr/>
+        </p:nvSpPr>
+        <p:spPr>
+          <a:xfrm>
+            <a:off x="7980831" y="2620611"/>
+            <a:ext cx="1824680" cy="585329"/>
+          </a:xfrm>
+          <a:prstGeom prst="roundRect">
+            <a:avLst/>
+          </a:prstGeom>
+        </p:spPr>
+        <p:style>
+          <a:lnRef idx="2">
+            <a:schemeClr val="accent3">
+              <a:shade val="50000"/>
+            </a:schemeClr>
+          </a:lnRef>
+          <a:fillRef idx="1">
+            <a:schemeClr val="accent3"/>
+          </a:fillRef>
+          <a:effectRef idx="0">
+            <a:schemeClr val="accent3"/>
+          </a:effectRef>
+          <a:fontRef idx="minor">
+            <a:schemeClr val="lt1"/>
+          </a:fontRef>
+        </p:style>
+        <p:txBody>
+          <a:bodyPr rtlCol="0" anchor="ctr"/>
+          <a:lstStyle/>
+          <a:p>
+            <a:pPr algn="ctr"/>
+            <a:r>
+              <a:rPr lang="de-DE" dirty="0"/>
+              <a:t>Provider State</a:t>
+            </a:r>
+          </a:p>
+          <a:p>
+            <a:pPr algn="ctr"/>
+            <a:r>
+              <a:rPr lang="de-DE" dirty="0"/>
+              <a:t>(optional)</a:t>
+            </a:r>
+          </a:p>
+        </p:txBody>
+      </p:sp>
+      <p:sp>
+        <p:nvSpPr>
+          <p:cNvPr id="34" name="Rechteck: abgerundete Ecken 33">
+            <a:extLst>
+              <a:ext uri="{FF2B5EF4-FFF2-40B4-BE49-F238E27FC236}">
+                <a16:creationId xmlns:a16="http://schemas.microsoft.com/office/drawing/2014/main" id="{EAB32252-D643-4D29-AE2A-9968D6510222}"/>
+              </a:ext>
+            </a:extLst>
+          </p:cNvPr>
+          <p:cNvSpPr/>
+          <p:nvPr/>
+        </p:nvSpPr>
+        <p:spPr>
+          <a:xfrm>
+            <a:off x="8357348" y="2619827"/>
+            <a:ext cx="2003610" cy="3072655"/>
+          </a:xfrm>
+          <a:prstGeom prst="roundRect">
+            <a:avLst/>
+          </a:prstGeom>
+        </p:spPr>
+        <p:style>
+          <a:lnRef idx="2">
+            <a:schemeClr val="accent2">
+              <a:shade val="50000"/>
+            </a:schemeClr>
+          </a:lnRef>
+          <a:fillRef idx="1">
+            <a:schemeClr val="accent2"/>
+          </a:fillRef>
+          <a:effectRef idx="0">
+            <a:schemeClr val="accent2"/>
+          </a:effectRef>
+          <a:fontRef idx="minor">
+            <a:schemeClr val="lt1"/>
+          </a:fontRef>
+        </p:style>
+        <p:txBody>
+          <a:bodyPr rtlCol="0" anchor="b" anchorCtr="0"/>
+          <a:lstStyle/>
+          <a:p>
+            <a:pPr algn="ctr"/>
+            <a:r>
+              <a:rPr lang="de-DE" dirty="0"/>
+              <a:t>Interaction</a:t>
+            </a:r>
+          </a:p>
+        </p:txBody>
+      </p:sp>
+      <p:sp>
+        <p:nvSpPr>
+          <p:cNvPr id="35" name="Rechteck: abgerundete Ecken 34">
+            <a:extLst>
+              <a:ext uri="{FF2B5EF4-FFF2-40B4-BE49-F238E27FC236}">
+                <a16:creationId xmlns:a16="http://schemas.microsoft.com/office/drawing/2014/main" id="{65881189-ABB1-491F-849E-EE39CCA97B21}"/>
+              </a:ext>
+            </a:extLst>
+          </p:cNvPr>
+          <p:cNvSpPr/>
+          <p:nvPr/>
+        </p:nvSpPr>
+        <p:spPr>
+          <a:xfrm>
+            <a:off x="8453718" y="3574635"/>
+            <a:ext cx="1824680" cy="585329"/>
+          </a:xfrm>
+          <a:prstGeom prst="roundRect">
+            <a:avLst/>
+          </a:prstGeom>
+        </p:spPr>
+        <p:style>
+          <a:lnRef idx="2">
+            <a:schemeClr val="accent4">
+              <a:shade val="50000"/>
+            </a:schemeClr>
+          </a:lnRef>
+          <a:fillRef idx="1">
+            <a:schemeClr val="accent4"/>
+          </a:fillRef>
+          <a:effectRef idx="0">
+            <a:schemeClr val="accent4"/>
+          </a:effectRef>
+          <a:fontRef idx="minor">
+            <a:schemeClr val="lt1"/>
+          </a:fontRef>
+        </p:style>
+        <p:txBody>
+          <a:bodyPr rtlCol="0" anchor="ctr"/>
+          <a:lstStyle/>
+          <a:p>
+            <a:pPr algn="ctr"/>
+            <a:r>
+              <a:rPr lang="de-DE" dirty="0" err="1"/>
+              <a:t>Expected</a:t>
+            </a:r>
+            <a:r>
+              <a:rPr lang="de-DE" dirty="0"/>
+              <a:t> Request</a:t>
+            </a:r>
+          </a:p>
+        </p:txBody>
+      </p:sp>
+      <p:sp>
+        <p:nvSpPr>
+          <p:cNvPr id="36" name="Rechteck: abgerundete Ecken 35">
+            <a:extLst>
+              <a:ext uri="{FF2B5EF4-FFF2-40B4-BE49-F238E27FC236}">
+                <a16:creationId xmlns:a16="http://schemas.microsoft.com/office/drawing/2014/main" id="{04EBDE84-0B8F-42B0-8EEC-3099CC28CBAA}"/>
+              </a:ext>
+            </a:extLst>
+          </p:cNvPr>
+          <p:cNvSpPr/>
+          <p:nvPr/>
+        </p:nvSpPr>
+        <p:spPr>
+          <a:xfrm>
+            <a:off x="8453718" y="4294901"/>
+            <a:ext cx="1824680" cy="794857"/>
+          </a:xfrm>
+          <a:prstGeom prst="roundRect">
+            <a:avLst/>
+          </a:prstGeom>
+        </p:spPr>
+        <p:style>
+          <a:lnRef idx="2">
+            <a:schemeClr val="accent4">
+              <a:shade val="50000"/>
+            </a:schemeClr>
+          </a:lnRef>
+          <a:fillRef idx="1">
+            <a:schemeClr val="accent4"/>
+          </a:fillRef>
+          <a:effectRef idx="0">
+            <a:schemeClr val="accent4"/>
+          </a:effectRef>
+          <a:fontRef idx="minor">
+            <a:schemeClr val="lt1"/>
+          </a:fontRef>
+        </p:style>
+        <p:txBody>
+          <a:bodyPr rtlCol="0" anchor="ctr"/>
+          <a:lstStyle/>
+          <a:p>
+            <a:pPr algn="ctr"/>
+            <a:r>
+              <a:rPr lang="de-DE" dirty="0" err="1"/>
+              <a:t>Expected</a:t>
+            </a:r>
+            <a:endParaRPr lang="de-DE" dirty="0"/>
+          </a:p>
+          <a:p>
+            <a:pPr algn="ctr"/>
+            <a:r>
+              <a:rPr lang="de-DE" dirty="0"/>
+              <a:t>Minimal Response</a:t>
+            </a:r>
+          </a:p>
+        </p:txBody>
+      </p:sp>
+      <p:sp>
+        <p:nvSpPr>
+          <p:cNvPr id="37" name="Rechteck: abgerundete Ecken 36">
+            <a:extLst>
+              <a:ext uri="{FF2B5EF4-FFF2-40B4-BE49-F238E27FC236}">
+                <a16:creationId xmlns:a16="http://schemas.microsoft.com/office/drawing/2014/main" id="{3586A200-5018-413A-B033-EE3E87AC7420}"/>
+              </a:ext>
+            </a:extLst>
+          </p:cNvPr>
+          <p:cNvSpPr/>
+          <p:nvPr/>
+        </p:nvSpPr>
+        <p:spPr>
+          <a:xfrm>
+            <a:off x="8453718" y="2854369"/>
+            <a:ext cx="1824680" cy="585329"/>
+          </a:xfrm>
+          <a:prstGeom prst="roundRect">
+            <a:avLst/>
+          </a:prstGeom>
+        </p:spPr>
+        <p:style>
+          <a:lnRef idx="2">
+            <a:schemeClr val="accent3">
+              <a:shade val="50000"/>
+            </a:schemeClr>
+          </a:lnRef>
+          <a:fillRef idx="1">
+            <a:schemeClr val="accent3"/>
+          </a:fillRef>
+          <a:effectRef idx="0">
+            <a:schemeClr val="accent3"/>
+          </a:effectRef>
+          <a:fontRef idx="minor">
+            <a:schemeClr val="lt1"/>
+          </a:fontRef>
+        </p:style>
+        <p:txBody>
+          <a:bodyPr rtlCol="0" anchor="ctr"/>
+          <a:lstStyle/>
+          <a:p>
+            <a:pPr algn="ctr"/>
+            <a:r>
+              <a:rPr lang="de-DE" dirty="0"/>
+              <a:t>Provider State</a:t>
+            </a:r>
+          </a:p>
+          <a:p>
+            <a:pPr algn="ctr"/>
+            <a:r>
+              <a:rPr lang="de-DE" dirty="0"/>
+              <a:t>(optional)</a:t>
+            </a:r>
+          </a:p>
+        </p:txBody>
+      </p:sp>
+    </p:spTree>
+    <p:extLst>
+      <p:ext uri="{BB962C8B-B14F-4D97-AF65-F5344CB8AC3E}">
+        <p14:creationId xmlns:p14="http://schemas.microsoft.com/office/powerpoint/2010/main" val="3559829259"/>
+      </p:ext>
+    </p:extLst>
+  </p:cSld>
+  <p:clrMapOvr>
+    <a:masterClrMapping/>
+  </p:clrMapOvr>
+</p:sld>
+</file>
+
+<file path=ppt/slides/slide17.xml><?xml version="1.0" encoding="utf-8"?>
+<p:sld xmlns:a="http://schemas.openxmlformats.org/drawingml/2006/main" xmlns:r="http://schemas.openxmlformats.org/officeDocument/2006/relationships" xmlns:p="http://schemas.openxmlformats.org/presentationml/2006/main">
+  <p:cSld>
+    <p:spTree>
+      <p:nvGrpSpPr>
+        <p:cNvPr id="1" name=""/>
+        <p:cNvGrpSpPr/>
+        <p:nvPr/>
+      </p:nvGrpSpPr>
+      <p:grpSpPr>
+        <a:xfrm>
+          <a:off x="0" y="0"/>
+          <a:ext cx="0" cy="0"/>
+          <a:chOff x="0" y="0"/>
+          <a:chExt cx="0" cy="0"/>
+        </a:xfrm>
+      </p:grpSpPr>
+      <p:sp>
+        <p:nvSpPr>
+          <p:cNvPr id="2" name="Titel 1">
+            <a:extLst>
+              <a:ext uri="{FF2B5EF4-FFF2-40B4-BE49-F238E27FC236}">
+                <a16:creationId xmlns:a16="http://schemas.microsoft.com/office/drawing/2014/main" id="{C734F834-D5A5-4DC9-AEC6-A66BDCCA32A6}"/>
+              </a:ext>
+            </a:extLst>
+          </p:cNvPr>
+          <p:cNvSpPr>
+            <a:spLocks noGrp="1"/>
+          </p:cNvSpPr>
+          <p:nvPr>
+            <p:ph type="title"/>
+          </p:nvPr>
+        </p:nvSpPr>
+        <p:spPr/>
+        <p:txBody>
+          <a:bodyPr/>
+          <a:lstStyle/>
+          <a:p>
+            <a:r>
+              <a:rPr lang="de-DE" dirty="0"/>
+              <a:t>Consumer Tests</a:t>
+            </a:r>
+          </a:p>
+        </p:txBody>
+      </p:sp>
+      <p:sp>
+        <p:nvSpPr>
+          <p:cNvPr id="3" name="Inhaltsplatzhalter 2">
+            <a:extLst>
+              <a:ext uri="{FF2B5EF4-FFF2-40B4-BE49-F238E27FC236}">
+                <a16:creationId xmlns:a16="http://schemas.microsoft.com/office/drawing/2014/main" id="{F5210324-BC78-4DEF-B95E-78C14CCB04E6}"/>
+              </a:ext>
+            </a:extLst>
+          </p:cNvPr>
+          <p:cNvSpPr>
+            <a:spLocks noGrp="1"/>
+          </p:cNvSpPr>
+          <p:nvPr>
+            <p:ph sz="half" idx="1"/>
+          </p:nvPr>
+        </p:nvSpPr>
+        <p:spPr/>
+        <p:txBody>
+          <a:bodyPr/>
+          <a:lstStyle/>
+          <a:p>
+            <a:endParaRPr lang="de-DE"/>
+          </a:p>
+        </p:txBody>
+      </p:sp>
+      <p:sp>
+        <p:nvSpPr>
+          <p:cNvPr id="4" name="Inhaltsplatzhalter 3">
+            <a:extLst>
+              <a:ext uri="{FF2B5EF4-FFF2-40B4-BE49-F238E27FC236}">
+                <a16:creationId xmlns:a16="http://schemas.microsoft.com/office/drawing/2014/main" id="{A205CE5C-33F2-4473-BC18-1AFFD1CA6491}"/>
+              </a:ext>
+            </a:extLst>
+          </p:cNvPr>
+          <p:cNvSpPr>
+            <a:spLocks noGrp="1"/>
+          </p:cNvSpPr>
+          <p:nvPr>
+            <p:ph sz="half" idx="2"/>
+          </p:nvPr>
+        </p:nvSpPr>
+        <p:spPr/>
+        <p:txBody>
+          <a:bodyPr/>
+          <a:lstStyle/>
+          <a:p>
+            <a:endParaRPr lang="de-DE"/>
+          </a:p>
+        </p:txBody>
+      </p:sp>
+    </p:spTree>
+    <p:extLst>
+      <p:ext uri="{BB962C8B-B14F-4D97-AF65-F5344CB8AC3E}">
+        <p14:creationId xmlns:p14="http://schemas.microsoft.com/office/powerpoint/2010/main" val="2289293521"/>
+      </p:ext>
+    </p:extLst>
+  </p:cSld>
+  <p:clrMapOvr>
+    <a:masterClrMapping/>
+  </p:clrMapOvr>
+</p:sld>
+</file>
+
+<file path=ppt/slides/slide18.xml><?xml version="1.0" encoding="utf-8"?>
+<p:sld xmlns:a="http://schemas.openxmlformats.org/drawingml/2006/main" xmlns:r="http://schemas.openxmlformats.org/officeDocument/2006/relationships" xmlns:p="http://schemas.openxmlformats.org/presentationml/2006/main">
+  <p:cSld>
+    <p:spTree>
+      <p:nvGrpSpPr>
+        <p:cNvPr id="1" name=""/>
+        <p:cNvGrpSpPr/>
+        <p:nvPr/>
+      </p:nvGrpSpPr>
+      <p:grpSpPr>
+        <a:xfrm>
+          <a:off x="0" y="0"/>
+          <a:ext cx="0" cy="0"/>
+          <a:chOff x="0" y="0"/>
+          <a:chExt cx="0" cy="0"/>
+        </a:xfrm>
+      </p:grpSpPr>
+      <p:sp>
+        <p:nvSpPr>
+          <p:cNvPr id="5" name="Titel 4">
+            <a:extLst>
+              <a:ext uri="{FF2B5EF4-FFF2-40B4-BE49-F238E27FC236}">
+                <a16:creationId xmlns:a16="http://schemas.microsoft.com/office/drawing/2014/main" id="{A199AABF-42CA-48C1-866C-901A6A736337}"/>
+              </a:ext>
+            </a:extLst>
+          </p:cNvPr>
+          <p:cNvSpPr>
+            <a:spLocks noGrp="1"/>
+          </p:cNvSpPr>
+          <p:nvPr>
+            <p:ph type="title"/>
+          </p:nvPr>
+        </p:nvSpPr>
+        <p:spPr/>
+        <p:txBody>
+          <a:bodyPr/>
+          <a:lstStyle/>
+          <a:p>
+            <a:r>
+              <a:rPr lang="de-DE" dirty="0"/>
+              <a:t>Demo</a:t>
+            </a:r>
+          </a:p>
+        </p:txBody>
+      </p:sp>
+      <p:sp>
+        <p:nvSpPr>
+          <p:cNvPr id="6" name="Textplatzhalter 5">
+            <a:extLst>
+              <a:ext uri="{FF2B5EF4-FFF2-40B4-BE49-F238E27FC236}">
+                <a16:creationId xmlns:a16="http://schemas.microsoft.com/office/drawing/2014/main" id="{D0F1FC17-1F5F-4006-9E7D-A3C1E627161A}"/>
+              </a:ext>
+            </a:extLst>
+          </p:cNvPr>
+          <p:cNvSpPr>
+            <a:spLocks noGrp="1"/>
+          </p:cNvSpPr>
+          <p:nvPr>
+            <p:ph type="body" idx="1"/>
+          </p:nvPr>
+        </p:nvSpPr>
+        <p:spPr/>
+        <p:txBody>
+          <a:bodyPr/>
+          <a:lstStyle/>
+          <a:p>
+            <a:r>
+              <a:rPr lang="de-DE" dirty="0" err="1"/>
+              <a:t>Creating</a:t>
+            </a:r>
+            <a:r>
+              <a:rPr lang="de-DE" dirty="0"/>
+              <a:t> Consumer Tests</a:t>
+            </a:r>
+          </a:p>
+        </p:txBody>
+      </p:sp>
+    </p:spTree>
+    <p:extLst>
+      <p:ext uri="{BB962C8B-B14F-4D97-AF65-F5344CB8AC3E}">
+        <p14:creationId xmlns:p14="http://schemas.microsoft.com/office/powerpoint/2010/main" val="1954178484"/>
+      </p:ext>
+    </p:extLst>
+  </p:cSld>
+  <p:clrMapOvr>
+    <a:masterClrMapping/>
+  </p:clrMapOvr>
+</p:sld>
+</file>
+
+<file path=ppt/slides/slide19.xml><?xml version="1.0" encoding="utf-8"?>
+<p:sld xmlns:a="http://schemas.openxmlformats.org/drawingml/2006/main" xmlns:r="http://schemas.openxmlformats.org/officeDocument/2006/relationships" xmlns:p="http://schemas.openxmlformats.org/presentationml/2006/main">
+  <p:cSld>
+    <p:spTree>
+      <p:nvGrpSpPr>
+        <p:cNvPr id="1" name=""/>
+        <p:cNvGrpSpPr/>
+        <p:nvPr/>
+      </p:nvGrpSpPr>
+      <p:grpSpPr>
+        <a:xfrm>
+          <a:off x="0" y="0"/>
+          <a:ext cx="0" cy="0"/>
+          <a:chOff x="0" y="0"/>
+          <a:chExt cx="0" cy="0"/>
+        </a:xfrm>
+      </p:grpSpPr>
+      <p:sp>
+        <p:nvSpPr>
+          <p:cNvPr id="2" name="Titel 1">
+            <a:extLst>
+              <a:ext uri="{FF2B5EF4-FFF2-40B4-BE49-F238E27FC236}">
+                <a16:creationId xmlns:a16="http://schemas.microsoft.com/office/drawing/2014/main" id="{F6D8A003-AE88-4890-A11B-649504A50008}"/>
+              </a:ext>
+            </a:extLst>
+          </p:cNvPr>
+          <p:cNvSpPr>
+            <a:spLocks noGrp="1"/>
+          </p:cNvSpPr>
+          <p:nvPr>
+            <p:ph type="title"/>
+          </p:nvPr>
+        </p:nvSpPr>
+        <p:spPr/>
+        <p:txBody>
+          <a:bodyPr/>
+          <a:lstStyle/>
+          <a:p>
+            <a:r>
+              <a:rPr lang="de-DE" dirty="0"/>
+              <a:t>Demo</a:t>
+            </a:r>
+          </a:p>
+        </p:txBody>
+      </p:sp>
+      <p:sp>
+        <p:nvSpPr>
+          <p:cNvPr id="3" name="Textplatzhalter 2">
+            <a:extLst>
+              <a:ext uri="{FF2B5EF4-FFF2-40B4-BE49-F238E27FC236}">
+                <a16:creationId xmlns:a16="http://schemas.microsoft.com/office/drawing/2014/main" id="{A923AF01-4379-480E-A8C5-83D4A0720EFA}"/>
+              </a:ext>
+            </a:extLst>
+          </p:cNvPr>
+          <p:cNvSpPr>
+            <a:spLocks noGrp="1"/>
+          </p:cNvSpPr>
+          <p:nvPr>
+            <p:ph type="body" idx="1"/>
+          </p:nvPr>
+        </p:nvSpPr>
+        <p:spPr/>
+        <p:txBody>
+          <a:bodyPr/>
+          <a:lstStyle/>
+          <a:p>
+            <a:r>
+              <a:rPr lang="de-DE" dirty="0" err="1"/>
+              <a:t>Creating</a:t>
+            </a:r>
+            <a:r>
+              <a:rPr lang="de-DE" dirty="0"/>
+              <a:t> Provider Tests</a:t>
+            </a:r>
+          </a:p>
+        </p:txBody>
+      </p:sp>
+    </p:spTree>
+    <p:extLst>
+      <p:ext uri="{BB962C8B-B14F-4D97-AF65-F5344CB8AC3E}">
+        <p14:creationId xmlns:p14="http://schemas.microsoft.com/office/powerpoint/2010/main" val="1434751405"/>
       </p:ext>
     </p:extLst>
   </p:cSld>
@@ -18725,6 +20390,675 @@
     <p:extLst>
       <p:ext uri="{BB962C8B-B14F-4D97-AF65-F5344CB8AC3E}">
         <p14:creationId xmlns:p14="http://schemas.microsoft.com/office/powerpoint/2010/main" val="1387228931"/>
+      </p:ext>
+    </p:extLst>
+  </p:cSld>
+  <p:clrMapOvr>
+    <a:masterClrMapping/>
+  </p:clrMapOvr>
+</p:sld>
+</file>
+
+<file path=ppt/slides/slide20.xml><?xml version="1.0" encoding="utf-8"?>
+<p:sld xmlns:a="http://schemas.openxmlformats.org/drawingml/2006/main" xmlns:r="http://schemas.openxmlformats.org/officeDocument/2006/relationships" xmlns:p="http://schemas.openxmlformats.org/presentationml/2006/main">
+  <p:cSld>
+    <p:spTree>
+      <p:nvGrpSpPr>
+        <p:cNvPr id="1" name=""/>
+        <p:cNvGrpSpPr/>
+        <p:nvPr/>
+      </p:nvGrpSpPr>
+      <p:grpSpPr>
+        <a:xfrm>
+          <a:off x="0" y="0"/>
+          <a:ext cx="0" cy="0"/>
+          <a:chOff x="0" y="0"/>
+          <a:chExt cx="0" cy="0"/>
+        </a:xfrm>
+      </p:grpSpPr>
+      <p:sp>
+        <p:nvSpPr>
+          <p:cNvPr id="4" name="Titel 3">
+            <a:extLst>
+              <a:ext uri="{FF2B5EF4-FFF2-40B4-BE49-F238E27FC236}">
+                <a16:creationId xmlns:a16="http://schemas.microsoft.com/office/drawing/2014/main" id="{2F9EC6CB-6E85-4A70-B384-DD26345D3AB7}"/>
+              </a:ext>
+            </a:extLst>
+          </p:cNvPr>
+          <p:cNvSpPr>
+            <a:spLocks noGrp="1"/>
+          </p:cNvSpPr>
+          <p:nvPr>
+            <p:ph type="title"/>
+          </p:nvPr>
+        </p:nvSpPr>
+        <p:spPr/>
+        <p:txBody>
+          <a:bodyPr/>
+          <a:lstStyle/>
+          <a:p>
+            <a:r>
+              <a:rPr lang="de-DE" dirty="0"/>
+              <a:t>Supported </a:t>
+            </a:r>
+            <a:r>
+              <a:rPr lang="de-DE" dirty="0" err="1"/>
+              <a:t>languages</a:t>
+            </a:r>
+            <a:endParaRPr lang="de-DE" dirty="0"/>
+          </a:p>
+        </p:txBody>
+      </p:sp>
+      <p:sp>
+        <p:nvSpPr>
+          <p:cNvPr id="5" name="Inhaltsplatzhalter 4">
+            <a:extLst>
+              <a:ext uri="{FF2B5EF4-FFF2-40B4-BE49-F238E27FC236}">
+                <a16:creationId xmlns:a16="http://schemas.microsoft.com/office/drawing/2014/main" id="{01545CEF-F65F-41CA-884B-7AF3E7097EB9}"/>
+              </a:ext>
+            </a:extLst>
+          </p:cNvPr>
+          <p:cNvSpPr>
+            <a:spLocks noGrp="1"/>
+          </p:cNvSpPr>
+          <p:nvPr>
+            <p:ph idx="1"/>
+          </p:nvPr>
+        </p:nvSpPr>
+        <p:spPr/>
+        <p:txBody>
+          <a:bodyPr/>
+          <a:lstStyle/>
+          <a:p>
+            <a:endParaRPr lang="de-DE" dirty="0"/>
+          </a:p>
+        </p:txBody>
+      </p:sp>
+    </p:spTree>
+    <p:extLst>
+      <p:ext uri="{BB962C8B-B14F-4D97-AF65-F5344CB8AC3E}">
+        <p14:creationId xmlns:p14="http://schemas.microsoft.com/office/powerpoint/2010/main" val="692880108"/>
+      </p:ext>
+    </p:extLst>
+  </p:cSld>
+  <p:clrMapOvr>
+    <a:masterClrMapping/>
+  </p:clrMapOvr>
+</p:sld>
+</file>
+
+<file path=ppt/slides/slide21.xml><?xml version="1.0" encoding="utf-8"?>
+<p:sld xmlns:a="http://schemas.openxmlformats.org/drawingml/2006/main" xmlns:r="http://schemas.openxmlformats.org/officeDocument/2006/relationships" xmlns:p="http://schemas.openxmlformats.org/presentationml/2006/main">
+  <p:cSld>
+    <p:spTree>
+      <p:nvGrpSpPr>
+        <p:cNvPr id="1" name=""/>
+        <p:cNvGrpSpPr/>
+        <p:nvPr/>
+      </p:nvGrpSpPr>
+      <p:grpSpPr>
+        <a:xfrm>
+          <a:off x="0" y="0"/>
+          <a:ext cx="0" cy="0"/>
+          <a:chOff x="0" y="0"/>
+          <a:chExt cx="0" cy="0"/>
+        </a:xfrm>
+      </p:grpSpPr>
+      <p:sp>
+        <p:nvSpPr>
+          <p:cNvPr id="2" name="Titel 1">
+            <a:extLst>
+              <a:ext uri="{FF2B5EF4-FFF2-40B4-BE49-F238E27FC236}">
+                <a16:creationId xmlns:a16="http://schemas.microsoft.com/office/drawing/2014/main" id="{C0EB144C-C0AF-4681-85E5-C4B916854102}"/>
+              </a:ext>
+            </a:extLst>
+          </p:cNvPr>
+          <p:cNvSpPr>
+            <a:spLocks noGrp="1"/>
+          </p:cNvSpPr>
+          <p:nvPr>
+            <p:ph type="title"/>
+          </p:nvPr>
+        </p:nvSpPr>
+        <p:spPr/>
+        <p:txBody>
+          <a:bodyPr/>
+          <a:lstStyle/>
+          <a:p>
+            <a:r>
+              <a:rPr lang="de-DE" dirty="0"/>
+              <a:t>Demo</a:t>
+            </a:r>
+          </a:p>
+        </p:txBody>
+      </p:sp>
+      <p:sp>
+        <p:nvSpPr>
+          <p:cNvPr id="3" name="Textplatzhalter 2">
+            <a:extLst>
+              <a:ext uri="{FF2B5EF4-FFF2-40B4-BE49-F238E27FC236}">
+                <a16:creationId xmlns:a16="http://schemas.microsoft.com/office/drawing/2014/main" id="{6AC6F36F-F1BA-447D-9B13-1053D0BC6E1C}"/>
+              </a:ext>
+            </a:extLst>
+          </p:cNvPr>
+          <p:cNvSpPr>
+            <a:spLocks noGrp="1"/>
+          </p:cNvSpPr>
+          <p:nvPr>
+            <p:ph type="body" idx="1"/>
+          </p:nvPr>
+        </p:nvSpPr>
+        <p:spPr/>
+        <p:txBody>
+          <a:bodyPr/>
+          <a:lstStyle/>
+          <a:p>
+            <a:r>
+              <a:rPr lang="de-DE" dirty="0" err="1"/>
+              <a:t>Creating</a:t>
+            </a:r>
+            <a:r>
+              <a:rPr lang="de-DE" dirty="0"/>
+              <a:t> Consumer Tests </a:t>
+            </a:r>
+            <a:r>
+              <a:rPr lang="de-DE" dirty="0" err="1"/>
+              <a:t>for</a:t>
+            </a:r>
+            <a:r>
+              <a:rPr lang="de-DE" dirty="0"/>
+              <a:t> Web Client</a:t>
+            </a:r>
+          </a:p>
+        </p:txBody>
+      </p:sp>
+    </p:spTree>
+    <p:extLst>
+      <p:ext uri="{BB962C8B-B14F-4D97-AF65-F5344CB8AC3E}">
+        <p14:creationId xmlns:p14="http://schemas.microsoft.com/office/powerpoint/2010/main" val="3847536293"/>
+      </p:ext>
+    </p:extLst>
+  </p:cSld>
+  <p:clrMapOvr>
+    <a:masterClrMapping/>
+  </p:clrMapOvr>
+</p:sld>
+</file>
+
+<file path=ppt/slides/slide22.xml><?xml version="1.0" encoding="utf-8"?>
+<p:sld xmlns:a="http://schemas.openxmlformats.org/drawingml/2006/main" xmlns:r="http://schemas.openxmlformats.org/officeDocument/2006/relationships" xmlns:p="http://schemas.openxmlformats.org/presentationml/2006/main">
+  <p:cSld>
+    <p:spTree>
+      <p:nvGrpSpPr>
+        <p:cNvPr id="1" name=""/>
+        <p:cNvGrpSpPr/>
+        <p:nvPr/>
+      </p:nvGrpSpPr>
+      <p:grpSpPr>
+        <a:xfrm>
+          <a:off x="0" y="0"/>
+          <a:ext cx="0" cy="0"/>
+          <a:chOff x="0" y="0"/>
+          <a:chExt cx="0" cy="0"/>
+        </a:xfrm>
+      </p:grpSpPr>
+      <p:sp>
+        <p:nvSpPr>
+          <p:cNvPr id="4" name="Titel 3">
+            <a:extLst>
+              <a:ext uri="{FF2B5EF4-FFF2-40B4-BE49-F238E27FC236}">
+                <a16:creationId xmlns:a16="http://schemas.microsoft.com/office/drawing/2014/main" id="{65F8A420-7F7A-4973-A6D8-DD8E496319C6}"/>
+              </a:ext>
+            </a:extLst>
+          </p:cNvPr>
+          <p:cNvSpPr>
+            <a:spLocks noGrp="1"/>
+          </p:cNvSpPr>
+          <p:nvPr>
+            <p:ph type="title"/>
+          </p:nvPr>
+        </p:nvSpPr>
+        <p:spPr/>
+        <p:txBody>
+          <a:bodyPr/>
+          <a:lstStyle/>
+          <a:p>
+            <a:r>
+              <a:rPr lang="de-DE" dirty="0"/>
+              <a:t>PACT Broker</a:t>
+            </a:r>
+          </a:p>
+        </p:txBody>
+      </p:sp>
+      <p:sp>
+        <p:nvSpPr>
+          <p:cNvPr id="5" name="Inhaltsplatzhalter 4">
+            <a:extLst>
+              <a:ext uri="{FF2B5EF4-FFF2-40B4-BE49-F238E27FC236}">
+                <a16:creationId xmlns:a16="http://schemas.microsoft.com/office/drawing/2014/main" id="{F7D7AC5B-A7F4-447D-9253-D3DF94667D95}"/>
+              </a:ext>
+            </a:extLst>
+          </p:cNvPr>
+          <p:cNvSpPr>
+            <a:spLocks noGrp="1"/>
+          </p:cNvSpPr>
+          <p:nvPr>
+            <p:ph idx="1"/>
+          </p:nvPr>
+        </p:nvSpPr>
+        <p:spPr/>
+        <p:txBody>
+          <a:bodyPr/>
+          <a:lstStyle/>
+          <a:p>
+            <a:endParaRPr lang="de-DE" dirty="0"/>
+          </a:p>
+        </p:txBody>
+      </p:sp>
+    </p:spTree>
+    <p:extLst>
+      <p:ext uri="{BB962C8B-B14F-4D97-AF65-F5344CB8AC3E}">
+        <p14:creationId xmlns:p14="http://schemas.microsoft.com/office/powerpoint/2010/main" val="3253852607"/>
+      </p:ext>
+    </p:extLst>
+  </p:cSld>
+  <p:clrMapOvr>
+    <a:masterClrMapping/>
+  </p:clrMapOvr>
+</p:sld>
+</file>
+
+<file path=ppt/slides/slide23.xml><?xml version="1.0" encoding="utf-8"?>
+<p:sld xmlns:a="http://schemas.openxmlformats.org/drawingml/2006/main" xmlns:r="http://schemas.openxmlformats.org/officeDocument/2006/relationships" xmlns:p="http://schemas.openxmlformats.org/presentationml/2006/main">
+  <p:cSld>
+    <p:spTree>
+      <p:nvGrpSpPr>
+        <p:cNvPr id="1" name=""/>
+        <p:cNvGrpSpPr/>
+        <p:nvPr/>
+      </p:nvGrpSpPr>
+      <p:grpSpPr>
+        <a:xfrm>
+          <a:off x="0" y="0"/>
+          <a:ext cx="0" cy="0"/>
+          <a:chOff x="0" y="0"/>
+          <a:chExt cx="0" cy="0"/>
+        </a:xfrm>
+      </p:grpSpPr>
+      <p:sp>
+        <p:nvSpPr>
+          <p:cNvPr id="2" name="Titel 1">
+            <a:extLst>
+              <a:ext uri="{FF2B5EF4-FFF2-40B4-BE49-F238E27FC236}">
+                <a16:creationId xmlns:a16="http://schemas.microsoft.com/office/drawing/2014/main" id="{7217218E-596B-404A-AF2E-9144752620BE}"/>
+              </a:ext>
+            </a:extLst>
+          </p:cNvPr>
+          <p:cNvSpPr>
+            <a:spLocks noGrp="1"/>
+          </p:cNvSpPr>
+          <p:nvPr>
+            <p:ph type="title"/>
+          </p:nvPr>
+        </p:nvSpPr>
+        <p:spPr/>
+        <p:txBody>
+          <a:bodyPr/>
+          <a:lstStyle/>
+          <a:p>
+            <a:r>
+              <a:rPr lang="de-DE" dirty="0"/>
+              <a:t>Demo</a:t>
+            </a:r>
+          </a:p>
+        </p:txBody>
+      </p:sp>
+      <p:sp>
+        <p:nvSpPr>
+          <p:cNvPr id="3" name="Textplatzhalter 2">
+            <a:extLst>
+              <a:ext uri="{FF2B5EF4-FFF2-40B4-BE49-F238E27FC236}">
+                <a16:creationId xmlns:a16="http://schemas.microsoft.com/office/drawing/2014/main" id="{43890C45-A149-4BCB-8AAB-65B3FB365FB9}"/>
+              </a:ext>
+            </a:extLst>
+          </p:cNvPr>
+          <p:cNvSpPr>
+            <a:spLocks noGrp="1"/>
+          </p:cNvSpPr>
+          <p:nvPr>
+            <p:ph type="body" idx="1"/>
+          </p:nvPr>
+        </p:nvSpPr>
+        <p:spPr/>
+        <p:txBody>
+          <a:bodyPr/>
+          <a:lstStyle/>
+          <a:p>
+            <a:r>
+              <a:rPr lang="de-DE" dirty="0" err="1"/>
+              <a:t>Using</a:t>
+            </a:r>
+            <a:r>
+              <a:rPr lang="de-DE" dirty="0"/>
+              <a:t> PACT Broker </a:t>
+            </a:r>
+            <a:r>
+              <a:rPr lang="de-DE" dirty="0" err="1"/>
+              <a:t>for</a:t>
+            </a:r>
+            <a:r>
+              <a:rPr lang="de-DE" dirty="0"/>
+              <a:t> </a:t>
+            </a:r>
+            <a:r>
+              <a:rPr lang="de-DE" dirty="0" err="1"/>
+              <a:t>file</a:t>
+            </a:r>
+            <a:r>
+              <a:rPr lang="de-DE" dirty="0"/>
+              <a:t> </a:t>
+            </a:r>
+            <a:r>
+              <a:rPr lang="de-DE" dirty="0" err="1"/>
+              <a:t>distribution</a:t>
+            </a:r>
+            <a:endParaRPr lang="de-DE" dirty="0"/>
+          </a:p>
+        </p:txBody>
+      </p:sp>
+    </p:spTree>
+    <p:extLst>
+      <p:ext uri="{BB962C8B-B14F-4D97-AF65-F5344CB8AC3E}">
+        <p14:creationId xmlns:p14="http://schemas.microsoft.com/office/powerpoint/2010/main" val="4141222110"/>
+      </p:ext>
+    </p:extLst>
+  </p:cSld>
+  <p:clrMapOvr>
+    <a:masterClrMapping/>
+  </p:clrMapOvr>
+</p:sld>
+</file>
+
+<file path=ppt/slides/slide24.xml><?xml version="1.0" encoding="utf-8"?>
+<p:sld xmlns:a="http://schemas.openxmlformats.org/drawingml/2006/main" xmlns:r="http://schemas.openxmlformats.org/officeDocument/2006/relationships" xmlns:p="http://schemas.openxmlformats.org/presentationml/2006/main">
+  <p:cSld>
+    <p:spTree>
+      <p:nvGrpSpPr>
+        <p:cNvPr id="1" name=""/>
+        <p:cNvGrpSpPr/>
+        <p:nvPr/>
+      </p:nvGrpSpPr>
+      <p:grpSpPr>
+        <a:xfrm>
+          <a:off x="0" y="0"/>
+          <a:ext cx="0" cy="0"/>
+          <a:chOff x="0" y="0"/>
+          <a:chExt cx="0" cy="0"/>
+        </a:xfrm>
+      </p:grpSpPr>
+      <p:sp>
+        <p:nvSpPr>
+          <p:cNvPr id="2" name="Titel 1">
+            <a:extLst>
+              <a:ext uri="{FF2B5EF4-FFF2-40B4-BE49-F238E27FC236}">
+                <a16:creationId xmlns:a16="http://schemas.microsoft.com/office/drawing/2014/main" id="{72A2239D-1B50-4659-917C-D90E07573D89}"/>
+              </a:ext>
+            </a:extLst>
+          </p:cNvPr>
+          <p:cNvSpPr>
+            <a:spLocks noGrp="1"/>
+          </p:cNvSpPr>
+          <p:nvPr>
+            <p:ph type="title"/>
+          </p:nvPr>
+        </p:nvSpPr>
+        <p:spPr/>
+        <p:txBody>
+          <a:bodyPr/>
+          <a:lstStyle/>
+          <a:p>
+            <a:r>
+              <a:rPr lang="de-DE" dirty="0" err="1"/>
+              <a:t>Conclusion</a:t>
+            </a:r>
+            <a:endParaRPr lang="de-DE" dirty="0"/>
+          </a:p>
+        </p:txBody>
+      </p:sp>
+      <p:sp>
+        <p:nvSpPr>
+          <p:cNvPr id="3" name="Textplatzhalter 2">
+            <a:extLst>
+              <a:ext uri="{FF2B5EF4-FFF2-40B4-BE49-F238E27FC236}">
+                <a16:creationId xmlns:a16="http://schemas.microsoft.com/office/drawing/2014/main" id="{8B85CAB6-2148-483A-BD37-F82BF8E9F744}"/>
+              </a:ext>
+            </a:extLst>
+          </p:cNvPr>
+          <p:cNvSpPr>
+            <a:spLocks noGrp="1"/>
+          </p:cNvSpPr>
+          <p:nvPr>
+            <p:ph type="body" idx="1"/>
+          </p:nvPr>
+        </p:nvSpPr>
+        <p:spPr/>
+        <p:txBody>
+          <a:bodyPr/>
+          <a:lstStyle/>
+          <a:p>
+            <a:r>
+              <a:rPr lang="de-DE" dirty="0" err="1"/>
+              <a:t>Does</a:t>
+            </a:r>
+            <a:r>
+              <a:rPr lang="de-DE" dirty="0"/>
+              <a:t> </a:t>
+            </a:r>
+            <a:r>
+              <a:rPr lang="de-DE" dirty="0" err="1"/>
+              <a:t>it</a:t>
+            </a:r>
+            <a:r>
+              <a:rPr lang="de-DE" dirty="0"/>
+              <a:t> </a:t>
+            </a:r>
+            <a:r>
+              <a:rPr lang="de-DE" dirty="0" err="1"/>
+              <a:t>help</a:t>
+            </a:r>
+            <a:r>
+              <a:rPr lang="de-DE" dirty="0"/>
+              <a:t> </a:t>
+            </a:r>
+            <a:r>
+              <a:rPr lang="de-DE" dirty="0" err="1"/>
+              <a:t>to</a:t>
+            </a:r>
+            <a:r>
+              <a:rPr lang="de-DE" dirty="0"/>
+              <a:t> </a:t>
+            </a:r>
+            <a:r>
+              <a:rPr lang="de-DE" dirty="0" err="1"/>
+              <a:t>improve</a:t>
+            </a:r>
+            <a:r>
+              <a:rPr lang="de-DE" dirty="0"/>
+              <a:t> </a:t>
+            </a:r>
+            <a:r>
+              <a:rPr lang="de-DE" dirty="0" err="1"/>
+              <a:t>my</a:t>
+            </a:r>
+            <a:r>
+              <a:rPr lang="de-DE" dirty="0"/>
+              <a:t> </a:t>
+            </a:r>
+            <a:r>
+              <a:rPr lang="de-DE" dirty="0" err="1"/>
+              <a:t>quality</a:t>
+            </a:r>
+            <a:r>
+              <a:rPr lang="de-DE" dirty="0"/>
+              <a:t>?</a:t>
+            </a:r>
+          </a:p>
+        </p:txBody>
+      </p:sp>
+    </p:spTree>
+    <p:extLst>
+      <p:ext uri="{BB962C8B-B14F-4D97-AF65-F5344CB8AC3E}">
+        <p14:creationId xmlns:p14="http://schemas.microsoft.com/office/powerpoint/2010/main" val="2425680740"/>
+      </p:ext>
+    </p:extLst>
+  </p:cSld>
+  <p:clrMapOvr>
+    <a:masterClrMapping/>
+  </p:clrMapOvr>
+</p:sld>
+</file>
+
+<file path=ppt/slides/slide25.xml><?xml version="1.0" encoding="utf-8"?>
+<p:sld xmlns:a="http://schemas.openxmlformats.org/drawingml/2006/main" xmlns:r="http://schemas.openxmlformats.org/officeDocument/2006/relationships" xmlns:p="http://schemas.openxmlformats.org/presentationml/2006/main">
+  <p:cSld>
+    <p:spTree>
+      <p:nvGrpSpPr>
+        <p:cNvPr id="1" name=""/>
+        <p:cNvGrpSpPr/>
+        <p:nvPr/>
+      </p:nvGrpSpPr>
+      <p:grpSpPr>
+        <a:xfrm>
+          <a:off x="0" y="0"/>
+          <a:ext cx="0" cy="0"/>
+          <a:chOff x="0" y="0"/>
+          <a:chExt cx="0" cy="0"/>
+        </a:xfrm>
+      </p:grpSpPr>
+      <p:sp>
+        <p:nvSpPr>
+          <p:cNvPr id="4" name="Titel 3">
+            <a:extLst>
+              <a:ext uri="{FF2B5EF4-FFF2-40B4-BE49-F238E27FC236}">
+                <a16:creationId xmlns:a16="http://schemas.microsoft.com/office/drawing/2014/main" id="{A2B87DC5-8A1B-4DC7-BF1E-36044ECDDFFE}"/>
+              </a:ext>
+            </a:extLst>
+          </p:cNvPr>
+          <p:cNvSpPr>
+            <a:spLocks noGrp="1"/>
+          </p:cNvSpPr>
+          <p:nvPr>
+            <p:ph type="title"/>
+          </p:nvPr>
+        </p:nvSpPr>
+        <p:spPr>
+          <a:xfrm>
+            <a:off x="838200" y="2766218"/>
+            <a:ext cx="10515600" cy="1325563"/>
+          </a:xfrm>
+        </p:spPr>
+        <p:txBody>
+          <a:bodyPr>
+            <a:normAutofit/>
+          </a:bodyPr>
+          <a:lstStyle/>
+          <a:p>
+            <a:pPr algn="ctr"/>
+            <a:r>
+              <a:rPr lang="de-DE" sz="8000" b="1" dirty="0"/>
+              <a:t>!! YES !!</a:t>
+            </a:r>
+          </a:p>
+        </p:txBody>
+      </p:sp>
+    </p:spTree>
+    <p:extLst>
+      <p:ext uri="{BB962C8B-B14F-4D97-AF65-F5344CB8AC3E}">
+        <p14:creationId xmlns:p14="http://schemas.microsoft.com/office/powerpoint/2010/main" val="1829565490"/>
+      </p:ext>
+    </p:extLst>
+  </p:cSld>
+  <p:clrMapOvr>
+    <a:masterClrMapping/>
+  </p:clrMapOvr>
+</p:sld>
+</file>
+
+<file path=ppt/slides/slide26.xml><?xml version="1.0" encoding="utf-8"?>
+<p:sld xmlns:a="http://schemas.openxmlformats.org/drawingml/2006/main" xmlns:r="http://schemas.openxmlformats.org/officeDocument/2006/relationships" xmlns:p="http://schemas.openxmlformats.org/presentationml/2006/main">
+  <p:cSld>
+    <p:spTree>
+      <p:nvGrpSpPr>
+        <p:cNvPr id="1" name=""/>
+        <p:cNvGrpSpPr/>
+        <p:nvPr/>
+      </p:nvGrpSpPr>
+      <p:grpSpPr>
+        <a:xfrm>
+          <a:off x="0" y="0"/>
+          <a:ext cx="0" cy="0"/>
+          <a:chOff x="0" y="0"/>
+          <a:chExt cx="0" cy="0"/>
+        </a:xfrm>
+      </p:grpSpPr>
+      <p:sp>
+        <p:nvSpPr>
+          <p:cNvPr id="4" name="Titel 3">
+            <a:extLst>
+              <a:ext uri="{FF2B5EF4-FFF2-40B4-BE49-F238E27FC236}">
+                <a16:creationId xmlns:a16="http://schemas.microsoft.com/office/drawing/2014/main" id="{A51D4595-3407-41AF-B17A-84CCDEDD0B98}"/>
+              </a:ext>
+            </a:extLst>
+          </p:cNvPr>
+          <p:cNvSpPr>
+            <a:spLocks noGrp="1"/>
+          </p:cNvSpPr>
+          <p:nvPr>
+            <p:ph type="title"/>
+          </p:nvPr>
+        </p:nvSpPr>
+        <p:spPr/>
+        <p:txBody>
+          <a:bodyPr/>
+          <a:lstStyle/>
+          <a:p>
+            <a:r>
+              <a:rPr lang="de-DE" dirty="0" err="1"/>
+              <a:t>Recommendations</a:t>
+            </a:r>
+            <a:endParaRPr lang="de-DE" dirty="0"/>
+          </a:p>
+        </p:txBody>
+      </p:sp>
+      <p:sp>
+        <p:nvSpPr>
+          <p:cNvPr id="5" name="Inhaltsplatzhalter 4">
+            <a:extLst>
+              <a:ext uri="{FF2B5EF4-FFF2-40B4-BE49-F238E27FC236}">
+                <a16:creationId xmlns:a16="http://schemas.microsoft.com/office/drawing/2014/main" id="{013D9DDF-CEAC-4662-B6DF-EDC9AD487195}"/>
+              </a:ext>
+            </a:extLst>
+          </p:cNvPr>
+          <p:cNvSpPr>
+            <a:spLocks noGrp="1"/>
+          </p:cNvSpPr>
+          <p:nvPr>
+            <p:ph idx="1"/>
+          </p:nvPr>
+        </p:nvSpPr>
+        <p:spPr/>
+        <p:txBody>
+          <a:bodyPr/>
+          <a:lstStyle/>
+          <a:p>
+            <a:endParaRPr lang="de-DE"/>
+          </a:p>
+        </p:txBody>
+      </p:sp>
+    </p:spTree>
+    <p:extLst>
+      <p:ext uri="{BB962C8B-B14F-4D97-AF65-F5344CB8AC3E}">
+        <p14:creationId xmlns:p14="http://schemas.microsoft.com/office/powerpoint/2010/main" val="3581365617"/>
       </p:ext>
     </p:extLst>
   </p:cSld>
